--- a/JodelAlert.pptx
+++ b/JodelAlert.pptx
@@ -7,6 +7,8 @@
   <p:sldIdLst>
     <p:sldId id="256" r:id="rId2"/>
     <p:sldId id="257" r:id="rId3"/>
+    <p:sldId id="258" r:id="rId4"/>
+    <p:sldId id="259" r:id="rId5"/>
   </p:sldIdLst>
   <p:sldSz cx="9144000" cy="6858000" type="screen4x3"/>
   <p:notesSz cx="6858000" cy="9144000"/>
@@ -2755,6 +2757,271 @@
 </p:sld>
 </file>
 
+<file path=ppt/slides/slide3.xml><?xml version="1.0" encoding="utf-8"?>
+<p:sld xmlns:a="http://schemas.openxmlformats.org/drawingml/2006/main" xmlns:r="http://schemas.openxmlformats.org/officeDocument/2006/relationships" xmlns:p="http://schemas.openxmlformats.org/presentationml/2006/main">
+  <p:cSld>
+    <p:spTree>
+      <p:nvGrpSpPr>
+        <p:cNvPr id="1" name=""/>
+        <p:cNvGrpSpPr/>
+        <p:nvPr/>
+      </p:nvGrpSpPr>
+      <p:grpSpPr>
+        <a:xfrm>
+          <a:off x="0" y="0"/>
+          <a:ext cx="0" cy="0"/>
+          <a:chOff x="0" y="0"/>
+          <a:chExt cx="0" cy="0"/>
+        </a:xfrm>
+      </p:grpSpPr>
+      <p:sp>
+        <p:nvSpPr>
+          <p:cNvPr id="2" name="Title 1"/>
+          <p:cNvSpPr>
+            <a:spLocks noGrp="1"/>
+          </p:cNvSpPr>
+          <p:nvPr>
+            <p:ph type="title"/>
+          </p:nvPr>
+        </p:nvSpPr>
+        <p:spPr/>
+        <p:txBody>
+          <a:bodyPr/>
+          <a:lstStyle/>
+          <a:p>
+            <a:r>
+              <a:rPr lang="sv-SE" dirty="0" smtClean="0">
+                <a:latin typeface="Arial Unicode MS" panose="020B0604020202020204" pitchFamily="34" charset="-128"/>
+                <a:ea typeface="Arial Unicode MS" panose="020B0604020202020204" pitchFamily="34" charset="-128"/>
+                <a:cs typeface="Arial Unicode MS" panose="020B0604020202020204" pitchFamily="34" charset="-128"/>
+              </a:rPr>
+              <a:t>Jodel</a:t>
+            </a:r>
+            <a:endParaRPr lang="en-US" dirty="0">
+              <a:latin typeface="Arial Unicode MS" panose="020B0604020202020204" pitchFamily="34" charset="-128"/>
+              <a:ea typeface="Arial Unicode MS" panose="020B0604020202020204" pitchFamily="34" charset="-128"/>
+              <a:cs typeface="Arial Unicode MS" panose="020B0604020202020204" pitchFamily="34" charset="-128"/>
+            </a:endParaRPr>
+          </a:p>
+        </p:txBody>
+      </p:sp>
+      <p:sp>
+        <p:nvSpPr>
+          <p:cNvPr id="3" name="Content Placeholder 2"/>
+          <p:cNvSpPr>
+            <a:spLocks noGrp="1"/>
+          </p:cNvSpPr>
+          <p:nvPr>
+            <p:ph idx="1"/>
+          </p:nvPr>
+        </p:nvSpPr>
+        <p:spPr/>
+        <p:txBody>
+          <a:bodyPr/>
+          <a:lstStyle/>
+          <a:p>
+            <a:r>
+              <a:rPr lang="sv-SE" dirty="0" smtClean="0">
+                <a:latin typeface="Arial Unicode MS" panose="020B0604020202020204" pitchFamily="34" charset="-128"/>
+                <a:ea typeface="Arial Unicode MS" panose="020B0604020202020204" pitchFamily="34" charset="-128"/>
+                <a:cs typeface="Arial Unicode MS" panose="020B0604020202020204" pitchFamily="34" charset="-128"/>
+              </a:rPr>
+              <a:t>An anonymous social application that targets students and campus life</a:t>
+            </a:r>
+          </a:p>
+          <a:p>
+            <a:endParaRPr lang="sv-SE" dirty="0" smtClean="0"/>
+          </a:p>
+          <a:p>
+            <a:endParaRPr lang="sv-SE" dirty="0"/>
+          </a:p>
+        </p:txBody>
+      </p:sp>
+    </p:spTree>
+    <p:extLst>
+      <p:ext uri="{BB962C8B-B14F-4D97-AF65-F5344CB8AC3E}">
+        <p14:creationId xmlns:p14="http://schemas.microsoft.com/office/powerpoint/2010/main" val="1621843957"/>
+      </p:ext>
+    </p:extLst>
+  </p:cSld>
+  <p:clrMapOvr>
+    <a:masterClrMapping/>
+  </p:clrMapOvr>
+</p:sld>
+</file>
+
+<file path=ppt/slides/slide4.xml><?xml version="1.0" encoding="utf-8"?>
+<p:sld xmlns:a="http://schemas.openxmlformats.org/drawingml/2006/main" xmlns:r="http://schemas.openxmlformats.org/officeDocument/2006/relationships" xmlns:p="http://schemas.openxmlformats.org/presentationml/2006/main">
+  <p:cSld>
+    <p:spTree>
+      <p:nvGrpSpPr>
+        <p:cNvPr id="1" name=""/>
+        <p:cNvGrpSpPr/>
+        <p:nvPr/>
+      </p:nvGrpSpPr>
+      <p:grpSpPr>
+        <a:xfrm>
+          <a:off x="0" y="0"/>
+          <a:ext cx="0" cy="0"/>
+          <a:chOff x="0" y="0"/>
+          <a:chExt cx="0" cy="0"/>
+        </a:xfrm>
+      </p:grpSpPr>
+      <p:sp>
+        <p:nvSpPr>
+          <p:cNvPr id="2" name="Title 1"/>
+          <p:cNvSpPr>
+            <a:spLocks noGrp="1"/>
+          </p:cNvSpPr>
+          <p:nvPr>
+            <p:ph type="title"/>
+          </p:nvPr>
+        </p:nvSpPr>
+        <p:spPr/>
+        <p:txBody>
+          <a:bodyPr/>
+          <a:lstStyle/>
+          <a:p>
+            <a:r>
+              <a:rPr lang="sv-SE" dirty="0" smtClean="0">
+                <a:latin typeface="Arial Unicode MS" panose="020B0604020202020204" pitchFamily="34" charset="-128"/>
+                <a:ea typeface="Arial Unicode MS" panose="020B0604020202020204" pitchFamily="34" charset="-128"/>
+                <a:cs typeface="Arial Unicode MS" panose="020B0604020202020204" pitchFamily="34" charset="-128"/>
+              </a:rPr>
+              <a:t>Jodel Alert</a:t>
+            </a:r>
+            <a:endParaRPr lang="en-US" dirty="0">
+              <a:latin typeface="Arial Unicode MS" panose="020B0604020202020204" pitchFamily="34" charset="-128"/>
+              <a:ea typeface="Arial Unicode MS" panose="020B0604020202020204" pitchFamily="34" charset="-128"/>
+              <a:cs typeface="Arial Unicode MS" panose="020B0604020202020204" pitchFamily="34" charset="-128"/>
+            </a:endParaRPr>
+          </a:p>
+        </p:txBody>
+      </p:sp>
+      <p:sp>
+        <p:nvSpPr>
+          <p:cNvPr id="3" name="Content Placeholder 2"/>
+          <p:cNvSpPr>
+            <a:spLocks noGrp="1"/>
+          </p:cNvSpPr>
+          <p:nvPr>
+            <p:ph idx="1"/>
+          </p:nvPr>
+        </p:nvSpPr>
+        <p:spPr/>
+        <p:txBody>
+          <a:bodyPr/>
+          <a:lstStyle/>
+          <a:p>
+            <a:r>
+              <a:rPr lang="sv-SE" dirty="0">
+                <a:latin typeface="Arial Unicode MS" panose="020B0604020202020204" pitchFamily="34" charset="-128"/>
+                <a:ea typeface="Arial Unicode MS" panose="020B0604020202020204" pitchFamily="34" charset="-128"/>
+                <a:cs typeface="Arial Unicode MS" panose="020B0604020202020204" pitchFamily="34" charset="-128"/>
+              </a:rPr>
+              <a:t>Linnéstudenterna wants to tap into the feed and get an alert when someone posts about accomodation, exams, cheating and students getting mistreated from the university </a:t>
+            </a:r>
+            <a:r>
+              <a:rPr lang="sv-SE" dirty="0" smtClean="0">
+                <a:latin typeface="Arial Unicode MS" panose="020B0604020202020204" pitchFamily="34" charset="-128"/>
+                <a:ea typeface="Arial Unicode MS" panose="020B0604020202020204" pitchFamily="34" charset="-128"/>
+                <a:cs typeface="Arial Unicode MS" panose="020B0604020202020204" pitchFamily="34" charset="-128"/>
+              </a:rPr>
+              <a:t>etc (keywords)</a:t>
+            </a:r>
+            <a:endParaRPr lang="sv-SE" dirty="0">
+              <a:latin typeface="Arial Unicode MS" panose="020B0604020202020204" pitchFamily="34" charset="-128"/>
+              <a:ea typeface="Arial Unicode MS" panose="020B0604020202020204" pitchFamily="34" charset="-128"/>
+              <a:cs typeface="Arial Unicode MS" panose="020B0604020202020204" pitchFamily="34" charset="-128"/>
+            </a:endParaRPr>
+          </a:p>
+          <a:p>
+            <a:endParaRPr lang="sv-SE" dirty="0">
+              <a:latin typeface="Arial Unicode MS" panose="020B0604020202020204" pitchFamily="34" charset="-128"/>
+              <a:ea typeface="Arial Unicode MS" panose="020B0604020202020204" pitchFamily="34" charset="-128"/>
+              <a:cs typeface="Arial Unicode MS" panose="020B0604020202020204" pitchFamily="34" charset="-128"/>
+            </a:endParaRPr>
+          </a:p>
+          <a:p>
+            <a:r>
+              <a:rPr lang="sv-SE" dirty="0" smtClean="0">
+                <a:latin typeface="Arial Unicode MS" panose="020B0604020202020204" pitchFamily="34" charset="-128"/>
+                <a:ea typeface="Arial Unicode MS" panose="020B0604020202020204" pitchFamily="34" charset="-128"/>
+                <a:cs typeface="Arial Unicode MS" panose="020B0604020202020204" pitchFamily="34" charset="-128"/>
+              </a:rPr>
+              <a:t>Jodel Alert will </a:t>
+            </a:r>
+            <a:r>
+              <a:rPr lang="sv-SE" dirty="0">
+                <a:latin typeface="Arial Unicode MS" panose="020B0604020202020204" pitchFamily="34" charset="-128"/>
+                <a:ea typeface="Arial Unicode MS" panose="020B0604020202020204" pitchFamily="34" charset="-128"/>
+                <a:cs typeface="Arial Unicode MS" panose="020B0604020202020204" pitchFamily="34" charset="-128"/>
+              </a:rPr>
+              <a:t>send Linnéstudenterna an email when such post is </a:t>
+            </a:r>
+            <a:r>
+              <a:rPr lang="sv-SE" dirty="0" smtClean="0">
+                <a:latin typeface="Arial Unicode MS" panose="020B0604020202020204" pitchFamily="34" charset="-128"/>
+                <a:ea typeface="Arial Unicode MS" panose="020B0604020202020204" pitchFamily="34" charset="-128"/>
+                <a:cs typeface="Arial Unicode MS" panose="020B0604020202020204" pitchFamily="34" charset="-128"/>
+              </a:rPr>
+              <a:t>found</a:t>
+            </a:r>
+          </a:p>
+          <a:p>
+            <a:endParaRPr lang="sv-SE" dirty="0">
+              <a:latin typeface="Arial Unicode MS" panose="020B0604020202020204" pitchFamily="34" charset="-128"/>
+              <a:ea typeface="Arial Unicode MS" panose="020B0604020202020204" pitchFamily="34" charset="-128"/>
+              <a:cs typeface="Arial Unicode MS" panose="020B0604020202020204" pitchFamily="34" charset="-128"/>
+            </a:endParaRPr>
+          </a:p>
+          <a:p>
+            <a:r>
+              <a:rPr lang="sv-SE" dirty="0" smtClean="0">
+                <a:latin typeface="Arial Unicode MS" panose="020B0604020202020204" pitchFamily="34" charset="-128"/>
+                <a:ea typeface="Arial Unicode MS" panose="020B0604020202020204" pitchFamily="34" charset="-128"/>
+                <a:cs typeface="Arial Unicode MS" panose="020B0604020202020204" pitchFamily="34" charset="-128"/>
+              </a:rPr>
+              <a:t>Today Linnéstudenterna searches the feed manually when given time</a:t>
+            </a:r>
+          </a:p>
+          <a:p>
+            <a:endParaRPr lang="sv-SE" dirty="0">
+              <a:latin typeface="Arial Unicode MS" panose="020B0604020202020204" pitchFamily="34" charset="-128"/>
+              <a:ea typeface="Arial Unicode MS" panose="020B0604020202020204" pitchFamily="34" charset="-128"/>
+              <a:cs typeface="Arial Unicode MS" panose="020B0604020202020204" pitchFamily="34" charset="-128"/>
+            </a:endParaRPr>
+          </a:p>
+          <a:p>
+            <a:r>
+              <a:rPr lang="sv-SE" dirty="0" smtClean="0">
+                <a:latin typeface="Arial Unicode MS" panose="020B0604020202020204" pitchFamily="34" charset="-128"/>
+                <a:ea typeface="Arial Unicode MS" panose="020B0604020202020204" pitchFamily="34" charset="-128"/>
+                <a:cs typeface="Arial Unicode MS" panose="020B0604020202020204" pitchFamily="34" charset="-128"/>
+              </a:rPr>
+              <a:t>Other companies can also benefit from this, in order to see what is trending for that company or what is said in general public by common man about that company</a:t>
+            </a:r>
+            <a:endParaRPr lang="en-US" dirty="0">
+              <a:latin typeface="Arial Unicode MS" panose="020B0604020202020204" pitchFamily="34" charset="-128"/>
+              <a:ea typeface="Arial Unicode MS" panose="020B0604020202020204" pitchFamily="34" charset="-128"/>
+              <a:cs typeface="Arial Unicode MS" panose="020B0604020202020204" pitchFamily="34" charset="-128"/>
+            </a:endParaRPr>
+          </a:p>
+        </p:txBody>
+      </p:sp>
+    </p:spTree>
+    <p:extLst>
+      <p:ext uri="{BB962C8B-B14F-4D97-AF65-F5344CB8AC3E}">
+        <p14:creationId xmlns:p14="http://schemas.microsoft.com/office/powerpoint/2010/main" val="2170090029"/>
+      </p:ext>
+    </p:extLst>
+  </p:cSld>
+  <p:clrMapOvr>
+    <a:masterClrMapping/>
+  </p:clrMapOvr>
+</p:sld>
+</file>
+
 <file path=ppt/theme/theme1.xml><?xml version="1.0" encoding="utf-8"?>
 <a:theme xmlns:a="http://schemas.openxmlformats.org/drawingml/2006/main" name="1_Office Theme">
   <a:themeElements>
@@ -3141,7 +3408,7 @@
   </a:extraClrSchemeLst>
   <a:extLst>
     <a:ext uri="{05A4C25C-085E-4340-85A3-A5531E510DB2}">
-      <thm15:themeFamily xmlns:thm15="http://schemas.microsoft.com/office/thememl/2012/main" name="Office Theme" id="{62F939B6-93AF-4DB8-9C6B-D6C7DFDC589F}" vid="{4A3C46E8-61CC-4603-A589-7422A47A8E4A}"/>
+      <thm15:themeFamily xmlns:thm15="http://schemas.microsoft.com/office/thememl/2012/main" xmlns="" name="Office Theme" id="{62F939B6-93AF-4DB8-9C6B-D6C7DFDC589F}" vid="{4A3C46E8-61CC-4603-A589-7422A47A8E4A}"/>
     </a:ext>
   </a:extLst>
 </a:theme>

--- a/JodelAlert.pptx
+++ b/JodelAlert.pptx
@@ -1,33 +1,32 @@
 
 <file path=ppt/presentation.xml><?xml version="1.0" encoding="utf-8"?>
-<p:presentation xmlns:a="http://schemas.openxmlformats.org/drawingml/2006/main" xmlns:r="http://schemas.openxmlformats.org/officeDocument/2006/relationships" xmlns:mc="http://schemas.openxmlformats.org/markup-compatibility/2006" xmlns:mv="urn:schemas-microsoft-com:mac:vml" xmlns:p="http://schemas.openxmlformats.org/presentationml/2006/main" xmlns:c="http://schemas.openxmlformats.org/drawingml/2006/chart" xmlns:dgm="http://schemas.openxmlformats.org/drawingml/2006/diagram" xmlns:o="urn:schemas-microsoft-com:office:office" xmlns:v="urn:schemas-microsoft-com:vml" xmlns:pvml="urn:schemas-microsoft-com:office:powerpoint" xmlns:com="http://schemas.openxmlformats.org/drawingml/2006/compatibility" xmlns:p14="http://schemas.microsoft.com/office/powerpoint/2010/main" autoCompressPictures="0" embedTrueTypeFonts="1" strictFirstAndLastChars="0" saveSubsetFonts="1">
+<p:presentation xmlns:a="http://schemas.openxmlformats.org/drawingml/2006/main" xmlns:r="http://schemas.openxmlformats.org/officeDocument/2006/relationships" xmlns:p="http://schemas.openxmlformats.org/presentationml/2006/main" strictFirstAndLastChars="0" embedTrueTypeFonts="1" saveSubsetFonts="1" autoCompressPictures="0">
   <p:sldMasterIdLst>
-    <p:sldMasterId id="2147483659" r:id="rId3"/>
+    <p:sldMasterId id="2147483659" r:id="rId1"/>
   </p:sldMasterIdLst>
   <p:notesMasterIdLst>
-    <p:notesMasterId r:id="rId4"/>
+    <p:notesMasterId r:id="rId9"/>
   </p:notesMasterIdLst>
   <p:sldIdLst>
-    <p:sldId id="256" r:id="rId5"/>
-    <p:sldId id="257" r:id="rId6"/>
-    <p:sldId id="258" r:id="rId7"/>
-    <p:sldId id="259" r:id="rId8"/>
-    <p:sldId id="260" r:id="rId9"/>
-    <p:sldId id="261" r:id="rId10"/>
+    <p:sldId id="256" r:id="rId2"/>
+    <p:sldId id="258" r:id="rId3"/>
+    <p:sldId id="259" r:id="rId4"/>
+    <p:sldId id="257" r:id="rId5"/>
+    <p:sldId id="260" r:id="rId6"/>
+    <p:sldId id="261" r:id="rId7"/>
+    <p:sldId id="262" r:id="rId8"/>
   </p:sldIdLst>
-  <p:sldSz cy="6858000" cx="9144000"/>
+  <p:sldSz cx="9144000" cy="6858000" type="screen4x3"/>
   <p:notesSz cx="6858000" cy="9144000"/>
   <p:embeddedFontLst>
     <p:embeddedFont>
-      <p:font typeface="Arimo"/>
-      <p:regular r:id="rId11"/>
-      <p:bold r:id="rId12"/>
-      <p:italic r:id="rId13"/>
-      <p:boldItalic r:id="rId14"/>
+      <p:font typeface="Arimo" panose="020B0604020202020204" charset="0"/>
+      <p:regular r:id="rId10"/>
+      <p:bold r:id="rId11"/>
     </p:embeddedFont>
   </p:embeddedFontLst>
   <p:defaultTextStyle>
-    <a:defPPr lvl="0" marR="0" rtl="0" algn="l">
+    <a:defPPr marR="0" lvl="0" algn="l" rtl="0">
       <a:lnSpc>
         <a:spcPct val="100000"/>
       </a:lnSpc>
@@ -38,7 +37,7 @@
         <a:spcPts val="0"/>
       </a:spcAft>
     </a:defPPr>
-    <a:lvl1pPr lvl="0" marR="0" rtl="0" algn="l">
+    <a:lvl1pPr marR="0" lvl="0" algn="l" rtl="0">
       <a:lnSpc>
         <a:spcPct val="100000"/>
       </a:lnSpc>
@@ -49,7 +48,7 @@
         <a:spcPts val="0"/>
       </a:spcAft>
       <a:buNone/>
-      <a:defRPr b="0" i="0" sz="1400" u="none" cap="none" strike="noStrike">
+      <a:defRPr sz="1400" b="0" i="0" u="none" strike="noStrike" cap="none">
         <a:solidFill>
           <a:srgbClr val="000000"/>
         </a:solidFill>
@@ -59,7 +58,7 @@
         <a:sym typeface="Arial"/>
       </a:defRPr>
     </a:lvl1pPr>
-    <a:lvl2pPr lvl="1" marR="0" rtl="0" algn="l">
+    <a:lvl2pPr marR="0" lvl="1" algn="l" rtl="0">
       <a:lnSpc>
         <a:spcPct val="100000"/>
       </a:lnSpc>
@@ -70,7 +69,7 @@
         <a:spcPts val="0"/>
       </a:spcAft>
       <a:buNone/>
-      <a:defRPr b="0" i="0" sz="1400" u="none" cap="none" strike="noStrike">
+      <a:defRPr sz="1400" b="0" i="0" u="none" strike="noStrike" cap="none">
         <a:solidFill>
           <a:srgbClr val="000000"/>
         </a:solidFill>
@@ -80,7 +79,7 @@
         <a:sym typeface="Arial"/>
       </a:defRPr>
     </a:lvl2pPr>
-    <a:lvl3pPr lvl="2" marR="0" rtl="0" algn="l">
+    <a:lvl3pPr marR="0" lvl="2" algn="l" rtl="0">
       <a:lnSpc>
         <a:spcPct val="100000"/>
       </a:lnSpc>
@@ -91,7 +90,7 @@
         <a:spcPts val="0"/>
       </a:spcAft>
       <a:buNone/>
-      <a:defRPr b="0" i="0" sz="1400" u="none" cap="none" strike="noStrike">
+      <a:defRPr sz="1400" b="0" i="0" u="none" strike="noStrike" cap="none">
         <a:solidFill>
           <a:srgbClr val="000000"/>
         </a:solidFill>
@@ -101,7 +100,7 @@
         <a:sym typeface="Arial"/>
       </a:defRPr>
     </a:lvl3pPr>
-    <a:lvl4pPr lvl="3" marR="0" rtl="0" algn="l">
+    <a:lvl4pPr marR="0" lvl="3" algn="l" rtl="0">
       <a:lnSpc>
         <a:spcPct val="100000"/>
       </a:lnSpc>
@@ -112,7 +111,7 @@
         <a:spcPts val="0"/>
       </a:spcAft>
       <a:buNone/>
-      <a:defRPr b="0" i="0" sz="1400" u="none" cap="none" strike="noStrike">
+      <a:defRPr sz="1400" b="0" i="0" u="none" strike="noStrike" cap="none">
         <a:solidFill>
           <a:srgbClr val="000000"/>
         </a:solidFill>
@@ -122,7 +121,7 @@
         <a:sym typeface="Arial"/>
       </a:defRPr>
     </a:lvl4pPr>
-    <a:lvl5pPr lvl="4" marR="0" rtl="0" algn="l">
+    <a:lvl5pPr marR="0" lvl="4" algn="l" rtl="0">
       <a:lnSpc>
         <a:spcPct val="100000"/>
       </a:lnSpc>
@@ -133,7 +132,7 @@
         <a:spcPts val="0"/>
       </a:spcAft>
       <a:buNone/>
-      <a:defRPr b="0" i="0" sz="1400" u="none" cap="none" strike="noStrike">
+      <a:defRPr sz="1400" b="0" i="0" u="none" strike="noStrike" cap="none">
         <a:solidFill>
           <a:srgbClr val="000000"/>
         </a:solidFill>
@@ -143,7 +142,7 @@
         <a:sym typeface="Arial"/>
       </a:defRPr>
     </a:lvl5pPr>
-    <a:lvl6pPr lvl="5" marR="0" rtl="0" algn="l">
+    <a:lvl6pPr marR="0" lvl="5" algn="l" rtl="0">
       <a:lnSpc>
         <a:spcPct val="100000"/>
       </a:lnSpc>
@@ -154,7 +153,7 @@
         <a:spcPts val="0"/>
       </a:spcAft>
       <a:buNone/>
-      <a:defRPr b="0" i="0" sz="1400" u="none" cap="none" strike="noStrike">
+      <a:defRPr sz="1400" b="0" i="0" u="none" strike="noStrike" cap="none">
         <a:solidFill>
           <a:srgbClr val="000000"/>
         </a:solidFill>
@@ -164,7 +163,7 @@
         <a:sym typeface="Arial"/>
       </a:defRPr>
     </a:lvl6pPr>
-    <a:lvl7pPr lvl="6" marR="0" rtl="0" algn="l">
+    <a:lvl7pPr marR="0" lvl="6" algn="l" rtl="0">
       <a:lnSpc>
         <a:spcPct val="100000"/>
       </a:lnSpc>
@@ -175,7 +174,7 @@
         <a:spcPts val="0"/>
       </a:spcAft>
       <a:buNone/>
-      <a:defRPr b="0" i="0" sz="1400" u="none" cap="none" strike="noStrike">
+      <a:defRPr sz="1400" b="0" i="0" u="none" strike="noStrike" cap="none">
         <a:solidFill>
           <a:srgbClr val="000000"/>
         </a:solidFill>
@@ -185,7 +184,7 @@
         <a:sym typeface="Arial"/>
       </a:defRPr>
     </a:lvl7pPr>
-    <a:lvl8pPr lvl="7" marR="0" rtl="0" algn="l">
+    <a:lvl8pPr marR="0" lvl="7" algn="l" rtl="0">
       <a:lnSpc>
         <a:spcPct val="100000"/>
       </a:lnSpc>
@@ -196,7 +195,7 @@
         <a:spcPts val="0"/>
       </a:spcAft>
       <a:buNone/>
-      <a:defRPr b="0" i="0" sz="1400" u="none" cap="none" strike="noStrike">
+      <a:defRPr sz="1400" b="0" i="0" u="none" strike="noStrike" cap="none">
         <a:solidFill>
           <a:srgbClr val="000000"/>
         </a:solidFill>
@@ -206,7 +205,7 @@
         <a:sym typeface="Arial"/>
       </a:defRPr>
     </a:lvl8pPr>
-    <a:lvl9pPr lvl="8" marR="0" rtl="0" algn="l">
+    <a:lvl9pPr marR="0" lvl="8" algn="l" rtl="0">
       <a:lnSpc>
         <a:spcPct val="100000"/>
       </a:lnSpc>
@@ -217,7 +216,7 @@
         <a:spcPts val="0"/>
       </a:spcAft>
       <a:buNone/>
-      <a:defRPr b="0" i="0" sz="1400" u="none" cap="none" strike="noStrike">
+      <a:defRPr sz="1400" b="0" i="0" u="none" strike="noStrike" cap="none">
         <a:solidFill>
           <a:srgbClr val="000000"/>
         </a:solidFill>
@@ -232,11 +231,16 @@
 </file>
 
 <file path=ppt/notesMasters/notesMaster1.xml><?xml version="1.0" encoding="utf-8"?>
-<p:notesMaster xmlns:a="http://schemas.openxmlformats.org/drawingml/2006/main" xmlns:r="http://schemas.openxmlformats.org/officeDocument/2006/relationships" xmlns:mc="http://schemas.openxmlformats.org/markup-compatibility/2006" xmlns:mv="urn:schemas-microsoft-com:mac:vml" xmlns:p="http://schemas.openxmlformats.org/presentationml/2006/main" xmlns:c="http://schemas.openxmlformats.org/drawingml/2006/chart" xmlns:dgm="http://schemas.openxmlformats.org/drawingml/2006/diagram" xmlns:o="urn:schemas-microsoft-com:office:office" xmlns:v="urn:schemas-microsoft-com:vml" xmlns:pvml="urn:schemas-microsoft-com:office:powerpoint" xmlns:com="http://schemas.openxmlformats.org/drawingml/2006/compatibility" xmlns:p14="http://schemas.microsoft.com/office/powerpoint/2010/main">
+<p:notesMaster xmlns:a="http://schemas.openxmlformats.org/drawingml/2006/main" xmlns:r="http://schemas.openxmlformats.org/officeDocument/2006/relationships" xmlns:p="http://schemas.openxmlformats.org/presentationml/2006/main">
   <p:cSld>
+    <p:bg>
+      <p:bgRef idx="1001">
+        <a:schemeClr val="bg1"/>
+      </p:bgRef>
+    </p:bg>
     <p:spTree>
       <p:nvGrpSpPr>
-        <p:cNvPr id="2" name="Shape 2"/>
+        <p:cNvPr id="1" name="Shape 2"/>
         <p:cNvGrpSpPr/>
         <p:nvPr/>
       </p:nvGrpSpPr>
@@ -251,9 +255,11 @@
       <p:sp>
         <p:nvSpPr>
           <p:cNvPr id="3" name="Shape 3"/>
-          <p:cNvSpPr/>
+          <p:cNvSpPr>
+            <a:spLocks noGrp="1" noRot="1" noChangeAspect="1"/>
+          </p:cNvSpPr>
           <p:nvPr>
-            <p:ph idx="2" type="sldImg"/>
+            <p:ph type="sldImg" idx="2"/>
           </p:nvPr>
         </p:nvSpPr>
         <p:spPr>
@@ -262,8 +268,13 @@
             <a:ext cx="4572225" cy="3429000"/>
           </a:xfrm>
           <a:custGeom>
+            <a:avLst/>
+            <a:gdLst/>
+            <a:ahLst/>
+            <a:cxnLst/>
+            <a:rect l="0" t="0" r="0" b="0"/>
             <a:pathLst>
-              <a:path extrusionOk="0" h="120000" w="120000">
+              <a:path w="120000" h="120000" extrusionOk="0">
                 <a:moveTo>
                   <a:pt x="0" y="0"/>
                 </a:moveTo>
@@ -281,23 +292,25 @@
             </a:pathLst>
           </a:custGeom>
           <a:noFill/>
-          <a:ln cap="flat" cmpd="sng" w="9525">
+          <a:ln w="9525" cap="flat" cmpd="sng">
             <a:solidFill>
               <a:srgbClr val="000000"/>
             </a:solidFill>
             <a:prstDash val="solid"/>
             <a:round/>
-            <a:headEnd len="med" w="med" type="none"/>
-            <a:tailEnd len="med" w="med" type="none"/>
+            <a:headEnd type="none" w="med" len="med"/>
+            <a:tailEnd type="none" w="med" len="med"/>
           </a:ln>
         </p:spPr>
       </p:sp>
       <p:sp>
         <p:nvSpPr>
           <p:cNvPr id="4" name="Shape 4"/>
-          <p:cNvSpPr txBox="1"/>
+          <p:cNvSpPr txBox="1">
+            <a:spLocks noGrp="1"/>
+          </p:cNvSpPr>
           <p:nvPr>
-            <p:ph idx="1" type="body"/>
+            <p:ph type="body" idx="1"/>
           </p:nvPr>
         </p:nvSpPr>
         <p:spPr>
@@ -314,7 +327,7 @@
           </a:ln>
         </p:spPr>
         <p:txBody>
-          <a:bodyPr anchorCtr="0" anchor="t" bIns="91425" lIns="91425" rIns="91425" tIns="91425"/>
+          <a:bodyPr lIns="91425" tIns="91425" rIns="91425" bIns="91425" anchor="t" anchorCtr="0"/>
           <a:lstStyle>
             <a:lvl1pPr lvl="0">
               <a:spcBef>
@@ -371,21 +384,120 @@
               <a:defRPr sz="1100"/>
             </a:lvl9pPr>
           </a:lstStyle>
-          <a:p/>
+          <a:p>
+            <a:endParaRPr/>
+          </a:p>
         </p:txBody>
       </p:sp>
     </p:spTree>
+    <p:extLst>
+      <p:ext uri="{BB962C8B-B14F-4D97-AF65-F5344CB8AC3E}">
+        <p14:creationId xmlns:p14="http://schemas.microsoft.com/office/powerpoint/2010/main" val="3235265958"/>
+      </p:ext>
+    </p:extLst>
   </p:cSld>
-  <p:clrMap accent1="accent1" accent2="accent2" accent3="accent3" accent4="accent4" accent5="accent5" accent6="accent6" bg1="lt1" bg2="dk2" tx1="dk1" tx2="lt2" folHlink="folHlink" hlink="hlink"/>
+  <p:clrMap bg1="lt1" tx1="dk1" bg2="dk2" tx2="lt2" accent1="accent1" accent2="accent2" accent3="accent3" accent4="accent4" accent5="accent5" accent6="accent6" hlink="hlink" folHlink="folHlink"/>
+  <p:notesStyle>
+    <a:lvl1pPr marL="0" algn="l" defTabSz="914400" rtl="0" eaLnBrk="1" latinLnBrk="0" hangingPunct="1">
+      <a:defRPr sz="1200" kern="1200">
+        <a:solidFill>
+          <a:schemeClr val="tx1"/>
+        </a:solidFill>
+        <a:latin typeface="+mn-lt"/>
+        <a:ea typeface="+mn-ea"/>
+        <a:cs typeface="+mn-cs"/>
+      </a:defRPr>
+    </a:lvl1pPr>
+    <a:lvl2pPr marL="457200" algn="l" defTabSz="914400" rtl="0" eaLnBrk="1" latinLnBrk="0" hangingPunct="1">
+      <a:defRPr sz="1200" kern="1200">
+        <a:solidFill>
+          <a:schemeClr val="tx1"/>
+        </a:solidFill>
+        <a:latin typeface="+mn-lt"/>
+        <a:ea typeface="+mn-ea"/>
+        <a:cs typeface="+mn-cs"/>
+      </a:defRPr>
+    </a:lvl2pPr>
+    <a:lvl3pPr marL="914400" algn="l" defTabSz="914400" rtl="0" eaLnBrk="1" latinLnBrk="0" hangingPunct="1">
+      <a:defRPr sz="1200" kern="1200">
+        <a:solidFill>
+          <a:schemeClr val="tx1"/>
+        </a:solidFill>
+        <a:latin typeface="+mn-lt"/>
+        <a:ea typeface="+mn-ea"/>
+        <a:cs typeface="+mn-cs"/>
+      </a:defRPr>
+    </a:lvl3pPr>
+    <a:lvl4pPr marL="1371600" algn="l" defTabSz="914400" rtl="0" eaLnBrk="1" latinLnBrk="0" hangingPunct="1">
+      <a:defRPr sz="1200" kern="1200">
+        <a:solidFill>
+          <a:schemeClr val="tx1"/>
+        </a:solidFill>
+        <a:latin typeface="+mn-lt"/>
+        <a:ea typeface="+mn-ea"/>
+        <a:cs typeface="+mn-cs"/>
+      </a:defRPr>
+    </a:lvl4pPr>
+    <a:lvl5pPr marL="1828800" algn="l" defTabSz="914400" rtl="0" eaLnBrk="1" latinLnBrk="0" hangingPunct="1">
+      <a:defRPr sz="1200" kern="1200">
+        <a:solidFill>
+          <a:schemeClr val="tx1"/>
+        </a:solidFill>
+        <a:latin typeface="+mn-lt"/>
+        <a:ea typeface="+mn-ea"/>
+        <a:cs typeface="+mn-cs"/>
+      </a:defRPr>
+    </a:lvl5pPr>
+    <a:lvl6pPr marL="2286000" algn="l" defTabSz="914400" rtl="0" eaLnBrk="1" latinLnBrk="0" hangingPunct="1">
+      <a:defRPr sz="1200" kern="1200">
+        <a:solidFill>
+          <a:schemeClr val="tx1"/>
+        </a:solidFill>
+        <a:latin typeface="+mn-lt"/>
+        <a:ea typeface="+mn-ea"/>
+        <a:cs typeface="+mn-cs"/>
+      </a:defRPr>
+    </a:lvl6pPr>
+    <a:lvl7pPr marL="2743200" algn="l" defTabSz="914400" rtl="0" eaLnBrk="1" latinLnBrk="0" hangingPunct="1">
+      <a:defRPr sz="1200" kern="1200">
+        <a:solidFill>
+          <a:schemeClr val="tx1"/>
+        </a:solidFill>
+        <a:latin typeface="+mn-lt"/>
+        <a:ea typeface="+mn-ea"/>
+        <a:cs typeface="+mn-cs"/>
+      </a:defRPr>
+    </a:lvl7pPr>
+    <a:lvl8pPr marL="3200400" algn="l" defTabSz="914400" rtl="0" eaLnBrk="1" latinLnBrk="0" hangingPunct="1">
+      <a:defRPr sz="1200" kern="1200">
+        <a:solidFill>
+          <a:schemeClr val="tx1"/>
+        </a:solidFill>
+        <a:latin typeface="+mn-lt"/>
+        <a:ea typeface="+mn-ea"/>
+        <a:cs typeface="+mn-cs"/>
+      </a:defRPr>
+    </a:lvl8pPr>
+    <a:lvl9pPr marL="3657600" algn="l" defTabSz="914400" rtl="0" eaLnBrk="1" latinLnBrk="0" hangingPunct="1">
+      <a:defRPr sz="1200" kern="1200">
+        <a:solidFill>
+          <a:schemeClr val="tx1"/>
+        </a:solidFill>
+        <a:latin typeface="+mn-lt"/>
+        <a:ea typeface="+mn-ea"/>
+        <a:cs typeface="+mn-cs"/>
+      </a:defRPr>
+    </a:lvl9pPr>
+  </p:notesStyle>
 </p:notesMaster>
 </file>
 
 <file path=ppt/notesSlides/notesSlide1.xml><?xml version="1.0" encoding="utf-8"?>
-<p:notes xmlns:a="http://schemas.openxmlformats.org/drawingml/2006/main" xmlns:r="http://schemas.openxmlformats.org/officeDocument/2006/relationships" xmlns:mc="http://schemas.openxmlformats.org/markup-compatibility/2006" xmlns:mv="urn:schemas-microsoft-com:mac:vml" xmlns:p="http://schemas.openxmlformats.org/presentationml/2006/main" xmlns:c="http://schemas.openxmlformats.org/drawingml/2006/chart" xmlns:dgm="http://schemas.openxmlformats.org/drawingml/2006/diagram" xmlns:o="urn:schemas-microsoft-com:office:office" xmlns:v="urn:schemas-microsoft-com:vml" xmlns:pvml="urn:schemas-microsoft-com:office:powerpoint" xmlns:com="http://schemas.openxmlformats.org/drawingml/2006/compatibility" xmlns:p14="http://schemas.microsoft.com/office/powerpoint/2010/main" showMasterPhAnim="0" showMasterSp="0">
+<p:notes xmlns:a="http://schemas.openxmlformats.org/drawingml/2006/main" xmlns:r="http://schemas.openxmlformats.org/officeDocument/2006/relationships" xmlns:p="http://schemas.openxmlformats.org/presentationml/2006/main" showMasterSp="0" showMasterPhAnim="0">
   <p:cSld>
     <p:spTree>
       <p:nvGrpSpPr>
-        <p:cNvPr id="50" name="Shape 50"/>
+        <p:cNvPr id="1" name="Shape 50"/>
         <p:cNvGrpSpPr/>
         <p:nvPr/>
       </p:nvGrpSpPr>
@@ -400,9 +512,11 @@
       <p:sp>
         <p:nvSpPr>
           <p:cNvPr id="51" name="Shape 51"/>
-          <p:cNvSpPr txBox="1"/>
+          <p:cNvSpPr txBox="1">
+            <a:spLocks noGrp="1"/>
+          </p:cNvSpPr>
           <p:nvPr>
-            <p:ph idx="1" type="body"/>
+            <p:ph type="body" idx="1"/>
           </p:nvPr>
         </p:nvSpPr>
         <p:spPr>
@@ -419,7 +533,7 @@
           </a:ln>
         </p:spPr>
         <p:txBody>
-          <a:bodyPr anchorCtr="0" anchor="ctr" bIns="91425" lIns="91425" rIns="91425" tIns="91425">
+          <a:bodyPr lIns="91425" tIns="91425" rIns="91425" bIns="91425" anchor="ctr" anchorCtr="0">
             <a:noAutofit/>
           </a:bodyPr>
           <a:lstStyle/>
@@ -430,9 +544,6 @@
               </a:spcBef>
               <a:buNone/>
             </a:pPr>
-            <a:r>
-              <a:t/>
-            </a:r>
             <a:endParaRPr/>
           </a:p>
         </p:txBody>
@@ -440,19 +551,26 @@
       <p:sp>
         <p:nvSpPr>
           <p:cNvPr id="52" name="Shape 52"/>
-          <p:cNvSpPr/>
+          <p:cNvSpPr>
+            <a:spLocks noGrp="1" noRot="1" noChangeAspect="1"/>
+          </p:cNvSpPr>
           <p:nvPr>
-            <p:ph idx="2" type="sldImg"/>
+            <p:ph type="sldImg" idx="2"/>
           </p:nvPr>
         </p:nvSpPr>
         <p:spPr>
           <a:xfrm>
-            <a:off x="1143225" y="685800"/>
-            <a:ext cx="4572225" cy="3429000"/>
+            <a:off x="1143000" y="685800"/>
+            <a:ext cx="4572000" cy="3429000"/>
           </a:xfrm>
           <a:custGeom>
+            <a:avLst/>
+            <a:gdLst/>
+            <a:ahLst/>
+            <a:cxnLst/>
+            <a:rect l="0" t="0" r="0" b="0"/>
             <a:pathLst>
-              <a:path extrusionOk="0" h="120000" w="120000">
+              <a:path w="120000" h="120000" extrusionOk="0">
                 <a:moveTo>
                   <a:pt x="0" y="0"/>
                 </a:moveTo>
@@ -480,11 +598,11 @@
 </file>
 
 <file path=ppt/notesSlides/notesSlide2.xml><?xml version="1.0" encoding="utf-8"?>
-<p:notes xmlns:a="http://schemas.openxmlformats.org/drawingml/2006/main" xmlns:r="http://schemas.openxmlformats.org/officeDocument/2006/relationships" xmlns:mc="http://schemas.openxmlformats.org/markup-compatibility/2006" xmlns:mv="urn:schemas-microsoft-com:mac:vml" xmlns:p="http://schemas.openxmlformats.org/presentationml/2006/main" xmlns:c="http://schemas.openxmlformats.org/drawingml/2006/chart" xmlns:dgm="http://schemas.openxmlformats.org/drawingml/2006/diagram" xmlns:o="urn:schemas-microsoft-com:office:office" xmlns:v="urn:schemas-microsoft-com:vml" xmlns:pvml="urn:schemas-microsoft-com:office:powerpoint" xmlns:com="http://schemas.openxmlformats.org/drawingml/2006/compatibility" xmlns:p14="http://schemas.microsoft.com/office/powerpoint/2010/main" showMasterPhAnim="0" showMasterSp="0">
+<p:notes xmlns:a="http://schemas.openxmlformats.org/drawingml/2006/main" xmlns:r="http://schemas.openxmlformats.org/officeDocument/2006/relationships" xmlns:p="http://schemas.openxmlformats.org/presentationml/2006/main" showMasterSp="0" showMasterPhAnim="0">
   <p:cSld>
     <p:spTree>
       <p:nvGrpSpPr>
-        <p:cNvPr id="56" name="Shape 56"/>
+        <p:cNvPr id="1" name="Shape 62"/>
         <p:cNvGrpSpPr/>
         <p:nvPr/>
       </p:nvGrpSpPr>
@@ -498,10 +616,12 @@
       </p:grpSpPr>
       <p:sp>
         <p:nvSpPr>
-          <p:cNvPr id="57" name="Shape 57"/>
-          <p:cNvSpPr txBox="1"/>
+          <p:cNvPr id="63" name="Shape 63"/>
+          <p:cNvSpPr txBox="1">
+            <a:spLocks noGrp="1"/>
+          </p:cNvSpPr>
           <p:nvPr>
-            <p:ph idx="1" type="body"/>
+            <p:ph type="body" idx="1"/>
           </p:nvPr>
         </p:nvSpPr>
         <p:spPr>
@@ -518,7 +638,7 @@
           </a:ln>
         </p:spPr>
         <p:txBody>
-          <a:bodyPr anchorCtr="0" anchor="ctr" bIns="91425" lIns="91425" rIns="91425" tIns="91425">
+          <a:bodyPr lIns="91425" tIns="91425" rIns="91425" bIns="91425" anchor="ctr" anchorCtr="0">
             <a:noAutofit/>
           </a:bodyPr>
           <a:lstStyle/>
@@ -529,19 +649,18 @@
               </a:spcBef>
               <a:buNone/>
             </a:pPr>
-            <a:r>
-              <a:t/>
-            </a:r>
             <a:endParaRPr/>
           </a:p>
         </p:txBody>
       </p:sp>
       <p:sp>
         <p:nvSpPr>
-          <p:cNvPr id="58" name="Shape 58"/>
-          <p:cNvSpPr/>
+          <p:cNvPr id="64" name="Shape 64"/>
+          <p:cNvSpPr>
+            <a:spLocks noGrp="1" noRot="1" noChangeAspect="1"/>
+          </p:cNvSpPr>
           <p:nvPr>
-            <p:ph idx="2" type="sldImg"/>
+            <p:ph type="sldImg" idx="2"/>
           </p:nvPr>
         </p:nvSpPr>
         <p:spPr>
@@ -550,8 +669,13 @@
             <a:ext cx="4572225" cy="3429000"/>
           </a:xfrm>
           <a:custGeom>
+            <a:avLst/>
+            <a:gdLst/>
+            <a:ahLst/>
+            <a:cxnLst/>
+            <a:rect l="0" t="0" r="0" b="0"/>
             <a:pathLst>
-              <a:path extrusionOk="0" h="120000" w="120000">
+              <a:path w="120000" h="120000" extrusionOk="0">
                 <a:moveTo>
                   <a:pt x="0" y="0"/>
                 </a:moveTo>
@@ -579,11 +703,11 @@
 </file>
 
 <file path=ppt/notesSlides/notesSlide3.xml><?xml version="1.0" encoding="utf-8"?>
-<p:notes xmlns:a="http://schemas.openxmlformats.org/drawingml/2006/main" xmlns:r="http://schemas.openxmlformats.org/officeDocument/2006/relationships" xmlns:mc="http://schemas.openxmlformats.org/markup-compatibility/2006" xmlns:mv="urn:schemas-microsoft-com:mac:vml" xmlns:p="http://schemas.openxmlformats.org/presentationml/2006/main" xmlns:c="http://schemas.openxmlformats.org/drawingml/2006/chart" xmlns:dgm="http://schemas.openxmlformats.org/drawingml/2006/diagram" xmlns:o="urn:schemas-microsoft-com:office:office" xmlns:v="urn:schemas-microsoft-com:vml" xmlns:pvml="urn:schemas-microsoft-com:office:powerpoint" xmlns:com="http://schemas.openxmlformats.org/drawingml/2006/compatibility" xmlns:p14="http://schemas.microsoft.com/office/powerpoint/2010/main" showMasterPhAnim="0" showMasterSp="0">
+<p:notes xmlns:a="http://schemas.openxmlformats.org/drawingml/2006/main" xmlns:r="http://schemas.openxmlformats.org/officeDocument/2006/relationships" xmlns:p="http://schemas.openxmlformats.org/presentationml/2006/main" showMasterSp="0" showMasterPhAnim="0">
   <p:cSld>
     <p:spTree>
       <p:nvGrpSpPr>
-        <p:cNvPr id="62" name="Shape 62"/>
+        <p:cNvPr id="1" name="Shape 68"/>
         <p:cNvGrpSpPr/>
         <p:nvPr/>
       </p:nvGrpSpPr>
@@ -597,10 +721,12 @@
       </p:grpSpPr>
       <p:sp>
         <p:nvSpPr>
-          <p:cNvPr id="63" name="Shape 63"/>
-          <p:cNvSpPr txBox="1"/>
+          <p:cNvPr id="69" name="Shape 69"/>
+          <p:cNvSpPr txBox="1">
+            <a:spLocks noGrp="1"/>
+          </p:cNvSpPr>
           <p:nvPr>
-            <p:ph idx="1" type="body"/>
+            <p:ph type="body" idx="1"/>
           </p:nvPr>
         </p:nvSpPr>
         <p:spPr>
@@ -617,7 +743,7 @@
           </a:ln>
         </p:spPr>
         <p:txBody>
-          <a:bodyPr anchorCtr="0" anchor="ctr" bIns="91425" lIns="91425" rIns="91425" tIns="91425">
+          <a:bodyPr lIns="91425" tIns="91425" rIns="91425" bIns="91425" anchor="ctr" anchorCtr="0">
             <a:noAutofit/>
           </a:bodyPr>
           <a:lstStyle/>
@@ -628,19 +754,18 @@
               </a:spcBef>
               <a:buNone/>
             </a:pPr>
-            <a:r>
-              <a:t/>
-            </a:r>
             <a:endParaRPr/>
           </a:p>
         </p:txBody>
       </p:sp>
       <p:sp>
         <p:nvSpPr>
-          <p:cNvPr id="64" name="Shape 64"/>
-          <p:cNvSpPr/>
+          <p:cNvPr id="70" name="Shape 70"/>
+          <p:cNvSpPr>
+            <a:spLocks noGrp="1" noRot="1" noChangeAspect="1"/>
+          </p:cNvSpPr>
           <p:nvPr>
-            <p:ph idx="2" type="sldImg"/>
+            <p:ph type="sldImg" idx="2"/>
           </p:nvPr>
         </p:nvSpPr>
         <p:spPr>
@@ -649,8 +774,13 @@
             <a:ext cx="4572225" cy="3429000"/>
           </a:xfrm>
           <a:custGeom>
+            <a:avLst/>
+            <a:gdLst/>
+            <a:ahLst/>
+            <a:cxnLst/>
+            <a:rect l="0" t="0" r="0" b="0"/>
             <a:pathLst>
-              <a:path extrusionOk="0" h="120000" w="120000">
+              <a:path w="120000" h="120000" extrusionOk="0">
                 <a:moveTo>
                   <a:pt x="0" y="0"/>
                 </a:moveTo>
@@ -678,11 +808,11 @@
 </file>
 
 <file path=ppt/notesSlides/notesSlide4.xml><?xml version="1.0" encoding="utf-8"?>
-<p:notes xmlns:a="http://schemas.openxmlformats.org/drawingml/2006/main" xmlns:r="http://schemas.openxmlformats.org/officeDocument/2006/relationships" xmlns:mc="http://schemas.openxmlformats.org/markup-compatibility/2006" xmlns:mv="urn:schemas-microsoft-com:mac:vml" xmlns:p="http://schemas.openxmlformats.org/presentationml/2006/main" xmlns:c="http://schemas.openxmlformats.org/drawingml/2006/chart" xmlns:dgm="http://schemas.openxmlformats.org/drawingml/2006/diagram" xmlns:o="urn:schemas-microsoft-com:office:office" xmlns:v="urn:schemas-microsoft-com:vml" xmlns:pvml="urn:schemas-microsoft-com:office:powerpoint" xmlns:com="http://schemas.openxmlformats.org/drawingml/2006/compatibility" xmlns:p14="http://schemas.microsoft.com/office/powerpoint/2010/main" showMasterPhAnim="0" showMasterSp="0">
+<p:notes xmlns:a="http://schemas.openxmlformats.org/drawingml/2006/main" xmlns:r="http://schemas.openxmlformats.org/officeDocument/2006/relationships" xmlns:p="http://schemas.openxmlformats.org/presentationml/2006/main" showMasterSp="0" showMasterPhAnim="0">
   <p:cSld>
     <p:spTree>
       <p:nvGrpSpPr>
-        <p:cNvPr id="68" name="Shape 68"/>
+        <p:cNvPr id="1" name="Shape 56"/>
         <p:cNvGrpSpPr/>
         <p:nvPr/>
       </p:nvGrpSpPr>
@@ -696,10 +826,12 @@
       </p:grpSpPr>
       <p:sp>
         <p:nvSpPr>
-          <p:cNvPr id="69" name="Shape 69"/>
-          <p:cNvSpPr txBox="1"/>
+          <p:cNvPr id="57" name="Shape 57"/>
+          <p:cNvSpPr txBox="1">
+            <a:spLocks noGrp="1"/>
+          </p:cNvSpPr>
           <p:nvPr>
-            <p:ph idx="1" type="body"/>
+            <p:ph type="body" idx="1"/>
           </p:nvPr>
         </p:nvSpPr>
         <p:spPr>
@@ -716,7 +848,7 @@
           </a:ln>
         </p:spPr>
         <p:txBody>
-          <a:bodyPr anchorCtr="0" anchor="ctr" bIns="91425" lIns="91425" rIns="91425" tIns="91425">
+          <a:bodyPr lIns="91425" tIns="91425" rIns="91425" bIns="91425" anchor="ctr" anchorCtr="0">
             <a:noAutofit/>
           </a:bodyPr>
           <a:lstStyle/>
@@ -727,29 +859,33 @@
               </a:spcBef>
               <a:buNone/>
             </a:pPr>
-            <a:r>
-              <a:t/>
-            </a:r>
             <a:endParaRPr/>
           </a:p>
         </p:txBody>
       </p:sp>
       <p:sp>
         <p:nvSpPr>
-          <p:cNvPr id="70" name="Shape 70"/>
-          <p:cNvSpPr/>
+          <p:cNvPr id="58" name="Shape 58"/>
+          <p:cNvSpPr>
+            <a:spLocks noGrp="1" noRot="1" noChangeAspect="1"/>
+          </p:cNvSpPr>
           <p:nvPr>
-            <p:ph idx="2" type="sldImg"/>
+            <p:ph type="sldImg" idx="2"/>
           </p:nvPr>
         </p:nvSpPr>
         <p:spPr>
           <a:xfrm>
-            <a:off x="1143225" y="685800"/>
-            <a:ext cx="4572225" cy="3429000"/>
+            <a:off x="1143000" y="685800"/>
+            <a:ext cx="4572000" cy="3429000"/>
           </a:xfrm>
           <a:custGeom>
+            <a:avLst/>
+            <a:gdLst/>
+            <a:ahLst/>
+            <a:cxnLst/>
+            <a:rect l="0" t="0" r="0" b="0"/>
             <a:pathLst>
-              <a:path extrusionOk="0" h="120000" w="120000">
+              <a:path w="120000" h="120000" extrusionOk="0">
                 <a:moveTo>
                   <a:pt x="0" y="0"/>
                 </a:moveTo>
@@ -777,11 +913,11 @@
 </file>
 
 <file path=ppt/notesSlides/notesSlide5.xml><?xml version="1.0" encoding="utf-8"?>
-<p:notes xmlns:a="http://schemas.openxmlformats.org/drawingml/2006/main" xmlns:r="http://schemas.openxmlformats.org/officeDocument/2006/relationships" xmlns:mc="http://schemas.openxmlformats.org/markup-compatibility/2006" xmlns:mv="urn:schemas-microsoft-com:mac:vml" xmlns:p="http://schemas.openxmlformats.org/presentationml/2006/main" xmlns:c="http://schemas.openxmlformats.org/drawingml/2006/chart" xmlns:dgm="http://schemas.openxmlformats.org/drawingml/2006/diagram" xmlns:o="urn:schemas-microsoft-com:office:office" xmlns:v="urn:schemas-microsoft-com:vml" xmlns:pvml="urn:schemas-microsoft-com:office:powerpoint" xmlns:com="http://schemas.openxmlformats.org/drawingml/2006/compatibility" xmlns:p14="http://schemas.microsoft.com/office/powerpoint/2010/main" showMasterPhAnim="0" showMasterSp="0">
+<p:notes xmlns:a="http://schemas.openxmlformats.org/drawingml/2006/main" xmlns:r="http://schemas.openxmlformats.org/officeDocument/2006/relationships" xmlns:p="http://schemas.openxmlformats.org/presentationml/2006/main" showMasterSp="0" showMasterPhAnim="0">
   <p:cSld>
     <p:spTree>
       <p:nvGrpSpPr>
-        <p:cNvPr id="74" name="Shape 74"/>
+        <p:cNvPr id="1" name="Shape 74"/>
         <p:cNvGrpSpPr/>
         <p:nvPr/>
       </p:nvGrpSpPr>
@@ -796,9 +932,11 @@
       <p:sp>
         <p:nvSpPr>
           <p:cNvPr id="75" name="Shape 75"/>
-          <p:cNvSpPr/>
+          <p:cNvSpPr>
+            <a:spLocks noGrp="1" noRot="1" noChangeAspect="1"/>
+          </p:cNvSpPr>
           <p:nvPr>
-            <p:ph idx="2" type="sldImg"/>
+            <p:ph type="sldImg" idx="2"/>
           </p:nvPr>
         </p:nvSpPr>
         <p:spPr>
@@ -807,8 +945,13 @@
             <a:ext cx="4572300" cy="3429000"/>
           </a:xfrm>
           <a:custGeom>
+            <a:avLst/>
+            <a:gdLst/>
+            <a:ahLst/>
+            <a:cxnLst/>
+            <a:rect l="0" t="0" r="0" b="0"/>
             <a:pathLst>
-              <a:path extrusionOk="0" h="120000" w="120000">
+              <a:path w="120000" h="120000" extrusionOk="0">
                 <a:moveTo>
                   <a:pt x="0" y="0"/>
                 </a:moveTo>
@@ -830,9 +973,11 @@
       <p:sp>
         <p:nvSpPr>
           <p:cNvPr id="76" name="Shape 76"/>
-          <p:cNvSpPr txBox="1"/>
+          <p:cNvSpPr txBox="1">
+            <a:spLocks noGrp="1"/>
+          </p:cNvSpPr>
           <p:nvPr>
-            <p:ph idx="1" type="body"/>
+            <p:ph type="body" idx="1"/>
           </p:nvPr>
         </p:nvSpPr>
         <p:spPr>
@@ -845,7 +990,7 @@
           </a:prstGeom>
         </p:spPr>
         <p:txBody>
-          <a:bodyPr anchorCtr="0" anchor="t" bIns="91425" lIns="91425" rIns="91425" tIns="91425">
+          <a:bodyPr lIns="91425" tIns="91425" rIns="91425" bIns="91425" anchor="t" anchorCtr="0">
             <a:noAutofit/>
           </a:bodyPr>
           <a:lstStyle/>
@@ -856,9 +1001,6 @@
               </a:spcBef>
               <a:buNone/>
             </a:pPr>
-            <a:r>
-              <a:t/>
-            </a:r>
             <a:endParaRPr/>
           </a:p>
         </p:txBody>
@@ -872,11 +1014,11 @@
 </file>
 
 <file path=ppt/notesSlides/notesSlide6.xml><?xml version="1.0" encoding="utf-8"?>
-<p:notes xmlns:a="http://schemas.openxmlformats.org/drawingml/2006/main" xmlns:r="http://schemas.openxmlformats.org/officeDocument/2006/relationships" xmlns:mc="http://schemas.openxmlformats.org/markup-compatibility/2006" xmlns:mv="urn:schemas-microsoft-com:mac:vml" xmlns:p="http://schemas.openxmlformats.org/presentationml/2006/main" xmlns:c="http://schemas.openxmlformats.org/drawingml/2006/chart" xmlns:dgm="http://schemas.openxmlformats.org/drawingml/2006/diagram" xmlns:o="urn:schemas-microsoft-com:office:office" xmlns:v="urn:schemas-microsoft-com:vml" xmlns:pvml="urn:schemas-microsoft-com:office:powerpoint" xmlns:com="http://schemas.openxmlformats.org/drawingml/2006/compatibility" xmlns:p14="http://schemas.microsoft.com/office/powerpoint/2010/main" showMasterPhAnim="0" showMasterSp="0">
+<p:notes xmlns:a="http://schemas.openxmlformats.org/drawingml/2006/main" xmlns:r="http://schemas.openxmlformats.org/officeDocument/2006/relationships" xmlns:p="http://schemas.openxmlformats.org/presentationml/2006/main" showMasterSp="0" showMasterPhAnim="0">
   <p:cSld>
     <p:spTree>
       <p:nvGrpSpPr>
-        <p:cNvPr id="81" name="Shape 81"/>
+        <p:cNvPr id="1" name="Shape 81"/>
         <p:cNvGrpSpPr/>
         <p:nvPr/>
       </p:nvGrpSpPr>
@@ -891,9 +1033,11 @@
       <p:sp>
         <p:nvSpPr>
           <p:cNvPr id="82" name="Shape 82"/>
-          <p:cNvSpPr/>
+          <p:cNvSpPr>
+            <a:spLocks noGrp="1" noRot="1" noChangeAspect="1"/>
+          </p:cNvSpPr>
           <p:nvPr>
-            <p:ph idx="2" type="sldImg"/>
+            <p:ph type="sldImg" idx="2"/>
           </p:nvPr>
         </p:nvSpPr>
         <p:spPr>
@@ -902,8 +1046,13 @@
             <a:ext cx="4572300" cy="3429000"/>
           </a:xfrm>
           <a:custGeom>
+            <a:avLst/>
+            <a:gdLst/>
+            <a:ahLst/>
+            <a:cxnLst/>
+            <a:rect l="0" t="0" r="0" b="0"/>
             <a:pathLst>
-              <a:path extrusionOk="0" h="120000" w="120000">
+              <a:path w="120000" h="120000" extrusionOk="0">
                 <a:moveTo>
                   <a:pt x="0" y="0"/>
                 </a:moveTo>
@@ -925,9 +1074,11 @@
       <p:sp>
         <p:nvSpPr>
           <p:cNvPr id="83" name="Shape 83"/>
-          <p:cNvSpPr txBox="1"/>
+          <p:cNvSpPr txBox="1">
+            <a:spLocks noGrp="1"/>
+          </p:cNvSpPr>
           <p:nvPr>
-            <p:ph idx="1" type="body"/>
+            <p:ph type="body" idx="1"/>
           </p:nvPr>
         </p:nvSpPr>
         <p:spPr>
@@ -940,7 +1091,7 @@
           </a:prstGeom>
         </p:spPr>
         <p:txBody>
-          <a:bodyPr anchorCtr="0" anchor="t" bIns="91425" lIns="91425" rIns="91425" tIns="91425">
+          <a:bodyPr lIns="91425" tIns="91425" rIns="91425" bIns="91425" anchor="t" anchorCtr="0">
             <a:noAutofit/>
           </a:bodyPr>
           <a:lstStyle/>
@@ -951,9 +1102,6 @@
               </a:spcBef>
               <a:buNone/>
             </a:pPr>
-            <a:r>
-              <a:t/>
-            </a:r>
             <a:endParaRPr/>
           </a:p>
         </p:txBody>
@@ -967,18 +1115,19 @@
 </file>
 
 <file path=ppt/slideLayouts/slideLayout1.xml><?xml version="1.0" encoding="utf-8"?>
-<p:sldLayout xmlns:a="http://schemas.openxmlformats.org/drawingml/2006/main" xmlns:r="http://schemas.openxmlformats.org/officeDocument/2006/relationships" xmlns:mc="http://schemas.openxmlformats.org/markup-compatibility/2006" xmlns:mv="urn:schemas-microsoft-com:mac:vml" xmlns:p="http://schemas.openxmlformats.org/presentationml/2006/main" xmlns:c="http://schemas.openxmlformats.org/drawingml/2006/chart" xmlns:dgm="http://schemas.openxmlformats.org/drawingml/2006/diagram" xmlns:o="urn:schemas-microsoft-com:office:office" xmlns:v="urn:schemas-microsoft-com:vml" xmlns:pvml="urn:schemas-microsoft-com:office:powerpoint" xmlns:com="http://schemas.openxmlformats.org/drawingml/2006/compatibility" xmlns:p14="http://schemas.microsoft.com/office/powerpoint/2010/main" type="title">
+<p:sldLayout xmlns:a="http://schemas.openxmlformats.org/drawingml/2006/main" xmlns:r="http://schemas.openxmlformats.org/officeDocument/2006/relationships" xmlns:p="http://schemas.openxmlformats.org/presentationml/2006/main" type="title">
   <p:cSld name="Rubrikbild">
     <p:bg>
       <p:bgPr>
         <a:solidFill>
           <a:srgbClr val="FFF500"/>
         </a:solidFill>
+        <a:effectLst/>
       </p:bgPr>
     </p:bg>
     <p:spTree>
       <p:nvGrpSpPr>
-        <p:cNvPr id="11" name="Shape 11"/>
+        <p:cNvPr id="1" name="Shape 11"/>
         <p:cNvGrpSpPr/>
         <p:nvPr/>
       </p:nvGrpSpPr>
@@ -1005,21 +1154,23 @@
             <a:avLst/>
           </a:prstGeom>
           <a:noFill/>
-          <a:ln cap="flat" cmpd="sng" w="9525">
+          <a:ln w="9525" cap="flat" cmpd="sng">
             <a:solidFill>
               <a:schemeClr val="dk1"/>
             </a:solidFill>
             <a:prstDash val="solid"/>
             <a:miter/>
-            <a:headEnd len="med" w="med" type="none"/>
-            <a:tailEnd len="med" w="med" type="none"/>
+            <a:headEnd type="none" w="med" len="med"/>
+            <a:tailEnd type="none" w="med" len="med"/>
           </a:ln>
         </p:spPr>
       </p:cxnSp>
       <p:sp>
         <p:nvSpPr>
           <p:cNvPr id="13" name="Shape 13"/>
-          <p:cNvSpPr txBox="1"/>
+          <p:cNvSpPr txBox="1">
+            <a:spLocks noGrp="1"/>
+          </p:cNvSpPr>
           <p:nvPr>
             <p:ph type="ctrTitle"/>
           </p:nvPr>
@@ -1038,9 +1189,9 @@
           </a:ln>
         </p:spPr>
         <p:txBody>
-          <a:bodyPr anchorCtr="0" anchor="t" bIns="91425" lIns="91425" rIns="91425" tIns="91425"/>
+          <a:bodyPr lIns="91425" tIns="91425" rIns="91425" bIns="91425" anchor="t" anchorCtr="0"/>
           <a:lstStyle>
-            <a:lvl1pPr indent="0" lvl="0" marL="0" marR="0" rtl="0" algn="l">
+            <a:lvl1pPr marL="0" marR="0" lvl="0" indent="0" algn="l" rtl="0">
               <a:lnSpc>
                 <a:spcPct val="100000"/>
               </a:lnSpc>
@@ -1051,7 +1202,7 @@
                 <a:spcPts val="0"/>
               </a:spcAft>
               <a:buNone/>
-              <a:defRPr b="0" i="0" sz="7500" u="none" cap="none" strike="noStrike">
+              <a:defRPr sz="7500" b="0" i="0" u="none" strike="noStrike" cap="none">
                 <a:solidFill>
                   <a:schemeClr val="dk1"/>
                 </a:solidFill>
@@ -1061,7 +1212,7 @@
                 <a:sym typeface="Times New Roman"/>
               </a:defRPr>
             </a:lvl1pPr>
-            <a:lvl2pPr indent="0" lvl="1" marL="0" marR="0" rtl="0" algn="l">
+            <a:lvl2pPr marL="0" marR="0" lvl="1" indent="0" algn="l" rtl="0">
               <a:lnSpc>
                 <a:spcPct val="100000"/>
               </a:lnSpc>
@@ -1072,7 +1223,7 @@
                 <a:spcPts val="0"/>
               </a:spcAft>
               <a:buNone/>
-              <a:defRPr b="0" i="0" sz="2700" u="none" cap="none" strike="noStrike">
+              <a:defRPr sz="2700" b="0" i="0" u="none" strike="noStrike" cap="none">
                 <a:solidFill>
                   <a:schemeClr val="dk1"/>
                 </a:solidFill>
@@ -1082,7 +1233,7 @@
                 <a:sym typeface="Times New Roman"/>
               </a:defRPr>
             </a:lvl2pPr>
-            <a:lvl3pPr indent="0" lvl="2" marL="0" marR="0" rtl="0" algn="l">
+            <a:lvl3pPr marL="0" marR="0" lvl="2" indent="0" algn="l" rtl="0">
               <a:lnSpc>
                 <a:spcPct val="100000"/>
               </a:lnSpc>
@@ -1093,7 +1244,7 @@
                 <a:spcPts val="0"/>
               </a:spcAft>
               <a:buNone/>
-              <a:defRPr b="0" i="0" sz="2700" u="none" cap="none" strike="noStrike">
+              <a:defRPr sz="2700" b="0" i="0" u="none" strike="noStrike" cap="none">
                 <a:solidFill>
                   <a:schemeClr val="dk1"/>
                 </a:solidFill>
@@ -1103,7 +1254,7 @@
                 <a:sym typeface="Times New Roman"/>
               </a:defRPr>
             </a:lvl3pPr>
-            <a:lvl4pPr indent="0" lvl="3" marL="0" marR="0" rtl="0" algn="l">
+            <a:lvl4pPr marL="0" marR="0" lvl="3" indent="0" algn="l" rtl="0">
               <a:lnSpc>
                 <a:spcPct val="100000"/>
               </a:lnSpc>
@@ -1114,7 +1265,7 @@
                 <a:spcPts val="0"/>
               </a:spcAft>
               <a:buNone/>
-              <a:defRPr b="0" i="0" sz="2700" u="none" cap="none" strike="noStrike">
+              <a:defRPr sz="2700" b="0" i="0" u="none" strike="noStrike" cap="none">
                 <a:solidFill>
                   <a:schemeClr val="dk1"/>
                 </a:solidFill>
@@ -1124,7 +1275,7 @@
                 <a:sym typeface="Times New Roman"/>
               </a:defRPr>
             </a:lvl4pPr>
-            <a:lvl5pPr indent="0" lvl="4" marL="0" marR="0" rtl="0" algn="l">
+            <a:lvl5pPr marL="0" marR="0" lvl="4" indent="0" algn="l" rtl="0">
               <a:lnSpc>
                 <a:spcPct val="100000"/>
               </a:lnSpc>
@@ -1135,7 +1286,7 @@
                 <a:spcPts val="0"/>
               </a:spcAft>
               <a:buNone/>
-              <a:defRPr b="0" i="0" sz="2700" u="none" cap="none" strike="noStrike">
+              <a:defRPr sz="2700" b="0" i="0" u="none" strike="noStrike" cap="none">
                 <a:solidFill>
                   <a:schemeClr val="dk1"/>
                 </a:solidFill>
@@ -1145,7 +1296,7 @@
                 <a:sym typeface="Times New Roman"/>
               </a:defRPr>
             </a:lvl5pPr>
-            <a:lvl6pPr indent="0" lvl="5" marL="457200" marR="0" rtl="0" algn="l">
+            <a:lvl6pPr marL="457200" marR="0" lvl="5" indent="0" algn="l" rtl="0">
               <a:lnSpc>
                 <a:spcPct val="100000"/>
               </a:lnSpc>
@@ -1156,7 +1307,7 @@
                 <a:spcPts val="0"/>
               </a:spcAft>
               <a:buNone/>
-              <a:defRPr b="0" i="0" sz="2700" u="none" cap="none" strike="noStrike">
+              <a:defRPr sz="2700" b="0" i="0" u="none" strike="noStrike" cap="none">
                 <a:solidFill>
                   <a:schemeClr val="dk1"/>
                 </a:solidFill>
@@ -1166,7 +1317,7 @@
                 <a:sym typeface="Times New Roman"/>
               </a:defRPr>
             </a:lvl6pPr>
-            <a:lvl7pPr indent="0" lvl="6" marL="914400" marR="0" rtl="0" algn="l">
+            <a:lvl7pPr marL="914400" marR="0" lvl="6" indent="0" algn="l" rtl="0">
               <a:lnSpc>
                 <a:spcPct val="100000"/>
               </a:lnSpc>
@@ -1177,7 +1328,7 @@
                 <a:spcPts val="0"/>
               </a:spcAft>
               <a:buNone/>
-              <a:defRPr b="0" i="0" sz="2700" u="none" cap="none" strike="noStrike">
+              <a:defRPr sz="2700" b="0" i="0" u="none" strike="noStrike" cap="none">
                 <a:solidFill>
                   <a:schemeClr val="dk1"/>
                 </a:solidFill>
@@ -1187,7 +1338,7 @@
                 <a:sym typeface="Times New Roman"/>
               </a:defRPr>
             </a:lvl7pPr>
-            <a:lvl8pPr indent="0" lvl="7" marL="1371600" marR="0" rtl="0" algn="l">
+            <a:lvl8pPr marL="1371600" marR="0" lvl="7" indent="0" algn="l" rtl="0">
               <a:lnSpc>
                 <a:spcPct val="100000"/>
               </a:lnSpc>
@@ -1198,7 +1349,7 @@
                 <a:spcPts val="0"/>
               </a:spcAft>
               <a:buNone/>
-              <a:defRPr b="0" i="0" sz="2700" u="none" cap="none" strike="noStrike">
+              <a:defRPr sz="2700" b="0" i="0" u="none" strike="noStrike" cap="none">
                 <a:solidFill>
                   <a:schemeClr val="dk1"/>
                 </a:solidFill>
@@ -1208,7 +1359,7 @@
                 <a:sym typeface="Times New Roman"/>
               </a:defRPr>
             </a:lvl8pPr>
-            <a:lvl9pPr indent="0" lvl="8" marL="1828800" marR="0" rtl="0" algn="l">
+            <a:lvl9pPr marL="1828800" marR="0" lvl="8" indent="0" algn="l" rtl="0">
               <a:lnSpc>
                 <a:spcPct val="100000"/>
               </a:lnSpc>
@@ -1219,7 +1370,7 @@
                 <a:spcPts val="0"/>
               </a:spcAft>
               <a:buNone/>
-              <a:defRPr b="0" i="0" sz="2700" u="none" cap="none" strike="noStrike">
+              <a:defRPr sz="2700" b="0" i="0" u="none" strike="noStrike" cap="none">
                 <a:solidFill>
                   <a:schemeClr val="dk1"/>
                 </a:solidFill>
@@ -1230,15 +1381,19 @@
               </a:defRPr>
             </a:lvl9pPr>
           </a:lstStyle>
-          <a:p/>
+          <a:p>
+            <a:endParaRPr/>
+          </a:p>
         </p:txBody>
       </p:sp>
       <p:sp>
         <p:nvSpPr>
           <p:cNvPr id="14" name="Shape 14"/>
-          <p:cNvSpPr txBox="1"/>
+          <p:cNvSpPr txBox="1">
+            <a:spLocks noGrp="1"/>
+          </p:cNvSpPr>
           <p:nvPr>
-            <p:ph idx="1" type="subTitle"/>
+            <p:ph type="subTitle" idx="1"/>
           </p:nvPr>
         </p:nvSpPr>
         <p:spPr>
@@ -1255,9 +1410,9 @@
           </a:ln>
         </p:spPr>
         <p:txBody>
-          <a:bodyPr anchorCtr="0" anchor="t" bIns="91425" lIns="91425" rIns="91425" tIns="91425"/>
+          <a:bodyPr lIns="91425" tIns="91425" rIns="91425" bIns="91425" anchor="t" anchorCtr="0"/>
           <a:lstStyle>
-            <a:lvl1pPr indent="0" lvl="0" marL="0" marR="0" rtl="0" algn="ctr">
+            <a:lvl1pPr marL="0" marR="0" lvl="0" indent="0" algn="ctr" rtl="0">
               <a:spcBef>
                 <a:spcPts val="360"/>
               </a:spcBef>
@@ -1265,7 +1420,7 @@
                 <a:spcPts val="0"/>
               </a:spcAft>
               <a:buNone/>
-              <a:defRPr b="0" i="0" sz="1800" u="none" cap="none" strike="noStrike">
+              <a:defRPr sz="1800" b="0" i="0" u="none" strike="noStrike" cap="none">
                 <a:solidFill>
                   <a:schemeClr val="dk1"/>
                 </a:solidFill>
@@ -1275,7 +1430,7 @@
                 <a:sym typeface="Times New Roman"/>
               </a:defRPr>
             </a:lvl1pPr>
-            <a:lvl2pPr indent="-171450" lvl="1" marL="742950" marR="0" rtl="0" algn="l">
+            <a:lvl2pPr marL="742950" marR="0" lvl="1" indent="-171450" algn="l" rtl="0">
               <a:spcBef>
                 <a:spcPts val="360"/>
               </a:spcBef>
@@ -1288,7 +1443,7 @@
               <a:buSzPct val="100000"/>
               <a:buFont typeface="Arial"/>
               <a:buChar char="–"/>
-              <a:defRPr b="0" i="0" sz="1800" u="none" cap="none" strike="noStrike">
+              <a:defRPr sz="1800" b="0" i="0" u="none" strike="noStrike" cap="none">
                 <a:solidFill>
                   <a:schemeClr val="dk1"/>
                 </a:solidFill>
@@ -1298,7 +1453,7 @@
                 <a:sym typeface="Times New Roman"/>
               </a:defRPr>
             </a:lvl2pPr>
-            <a:lvl3pPr indent="-114300" lvl="2" marL="1143000" marR="0" rtl="0" algn="l">
+            <a:lvl3pPr marL="1143000" marR="0" lvl="2" indent="-114300" algn="l" rtl="0">
               <a:spcBef>
                 <a:spcPts val="360"/>
               </a:spcBef>
@@ -1311,7 +1466,7 @@
               <a:buSzPct val="100000"/>
               <a:buFont typeface="Arial"/>
               <a:buChar char="•"/>
-              <a:defRPr b="0" i="0" sz="1800" u="none" cap="none" strike="noStrike">
+              <a:defRPr sz="1800" b="0" i="0" u="none" strike="noStrike" cap="none">
                 <a:solidFill>
                   <a:schemeClr val="dk1"/>
                 </a:solidFill>
@@ -1321,7 +1476,7 @@
                 <a:sym typeface="Times New Roman"/>
               </a:defRPr>
             </a:lvl3pPr>
-            <a:lvl4pPr indent="-114300" lvl="3" marL="1600200" marR="0" rtl="0" algn="l">
+            <a:lvl4pPr marL="1600200" marR="0" lvl="3" indent="-114300" algn="l" rtl="0">
               <a:spcBef>
                 <a:spcPts val="360"/>
               </a:spcBef>
@@ -1334,7 +1489,7 @@
               <a:buSzPct val="100000"/>
               <a:buFont typeface="Arial"/>
               <a:buChar char="–"/>
-              <a:defRPr b="0" i="0" sz="1800" u="none" cap="none" strike="noStrike">
+              <a:defRPr sz="1800" b="0" i="0" u="none" strike="noStrike" cap="none">
                 <a:solidFill>
                   <a:schemeClr val="dk1"/>
                 </a:solidFill>
@@ -1344,7 +1499,7 @@
                 <a:sym typeface="Times New Roman"/>
               </a:defRPr>
             </a:lvl4pPr>
-            <a:lvl5pPr indent="-114300" lvl="4" marL="2057400" marR="0" rtl="0" algn="l">
+            <a:lvl5pPr marL="2057400" marR="0" lvl="4" indent="-114300" algn="l" rtl="0">
               <a:spcBef>
                 <a:spcPts val="360"/>
               </a:spcBef>
@@ -1357,7 +1512,7 @@
               <a:buSzPct val="100000"/>
               <a:buFont typeface="Arial"/>
               <a:buChar char="»"/>
-              <a:defRPr b="0" i="0" sz="1800" u="none" cap="none" strike="noStrike">
+              <a:defRPr sz="1800" b="0" i="0" u="none" strike="noStrike" cap="none">
                 <a:solidFill>
                   <a:schemeClr val="dk1"/>
                 </a:solidFill>
@@ -1367,7 +1522,7 @@
                 <a:sym typeface="Times New Roman"/>
               </a:defRPr>
             </a:lvl5pPr>
-            <a:lvl6pPr indent="-114300" lvl="5" marL="2514600" marR="0" rtl="0" algn="l">
+            <a:lvl6pPr marL="2514600" marR="0" lvl="5" indent="-114300" algn="l" rtl="0">
               <a:lnSpc>
                 <a:spcPct val="90000"/>
               </a:lnSpc>
@@ -1380,7 +1535,7 @@
               <a:buSzPct val="100000"/>
               <a:buFont typeface="Arial"/>
               <a:buChar char="•"/>
-              <a:defRPr b="0" i="0" sz="1800" u="none" cap="none" strike="noStrike">
+              <a:defRPr sz="1800" b="0" i="0" u="none" strike="noStrike" cap="none">
                 <a:solidFill>
                   <a:schemeClr val="dk1"/>
                 </a:solidFill>
@@ -1390,7 +1545,7 @@
                 <a:sym typeface="Times New Roman"/>
               </a:defRPr>
             </a:lvl6pPr>
-            <a:lvl7pPr indent="-114300" lvl="6" marL="2971800" marR="0" rtl="0" algn="l">
+            <a:lvl7pPr marL="2971800" marR="0" lvl="6" indent="-114300" algn="l" rtl="0">
               <a:lnSpc>
                 <a:spcPct val="90000"/>
               </a:lnSpc>
@@ -1403,7 +1558,7 @@
               <a:buSzPct val="100000"/>
               <a:buFont typeface="Arial"/>
               <a:buChar char="•"/>
-              <a:defRPr b="0" i="0" sz="1800" u="none" cap="none" strike="noStrike">
+              <a:defRPr sz="1800" b="0" i="0" u="none" strike="noStrike" cap="none">
                 <a:solidFill>
                   <a:schemeClr val="dk1"/>
                 </a:solidFill>
@@ -1413,7 +1568,7 @@
                 <a:sym typeface="Times New Roman"/>
               </a:defRPr>
             </a:lvl7pPr>
-            <a:lvl8pPr indent="-114300" lvl="7" marL="3429000" marR="0" rtl="0" algn="l">
+            <a:lvl8pPr marL="3429000" marR="0" lvl="7" indent="-114300" algn="l" rtl="0">
               <a:lnSpc>
                 <a:spcPct val="90000"/>
               </a:lnSpc>
@@ -1426,7 +1581,7 @@
               <a:buSzPct val="100000"/>
               <a:buFont typeface="Arial"/>
               <a:buChar char="•"/>
-              <a:defRPr b="0" i="0" sz="1800" u="none" cap="none" strike="noStrike">
+              <a:defRPr sz="1800" b="0" i="0" u="none" strike="noStrike" cap="none">
                 <a:solidFill>
                   <a:schemeClr val="dk1"/>
                 </a:solidFill>
@@ -1436,7 +1591,7 @@
                 <a:sym typeface="Times New Roman"/>
               </a:defRPr>
             </a:lvl8pPr>
-            <a:lvl9pPr indent="-114300" lvl="8" marL="3886200" marR="0" rtl="0" algn="l">
+            <a:lvl9pPr marL="3886200" marR="0" lvl="8" indent="-114300" algn="l" rtl="0">
               <a:lnSpc>
                 <a:spcPct val="90000"/>
               </a:lnSpc>
@@ -1449,7 +1604,7 @@
               <a:buSzPct val="100000"/>
               <a:buFont typeface="Arial"/>
               <a:buChar char="•"/>
-              <a:defRPr b="0" i="0" sz="1800" u="none" cap="none" strike="noStrike">
+              <a:defRPr sz="1800" b="0" i="0" u="none" strike="noStrike" cap="none">
                 <a:solidFill>
                   <a:schemeClr val="dk1"/>
                 </a:solidFill>
@@ -1460,12 +1615,14 @@
               </a:defRPr>
             </a:lvl9pPr>
           </a:lstStyle>
-          <a:p/>
+          <a:p>
+            <a:endParaRPr/>
+          </a:p>
         </p:txBody>
       </p:sp>
       <p:pic>
         <p:nvPicPr>
-          <p:cNvPr descr="090323_Lnu_Symbol" id="15" name="Shape 15"/>
+          <p:cNvPr id="15" name="Shape 15" descr="090323_Lnu_Symbol"/>
           <p:cNvPicPr preferRelativeResize="0"/>
           <p:nvPr/>
         </p:nvPicPr>
@@ -1473,7 +1630,7 @@
           <a:blip r:embed="rId2">
             <a:alphaModFix/>
           </a:blip>
-          <a:srcRect b="0" l="0" r="0" t="0"/>
+          <a:srcRect/>
           <a:stretch/>
         </p:blipFill>
         <p:spPr>
@@ -1492,7 +1649,7 @@
       </p:pic>
       <p:pic>
         <p:nvPicPr>
-          <p:cNvPr descr="090323_Lnu_Wordmark_Eng_transparent" id="16" name="Shape 16"/>
+          <p:cNvPr id="16" name="Shape 16" descr="090323_Lnu_Wordmark_Eng_transparent"/>
           <p:cNvPicPr preferRelativeResize="0"/>
           <p:nvPr/>
         </p:nvPicPr>
@@ -1500,7 +1657,7 @@
           <a:blip r:embed="rId3">
             <a:alphaModFix/>
           </a:blip>
-          <a:srcRect b="0" l="0" r="0" t="0"/>
+          <a:srcRect/>
           <a:stretch/>
         </p:blipFill>
         <p:spPr>
@@ -1526,11 +1683,11 @@
 </file>
 
 <file path=ppt/slideLayouts/slideLayout10.xml><?xml version="1.0" encoding="utf-8"?>
-<p:sldLayout xmlns:a="http://schemas.openxmlformats.org/drawingml/2006/main" xmlns:r="http://schemas.openxmlformats.org/officeDocument/2006/relationships" xmlns:mc="http://schemas.openxmlformats.org/markup-compatibility/2006" xmlns:mv="urn:schemas-microsoft-com:mac:vml" xmlns:p="http://schemas.openxmlformats.org/presentationml/2006/main" xmlns:c="http://schemas.openxmlformats.org/drawingml/2006/chart" xmlns:dgm="http://schemas.openxmlformats.org/drawingml/2006/diagram" xmlns:o="urn:schemas-microsoft-com:office:office" xmlns:v="urn:schemas-microsoft-com:vml" xmlns:pvml="urn:schemas-microsoft-com:office:powerpoint" xmlns:com="http://schemas.openxmlformats.org/drawingml/2006/compatibility" xmlns:p14="http://schemas.microsoft.com/office/powerpoint/2010/main" type="vertTx">
+<p:sldLayout xmlns:a="http://schemas.openxmlformats.org/drawingml/2006/main" xmlns:r="http://schemas.openxmlformats.org/officeDocument/2006/relationships" xmlns:p="http://schemas.openxmlformats.org/presentationml/2006/main" type="vertTx">
   <p:cSld name="Rubrik och lodrät text">
     <p:spTree>
       <p:nvGrpSpPr>
-        <p:cNvPr id="44" name="Shape 44"/>
+        <p:cNvPr id="1" name="Shape 44"/>
         <p:cNvGrpSpPr/>
         <p:nvPr/>
       </p:nvGrpSpPr>
@@ -1545,7 +1702,9 @@
       <p:sp>
         <p:nvSpPr>
           <p:cNvPr id="45" name="Shape 45"/>
-          <p:cNvSpPr txBox="1"/>
+          <p:cNvSpPr txBox="1">
+            <a:spLocks noGrp="1"/>
+          </p:cNvSpPr>
           <p:nvPr>
             <p:ph type="title"/>
           </p:nvPr>
@@ -1564,9 +1723,9 @@
           </a:ln>
         </p:spPr>
         <p:txBody>
-          <a:bodyPr anchorCtr="0" anchor="t" bIns="91425" lIns="91425" rIns="91425" tIns="91425"/>
+          <a:bodyPr lIns="91425" tIns="91425" rIns="91425" bIns="91425" anchor="t" anchorCtr="0"/>
           <a:lstStyle>
-            <a:lvl1pPr indent="0" lvl="0" marL="0" marR="0" rtl="0" algn="l">
+            <a:lvl1pPr marL="0" marR="0" lvl="0" indent="0" algn="l" rtl="0">
               <a:lnSpc>
                 <a:spcPct val="100000"/>
               </a:lnSpc>
@@ -1577,7 +1736,7 @@
                 <a:spcPts val="0"/>
               </a:spcAft>
               <a:buNone/>
-              <a:defRPr b="0" i="0" sz="2700" u="none" cap="none" strike="noStrike">
+              <a:defRPr sz="2700" b="0" i="0" u="none" strike="noStrike" cap="none">
                 <a:solidFill>
                   <a:schemeClr val="dk1"/>
                 </a:solidFill>
@@ -1587,7 +1746,7 @@
                 <a:sym typeface="Times New Roman"/>
               </a:defRPr>
             </a:lvl1pPr>
-            <a:lvl2pPr indent="0" lvl="1" marL="0" marR="0" rtl="0" algn="l">
+            <a:lvl2pPr marL="0" marR="0" lvl="1" indent="0" algn="l" rtl="0">
               <a:lnSpc>
                 <a:spcPct val="100000"/>
               </a:lnSpc>
@@ -1598,7 +1757,7 @@
                 <a:spcPts val="0"/>
               </a:spcAft>
               <a:buNone/>
-              <a:defRPr b="0" i="0" sz="2700" u="none" cap="none" strike="noStrike">
+              <a:defRPr sz="2700" b="0" i="0" u="none" strike="noStrike" cap="none">
                 <a:solidFill>
                   <a:schemeClr val="dk1"/>
                 </a:solidFill>
@@ -1608,7 +1767,7 @@
                 <a:sym typeface="Times New Roman"/>
               </a:defRPr>
             </a:lvl2pPr>
-            <a:lvl3pPr indent="0" lvl="2" marL="0" marR="0" rtl="0" algn="l">
+            <a:lvl3pPr marL="0" marR="0" lvl="2" indent="0" algn="l" rtl="0">
               <a:lnSpc>
                 <a:spcPct val="100000"/>
               </a:lnSpc>
@@ -1619,7 +1778,7 @@
                 <a:spcPts val="0"/>
               </a:spcAft>
               <a:buNone/>
-              <a:defRPr b="0" i="0" sz="2700" u="none" cap="none" strike="noStrike">
+              <a:defRPr sz="2700" b="0" i="0" u="none" strike="noStrike" cap="none">
                 <a:solidFill>
                   <a:schemeClr val="dk1"/>
                 </a:solidFill>
@@ -1629,7 +1788,7 @@
                 <a:sym typeface="Times New Roman"/>
               </a:defRPr>
             </a:lvl3pPr>
-            <a:lvl4pPr indent="0" lvl="3" marL="0" marR="0" rtl="0" algn="l">
+            <a:lvl4pPr marL="0" marR="0" lvl="3" indent="0" algn="l" rtl="0">
               <a:lnSpc>
                 <a:spcPct val="100000"/>
               </a:lnSpc>
@@ -1640,7 +1799,7 @@
                 <a:spcPts val="0"/>
               </a:spcAft>
               <a:buNone/>
-              <a:defRPr b="0" i="0" sz="2700" u="none" cap="none" strike="noStrike">
+              <a:defRPr sz="2700" b="0" i="0" u="none" strike="noStrike" cap="none">
                 <a:solidFill>
                   <a:schemeClr val="dk1"/>
                 </a:solidFill>
@@ -1650,7 +1809,7 @@
                 <a:sym typeface="Times New Roman"/>
               </a:defRPr>
             </a:lvl4pPr>
-            <a:lvl5pPr indent="0" lvl="4" marL="0" marR="0" rtl="0" algn="l">
+            <a:lvl5pPr marL="0" marR="0" lvl="4" indent="0" algn="l" rtl="0">
               <a:lnSpc>
                 <a:spcPct val="100000"/>
               </a:lnSpc>
@@ -1661,7 +1820,7 @@
                 <a:spcPts val="0"/>
               </a:spcAft>
               <a:buNone/>
-              <a:defRPr b="0" i="0" sz="2700" u="none" cap="none" strike="noStrike">
+              <a:defRPr sz="2700" b="0" i="0" u="none" strike="noStrike" cap="none">
                 <a:solidFill>
                   <a:schemeClr val="dk1"/>
                 </a:solidFill>
@@ -1671,7 +1830,7 @@
                 <a:sym typeface="Times New Roman"/>
               </a:defRPr>
             </a:lvl5pPr>
-            <a:lvl6pPr indent="0" lvl="5" marL="457200" marR="0" rtl="0" algn="l">
+            <a:lvl6pPr marL="457200" marR="0" lvl="5" indent="0" algn="l" rtl="0">
               <a:lnSpc>
                 <a:spcPct val="100000"/>
               </a:lnSpc>
@@ -1682,7 +1841,7 @@
                 <a:spcPts val="0"/>
               </a:spcAft>
               <a:buNone/>
-              <a:defRPr b="0" i="0" sz="2700" u="none" cap="none" strike="noStrike">
+              <a:defRPr sz="2700" b="0" i="0" u="none" strike="noStrike" cap="none">
                 <a:solidFill>
                   <a:schemeClr val="dk1"/>
                 </a:solidFill>
@@ -1692,7 +1851,7 @@
                 <a:sym typeface="Times New Roman"/>
               </a:defRPr>
             </a:lvl6pPr>
-            <a:lvl7pPr indent="0" lvl="6" marL="914400" marR="0" rtl="0" algn="l">
+            <a:lvl7pPr marL="914400" marR="0" lvl="6" indent="0" algn="l" rtl="0">
               <a:lnSpc>
                 <a:spcPct val="100000"/>
               </a:lnSpc>
@@ -1703,7 +1862,7 @@
                 <a:spcPts val="0"/>
               </a:spcAft>
               <a:buNone/>
-              <a:defRPr b="0" i="0" sz="2700" u="none" cap="none" strike="noStrike">
+              <a:defRPr sz="2700" b="0" i="0" u="none" strike="noStrike" cap="none">
                 <a:solidFill>
                   <a:schemeClr val="dk1"/>
                 </a:solidFill>
@@ -1713,7 +1872,7 @@
                 <a:sym typeface="Times New Roman"/>
               </a:defRPr>
             </a:lvl7pPr>
-            <a:lvl8pPr indent="0" lvl="7" marL="1371600" marR="0" rtl="0" algn="l">
+            <a:lvl8pPr marL="1371600" marR="0" lvl="7" indent="0" algn="l" rtl="0">
               <a:lnSpc>
                 <a:spcPct val="100000"/>
               </a:lnSpc>
@@ -1724,7 +1883,7 @@
                 <a:spcPts val="0"/>
               </a:spcAft>
               <a:buNone/>
-              <a:defRPr b="0" i="0" sz="2700" u="none" cap="none" strike="noStrike">
+              <a:defRPr sz="2700" b="0" i="0" u="none" strike="noStrike" cap="none">
                 <a:solidFill>
                   <a:schemeClr val="dk1"/>
                 </a:solidFill>
@@ -1734,7 +1893,7 @@
                 <a:sym typeface="Times New Roman"/>
               </a:defRPr>
             </a:lvl8pPr>
-            <a:lvl9pPr indent="0" lvl="8" marL="1828800" marR="0" rtl="0" algn="l">
+            <a:lvl9pPr marL="1828800" marR="0" lvl="8" indent="0" algn="l" rtl="0">
               <a:lnSpc>
                 <a:spcPct val="100000"/>
               </a:lnSpc>
@@ -1745,7 +1904,7 @@
                 <a:spcPts val="0"/>
               </a:spcAft>
               <a:buNone/>
-              <a:defRPr b="0" i="0" sz="2700" u="none" cap="none" strike="noStrike">
+              <a:defRPr sz="2700" b="0" i="0" u="none" strike="noStrike" cap="none">
                 <a:solidFill>
                   <a:schemeClr val="dk1"/>
                 </a:solidFill>
@@ -1756,15 +1915,19 @@
               </a:defRPr>
             </a:lvl9pPr>
           </a:lstStyle>
-          <a:p/>
+          <a:p>
+            <a:endParaRPr/>
+          </a:p>
         </p:txBody>
       </p:sp>
       <p:sp>
         <p:nvSpPr>
           <p:cNvPr id="46" name="Shape 46"/>
-          <p:cNvSpPr txBox="1"/>
+          <p:cNvSpPr txBox="1">
+            <a:spLocks noGrp="1"/>
+          </p:cNvSpPr>
           <p:nvPr>
-            <p:ph idx="1" type="body"/>
+            <p:ph type="body" idx="1"/>
           </p:nvPr>
         </p:nvSpPr>
         <p:spPr>
@@ -1781,9 +1944,9 @@
           </a:ln>
         </p:spPr>
         <p:txBody>
-          <a:bodyPr anchorCtr="0" anchor="t" bIns="91425" lIns="91425" rIns="91425" tIns="91425"/>
+          <a:bodyPr lIns="91425" tIns="91425" rIns="91425" bIns="91425" anchor="t" anchorCtr="0"/>
           <a:lstStyle>
-            <a:lvl1pPr indent="-342900" lvl="0" marL="342900" marR="0" rtl="0" algn="l">
+            <a:lvl1pPr marL="342900" marR="0" lvl="0" indent="-342900" algn="l" rtl="0">
               <a:spcBef>
                 <a:spcPts val="360"/>
               </a:spcBef>
@@ -1791,7 +1954,7 @@
                 <a:spcPts val="0"/>
               </a:spcAft>
               <a:buNone/>
-              <a:defRPr b="0" i="0" sz="1800" u="none" cap="none" strike="noStrike">
+              <a:defRPr sz="1800" b="0" i="0" u="none" strike="noStrike" cap="none">
                 <a:solidFill>
                   <a:schemeClr val="dk1"/>
                 </a:solidFill>
@@ -1801,7 +1964,7 @@
                 <a:sym typeface="Times New Roman"/>
               </a:defRPr>
             </a:lvl1pPr>
-            <a:lvl2pPr indent="-171450" lvl="1" marL="742950" marR="0" rtl="0" algn="l">
+            <a:lvl2pPr marL="742950" marR="0" lvl="1" indent="-171450" algn="l" rtl="0">
               <a:spcBef>
                 <a:spcPts val="360"/>
               </a:spcBef>
@@ -1814,7 +1977,7 @@
               <a:buSzPct val="100000"/>
               <a:buFont typeface="Arial"/>
               <a:buChar char="–"/>
-              <a:defRPr b="0" i="0" sz="1800" u="none" cap="none" strike="noStrike">
+              <a:defRPr sz="1800" b="0" i="0" u="none" strike="noStrike" cap="none">
                 <a:solidFill>
                   <a:schemeClr val="dk1"/>
                 </a:solidFill>
@@ -1824,7 +1987,7 @@
                 <a:sym typeface="Times New Roman"/>
               </a:defRPr>
             </a:lvl2pPr>
-            <a:lvl3pPr indent="-114300" lvl="2" marL="1143000" marR="0" rtl="0" algn="l">
+            <a:lvl3pPr marL="1143000" marR="0" lvl="2" indent="-114300" algn="l" rtl="0">
               <a:spcBef>
                 <a:spcPts val="360"/>
               </a:spcBef>
@@ -1837,7 +2000,7 @@
               <a:buSzPct val="100000"/>
               <a:buFont typeface="Arial"/>
               <a:buChar char="•"/>
-              <a:defRPr b="0" i="0" sz="1800" u="none" cap="none" strike="noStrike">
+              <a:defRPr sz="1800" b="0" i="0" u="none" strike="noStrike" cap="none">
                 <a:solidFill>
                   <a:schemeClr val="dk1"/>
                 </a:solidFill>
@@ -1847,7 +2010,7 @@
                 <a:sym typeface="Times New Roman"/>
               </a:defRPr>
             </a:lvl3pPr>
-            <a:lvl4pPr indent="-114300" lvl="3" marL="1600200" marR="0" rtl="0" algn="l">
+            <a:lvl4pPr marL="1600200" marR="0" lvl="3" indent="-114300" algn="l" rtl="0">
               <a:spcBef>
                 <a:spcPts val="360"/>
               </a:spcBef>
@@ -1860,7 +2023,7 @@
               <a:buSzPct val="100000"/>
               <a:buFont typeface="Arial"/>
               <a:buChar char="–"/>
-              <a:defRPr b="0" i="0" sz="1800" u="none" cap="none" strike="noStrike">
+              <a:defRPr sz="1800" b="0" i="0" u="none" strike="noStrike" cap="none">
                 <a:solidFill>
                   <a:schemeClr val="dk1"/>
                 </a:solidFill>
@@ -1870,7 +2033,7 @@
                 <a:sym typeface="Times New Roman"/>
               </a:defRPr>
             </a:lvl4pPr>
-            <a:lvl5pPr indent="-114300" lvl="4" marL="2057400" marR="0" rtl="0" algn="l">
+            <a:lvl5pPr marL="2057400" marR="0" lvl="4" indent="-114300" algn="l" rtl="0">
               <a:spcBef>
                 <a:spcPts val="360"/>
               </a:spcBef>
@@ -1883,7 +2046,7 @@
               <a:buSzPct val="100000"/>
               <a:buFont typeface="Arial"/>
               <a:buChar char="»"/>
-              <a:defRPr b="0" i="0" sz="1800" u="none" cap="none" strike="noStrike">
+              <a:defRPr sz="1800" b="0" i="0" u="none" strike="noStrike" cap="none">
                 <a:solidFill>
                   <a:schemeClr val="dk1"/>
                 </a:solidFill>
@@ -1893,7 +2056,7 @@
                 <a:sym typeface="Times New Roman"/>
               </a:defRPr>
             </a:lvl5pPr>
-            <a:lvl6pPr indent="-114300" lvl="5" marL="2514600" marR="0" rtl="0" algn="l">
+            <a:lvl6pPr marL="2514600" marR="0" lvl="5" indent="-114300" algn="l" rtl="0">
               <a:lnSpc>
                 <a:spcPct val="90000"/>
               </a:lnSpc>
@@ -1906,7 +2069,7 @@
               <a:buSzPct val="100000"/>
               <a:buFont typeface="Arial"/>
               <a:buChar char="•"/>
-              <a:defRPr b="0" i="0" sz="1800" u="none" cap="none" strike="noStrike">
+              <a:defRPr sz="1800" b="0" i="0" u="none" strike="noStrike" cap="none">
                 <a:solidFill>
                   <a:schemeClr val="dk1"/>
                 </a:solidFill>
@@ -1916,7 +2079,7 @@
                 <a:sym typeface="Times New Roman"/>
               </a:defRPr>
             </a:lvl6pPr>
-            <a:lvl7pPr indent="-114300" lvl="6" marL="2971800" marR="0" rtl="0" algn="l">
+            <a:lvl7pPr marL="2971800" marR="0" lvl="6" indent="-114300" algn="l" rtl="0">
               <a:lnSpc>
                 <a:spcPct val="90000"/>
               </a:lnSpc>
@@ -1929,7 +2092,7 @@
               <a:buSzPct val="100000"/>
               <a:buFont typeface="Arial"/>
               <a:buChar char="•"/>
-              <a:defRPr b="0" i="0" sz="1800" u="none" cap="none" strike="noStrike">
+              <a:defRPr sz="1800" b="0" i="0" u="none" strike="noStrike" cap="none">
                 <a:solidFill>
                   <a:schemeClr val="dk1"/>
                 </a:solidFill>
@@ -1939,7 +2102,7 @@
                 <a:sym typeface="Times New Roman"/>
               </a:defRPr>
             </a:lvl7pPr>
-            <a:lvl8pPr indent="-114300" lvl="7" marL="3429000" marR="0" rtl="0" algn="l">
+            <a:lvl8pPr marL="3429000" marR="0" lvl="7" indent="-114300" algn="l" rtl="0">
               <a:lnSpc>
                 <a:spcPct val="90000"/>
               </a:lnSpc>
@@ -1952,7 +2115,7 @@
               <a:buSzPct val="100000"/>
               <a:buFont typeface="Arial"/>
               <a:buChar char="•"/>
-              <a:defRPr b="0" i="0" sz="1800" u="none" cap="none" strike="noStrike">
+              <a:defRPr sz="1800" b="0" i="0" u="none" strike="noStrike" cap="none">
                 <a:solidFill>
                   <a:schemeClr val="dk1"/>
                 </a:solidFill>
@@ -1962,7 +2125,7 @@
                 <a:sym typeface="Times New Roman"/>
               </a:defRPr>
             </a:lvl8pPr>
-            <a:lvl9pPr indent="-114300" lvl="8" marL="3886200" marR="0" rtl="0" algn="l">
+            <a:lvl9pPr marL="3886200" marR="0" lvl="8" indent="-114300" algn="l" rtl="0">
               <a:lnSpc>
                 <a:spcPct val="90000"/>
               </a:lnSpc>
@@ -1975,7 +2138,7 @@
               <a:buSzPct val="100000"/>
               <a:buFont typeface="Arial"/>
               <a:buChar char="•"/>
-              <a:defRPr b="0" i="0" sz="1800" u="none" cap="none" strike="noStrike">
+              <a:defRPr sz="1800" b="0" i="0" u="none" strike="noStrike" cap="none">
                 <a:solidFill>
                   <a:schemeClr val="dk1"/>
                 </a:solidFill>
@@ -1986,7 +2149,9 @@
               </a:defRPr>
             </a:lvl9pPr>
           </a:lstStyle>
-          <a:p/>
+          <a:p>
+            <a:endParaRPr/>
+          </a:p>
         </p:txBody>
       </p:sp>
     </p:spTree>
@@ -1998,11 +2163,11 @@
 </file>
 
 <file path=ppt/slideLayouts/slideLayout11.xml><?xml version="1.0" encoding="utf-8"?>
-<p:sldLayout xmlns:a="http://schemas.openxmlformats.org/drawingml/2006/main" xmlns:r="http://schemas.openxmlformats.org/officeDocument/2006/relationships" xmlns:mc="http://schemas.openxmlformats.org/markup-compatibility/2006" xmlns:mv="urn:schemas-microsoft-com:mac:vml" xmlns:p="http://schemas.openxmlformats.org/presentationml/2006/main" xmlns:c="http://schemas.openxmlformats.org/drawingml/2006/chart" xmlns:dgm="http://schemas.openxmlformats.org/drawingml/2006/diagram" xmlns:o="urn:schemas-microsoft-com:office:office" xmlns:v="urn:schemas-microsoft-com:vml" xmlns:pvml="urn:schemas-microsoft-com:office:powerpoint" xmlns:com="http://schemas.openxmlformats.org/drawingml/2006/compatibility" xmlns:p14="http://schemas.microsoft.com/office/powerpoint/2010/main" type="vertTitleAndTx">
+<p:sldLayout xmlns:a="http://schemas.openxmlformats.org/drawingml/2006/main" xmlns:r="http://schemas.openxmlformats.org/officeDocument/2006/relationships" xmlns:p="http://schemas.openxmlformats.org/presentationml/2006/main" type="vertTitleAndTx">
   <p:cSld name="Lodrät rubrik och text">
     <p:spTree>
       <p:nvGrpSpPr>
-        <p:cNvPr id="47" name="Shape 47"/>
+        <p:cNvPr id="1" name="Shape 47"/>
         <p:cNvGrpSpPr/>
         <p:nvPr/>
       </p:nvGrpSpPr>
@@ -2017,7 +2182,9 @@
       <p:sp>
         <p:nvSpPr>
           <p:cNvPr id="48" name="Shape 48"/>
-          <p:cNvSpPr txBox="1"/>
+          <p:cNvSpPr txBox="1">
+            <a:spLocks noGrp="1"/>
+          </p:cNvSpPr>
           <p:nvPr>
             <p:ph type="title"/>
           </p:nvPr>
@@ -2036,9 +2203,9 @@
           </a:ln>
         </p:spPr>
         <p:txBody>
-          <a:bodyPr anchorCtr="0" anchor="t" bIns="91425" lIns="91425" rIns="91425" tIns="91425"/>
+          <a:bodyPr lIns="91425" tIns="91425" rIns="91425" bIns="91425" anchor="t" anchorCtr="0"/>
           <a:lstStyle>
-            <a:lvl1pPr indent="0" lvl="0" marL="0" marR="0" rtl="0" algn="l">
+            <a:lvl1pPr marL="0" marR="0" lvl="0" indent="0" algn="l" rtl="0">
               <a:lnSpc>
                 <a:spcPct val="100000"/>
               </a:lnSpc>
@@ -2049,7 +2216,7 @@
                 <a:spcPts val="0"/>
               </a:spcAft>
               <a:buNone/>
-              <a:defRPr b="0" i="0" sz="2700" u="none" cap="none" strike="noStrike">
+              <a:defRPr sz="2700" b="0" i="0" u="none" strike="noStrike" cap="none">
                 <a:solidFill>
                   <a:schemeClr val="dk1"/>
                 </a:solidFill>
@@ -2059,7 +2226,7 @@
                 <a:sym typeface="Times New Roman"/>
               </a:defRPr>
             </a:lvl1pPr>
-            <a:lvl2pPr indent="0" lvl="1" marL="0" marR="0" rtl="0" algn="l">
+            <a:lvl2pPr marL="0" marR="0" lvl="1" indent="0" algn="l" rtl="0">
               <a:lnSpc>
                 <a:spcPct val="100000"/>
               </a:lnSpc>
@@ -2070,7 +2237,7 @@
                 <a:spcPts val="0"/>
               </a:spcAft>
               <a:buNone/>
-              <a:defRPr b="0" i="0" sz="2700" u="none" cap="none" strike="noStrike">
+              <a:defRPr sz="2700" b="0" i="0" u="none" strike="noStrike" cap="none">
                 <a:solidFill>
                   <a:schemeClr val="dk1"/>
                 </a:solidFill>
@@ -2080,7 +2247,7 @@
                 <a:sym typeface="Times New Roman"/>
               </a:defRPr>
             </a:lvl2pPr>
-            <a:lvl3pPr indent="0" lvl="2" marL="0" marR="0" rtl="0" algn="l">
+            <a:lvl3pPr marL="0" marR="0" lvl="2" indent="0" algn="l" rtl="0">
               <a:lnSpc>
                 <a:spcPct val="100000"/>
               </a:lnSpc>
@@ -2091,7 +2258,7 @@
                 <a:spcPts val="0"/>
               </a:spcAft>
               <a:buNone/>
-              <a:defRPr b="0" i="0" sz="2700" u="none" cap="none" strike="noStrike">
+              <a:defRPr sz="2700" b="0" i="0" u="none" strike="noStrike" cap="none">
                 <a:solidFill>
                   <a:schemeClr val="dk1"/>
                 </a:solidFill>
@@ -2101,7 +2268,7 @@
                 <a:sym typeface="Times New Roman"/>
               </a:defRPr>
             </a:lvl3pPr>
-            <a:lvl4pPr indent="0" lvl="3" marL="0" marR="0" rtl="0" algn="l">
+            <a:lvl4pPr marL="0" marR="0" lvl="3" indent="0" algn="l" rtl="0">
               <a:lnSpc>
                 <a:spcPct val="100000"/>
               </a:lnSpc>
@@ -2112,7 +2279,7 @@
                 <a:spcPts val="0"/>
               </a:spcAft>
               <a:buNone/>
-              <a:defRPr b="0" i="0" sz="2700" u="none" cap="none" strike="noStrike">
+              <a:defRPr sz="2700" b="0" i="0" u="none" strike="noStrike" cap="none">
                 <a:solidFill>
                   <a:schemeClr val="dk1"/>
                 </a:solidFill>
@@ -2122,7 +2289,7 @@
                 <a:sym typeface="Times New Roman"/>
               </a:defRPr>
             </a:lvl4pPr>
-            <a:lvl5pPr indent="0" lvl="4" marL="0" marR="0" rtl="0" algn="l">
+            <a:lvl5pPr marL="0" marR="0" lvl="4" indent="0" algn="l" rtl="0">
               <a:lnSpc>
                 <a:spcPct val="100000"/>
               </a:lnSpc>
@@ -2133,7 +2300,7 @@
                 <a:spcPts val="0"/>
               </a:spcAft>
               <a:buNone/>
-              <a:defRPr b="0" i="0" sz="2700" u="none" cap="none" strike="noStrike">
+              <a:defRPr sz="2700" b="0" i="0" u="none" strike="noStrike" cap="none">
                 <a:solidFill>
                   <a:schemeClr val="dk1"/>
                 </a:solidFill>
@@ -2143,7 +2310,7 @@
                 <a:sym typeface="Times New Roman"/>
               </a:defRPr>
             </a:lvl5pPr>
-            <a:lvl6pPr indent="0" lvl="5" marL="457200" marR="0" rtl="0" algn="l">
+            <a:lvl6pPr marL="457200" marR="0" lvl="5" indent="0" algn="l" rtl="0">
               <a:lnSpc>
                 <a:spcPct val="100000"/>
               </a:lnSpc>
@@ -2154,7 +2321,7 @@
                 <a:spcPts val="0"/>
               </a:spcAft>
               <a:buNone/>
-              <a:defRPr b="0" i="0" sz="2700" u="none" cap="none" strike="noStrike">
+              <a:defRPr sz="2700" b="0" i="0" u="none" strike="noStrike" cap="none">
                 <a:solidFill>
                   <a:schemeClr val="dk1"/>
                 </a:solidFill>
@@ -2164,7 +2331,7 @@
                 <a:sym typeface="Times New Roman"/>
               </a:defRPr>
             </a:lvl6pPr>
-            <a:lvl7pPr indent="0" lvl="6" marL="914400" marR="0" rtl="0" algn="l">
+            <a:lvl7pPr marL="914400" marR="0" lvl="6" indent="0" algn="l" rtl="0">
               <a:lnSpc>
                 <a:spcPct val="100000"/>
               </a:lnSpc>
@@ -2175,7 +2342,7 @@
                 <a:spcPts val="0"/>
               </a:spcAft>
               <a:buNone/>
-              <a:defRPr b="0" i="0" sz="2700" u="none" cap="none" strike="noStrike">
+              <a:defRPr sz="2700" b="0" i="0" u="none" strike="noStrike" cap="none">
                 <a:solidFill>
                   <a:schemeClr val="dk1"/>
                 </a:solidFill>
@@ -2185,7 +2352,7 @@
                 <a:sym typeface="Times New Roman"/>
               </a:defRPr>
             </a:lvl7pPr>
-            <a:lvl8pPr indent="0" lvl="7" marL="1371600" marR="0" rtl="0" algn="l">
+            <a:lvl8pPr marL="1371600" marR="0" lvl="7" indent="0" algn="l" rtl="0">
               <a:lnSpc>
                 <a:spcPct val="100000"/>
               </a:lnSpc>
@@ -2196,7 +2363,7 @@
                 <a:spcPts val="0"/>
               </a:spcAft>
               <a:buNone/>
-              <a:defRPr b="0" i="0" sz="2700" u="none" cap="none" strike="noStrike">
+              <a:defRPr sz="2700" b="0" i="0" u="none" strike="noStrike" cap="none">
                 <a:solidFill>
                   <a:schemeClr val="dk1"/>
                 </a:solidFill>
@@ -2206,7 +2373,7 @@
                 <a:sym typeface="Times New Roman"/>
               </a:defRPr>
             </a:lvl8pPr>
-            <a:lvl9pPr indent="0" lvl="8" marL="1828800" marR="0" rtl="0" algn="l">
+            <a:lvl9pPr marL="1828800" marR="0" lvl="8" indent="0" algn="l" rtl="0">
               <a:lnSpc>
                 <a:spcPct val="100000"/>
               </a:lnSpc>
@@ -2217,7 +2384,7 @@
                 <a:spcPts val="0"/>
               </a:spcAft>
               <a:buNone/>
-              <a:defRPr b="0" i="0" sz="2700" u="none" cap="none" strike="noStrike">
+              <a:defRPr sz="2700" b="0" i="0" u="none" strike="noStrike" cap="none">
                 <a:solidFill>
                   <a:schemeClr val="dk1"/>
                 </a:solidFill>
@@ -2228,15 +2395,19 @@
               </a:defRPr>
             </a:lvl9pPr>
           </a:lstStyle>
-          <a:p/>
+          <a:p>
+            <a:endParaRPr/>
+          </a:p>
         </p:txBody>
       </p:sp>
       <p:sp>
         <p:nvSpPr>
           <p:cNvPr id="49" name="Shape 49"/>
-          <p:cNvSpPr txBox="1"/>
+          <p:cNvSpPr txBox="1">
+            <a:spLocks noGrp="1"/>
+          </p:cNvSpPr>
           <p:nvPr>
-            <p:ph idx="1" type="body"/>
+            <p:ph type="body" idx="1"/>
           </p:nvPr>
         </p:nvSpPr>
         <p:spPr>
@@ -2253,9 +2424,9 @@
           </a:ln>
         </p:spPr>
         <p:txBody>
-          <a:bodyPr anchorCtr="0" anchor="t" bIns="91425" lIns="91425" rIns="91425" tIns="91425"/>
+          <a:bodyPr lIns="91425" tIns="91425" rIns="91425" bIns="91425" anchor="t" anchorCtr="0"/>
           <a:lstStyle>
-            <a:lvl1pPr indent="-342900" lvl="0" marL="342900" marR="0" rtl="0" algn="l">
+            <a:lvl1pPr marL="342900" marR="0" lvl="0" indent="-342900" algn="l" rtl="0">
               <a:spcBef>
                 <a:spcPts val="360"/>
               </a:spcBef>
@@ -2263,7 +2434,7 @@
                 <a:spcPts val="0"/>
               </a:spcAft>
               <a:buNone/>
-              <a:defRPr b="0" i="0" sz="1800" u="none" cap="none" strike="noStrike">
+              <a:defRPr sz="1800" b="0" i="0" u="none" strike="noStrike" cap="none">
                 <a:solidFill>
                   <a:schemeClr val="dk1"/>
                 </a:solidFill>
@@ -2273,7 +2444,7 @@
                 <a:sym typeface="Times New Roman"/>
               </a:defRPr>
             </a:lvl1pPr>
-            <a:lvl2pPr indent="-171450" lvl="1" marL="742950" marR="0" rtl="0" algn="l">
+            <a:lvl2pPr marL="742950" marR="0" lvl="1" indent="-171450" algn="l" rtl="0">
               <a:spcBef>
                 <a:spcPts val="360"/>
               </a:spcBef>
@@ -2286,7 +2457,7 @@
               <a:buSzPct val="100000"/>
               <a:buFont typeface="Arial"/>
               <a:buChar char="–"/>
-              <a:defRPr b="0" i="0" sz="1800" u="none" cap="none" strike="noStrike">
+              <a:defRPr sz="1800" b="0" i="0" u="none" strike="noStrike" cap="none">
                 <a:solidFill>
                   <a:schemeClr val="dk1"/>
                 </a:solidFill>
@@ -2296,7 +2467,7 @@
                 <a:sym typeface="Times New Roman"/>
               </a:defRPr>
             </a:lvl2pPr>
-            <a:lvl3pPr indent="-114300" lvl="2" marL="1143000" marR="0" rtl="0" algn="l">
+            <a:lvl3pPr marL="1143000" marR="0" lvl="2" indent="-114300" algn="l" rtl="0">
               <a:spcBef>
                 <a:spcPts val="360"/>
               </a:spcBef>
@@ -2309,7 +2480,7 @@
               <a:buSzPct val="100000"/>
               <a:buFont typeface="Arial"/>
               <a:buChar char="•"/>
-              <a:defRPr b="0" i="0" sz="1800" u="none" cap="none" strike="noStrike">
+              <a:defRPr sz="1800" b="0" i="0" u="none" strike="noStrike" cap="none">
                 <a:solidFill>
                   <a:schemeClr val="dk1"/>
                 </a:solidFill>
@@ -2319,7 +2490,7 @@
                 <a:sym typeface="Times New Roman"/>
               </a:defRPr>
             </a:lvl3pPr>
-            <a:lvl4pPr indent="-114300" lvl="3" marL="1600200" marR="0" rtl="0" algn="l">
+            <a:lvl4pPr marL="1600200" marR="0" lvl="3" indent="-114300" algn="l" rtl="0">
               <a:spcBef>
                 <a:spcPts val="360"/>
               </a:spcBef>
@@ -2332,7 +2503,7 @@
               <a:buSzPct val="100000"/>
               <a:buFont typeface="Arial"/>
               <a:buChar char="–"/>
-              <a:defRPr b="0" i="0" sz="1800" u="none" cap="none" strike="noStrike">
+              <a:defRPr sz="1800" b="0" i="0" u="none" strike="noStrike" cap="none">
                 <a:solidFill>
                   <a:schemeClr val="dk1"/>
                 </a:solidFill>
@@ -2342,7 +2513,7 @@
                 <a:sym typeface="Times New Roman"/>
               </a:defRPr>
             </a:lvl4pPr>
-            <a:lvl5pPr indent="-114300" lvl="4" marL="2057400" marR="0" rtl="0" algn="l">
+            <a:lvl5pPr marL="2057400" marR="0" lvl="4" indent="-114300" algn="l" rtl="0">
               <a:spcBef>
                 <a:spcPts val="360"/>
               </a:spcBef>
@@ -2355,7 +2526,7 @@
               <a:buSzPct val="100000"/>
               <a:buFont typeface="Arial"/>
               <a:buChar char="»"/>
-              <a:defRPr b="0" i="0" sz="1800" u="none" cap="none" strike="noStrike">
+              <a:defRPr sz="1800" b="0" i="0" u="none" strike="noStrike" cap="none">
                 <a:solidFill>
                   <a:schemeClr val="dk1"/>
                 </a:solidFill>
@@ -2365,7 +2536,7 @@
                 <a:sym typeface="Times New Roman"/>
               </a:defRPr>
             </a:lvl5pPr>
-            <a:lvl6pPr indent="-114300" lvl="5" marL="2514600" marR="0" rtl="0" algn="l">
+            <a:lvl6pPr marL="2514600" marR="0" lvl="5" indent="-114300" algn="l" rtl="0">
               <a:lnSpc>
                 <a:spcPct val="90000"/>
               </a:lnSpc>
@@ -2378,7 +2549,7 @@
               <a:buSzPct val="100000"/>
               <a:buFont typeface="Arial"/>
               <a:buChar char="•"/>
-              <a:defRPr b="0" i="0" sz="1800" u="none" cap="none" strike="noStrike">
+              <a:defRPr sz="1800" b="0" i="0" u="none" strike="noStrike" cap="none">
                 <a:solidFill>
                   <a:schemeClr val="dk1"/>
                 </a:solidFill>
@@ -2388,7 +2559,7 @@
                 <a:sym typeface="Times New Roman"/>
               </a:defRPr>
             </a:lvl6pPr>
-            <a:lvl7pPr indent="-114300" lvl="6" marL="2971800" marR="0" rtl="0" algn="l">
+            <a:lvl7pPr marL="2971800" marR="0" lvl="6" indent="-114300" algn="l" rtl="0">
               <a:lnSpc>
                 <a:spcPct val="90000"/>
               </a:lnSpc>
@@ -2401,7 +2572,7 @@
               <a:buSzPct val="100000"/>
               <a:buFont typeface="Arial"/>
               <a:buChar char="•"/>
-              <a:defRPr b="0" i="0" sz="1800" u="none" cap="none" strike="noStrike">
+              <a:defRPr sz="1800" b="0" i="0" u="none" strike="noStrike" cap="none">
                 <a:solidFill>
                   <a:schemeClr val="dk1"/>
                 </a:solidFill>
@@ -2411,7 +2582,7 @@
                 <a:sym typeface="Times New Roman"/>
               </a:defRPr>
             </a:lvl7pPr>
-            <a:lvl8pPr indent="-114300" lvl="7" marL="3429000" marR="0" rtl="0" algn="l">
+            <a:lvl8pPr marL="3429000" marR="0" lvl="7" indent="-114300" algn="l" rtl="0">
               <a:lnSpc>
                 <a:spcPct val="90000"/>
               </a:lnSpc>
@@ -2424,7 +2595,7 @@
               <a:buSzPct val="100000"/>
               <a:buFont typeface="Arial"/>
               <a:buChar char="•"/>
-              <a:defRPr b="0" i="0" sz="1800" u="none" cap="none" strike="noStrike">
+              <a:defRPr sz="1800" b="0" i="0" u="none" strike="noStrike" cap="none">
                 <a:solidFill>
                   <a:schemeClr val="dk1"/>
                 </a:solidFill>
@@ -2434,7 +2605,7 @@
                 <a:sym typeface="Times New Roman"/>
               </a:defRPr>
             </a:lvl8pPr>
-            <a:lvl9pPr indent="-114300" lvl="8" marL="3886200" marR="0" rtl="0" algn="l">
+            <a:lvl9pPr marL="3886200" marR="0" lvl="8" indent="-114300" algn="l" rtl="0">
               <a:lnSpc>
                 <a:spcPct val="90000"/>
               </a:lnSpc>
@@ -2447,7 +2618,7 @@
               <a:buSzPct val="100000"/>
               <a:buFont typeface="Arial"/>
               <a:buChar char="•"/>
-              <a:defRPr b="0" i="0" sz="1800" u="none" cap="none" strike="noStrike">
+              <a:defRPr sz="1800" b="0" i="0" u="none" strike="noStrike" cap="none">
                 <a:solidFill>
                   <a:schemeClr val="dk1"/>
                 </a:solidFill>
@@ -2458,7 +2629,9 @@
               </a:defRPr>
             </a:lvl9pPr>
           </a:lstStyle>
-          <a:p/>
+          <a:p>
+            <a:endParaRPr/>
+          </a:p>
         </p:txBody>
       </p:sp>
     </p:spTree>
@@ -2470,11 +2643,11 @@
 </file>
 
 <file path=ppt/slideLayouts/slideLayout2.xml><?xml version="1.0" encoding="utf-8"?>
-<p:sldLayout xmlns:a="http://schemas.openxmlformats.org/drawingml/2006/main" xmlns:r="http://schemas.openxmlformats.org/officeDocument/2006/relationships" xmlns:mc="http://schemas.openxmlformats.org/markup-compatibility/2006" xmlns:mv="urn:schemas-microsoft-com:mac:vml" xmlns:p="http://schemas.openxmlformats.org/presentationml/2006/main" xmlns:c="http://schemas.openxmlformats.org/drawingml/2006/chart" xmlns:dgm="http://schemas.openxmlformats.org/drawingml/2006/diagram" xmlns:o="urn:schemas-microsoft-com:office:office" xmlns:v="urn:schemas-microsoft-com:vml" xmlns:pvml="urn:schemas-microsoft-com:office:powerpoint" xmlns:com="http://schemas.openxmlformats.org/drawingml/2006/compatibility" xmlns:p14="http://schemas.microsoft.com/office/powerpoint/2010/main" type="obj">
+<p:sldLayout xmlns:a="http://schemas.openxmlformats.org/drawingml/2006/main" xmlns:r="http://schemas.openxmlformats.org/officeDocument/2006/relationships" xmlns:p="http://schemas.openxmlformats.org/presentationml/2006/main" type="obj">
   <p:cSld name="Rubrik och innehåll">
     <p:spTree>
       <p:nvGrpSpPr>
-        <p:cNvPr id="17" name="Shape 17"/>
+        <p:cNvPr id="1" name="Shape 17"/>
         <p:cNvGrpSpPr/>
         <p:nvPr/>
       </p:nvGrpSpPr>
@@ -2489,7 +2662,9 @@
       <p:sp>
         <p:nvSpPr>
           <p:cNvPr id="18" name="Shape 18"/>
-          <p:cNvSpPr txBox="1"/>
+          <p:cNvSpPr txBox="1">
+            <a:spLocks noGrp="1"/>
+          </p:cNvSpPr>
           <p:nvPr>
             <p:ph type="title"/>
           </p:nvPr>
@@ -2508,9 +2683,9 @@
           </a:ln>
         </p:spPr>
         <p:txBody>
-          <a:bodyPr anchorCtr="0" anchor="t" bIns="91425" lIns="91425" rIns="91425" tIns="91425"/>
+          <a:bodyPr lIns="91425" tIns="91425" rIns="91425" bIns="91425" anchor="t" anchorCtr="0"/>
           <a:lstStyle>
-            <a:lvl1pPr indent="0" lvl="0" marL="0" marR="0" rtl="0" algn="l">
+            <a:lvl1pPr marL="0" marR="0" lvl="0" indent="0" algn="l" rtl="0">
               <a:lnSpc>
                 <a:spcPct val="100000"/>
               </a:lnSpc>
@@ -2521,7 +2696,7 @@
                 <a:spcPts val="0"/>
               </a:spcAft>
               <a:buNone/>
-              <a:defRPr b="0" i="0" sz="2700" u="none" cap="none" strike="noStrike">
+              <a:defRPr sz="2700" b="0" i="0" u="none" strike="noStrike" cap="none">
                 <a:solidFill>
                   <a:schemeClr val="dk1"/>
                 </a:solidFill>
@@ -2531,7 +2706,7 @@
                 <a:sym typeface="Times New Roman"/>
               </a:defRPr>
             </a:lvl1pPr>
-            <a:lvl2pPr indent="0" lvl="1" marL="0" marR="0" rtl="0" algn="l">
+            <a:lvl2pPr marL="0" marR="0" lvl="1" indent="0" algn="l" rtl="0">
               <a:lnSpc>
                 <a:spcPct val="100000"/>
               </a:lnSpc>
@@ -2542,7 +2717,7 @@
                 <a:spcPts val="0"/>
               </a:spcAft>
               <a:buNone/>
-              <a:defRPr b="0" i="0" sz="2700" u="none" cap="none" strike="noStrike">
+              <a:defRPr sz="2700" b="0" i="0" u="none" strike="noStrike" cap="none">
                 <a:solidFill>
                   <a:schemeClr val="dk1"/>
                 </a:solidFill>
@@ -2552,7 +2727,7 @@
                 <a:sym typeface="Times New Roman"/>
               </a:defRPr>
             </a:lvl2pPr>
-            <a:lvl3pPr indent="0" lvl="2" marL="0" marR="0" rtl="0" algn="l">
+            <a:lvl3pPr marL="0" marR="0" lvl="2" indent="0" algn="l" rtl="0">
               <a:lnSpc>
                 <a:spcPct val="100000"/>
               </a:lnSpc>
@@ -2563,7 +2738,7 @@
                 <a:spcPts val="0"/>
               </a:spcAft>
               <a:buNone/>
-              <a:defRPr b="0" i="0" sz="2700" u="none" cap="none" strike="noStrike">
+              <a:defRPr sz="2700" b="0" i="0" u="none" strike="noStrike" cap="none">
                 <a:solidFill>
                   <a:schemeClr val="dk1"/>
                 </a:solidFill>
@@ -2573,7 +2748,7 @@
                 <a:sym typeface="Times New Roman"/>
               </a:defRPr>
             </a:lvl3pPr>
-            <a:lvl4pPr indent="0" lvl="3" marL="0" marR="0" rtl="0" algn="l">
+            <a:lvl4pPr marL="0" marR="0" lvl="3" indent="0" algn="l" rtl="0">
               <a:lnSpc>
                 <a:spcPct val="100000"/>
               </a:lnSpc>
@@ -2584,7 +2759,7 @@
                 <a:spcPts val="0"/>
               </a:spcAft>
               <a:buNone/>
-              <a:defRPr b="0" i="0" sz="2700" u="none" cap="none" strike="noStrike">
+              <a:defRPr sz="2700" b="0" i="0" u="none" strike="noStrike" cap="none">
                 <a:solidFill>
                   <a:schemeClr val="dk1"/>
                 </a:solidFill>
@@ -2594,7 +2769,7 @@
                 <a:sym typeface="Times New Roman"/>
               </a:defRPr>
             </a:lvl4pPr>
-            <a:lvl5pPr indent="0" lvl="4" marL="0" marR="0" rtl="0" algn="l">
+            <a:lvl5pPr marL="0" marR="0" lvl="4" indent="0" algn="l" rtl="0">
               <a:lnSpc>
                 <a:spcPct val="100000"/>
               </a:lnSpc>
@@ -2605,7 +2780,7 @@
                 <a:spcPts val="0"/>
               </a:spcAft>
               <a:buNone/>
-              <a:defRPr b="0" i="0" sz="2700" u="none" cap="none" strike="noStrike">
+              <a:defRPr sz="2700" b="0" i="0" u="none" strike="noStrike" cap="none">
                 <a:solidFill>
                   <a:schemeClr val="dk1"/>
                 </a:solidFill>
@@ -2615,7 +2790,7 @@
                 <a:sym typeface="Times New Roman"/>
               </a:defRPr>
             </a:lvl5pPr>
-            <a:lvl6pPr indent="0" lvl="5" marL="457200" marR="0" rtl="0" algn="l">
+            <a:lvl6pPr marL="457200" marR="0" lvl="5" indent="0" algn="l" rtl="0">
               <a:lnSpc>
                 <a:spcPct val="100000"/>
               </a:lnSpc>
@@ -2626,7 +2801,7 @@
                 <a:spcPts val="0"/>
               </a:spcAft>
               <a:buNone/>
-              <a:defRPr b="0" i="0" sz="2700" u="none" cap="none" strike="noStrike">
+              <a:defRPr sz="2700" b="0" i="0" u="none" strike="noStrike" cap="none">
                 <a:solidFill>
                   <a:schemeClr val="dk1"/>
                 </a:solidFill>
@@ -2636,7 +2811,7 @@
                 <a:sym typeface="Times New Roman"/>
               </a:defRPr>
             </a:lvl6pPr>
-            <a:lvl7pPr indent="0" lvl="6" marL="914400" marR="0" rtl="0" algn="l">
+            <a:lvl7pPr marL="914400" marR="0" lvl="6" indent="0" algn="l" rtl="0">
               <a:lnSpc>
                 <a:spcPct val="100000"/>
               </a:lnSpc>
@@ -2647,7 +2822,7 @@
                 <a:spcPts val="0"/>
               </a:spcAft>
               <a:buNone/>
-              <a:defRPr b="0" i="0" sz="2700" u="none" cap="none" strike="noStrike">
+              <a:defRPr sz="2700" b="0" i="0" u="none" strike="noStrike" cap="none">
                 <a:solidFill>
                   <a:schemeClr val="dk1"/>
                 </a:solidFill>
@@ -2657,7 +2832,7 @@
                 <a:sym typeface="Times New Roman"/>
               </a:defRPr>
             </a:lvl7pPr>
-            <a:lvl8pPr indent="0" lvl="7" marL="1371600" marR="0" rtl="0" algn="l">
+            <a:lvl8pPr marL="1371600" marR="0" lvl="7" indent="0" algn="l" rtl="0">
               <a:lnSpc>
                 <a:spcPct val="100000"/>
               </a:lnSpc>
@@ -2668,7 +2843,7 @@
                 <a:spcPts val="0"/>
               </a:spcAft>
               <a:buNone/>
-              <a:defRPr b="0" i="0" sz="2700" u="none" cap="none" strike="noStrike">
+              <a:defRPr sz="2700" b="0" i="0" u="none" strike="noStrike" cap="none">
                 <a:solidFill>
                   <a:schemeClr val="dk1"/>
                 </a:solidFill>
@@ -2678,7 +2853,7 @@
                 <a:sym typeface="Times New Roman"/>
               </a:defRPr>
             </a:lvl8pPr>
-            <a:lvl9pPr indent="0" lvl="8" marL="1828800" marR="0" rtl="0" algn="l">
+            <a:lvl9pPr marL="1828800" marR="0" lvl="8" indent="0" algn="l" rtl="0">
               <a:lnSpc>
                 <a:spcPct val="100000"/>
               </a:lnSpc>
@@ -2689,7 +2864,7 @@
                 <a:spcPts val="0"/>
               </a:spcAft>
               <a:buNone/>
-              <a:defRPr b="0" i="0" sz="2700" u="none" cap="none" strike="noStrike">
+              <a:defRPr sz="2700" b="0" i="0" u="none" strike="noStrike" cap="none">
                 <a:solidFill>
                   <a:schemeClr val="dk1"/>
                 </a:solidFill>
@@ -2700,15 +2875,19 @@
               </a:defRPr>
             </a:lvl9pPr>
           </a:lstStyle>
-          <a:p/>
+          <a:p>
+            <a:endParaRPr/>
+          </a:p>
         </p:txBody>
       </p:sp>
       <p:sp>
         <p:nvSpPr>
           <p:cNvPr id="19" name="Shape 19"/>
-          <p:cNvSpPr txBox="1"/>
+          <p:cNvSpPr txBox="1">
+            <a:spLocks noGrp="1"/>
+          </p:cNvSpPr>
           <p:nvPr>
-            <p:ph idx="1" type="body"/>
+            <p:ph type="body" idx="1"/>
           </p:nvPr>
         </p:nvSpPr>
         <p:spPr>
@@ -2725,9 +2904,9 @@
           </a:ln>
         </p:spPr>
         <p:txBody>
-          <a:bodyPr anchorCtr="0" anchor="t" bIns="91425" lIns="91425" rIns="91425" tIns="91425"/>
+          <a:bodyPr lIns="91425" tIns="91425" rIns="91425" bIns="91425" anchor="t" anchorCtr="0"/>
           <a:lstStyle>
-            <a:lvl1pPr indent="-342900" lvl="0" marL="342900" marR="0" rtl="0" algn="l">
+            <a:lvl1pPr marL="342900" marR="0" lvl="0" indent="-342900" algn="l" rtl="0">
               <a:spcBef>
                 <a:spcPts val="360"/>
               </a:spcBef>
@@ -2735,7 +2914,7 @@
                 <a:spcPts val="0"/>
               </a:spcAft>
               <a:buNone/>
-              <a:defRPr b="0" i="0" sz="1800" u="none" cap="none" strike="noStrike">
+              <a:defRPr sz="1800" b="0" i="0" u="none" strike="noStrike" cap="none">
                 <a:solidFill>
                   <a:schemeClr val="dk1"/>
                 </a:solidFill>
@@ -2745,7 +2924,7 @@
                 <a:sym typeface="Times New Roman"/>
               </a:defRPr>
             </a:lvl1pPr>
-            <a:lvl2pPr indent="-171450" lvl="1" marL="742950" marR="0" rtl="0" algn="l">
+            <a:lvl2pPr marL="742950" marR="0" lvl="1" indent="-171450" algn="l" rtl="0">
               <a:spcBef>
                 <a:spcPts val="360"/>
               </a:spcBef>
@@ -2758,7 +2937,7 @@
               <a:buSzPct val="100000"/>
               <a:buFont typeface="Arial"/>
               <a:buChar char="–"/>
-              <a:defRPr b="0" i="0" sz="1800" u="none" cap="none" strike="noStrike">
+              <a:defRPr sz="1800" b="0" i="0" u="none" strike="noStrike" cap="none">
                 <a:solidFill>
                   <a:schemeClr val="dk1"/>
                 </a:solidFill>
@@ -2768,7 +2947,7 @@
                 <a:sym typeface="Times New Roman"/>
               </a:defRPr>
             </a:lvl2pPr>
-            <a:lvl3pPr indent="-114300" lvl="2" marL="1143000" marR="0" rtl="0" algn="l">
+            <a:lvl3pPr marL="1143000" marR="0" lvl="2" indent="-114300" algn="l" rtl="0">
               <a:spcBef>
                 <a:spcPts val="360"/>
               </a:spcBef>
@@ -2781,7 +2960,7 @@
               <a:buSzPct val="100000"/>
               <a:buFont typeface="Arial"/>
               <a:buChar char="•"/>
-              <a:defRPr b="0" i="0" sz="1800" u="none" cap="none" strike="noStrike">
+              <a:defRPr sz="1800" b="0" i="0" u="none" strike="noStrike" cap="none">
                 <a:solidFill>
                   <a:schemeClr val="dk1"/>
                 </a:solidFill>
@@ -2791,7 +2970,7 @@
                 <a:sym typeface="Times New Roman"/>
               </a:defRPr>
             </a:lvl3pPr>
-            <a:lvl4pPr indent="-114300" lvl="3" marL="1600200" marR="0" rtl="0" algn="l">
+            <a:lvl4pPr marL="1600200" marR="0" lvl="3" indent="-114300" algn="l" rtl="0">
               <a:spcBef>
                 <a:spcPts val="360"/>
               </a:spcBef>
@@ -2804,7 +2983,7 @@
               <a:buSzPct val="100000"/>
               <a:buFont typeface="Arial"/>
               <a:buChar char="–"/>
-              <a:defRPr b="0" i="0" sz="1800" u="none" cap="none" strike="noStrike">
+              <a:defRPr sz="1800" b="0" i="0" u="none" strike="noStrike" cap="none">
                 <a:solidFill>
                   <a:schemeClr val="dk1"/>
                 </a:solidFill>
@@ -2814,7 +2993,7 @@
                 <a:sym typeface="Times New Roman"/>
               </a:defRPr>
             </a:lvl4pPr>
-            <a:lvl5pPr indent="-114300" lvl="4" marL="2057400" marR="0" rtl="0" algn="l">
+            <a:lvl5pPr marL="2057400" marR="0" lvl="4" indent="-114300" algn="l" rtl="0">
               <a:spcBef>
                 <a:spcPts val="360"/>
               </a:spcBef>
@@ -2827,7 +3006,7 @@
               <a:buSzPct val="100000"/>
               <a:buFont typeface="Arial"/>
               <a:buChar char="»"/>
-              <a:defRPr b="0" i="0" sz="1800" u="none" cap="none" strike="noStrike">
+              <a:defRPr sz="1800" b="0" i="0" u="none" strike="noStrike" cap="none">
                 <a:solidFill>
                   <a:schemeClr val="dk1"/>
                 </a:solidFill>
@@ -2837,7 +3016,7 @@
                 <a:sym typeface="Times New Roman"/>
               </a:defRPr>
             </a:lvl5pPr>
-            <a:lvl6pPr indent="-114300" lvl="5" marL="2514600" marR="0" rtl="0" algn="l">
+            <a:lvl6pPr marL="2514600" marR="0" lvl="5" indent="-114300" algn="l" rtl="0">
               <a:lnSpc>
                 <a:spcPct val="90000"/>
               </a:lnSpc>
@@ -2850,7 +3029,7 @@
               <a:buSzPct val="100000"/>
               <a:buFont typeface="Arial"/>
               <a:buChar char="•"/>
-              <a:defRPr b="0" i="0" sz="1800" u="none" cap="none" strike="noStrike">
+              <a:defRPr sz="1800" b="0" i="0" u="none" strike="noStrike" cap="none">
                 <a:solidFill>
                   <a:schemeClr val="dk1"/>
                 </a:solidFill>
@@ -2860,7 +3039,7 @@
                 <a:sym typeface="Times New Roman"/>
               </a:defRPr>
             </a:lvl6pPr>
-            <a:lvl7pPr indent="-114300" lvl="6" marL="2971800" marR="0" rtl="0" algn="l">
+            <a:lvl7pPr marL="2971800" marR="0" lvl="6" indent="-114300" algn="l" rtl="0">
               <a:lnSpc>
                 <a:spcPct val="90000"/>
               </a:lnSpc>
@@ -2873,7 +3052,7 @@
               <a:buSzPct val="100000"/>
               <a:buFont typeface="Arial"/>
               <a:buChar char="•"/>
-              <a:defRPr b="0" i="0" sz="1800" u="none" cap="none" strike="noStrike">
+              <a:defRPr sz="1800" b="0" i="0" u="none" strike="noStrike" cap="none">
                 <a:solidFill>
                   <a:schemeClr val="dk1"/>
                 </a:solidFill>
@@ -2883,7 +3062,7 @@
                 <a:sym typeface="Times New Roman"/>
               </a:defRPr>
             </a:lvl7pPr>
-            <a:lvl8pPr indent="-114300" lvl="7" marL="3429000" marR="0" rtl="0" algn="l">
+            <a:lvl8pPr marL="3429000" marR="0" lvl="7" indent="-114300" algn="l" rtl="0">
               <a:lnSpc>
                 <a:spcPct val="90000"/>
               </a:lnSpc>
@@ -2896,7 +3075,7 @@
               <a:buSzPct val="100000"/>
               <a:buFont typeface="Arial"/>
               <a:buChar char="•"/>
-              <a:defRPr b="0" i="0" sz="1800" u="none" cap="none" strike="noStrike">
+              <a:defRPr sz="1800" b="0" i="0" u="none" strike="noStrike" cap="none">
                 <a:solidFill>
                   <a:schemeClr val="dk1"/>
                 </a:solidFill>
@@ -2906,7 +3085,7 @@
                 <a:sym typeface="Times New Roman"/>
               </a:defRPr>
             </a:lvl8pPr>
-            <a:lvl9pPr indent="-114300" lvl="8" marL="3886200" marR="0" rtl="0" algn="l">
+            <a:lvl9pPr marL="3886200" marR="0" lvl="8" indent="-114300" algn="l" rtl="0">
               <a:lnSpc>
                 <a:spcPct val="90000"/>
               </a:lnSpc>
@@ -2919,7 +3098,7 @@
               <a:buSzPct val="100000"/>
               <a:buFont typeface="Arial"/>
               <a:buChar char="•"/>
-              <a:defRPr b="0" i="0" sz="1800" u="none" cap="none" strike="noStrike">
+              <a:defRPr sz="1800" b="0" i="0" u="none" strike="noStrike" cap="none">
                 <a:solidFill>
                   <a:schemeClr val="dk1"/>
                 </a:solidFill>
@@ -2930,7 +3109,9 @@
               </a:defRPr>
             </a:lvl9pPr>
           </a:lstStyle>
-          <a:p/>
+          <a:p>
+            <a:endParaRPr/>
+          </a:p>
         </p:txBody>
       </p:sp>
     </p:spTree>
@@ -2942,11 +3123,11 @@
 </file>
 
 <file path=ppt/slideLayouts/slideLayout3.xml><?xml version="1.0" encoding="utf-8"?>
-<p:sldLayout xmlns:a="http://schemas.openxmlformats.org/drawingml/2006/main" xmlns:r="http://schemas.openxmlformats.org/officeDocument/2006/relationships" xmlns:mc="http://schemas.openxmlformats.org/markup-compatibility/2006" xmlns:mv="urn:schemas-microsoft-com:mac:vml" xmlns:p="http://schemas.openxmlformats.org/presentationml/2006/main" xmlns:c="http://schemas.openxmlformats.org/drawingml/2006/chart" xmlns:dgm="http://schemas.openxmlformats.org/drawingml/2006/diagram" xmlns:o="urn:schemas-microsoft-com:office:office" xmlns:v="urn:schemas-microsoft-com:vml" xmlns:pvml="urn:schemas-microsoft-com:office:powerpoint" xmlns:com="http://schemas.openxmlformats.org/drawingml/2006/compatibility" xmlns:p14="http://schemas.microsoft.com/office/powerpoint/2010/main" type="secHead">
+<p:sldLayout xmlns:a="http://schemas.openxmlformats.org/drawingml/2006/main" xmlns:r="http://schemas.openxmlformats.org/officeDocument/2006/relationships" xmlns:p="http://schemas.openxmlformats.org/presentationml/2006/main" type="secHead">
   <p:cSld name="Avsnittsrubrik">
     <p:spTree>
       <p:nvGrpSpPr>
-        <p:cNvPr id="20" name="Shape 20"/>
+        <p:cNvPr id="1" name="Shape 20"/>
         <p:cNvGrpSpPr/>
         <p:nvPr/>
       </p:nvGrpSpPr>
@@ -2961,7 +3142,9 @@
       <p:sp>
         <p:nvSpPr>
           <p:cNvPr id="21" name="Shape 21"/>
-          <p:cNvSpPr txBox="1"/>
+          <p:cNvSpPr txBox="1">
+            <a:spLocks noGrp="1"/>
+          </p:cNvSpPr>
           <p:nvPr>
             <p:ph type="title"/>
           </p:nvPr>
@@ -2980,9 +3163,9 @@
           </a:ln>
         </p:spPr>
         <p:txBody>
-          <a:bodyPr anchorCtr="0" anchor="b" bIns="91425" lIns="91425" rIns="91425" tIns="91425"/>
+          <a:bodyPr lIns="91425" tIns="91425" rIns="91425" bIns="91425" anchor="b" anchorCtr="0"/>
           <a:lstStyle>
-            <a:lvl1pPr indent="0" lvl="0" marL="0" marR="0" rtl="0" algn="l">
+            <a:lvl1pPr marL="0" marR="0" lvl="0" indent="0" algn="l" rtl="0">
               <a:lnSpc>
                 <a:spcPct val="45000"/>
               </a:lnSpc>
@@ -2993,7 +3176,7 @@
                 <a:spcPts val="0"/>
               </a:spcAft>
               <a:buNone/>
-              <a:defRPr b="0" i="0" sz="6000" u="none" cap="none" strike="noStrike">
+              <a:defRPr sz="6000" b="0" i="0" u="none" strike="noStrike" cap="none">
                 <a:solidFill>
                   <a:schemeClr val="dk1"/>
                 </a:solidFill>
@@ -3003,7 +3186,7 @@
                 <a:sym typeface="Times New Roman"/>
               </a:defRPr>
             </a:lvl1pPr>
-            <a:lvl2pPr indent="0" lvl="1" marL="0" marR="0" rtl="0" algn="l">
+            <a:lvl2pPr marL="0" marR="0" lvl="1" indent="0" algn="l" rtl="0">
               <a:lnSpc>
                 <a:spcPct val="100000"/>
               </a:lnSpc>
@@ -3014,7 +3197,7 @@
                 <a:spcPts val="0"/>
               </a:spcAft>
               <a:buNone/>
-              <a:defRPr b="0" i="0" sz="2700" u="none" cap="none" strike="noStrike">
+              <a:defRPr sz="2700" b="0" i="0" u="none" strike="noStrike" cap="none">
                 <a:solidFill>
                   <a:schemeClr val="dk1"/>
                 </a:solidFill>
@@ -3024,7 +3207,7 @@
                 <a:sym typeface="Times New Roman"/>
               </a:defRPr>
             </a:lvl2pPr>
-            <a:lvl3pPr indent="0" lvl="2" marL="0" marR="0" rtl="0" algn="l">
+            <a:lvl3pPr marL="0" marR="0" lvl="2" indent="0" algn="l" rtl="0">
               <a:lnSpc>
                 <a:spcPct val="100000"/>
               </a:lnSpc>
@@ -3035,7 +3218,7 @@
                 <a:spcPts val="0"/>
               </a:spcAft>
               <a:buNone/>
-              <a:defRPr b="0" i="0" sz="2700" u="none" cap="none" strike="noStrike">
+              <a:defRPr sz="2700" b="0" i="0" u="none" strike="noStrike" cap="none">
                 <a:solidFill>
                   <a:schemeClr val="dk1"/>
                 </a:solidFill>
@@ -3045,7 +3228,7 @@
                 <a:sym typeface="Times New Roman"/>
               </a:defRPr>
             </a:lvl3pPr>
-            <a:lvl4pPr indent="0" lvl="3" marL="0" marR="0" rtl="0" algn="l">
+            <a:lvl4pPr marL="0" marR="0" lvl="3" indent="0" algn="l" rtl="0">
               <a:lnSpc>
                 <a:spcPct val="100000"/>
               </a:lnSpc>
@@ -3056,7 +3239,7 @@
                 <a:spcPts val="0"/>
               </a:spcAft>
               <a:buNone/>
-              <a:defRPr b="0" i="0" sz="2700" u="none" cap="none" strike="noStrike">
+              <a:defRPr sz="2700" b="0" i="0" u="none" strike="noStrike" cap="none">
                 <a:solidFill>
                   <a:schemeClr val="dk1"/>
                 </a:solidFill>
@@ -3066,7 +3249,7 @@
                 <a:sym typeface="Times New Roman"/>
               </a:defRPr>
             </a:lvl4pPr>
-            <a:lvl5pPr indent="0" lvl="4" marL="0" marR="0" rtl="0" algn="l">
+            <a:lvl5pPr marL="0" marR="0" lvl="4" indent="0" algn="l" rtl="0">
               <a:lnSpc>
                 <a:spcPct val="100000"/>
               </a:lnSpc>
@@ -3077,7 +3260,7 @@
                 <a:spcPts val="0"/>
               </a:spcAft>
               <a:buNone/>
-              <a:defRPr b="0" i="0" sz="2700" u="none" cap="none" strike="noStrike">
+              <a:defRPr sz="2700" b="0" i="0" u="none" strike="noStrike" cap="none">
                 <a:solidFill>
                   <a:schemeClr val="dk1"/>
                 </a:solidFill>
@@ -3087,7 +3270,7 @@
                 <a:sym typeface="Times New Roman"/>
               </a:defRPr>
             </a:lvl5pPr>
-            <a:lvl6pPr indent="0" lvl="5" marL="457200" marR="0" rtl="0" algn="l">
+            <a:lvl6pPr marL="457200" marR="0" lvl="5" indent="0" algn="l" rtl="0">
               <a:lnSpc>
                 <a:spcPct val="100000"/>
               </a:lnSpc>
@@ -3098,7 +3281,7 @@
                 <a:spcPts val="0"/>
               </a:spcAft>
               <a:buNone/>
-              <a:defRPr b="0" i="0" sz="2700" u="none" cap="none" strike="noStrike">
+              <a:defRPr sz="2700" b="0" i="0" u="none" strike="noStrike" cap="none">
                 <a:solidFill>
                   <a:schemeClr val="dk1"/>
                 </a:solidFill>
@@ -3108,7 +3291,7 @@
                 <a:sym typeface="Times New Roman"/>
               </a:defRPr>
             </a:lvl6pPr>
-            <a:lvl7pPr indent="0" lvl="6" marL="914400" marR="0" rtl="0" algn="l">
+            <a:lvl7pPr marL="914400" marR="0" lvl="6" indent="0" algn="l" rtl="0">
               <a:lnSpc>
                 <a:spcPct val="100000"/>
               </a:lnSpc>
@@ -3119,7 +3302,7 @@
                 <a:spcPts val="0"/>
               </a:spcAft>
               <a:buNone/>
-              <a:defRPr b="0" i="0" sz="2700" u="none" cap="none" strike="noStrike">
+              <a:defRPr sz="2700" b="0" i="0" u="none" strike="noStrike" cap="none">
                 <a:solidFill>
                   <a:schemeClr val="dk1"/>
                 </a:solidFill>
@@ -3129,7 +3312,7 @@
                 <a:sym typeface="Times New Roman"/>
               </a:defRPr>
             </a:lvl7pPr>
-            <a:lvl8pPr indent="0" lvl="7" marL="1371600" marR="0" rtl="0" algn="l">
+            <a:lvl8pPr marL="1371600" marR="0" lvl="7" indent="0" algn="l" rtl="0">
               <a:lnSpc>
                 <a:spcPct val="100000"/>
               </a:lnSpc>
@@ -3140,7 +3323,7 @@
                 <a:spcPts val="0"/>
               </a:spcAft>
               <a:buNone/>
-              <a:defRPr b="0" i="0" sz="2700" u="none" cap="none" strike="noStrike">
+              <a:defRPr sz="2700" b="0" i="0" u="none" strike="noStrike" cap="none">
                 <a:solidFill>
                   <a:schemeClr val="dk1"/>
                 </a:solidFill>
@@ -3150,7 +3333,7 @@
                 <a:sym typeface="Times New Roman"/>
               </a:defRPr>
             </a:lvl8pPr>
-            <a:lvl9pPr indent="0" lvl="8" marL="1828800" marR="0" rtl="0" algn="l">
+            <a:lvl9pPr marL="1828800" marR="0" lvl="8" indent="0" algn="l" rtl="0">
               <a:lnSpc>
                 <a:spcPct val="100000"/>
               </a:lnSpc>
@@ -3161,7 +3344,7 @@
                 <a:spcPts val="0"/>
               </a:spcAft>
               <a:buNone/>
-              <a:defRPr b="0" i="0" sz="2700" u="none" cap="none" strike="noStrike">
+              <a:defRPr sz="2700" b="0" i="0" u="none" strike="noStrike" cap="none">
                 <a:solidFill>
                   <a:schemeClr val="dk1"/>
                 </a:solidFill>
@@ -3172,15 +3355,19 @@
               </a:defRPr>
             </a:lvl9pPr>
           </a:lstStyle>
-          <a:p/>
+          <a:p>
+            <a:endParaRPr/>
+          </a:p>
         </p:txBody>
       </p:sp>
       <p:sp>
         <p:nvSpPr>
           <p:cNvPr id="22" name="Shape 22"/>
-          <p:cNvSpPr txBox="1"/>
+          <p:cNvSpPr txBox="1">
+            <a:spLocks noGrp="1"/>
+          </p:cNvSpPr>
           <p:nvPr>
-            <p:ph idx="1" type="body"/>
+            <p:ph type="body" idx="1"/>
           </p:nvPr>
         </p:nvSpPr>
         <p:spPr>
@@ -3197,9 +3384,9 @@
           </a:ln>
         </p:spPr>
         <p:txBody>
-          <a:bodyPr anchorCtr="0" anchor="t" bIns="91425" lIns="91425" rIns="91425" tIns="91425"/>
+          <a:bodyPr lIns="91425" tIns="91425" rIns="91425" bIns="91425" anchor="t" anchorCtr="0"/>
           <a:lstStyle>
-            <a:lvl1pPr indent="0" lvl="0" marL="0" marR="0" rtl="0" algn="l">
+            <a:lvl1pPr marL="0" marR="0" lvl="0" indent="0" algn="l" rtl="0">
               <a:spcBef>
                 <a:spcPts val="480"/>
               </a:spcBef>
@@ -3211,7 +3398,7 @@
               </a:buClr>
               <a:buFont typeface="Arial"/>
               <a:buNone/>
-              <a:defRPr b="0" i="0" sz="2400" u="none" cap="none" strike="noStrike">
+              <a:defRPr sz="2400" b="0" i="0" u="none" strike="noStrike" cap="none">
                 <a:solidFill>
                   <a:schemeClr val="dk1"/>
                 </a:solidFill>
@@ -3221,7 +3408,7 @@
                 <a:sym typeface="Times New Roman"/>
               </a:defRPr>
             </a:lvl1pPr>
-            <a:lvl2pPr indent="0" lvl="1" marL="457200" marR="0" rtl="0" algn="l">
+            <a:lvl2pPr marL="457200" marR="0" lvl="1" indent="0" algn="l" rtl="0">
               <a:spcBef>
                 <a:spcPts val="400"/>
               </a:spcBef>
@@ -3233,7 +3420,7 @@
               </a:buClr>
               <a:buFont typeface="Arial"/>
               <a:buNone/>
-              <a:defRPr b="0" i="0" sz="2000" u="none" cap="none" strike="noStrike">
+              <a:defRPr sz="2000" b="0" i="0" u="none" strike="noStrike" cap="none">
                 <a:solidFill>
                   <a:schemeClr val="dk1"/>
                 </a:solidFill>
@@ -3243,7 +3430,7 @@
                 <a:sym typeface="Times New Roman"/>
               </a:defRPr>
             </a:lvl2pPr>
-            <a:lvl3pPr indent="0" lvl="2" marL="914400" marR="0" rtl="0" algn="l">
+            <a:lvl3pPr marL="914400" marR="0" lvl="2" indent="0" algn="l" rtl="0">
               <a:spcBef>
                 <a:spcPts val="360"/>
               </a:spcBef>
@@ -3255,7 +3442,7 @@
               </a:buClr>
               <a:buFont typeface="Arial"/>
               <a:buNone/>
-              <a:defRPr b="0" i="0" sz="1800" u="none" cap="none" strike="noStrike">
+              <a:defRPr sz="1800" b="0" i="0" u="none" strike="noStrike" cap="none">
                 <a:solidFill>
                   <a:schemeClr val="dk1"/>
                 </a:solidFill>
@@ -3265,7 +3452,7 @@
                 <a:sym typeface="Times New Roman"/>
               </a:defRPr>
             </a:lvl3pPr>
-            <a:lvl4pPr indent="0" lvl="3" marL="1371600" marR="0" rtl="0" algn="l">
+            <a:lvl4pPr marL="1371600" marR="0" lvl="3" indent="0" algn="l" rtl="0">
               <a:spcBef>
                 <a:spcPts val="320"/>
               </a:spcBef>
@@ -3277,7 +3464,7 @@
               </a:buClr>
               <a:buFont typeface="Arial"/>
               <a:buNone/>
-              <a:defRPr b="0" i="0" sz="1600" u="none" cap="none" strike="noStrike">
+              <a:defRPr sz="1600" b="0" i="0" u="none" strike="noStrike" cap="none">
                 <a:solidFill>
                   <a:schemeClr val="dk1"/>
                 </a:solidFill>
@@ -3287,7 +3474,7 @@
                 <a:sym typeface="Times New Roman"/>
               </a:defRPr>
             </a:lvl4pPr>
-            <a:lvl5pPr indent="0" lvl="4" marL="1828800" marR="0" rtl="0" algn="l">
+            <a:lvl5pPr marL="1828800" marR="0" lvl="4" indent="0" algn="l" rtl="0">
               <a:spcBef>
                 <a:spcPts val="320"/>
               </a:spcBef>
@@ -3299,7 +3486,7 @@
               </a:buClr>
               <a:buFont typeface="Arial"/>
               <a:buNone/>
-              <a:defRPr b="0" i="0" sz="1600" u="none" cap="none" strike="noStrike">
+              <a:defRPr sz="1600" b="0" i="0" u="none" strike="noStrike" cap="none">
                 <a:solidFill>
                   <a:schemeClr val="dk1"/>
                 </a:solidFill>
@@ -3309,7 +3496,7 @@
                 <a:sym typeface="Times New Roman"/>
               </a:defRPr>
             </a:lvl5pPr>
-            <a:lvl6pPr indent="0" lvl="5" marL="2286000" marR="0" rtl="0" algn="l">
+            <a:lvl6pPr marL="2286000" marR="0" lvl="5" indent="0" algn="l" rtl="0">
               <a:lnSpc>
                 <a:spcPct val="90000"/>
               </a:lnSpc>
@@ -3321,7 +3508,7 @@
               </a:buClr>
               <a:buFont typeface="Arial"/>
               <a:buNone/>
-              <a:defRPr b="0" i="0" sz="1600" u="none" cap="none" strike="noStrike">
+              <a:defRPr sz="1600" b="0" i="0" u="none" strike="noStrike" cap="none">
                 <a:solidFill>
                   <a:schemeClr val="dk1"/>
                 </a:solidFill>
@@ -3331,7 +3518,7 @@
                 <a:sym typeface="Times New Roman"/>
               </a:defRPr>
             </a:lvl6pPr>
-            <a:lvl7pPr indent="0" lvl="6" marL="2743200" marR="0" rtl="0" algn="l">
+            <a:lvl7pPr marL="2743200" marR="0" lvl="6" indent="0" algn="l" rtl="0">
               <a:lnSpc>
                 <a:spcPct val="90000"/>
               </a:lnSpc>
@@ -3343,7 +3530,7 @@
               </a:buClr>
               <a:buFont typeface="Arial"/>
               <a:buNone/>
-              <a:defRPr b="0" i="0" sz="1600" u="none" cap="none" strike="noStrike">
+              <a:defRPr sz="1600" b="0" i="0" u="none" strike="noStrike" cap="none">
                 <a:solidFill>
                   <a:schemeClr val="dk1"/>
                 </a:solidFill>
@@ -3353,7 +3540,7 @@
                 <a:sym typeface="Times New Roman"/>
               </a:defRPr>
             </a:lvl7pPr>
-            <a:lvl8pPr indent="0" lvl="7" marL="3200400" marR="0" rtl="0" algn="l">
+            <a:lvl8pPr marL="3200400" marR="0" lvl="7" indent="0" algn="l" rtl="0">
               <a:lnSpc>
                 <a:spcPct val="90000"/>
               </a:lnSpc>
@@ -3365,7 +3552,7 @@
               </a:buClr>
               <a:buFont typeface="Arial"/>
               <a:buNone/>
-              <a:defRPr b="0" i="0" sz="1600" u="none" cap="none" strike="noStrike">
+              <a:defRPr sz="1600" b="0" i="0" u="none" strike="noStrike" cap="none">
                 <a:solidFill>
                   <a:schemeClr val="dk1"/>
                 </a:solidFill>
@@ -3375,7 +3562,7 @@
                 <a:sym typeface="Times New Roman"/>
               </a:defRPr>
             </a:lvl8pPr>
-            <a:lvl9pPr indent="0" lvl="8" marL="3657600" marR="0" rtl="0" algn="l">
+            <a:lvl9pPr marL="3657600" marR="0" lvl="8" indent="0" algn="l" rtl="0">
               <a:lnSpc>
                 <a:spcPct val="90000"/>
               </a:lnSpc>
@@ -3387,7 +3574,7 @@
               </a:buClr>
               <a:buFont typeface="Arial"/>
               <a:buNone/>
-              <a:defRPr b="0" i="0" sz="1600" u="none" cap="none" strike="noStrike">
+              <a:defRPr sz="1600" b="0" i="0" u="none" strike="noStrike" cap="none">
                 <a:solidFill>
                   <a:schemeClr val="dk1"/>
                 </a:solidFill>
@@ -3398,7 +3585,9 @@
               </a:defRPr>
             </a:lvl9pPr>
           </a:lstStyle>
-          <a:p/>
+          <a:p>
+            <a:endParaRPr/>
+          </a:p>
         </p:txBody>
       </p:sp>
     </p:spTree>
@@ -3410,11 +3599,11 @@
 </file>
 
 <file path=ppt/slideLayouts/slideLayout4.xml><?xml version="1.0" encoding="utf-8"?>
-<p:sldLayout xmlns:a="http://schemas.openxmlformats.org/drawingml/2006/main" xmlns:r="http://schemas.openxmlformats.org/officeDocument/2006/relationships" xmlns:mc="http://schemas.openxmlformats.org/markup-compatibility/2006" xmlns:mv="urn:schemas-microsoft-com:mac:vml" xmlns:p="http://schemas.openxmlformats.org/presentationml/2006/main" xmlns:c="http://schemas.openxmlformats.org/drawingml/2006/chart" xmlns:dgm="http://schemas.openxmlformats.org/drawingml/2006/diagram" xmlns:o="urn:schemas-microsoft-com:office:office" xmlns:v="urn:schemas-microsoft-com:vml" xmlns:pvml="urn:schemas-microsoft-com:office:powerpoint" xmlns:com="http://schemas.openxmlformats.org/drawingml/2006/compatibility" xmlns:p14="http://schemas.microsoft.com/office/powerpoint/2010/main" type="twoObj">
+<p:sldLayout xmlns:a="http://schemas.openxmlformats.org/drawingml/2006/main" xmlns:r="http://schemas.openxmlformats.org/officeDocument/2006/relationships" xmlns:p="http://schemas.openxmlformats.org/presentationml/2006/main" type="twoObj">
   <p:cSld name="Två innehållsdelar">
     <p:spTree>
       <p:nvGrpSpPr>
-        <p:cNvPr id="23" name="Shape 23"/>
+        <p:cNvPr id="1" name="Shape 23"/>
         <p:cNvGrpSpPr/>
         <p:nvPr/>
       </p:nvGrpSpPr>
@@ -3429,7 +3618,9 @@
       <p:sp>
         <p:nvSpPr>
           <p:cNvPr id="24" name="Shape 24"/>
-          <p:cNvSpPr txBox="1"/>
+          <p:cNvSpPr txBox="1">
+            <a:spLocks noGrp="1"/>
+          </p:cNvSpPr>
           <p:nvPr>
             <p:ph type="title"/>
           </p:nvPr>
@@ -3448,9 +3639,9 @@
           </a:ln>
         </p:spPr>
         <p:txBody>
-          <a:bodyPr anchorCtr="0" anchor="t" bIns="91425" lIns="91425" rIns="91425" tIns="91425"/>
+          <a:bodyPr lIns="91425" tIns="91425" rIns="91425" bIns="91425" anchor="t" anchorCtr="0"/>
           <a:lstStyle>
-            <a:lvl1pPr indent="0" lvl="0" marL="0" marR="0" rtl="0" algn="l">
+            <a:lvl1pPr marL="0" marR="0" lvl="0" indent="0" algn="l" rtl="0">
               <a:lnSpc>
                 <a:spcPct val="100000"/>
               </a:lnSpc>
@@ -3461,7 +3652,7 @@
                 <a:spcPts val="0"/>
               </a:spcAft>
               <a:buNone/>
-              <a:defRPr b="0" i="0" sz="2700" u="none" cap="none" strike="noStrike">
+              <a:defRPr sz="2700" b="0" i="0" u="none" strike="noStrike" cap="none">
                 <a:solidFill>
                   <a:schemeClr val="dk1"/>
                 </a:solidFill>
@@ -3471,7 +3662,7 @@
                 <a:sym typeface="Times New Roman"/>
               </a:defRPr>
             </a:lvl1pPr>
-            <a:lvl2pPr indent="0" lvl="1" marL="0" marR="0" rtl="0" algn="l">
+            <a:lvl2pPr marL="0" marR="0" lvl="1" indent="0" algn="l" rtl="0">
               <a:lnSpc>
                 <a:spcPct val="100000"/>
               </a:lnSpc>
@@ -3482,7 +3673,7 @@
                 <a:spcPts val="0"/>
               </a:spcAft>
               <a:buNone/>
-              <a:defRPr b="0" i="0" sz="2700" u="none" cap="none" strike="noStrike">
+              <a:defRPr sz="2700" b="0" i="0" u="none" strike="noStrike" cap="none">
                 <a:solidFill>
                   <a:schemeClr val="dk1"/>
                 </a:solidFill>
@@ -3492,7 +3683,7 @@
                 <a:sym typeface="Times New Roman"/>
               </a:defRPr>
             </a:lvl2pPr>
-            <a:lvl3pPr indent="0" lvl="2" marL="0" marR="0" rtl="0" algn="l">
+            <a:lvl3pPr marL="0" marR="0" lvl="2" indent="0" algn="l" rtl="0">
               <a:lnSpc>
                 <a:spcPct val="100000"/>
               </a:lnSpc>
@@ -3503,7 +3694,7 @@
                 <a:spcPts val="0"/>
               </a:spcAft>
               <a:buNone/>
-              <a:defRPr b="0" i="0" sz="2700" u="none" cap="none" strike="noStrike">
+              <a:defRPr sz="2700" b="0" i="0" u="none" strike="noStrike" cap="none">
                 <a:solidFill>
                   <a:schemeClr val="dk1"/>
                 </a:solidFill>
@@ -3513,7 +3704,7 @@
                 <a:sym typeface="Times New Roman"/>
               </a:defRPr>
             </a:lvl3pPr>
-            <a:lvl4pPr indent="0" lvl="3" marL="0" marR="0" rtl="0" algn="l">
+            <a:lvl4pPr marL="0" marR="0" lvl="3" indent="0" algn="l" rtl="0">
               <a:lnSpc>
                 <a:spcPct val="100000"/>
               </a:lnSpc>
@@ -3524,7 +3715,7 @@
                 <a:spcPts val="0"/>
               </a:spcAft>
               <a:buNone/>
-              <a:defRPr b="0" i="0" sz="2700" u="none" cap="none" strike="noStrike">
+              <a:defRPr sz="2700" b="0" i="0" u="none" strike="noStrike" cap="none">
                 <a:solidFill>
                   <a:schemeClr val="dk1"/>
                 </a:solidFill>
@@ -3534,7 +3725,7 @@
                 <a:sym typeface="Times New Roman"/>
               </a:defRPr>
             </a:lvl4pPr>
-            <a:lvl5pPr indent="0" lvl="4" marL="0" marR="0" rtl="0" algn="l">
+            <a:lvl5pPr marL="0" marR="0" lvl="4" indent="0" algn="l" rtl="0">
               <a:lnSpc>
                 <a:spcPct val="100000"/>
               </a:lnSpc>
@@ -3545,7 +3736,7 @@
                 <a:spcPts val="0"/>
               </a:spcAft>
               <a:buNone/>
-              <a:defRPr b="0" i="0" sz="2700" u="none" cap="none" strike="noStrike">
+              <a:defRPr sz="2700" b="0" i="0" u="none" strike="noStrike" cap="none">
                 <a:solidFill>
                   <a:schemeClr val="dk1"/>
                 </a:solidFill>
@@ -3555,7 +3746,7 @@
                 <a:sym typeface="Times New Roman"/>
               </a:defRPr>
             </a:lvl5pPr>
-            <a:lvl6pPr indent="0" lvl="5" marL="457200" marR="0" rtl="0" algn="l">
+            <a:lvl6pPr marL="457200" marR="0" lvl="5" indent="0" algn="l" rtl="0">
               <a:lnSpc>
                 <a:spcPct val="100000"/>
               </a:lnSpc>
@@ -3566,7 +3757,7 @@
                 <a:spcPts val="0"/>
               </a:spcAft>
               <a:buNone/>
-              <a:defRPr b="0" i="0" sz="2700" u="none" cap="none" strike="noStrike">
+              <a:defRPr sz="2700" b="0" i="0" u="none" strike="noStrike" cap="none">
                 <a:solidFill>
                   <a:schemeClr val="dk1"/>
                 </a:solidFill>
@@ -3576,7 +3767,7 @@
                 <a:sym typeface="Times New Roman"/>
               </a:defRPr>
             </a:lvl6pPr>
-            <a:lvl7pPr indent="0" lvl="6" marL="914400" marR="0" rtl="0" algn="l">
+            <a:lvl7pPr marL="914400" marR="0" lvl="6" indent="0" algn="l" rtl="0">
               <a:lnSpc>
                 <a:spcPct val="100000"/>
               </a:lnSpc>
@@ -3587,7 +3778,7 @@
                 <a:spcPts val="0"/>
               </a:spcAft>
               <a:buNone/>
-              <a:defRPr b="0" i="0" sz="2700" u="none" cap="none" strike="noStrike">
+              <a:defRPr sz="2700" b="0" i="0" u="none" strike="noStrike" cap="none">
                 <a:solidFill>
                   <a:schemeClr val="dk1"/>
                 </a:solidFill>
@@ -3597,7 +3788,7 @@
                 <a:sym typeface="Times New Roman"/>
               </a:defRPr>
             </a:lvl7pPr>
-            <a:lvl8pPr indent="0" lvl="7" marL="1371600" marR="0" rtl="0" algn="l">
+            <a:lvl8pPr marL="1371600" marR="0" lvl="7" indent="0" algn="l" rtl="0">
               <a:lnSpc>
                 <a:spcPct val="100000"/>
               </a:lnSpc>
@@ -3608,7 +3799,7 @@
                 <a:spcPts val="0"/>
               </a:spcAft>
               <a:buNone/>
-              <a:defRPr b="0" i="0" sz="2700" u="none" cap="none" strike="noStrike">
+              <a:defRPr sz="2700" b="0" i="0" u="none" strike="noStrike" cap="none">
                 <a:solidFill>
                   <a:schemeClr val="dk1"/>
                 </a:solidFill>
@@ -3618,7 +3809,7 @@
                 <a:sym typeface="Times New Roman"/>
               </a:defRPr>
             </a:lvl8pPr>
-            <a:lvl9pPr indent="0" lvl="8" marL="1828800" marR="0" rtl="0" algn="l">
+            <a:lvl9pPr marL="1828800" marR="0" lvl="8" indent="0" algn="l" rtl="0">
               <a:lnSpc>
                 <a:spcPct val="100000"/>
               </a:lnSpc>
@@ -3629,7 +3820,7 @@
                 <a:spcPts val="0"/>
               </a:spcAft>
               <a:buNone/>
-              <a:defRPr b="0" i="0" sz="2700" u="none" cap="none" strike="noStrike">
+              <a:defRPr sz="2700" b="0" i="0" u="none" strike="noStrike" cap="none">
                 <a:solidFill>
                   <a:schemeClr val="dk1"/>
                 </a:solidFill>
@@ -3640,15 +3831,19 @@
               </a:defRPr>
             </a:lvl9pPr>
           </a:lstStyle>
-          <a:p/>
+          <a:p>
+            <a:endParaRPr/>
+          </a:p>
         </p:txBody>
       </p:sp>
       <p:sp>
         <p:nvSpPr>
           <p:cNvPr id="25" name="Shape 25"/>
-          <p:cNvSpPr txBox="1"/>
+          <p:cNvSpPr txBox="1">
+            <a:spLocks noGrp="1"/>
+          </p:cNvSpPr>
           <p:nvPr>
-            <p:ph idx="1" type="body"/>
+            <p:ph type="body" idx="1"/>
           </p:nvPr>
         </p:nvSpPr>
         <p:spPr>
@@ -3665,9 +3860,9 @@
           </a:ln>
         </p:spPr>
         <p:txBody>
-          <a:bodyPr anchorCtr="0" anchor="t" bIns="91425" lIns="91425" rIns="91425" tIns="91425"/>
+          <a:bodyPr lIns="91425" tIns="91425" rIns="91425" bIns="91425" anchor="t" anchorCtr="0"/>
           <a:lstStyle>
-            <a:lvl1pPr indent="-342900" lvl="0" marL="342900" marR="0" rtl="0" algn="l">
+            <a:lvl1pPr marL="342900" marR="0" lvl="0" indent="-342900" algn="l" rtl="0">
               <a:spcBef>
                 <a:spcPts val="360"/>
               </a:spcBef>
@@ -3675,7 +3870,7 @@
                 <a:spcPts val="0"/>
               </a:spcAft>
               <a:buNone/>
-              <a:defRPr b="0" i="0" sz="1800" u="none" cap="none" strike="noStrike">
+              <a:defRPr sz="1800" b="0" i="0" u="none" strike="noStrike" cap="none">
                 <a:solidFill>
                   <a:schemeClr val="dk1"/>
                 </a:solidFill>
@@ -3685,7 +3880,7 @@
                 <a:sym typeface="Times New Roman"/>
               </a:defRPr>
             </a:lvl1pPr>
-            <a:lvl2pPr indent="-171450" lvl="1" marL="742950" marR="0" rtl="0" algn="l">
+            <a:lvl2pPr marL="742950" marR="0" lvl="1" indent="-171450" algn="l" rtl="0">
               <a:spcBef>
                 <a:spcPts val="360"/>
               </a:spcBef>
@@ -3698,7 +3893,7 @@
               <a:buSzPct val="100000"/>
               <a:buFont typeface="Arial"/>
               <a:buChar char="–"/>
-              <a:defRPr b="0" i="0" sz="1800" u="none" cap="none" strike="noStrike">
+              <a:defRPr sz="1800" b="0" i="0" u="none" strike="noStrike" cap="none">
                 <a:solidFill>
                   <a:schemeClr val="dk1"/>
                 </a:solidFill>
@@ -3708,7 +3903,7 @@
                 <a:sym typeface="Times New Roman"/>
               </a:defRPr>
             </a:lvl2pPr>
-            <a:lvl3pPr indent="-114300" lvl="2" marL="1143000" marR="0" rtl="0" algn="l">
+            <a:lvl3pPr marL="1143000" marR="0" lvl="2" indent="-114300" algn="l" rtl="0">
               <a:spcBef>
                 <a:spcPts val="360"/>
               </a:spcBef>
@@ -3721,7 +3916,7 @@
               <a:buSzPct val="100000"/>
               <a:buFont typeface="Arial"/>
               <a:buChar char="•"/>
-              <a:defRPr b="0" i="0" sz="1800" u="none" cap="none" strike="noStrike">
+              <a:defRPr sz="1800" b="0" i="0" u="none" strike="noStrike" cap="none">
                 <a:solidFill>
                   <a:schemeClr val="dk1"/>
                 </a:solidFill>
@@ -3731,7 +3926,7 @@
                 <a:sym typeface="Times New Roman"/>
               </a:defRPr>
             </a:lvl3pPr>
-            <a:lvl4pPr indent="-114300" lvl="3" marL="1600200" marR="0" rtl="0" algn="l">
+            <a:lvl4pPr marL="1600200" marR="0" lvl="3" indent="-114300" algn="l" rtl="0">
               <a:spcBef>
                 <a:spcPts val="360"/>
               </a:spcBef>
@@ -3744,7 +3939,7 @@
               <a:buSzPct val="100000"/>
               <a:buFont typeface="Arial"/>
               <a:buChar char="–"/>
-              <a:defRPr b="0" i="0" sz="1800" u="none" cap="none" strike="noStrike">
+              <a:defRPr sz="1800" b="0" i="0" u="none" strike="noStrike" cap="none">
                 <a:solidFill>
                   <a:schemeClr val="dk1"/>
                 </a:solidFill>
@@ -3754,7 +3949,7 @@
                 <a:sym typeface="Times New Roman"/>
               </a:defRPr>
             </a:lvl4pPr>
-            <a:lvl5pPr indent="-114300" lvl="4" marL="2057400" marR="0" rtl="0" algn="l">
+            <a:lvl5pPr marL="2057400" marR="0" lvl="4" indent="-114300" algn="l" rtl="0">
               <a:spcBef>
                 <a:spcPts val="360"/>
               </a:spcBef>
@@ -3767,7 +3962,7 @@
               <a:buSzPct val="100000"/>
               <a:buFont typeface="Arial"/>
               <a:buChar char="»"/>
-              <a:defRPr b="0" i="0" sz="1800" u="none" cap="none" strike="noStrike">
+              <a:defRPr sz="1800" b="0" i="0" u="none" strike="noStrike" cap="none">
                 <a:solidFill>
                   <a:schemeClr val="dk1"/>
                 </a:solidFill>
@@ -3777,7 +3972,7 @@
                 <a:sym typeface="Times New Roman"/>
               </a:defRPr>
             </a:lvl5pPr>
-            <a:lvl6pPr indent="-114300" lvl="5" marL="2514600" marR="0" rtl="0" algn="l">
+            <a:lvl6pPr marL="2514600" marR="0" lvl="5" indent="-114300" algn="l" rtl="0">
               <a:lnSpc>
                 <a:spcPct val="90000"/>
               </a:lnSpc>
@@ -3790,7 +3985,7 @@
               <a:buSzPct val="100000"/>
               <a:buFont typeface="Arial"/>
               <a:buChar char="•"/>
-              <a:defRPr b="0" i="0" sz="1800" u="none" cap="none" strike="noStrike">
+              <a:defRPr sz="1800" b="0" i="0" u="none" strike="noStrike" cap="none">
                 <a:solidFill>
                   <a:schemeClr val="dk1"/>
                 </a:solidFill>
@@ -3800,7 +3995,7 @@
                 <a:sym typeface="Times New Roman"/>
               </a:defRPr>
             </a:lvl6pPr>
-            <a:lvl7pPr indent="-114300" lvl="6" marL="2971800" marR="0" rtl="0" algn="l">
+            <a:lvl7pPr marL="2971800" marR="0" lvl="6" indent="-114300" algn="l" rtl="0">
               <a:lnSpc>
                 <a:spcPct val="90000"/>
               </a:lnSpc>
@@ -3813,7 +4008,7 @@
               <a:buSzPct val="100000"/>
               <a:buFont typeface="Arial"/>
               <a:buChar char="•"/>
-              <a:defRPr b="0" i="0" sz="1800" u="none" cap="none" strike="noStrike">
+              <a:defRPr sz="1800" b="0" i="0" u="none" strike="noStrike" cap="none">
                 <a:solidFill>
                   <a:schemeClr val="dk1"/>
                 </a:solidFill>
@@ -3823,7 +4018,7 @@
                 <a:sym typeface="Times New Roman"/>
               </a:defRPr>
             </a:lvl7pPr>
-            <a:lvl8pPr indent="-114300" lvl="7" marL="3429000" marR="0" rtl="0" algn="l">
+            <a:lvl8pPr marL="3429000" marR="0" lvl="7" indent="-114300" algn="l" rtl="0">
               <a:lnSpc>
                 <a:spcPct val="90000"/>
               </a:lnSpc>
@@ -3836,7 +4031,7 @@
               <a:buSzPct val="100000"/>
               <a:buFont typeface="Arial"/>
               <a:buChar char="•"/>
-              <a:defRPr b="0" i="0" sz="1800" u="none" cap="none" strike="noStrike">
+              <a:defRPr sz="1800" b="0" i="0" u="none" strike="noStrike" cap="none">
                 <a:solidFill>
                   <a:schemeClr val="dk1"/>
                 </a:solidFill>
@@ -3846,7 +4041,7 @@
                 <a:sym typeface="Times New Roman"/>
               </a:defRPr>
             </a:lvl8pPr>
-            <a:lvl9pPr indent="-114300" lvl="8" marL="3886200" marR="0" rtl="0" algn="l">
+            <a:lvl9pPr marL="3886200" marR="0" lvl="8" indent="-114300" algn="l" rtl="0">
               <a:lnSpc>
                 <a:spcPct val="90000"/>
               </a:lnSpc>
@@ -3859,7 +4054,7 @@
               <a:buSzPct val="100000"/>
               <a:buFont typeface="Arial"/>
               <a:buChar char="•"/>
-              <a:defRPr b="0" i="0" sz="1800" u="none" cap="none" strike="noStrike">
+              <a:defRPr sz="1800" b="0" i="0" u="none" strike="noStrike" cap="none">
                 <a:solidFill>
                   <a:schemeClr val="dk1"/>
                 </a:solidFill>
@@ -3870,15 +4065,19 @@
               </a:defRPr>
             </a:lvl9pPr>
           </a:lstStyle>
-          <a:p/>
+          <a:p>
+            <a:endParaRPr/>
+          </a:p>
         </p:txBody>
       </p:sp>
       <p:sp>
         <p:nvSpPr>
           <p:cNvPr id="26" name="Shape 26"/>
-          <p:cNvSpPr txBox="1"/>
+          <p:cNvSpPr txBox="1">
+            <a:spLocks noGrp="1"/>
+          </p:cNvSpPr>
           <p:nvPr>
-            <p:ph idx="2" type="body"/>
+            <p:ph type="body" idx="2"/>
           </p:nvPr>
         </p:nvSpPr>
         <p:spPr>
@@ -3895,9 +4094,9 @@
           </a:ln>
         </p:spPr>
         <p:txBody>
-          <a:bodyPr anchorCtr="0" anchor="t" bIns="91425" lIns="91425" rIns="91425" tIns="91425"/>
+          <a:bodyPr lIns="91425" tIns="91425" rIns="91425" bIns="91425" anchor="t" anchorCtr="0"/>
           <a:lstStyle>
-            <a:lvl1pPr indent="-342900" lvl="0" marL="342900" marR="0" rtl="0" algn="l">
+            <a:lvl1pPr marL="342900" marR="0" lvl="0" indent="-342900" algn="l" rtl="0">
               <a:spcBef>
                 <a:spcPts val="360"/>
               </a:spcBef>
@@ -3905,7 +4104,7 @@
                 <a:spcPts val="0"/>
               </a:spcAft>
               <a:buNone/>
-              <a:defRPr b="0" i="0" sz="1800" u="none" cap="none" strike="noStrike">
+              <a:defRPr sz="1800" b="0" i="0" u="none" strike="noStrike" cap="none">
                 <a:solidFill>
                   <a:schemeClr val="dk1"/>
                 </a:solidFill>
@@ -3915,7 +4114,7 @@
                 <a:sym typeface="Times New Roman"/>
               </a:defRPr>
             </a:lvl1pPr>
-            <a:lvl2pPr indent="-171450" lvl="1" marL="742950" marR="0" rtl="0" algn="l">
+            <a:lvl2pPr marL="742950" marR="0" lvl="1" indent="-171450" algn="l" rtl="0">
               <a:spcBef>
                 <a:spcPts val="360"/>
               </a:spcBef>
@@ -3928,7 +4127,7 @@
               <a:buSzPct val="100000"/>
               <a:buFont typeface="Arial"/>
               <a:buChar char="–"/>
-              <a:defRPr b="0" i="0" sz="1800" u="none" cap="none" strike="noStrike">
+              <a:defRPr sz="1800" b="0" i="0" u="none" strike="noStrike" cap="none">
                 <a:solidFill>
                   <a:schemeClr val="dk1"/>
                 </a:solidFill>
@@ -3938,7 +4137,7 @@
                 <a:sym typeface="Times New Roman"/>
               </a:defRPr>
             </a:lvl2pPr>
-            <a:lvl3pPr indent="-114300" lvl="2" marL="1143000" marR="0" rtl="0" algn="l">
+            <a:lvl3pPr marL="1143000" marR="0" lvl="2" indent="-114300" algn="l" rtl="0">
               <a:spcBef>
                 <a:spcPts val="360"/>
               </a:spcBef>
@@ -3951,7 +4150,7 @@
               <a:buSzPct val="100000"/>
               <a:buFont typeface="Arial"/>
               <a:buChar char="•"/>
-              <a:defRPr b="0" i="0" sz="1800" u="none" cap="none" strike="noStrike">
+              <a:defRPr sz="1800" b="0" i="0" u="none" strike="noStrike" cap="none">
                 <a:solidFill>
                   <a:schemeClr val="dk1"/>
                 </a:solidFill>
@@ -3961,7 +4160,7 @@
                 <a:sym typeface="Times New Roman"/>
               </a:defRPr>
             </a:lvl3pPr>
-            <a:lvl4pPr indent="-114300" lvl="3" marL="1600200" marR="0" rtl="0" algn="l">
+            <a:lvl4pPr marL="1600200" marR="0" lvl="3" indent="-114300" algn="l" rtl="0">
               <a:spcBef>
                 <a:spcPts val="360"/>
               </a:spcBef>
@@ -3974,7 +4173,7 @@
               <a:buSzPct val="100000"/>
               <a:buFont typeface="Arial"/>
               <a:buChar char="–"/>
-              <a:defRPr b="0" i="0" sz="1800" u="none" cap="none" strike="noStrike">
+              <a:defRPr sz="1800" b="0" i="0" u="none" strike="noStrike" cap="none">
                 <a:solidFill>
                   <a:schemeClr val="dk1"/>
                 </a:solidFill>
@@ -3984,7 +4183,7 @@
                 <a:sym typeface="Times New Roman"/>
               </a:defRPr>
             </a:lvl4pPr>
-            <a:lvl5pPr indent="-114300" lvl="4" marL="2057400" marR="0" rtl="0" algn="l">
+            <a:lvl5pPr marL="2057400" marR="0" lvl="4" indent="-114300" algn="l" rtl="0">
               <a:spcBef>
                 <a:spcPts val="360"/>
               </a:spcBef>
@@ -3997,7 +4196,7 @@
               <a:buSzPct val="100000"/>
               <a:buFont typeface="Arial"/>
               <a:buChar char="»"/>
-              <a:defRPr b="0" i="0" sz="1800" u="none" cap="none" strike="noStrike">
+              <a:defRPr sz="1800" b="0" i="0" u="none" strike="noStrike" cap="none">
                 <a:solidFill>
                   <a:schemeClr val="dk1"/>
                 </a:solidFill>
@@ -4007,7 +4206,7 @@
                 <a:sym typeface="Times New Roman"/>
               </a:defRPr>
             </a:lvl5pPr>
-            <a:lvl6pPr indent="-114300" lvl="5" marL="2514600" marR="0" rtl="0" algn="l">
+            <a:lvl6pPr marL="2514600" marR="0" lvl="5" indent="-114300" algn="l" rtl="0">
               <a:lnSpc>
                 <a:spcPct val="90000"/>
               </a:lnSpc>
@@ -4020,7 +4219,7 @@
               <a:buSzPct val="100000"/>
               <a:buFont typeface="Arial"/>
               <a:buChar char="•"/>
-              <a:defRPr b="0" i="0" sz="1800" u="none" cap="none" strike="noStrike">
+              <a:defRPr sz="1800" b="0" i="0" u="none" strike="noStrike" cap="none">
                 <a:solidFill>
                   <a:schemeClr val="dk1"/>
                 </a:solidFill>
@@ -4030,7 +4229,7 @@
                 <a:sym typeface="Times New Roman"/>
               </a:defRPr>
             </a:lvl6pPr>
-            <a:lvl7pPr indent="-114300" lvl="6" marL="2971800" marR="0" rtl="0" algn="l">
+            <a:lvl7pPr marL="2971800" marR="0" lvl="6" indent="-114300" algn="l" rtl="0">
               <a:lnSpc>
                 <a:spcPct val="90000"/>
               </a:lnSpc>
@@ -4043,7 +4242,7 @@
               <a:buSzPct val="100000"/>
               <a:buFont typeface="Arial"/>
               <a:buChar char="•"/>
-              <a:defRPr b="0" i="0" sz="1800" u="none" cap="none" strike="noStrike">
+              <a:defRPr sz="1800" b="0" i="0" u="none" strike="noStrike" cap="none">
                 <a:solidFill>
                   <a:schemeClr val="dk1"/>
                 </a:solidFill>
@@ -4053,7 +4252,7 @@
                 <a:sym typeface="Times New Roman"/>
               </a:defRPr>
             </a:lvl7pPr>
-            <a:lvl8pPr indent="-114300" lvl="7" marL="3429000" marR="0" rtl="0" algn="l">
+            <a:lvl8pPr marL="3429000" marR="0" lvl="7" indent="-114300" algn="l" rtl="0">
               <a:lnSpc>
                 <a:spcPct val="90000"/>
               </a:lnSpc>
@@ -4066,7 +4265,7 @@
               <a:buSzPct val="100000"/>
               <a:buFont typeface="Arial"/>
               <a:buChar char="•"/>
-              <a:defRPr b="0" i="0" sz="1800" u="none" cap="none" strike="noStrike">
+              <a:defRPr sz="1800" b="0" i="0" u="none" strike="noStrike" cap="none">
                 <a:solidFill>
                   <a:schemeClr val="dk1"/>
                 </a:solidFill>
@@ -4076,7 +4275,7 @@
                 <a:sym typeface="Times New Roman"/>
               </a:defRPr>
             </a:lvl8pPr>
-            <a:lvl9pPr indent="-114300" lvl="8" marL="3886200" marR="0" rtl="0" algn="l">
+            <a:lvl9pPr marL="3886200" marR="0" lvl="8" indent="-114300" algn="l" rtl="0">
               <a:lnSpc>
                 <a:spcPct val="90000"/>
               </a:lnSpc>
@@ -4089,7 +4288,7 @@
               <a:buSzPct val="100000"/>
               <a:buFont typeface="Arial"/>
               <a:buChar char="•"/>
-              <a:defRPr b="0" i="0" sz="1800" u="none" cap="none" strike="noStrike">
+              <a:defRPr sz="1800" b="0" i="0" u="none" strike="noStrike" cap="none">
                 <a:solidFill>
                   <a:schemeClr val="dk1"/>
                 </a:solidFill>
@@ -4100,7 +4299,9 @@
               </a:defRPr>
             </a:lvl9pPr>
           </a:lstStyle>
-          <a:p/>
+          <a:p>
+            <a:endParaRPr/>
+          </a:p>
         </p:txBody>
       </p:sp>
     </p:spTree>
@@ -4112,11 +4313,11 @@
 </file>
 
 <file path=ppt/slideLayouts/slideLayout5.xml><?xml version="1.0" encoding="utf-8"?>
-<p:sldLayout xmlns:a="http://schemas.openxmlformats.org/drawingml/2006/main" xmlns:r="http://schemas.openxmlformats.org/officeDocument/2006/relationships" xmlns:mc="http://schemas.openxmlformats.org/markup-compatibility/2006" xmlns:mv="urn:schemas-microsoft-com:mac:vml" xmlns:p="http://schemas.openxmlformats.org/presentationml/2006/main" xmlns:c="http://schemas.openxmlformats.org/drawingml/2006/chart" xmlns:dgm="http://schemas.openxmlformats.org/drawingml/2006/diagram" xmlns:o="urn:schemas-microsoft-com:office:office" xmlns:v="urn:schemas-microsoft-com:vml" xmlns:pvml="urn:schemas-microsoft-com:office:powerpoint" xmlns:com="http://schemas.openxmlformats.org/drawingml/2006/compatibility" xmlns:p14="http://schemas.microsoft.com/office/powerpoint/2010/main" type="twoTxTwoObj">
+<p:sldLayout xmlns:a="http://schemas.openxmlformats.org/drawingml/2006/main" xmlns:r="http://schemas.openxmlformats.org/officeDocument/2006/relationships" xmlns:p="http://schemas.openxmlformats.org/presentationml/2006/main" type="twoTxTwoObj">
   <p:cSld name="Jämförelse">
     <p:spTree>
       <p:nvGrpSpPr>
-        <p:cNvPr id="27" name="Shape 27"/>
+        <p:cNvPr id="1" name="Shape 27"/>
         <p:cNvGrpSpPr/>
         <p:nvPr/>
       </p:nvGrpSpPr>
@@ -4131,7 +4332,9 @@
       <p:sp>
         <p:nvSpPr>
           <p:cNvPr id="28" name="Shape 28"/>
-          <p:cNvSpPr txBox="1"/>
+          <p:cNvSpPr txBox="1">
+            <a:spLocks noGrp="1"/>
+          </p:cNvSpPr>
           <p:nvPr>
             <p:ph type="title"/>
           </p:nvPr>
@@ -4150,9 +4353,9 @@
           </a:ln>
         </p:spPr>
         <p:txBody>
-          <a:bodyPr anchorCtr="0" anchor="t" bIns="91425" lIns="91425" rIns="91425" tIns="91425"/>
+          <a:bodyPr lIns="91425" tIns="91425" rIns="91425" bIns="91425" anchor="t" anchorCtr="0"/>
           <a:lstStyle>
-            <a:lvl1pPr indent="0" lvl="0" marL="0" marR="0" rtl="0" algn="l">
+            <a:lvl1pPr marL="0" marR="0" lvl="0" indent="0" algn="l" rtl="0">
               <a:lnSpc>
                 <a:spcPct val="100000"/>
               </a:lnSpc>
@@ -4163,7 +4366,7 @@
                 <a:spcPts val="0"/>
               </a:spcAft>
               <a:buNone/>
-              <a:defRPr b="0" i="0" sz="2700" u="none" cap="none" strike="noStrike">
+              <a:defRPr sz="2700" b="0" i="0" u="none" strike="noStrike" cap="none">
                 <a:solidFill>
                   <a:schemeClr val="dk1"/>
                 </a:solidFill>
@@ -4173,7 +4376,7 @@
                 <a:sym typeface="Times New Roman"/>
               </a:defRPr>
             </a:lvl1pPr>
-            <a:lvl2pPr indent="0" lvl="1" marL="0" marR="0" rtl="0" algn="l">
+            <a:lvl2pPr marL="0" marR="0" lvl="1" indent="0" algn="l" rtl="0">
               <a:lnSpc>
                 <a:spcPct val="100000"/>
               </a:lnSpc>
@@ -4184,7 +4387,7 @@
                 <a:spcPts val="0"/>
               </a:spcAft>
               <a:buNone/>
-              <a:defRPr b="0" i="0" sz="2700" u="none" cap="none" strike="noStrike">
+              <a:defRPr sz="2700" b="0" i="0" u="none" strike="noStrike" cap="none">
                 <a:solidFill>
                   <a:schemeClr val="dk1"/>
                 </a:solidFill>
@@ -4194,7 +4397,7 @@
                 <a:sym typeface="Times New Roman"/>
               </a:defRPr>
             </a:lvl2pPr>
-            <a:lvl3pPr indent="0" lvl="2" marL="0" marR="0" rtl="0" algn="l">
+            <a:lvl3pPr marL="0" marR="0" lvl="2" indent="0" algn="l" rtl="0">
               <a:lnSpc>
                 <a:spcPct val="100000"/>
               </a:lnSpc>
@@ -4205,7 +4408,7 @@
                 <a:spcPts val="0"/>
               </a:spcAft>
               <a:buNone/>
-              <a:defRPr b="0" i="0" sz="2700" u="none" cap="none" strike="noStrike">
+              <a:defRPr sz="2700" b="0" i="0" u="none" strike="noStrike" cap="none">
                 <a:solidFill>
                   <a:schemeClr val="dk1"/>
                 </a:solidFill>
@@ -4215,7 +4418,7 @@
                 <a:sym typeface="Times New Roman"/>
               </a:defRPr>
             </a:lvl3pPr>
-            <a:lvl4pPr indent="0" lvl="3" marL="0" marR="0" rtl="0" algn="l">
+            <a:lvl4pPr marL="0" marR="0" lvl="3" indent="0" algn="l" rtl="0">
               <a:lnSpc>
                 <a:spcPct val="100000"/>
               </a:lnSpc>
@@ -4226,7 +4429,7 @@
                 <a:spcPts val="0"/>
               </a:spcAft>
               <a:buNone/>
-              <a:defRPr b="0" i="0" sz="2700" u="none" cap="none" strike="noStrike">
+              <a:defRPr sz="2700" b="0" i="0" u="none" strike="noStrike" cap="none">
                 <a:solidFill>
                   <a:schemeClr val="dk1"/>
                 </a:solidFill>
@@ -4236,7 +4439,7 @@
                 <a:sym typeface="Times New Roman"/>
               </a:defRPr>
             </a:lvl4pPr>
-            <a:lvl5pPr indent="0" lvl="4" marL="0" marR="0" rtl="0" algn="l">
+            <a:lvl5pPr marL="0" marR="0" lvl="4" indent="0" algn="l" rtl="0">
               <a:lnSpc>
                 <a:spcPct val="100000"/>
               </a:lnSpc>
@@ -4247,7 +4450,7 @@
                 <a:spcPts val="0"/>
               </a:spcAft>
               <a:buNone/>
-              <a:defRPr b="0" i="0" sz="2700" u="none" cap="none" strike="noStrike">
+              <a:defRPr sz="2700" b="0" i="0" u="none" strike="noStrike" cap="none">
                 <a:solidFill>
                   <a:schemeClr val="dk1"/>
                 </a:solidFill>
@@ -4257,7 +4460,7 @@
                 <a:sym typeface="Times New Roman"/>
               </a:defRPr>
             </a:lvl5pPr>
-            <a:lvl6pPr indent="0" lvl="5" marL="457200" marR="0" rtl="0" algn="l">
+            <a:lvl6pPr marL="457200" marR="0" lvl="5" indent="0" algn="l" rtl="0">
               <a:lnSpc>
                 <a:spcPct val="100000"/>
               </a:lnSpc>
@@ -4268,7 +4471,7 @@
                 <a:spcPts val="0"/>
               </a:spcAft>
               <a:buNone/>
-              <a:defRPr b="0" i="0" sz="2700" u="none" cap="none" strike="noStrike">
+              <a:defRPr sz="2700" b="0" i="0" u="none" strike="noStrike" cap="none">
                 <a:solidFill>
                   <a:schemeClr val="dk1"/>
                 </a:solidFill>
@@ -4278,7 +4481,7 @@
                 <a:sym typeface="Times New Roman"/>
               </a:defRPr>
             </a:lvl6pPr>
-            <a:lvl7pPr indent="0" lvl="6" marL="914400" marR="0" rtl="0" algn="l">
+            <a:lvl7pPr marL="914400" marR="0" lvl="6" indent="0" algn="l" rtl="0">
               <a:lnSpc>
                 <a:spcPct val="100000"/>
               </a:lnSpc>
@@ -4289,7 +4492,7 @@
                 <a:spcPts val="0"/>
               </a:spcAft>
               <a:buNone/>
-              <a:defRPr b="0" i="0" sz="2700" u="none" cap="none" strike="noStrike">
+              <a:defRPr sz="2700" b="0" i="0" u="none" strike="noStrike" cap="none">
                 <a:solidFill>
                   <a:schemeClr val="dk1"/>
                 </a:solidFill>
@@ -4299,7 +4502,7 @@
                 <a:sym typeface="Times New Roman"/>
               </a:defRPr>
             </a:lvl7pPr>
-            <a:lvl8pPr indent="0" lvl="7" marL="1371600" marR="0" rtl="0" algn="l">
+            <a:lvl8pPr marL="1371600" marR="0" lvl="7" indent="0" algn="l" rtl="0">
               <a:lnSpc>
                 <a:spcPct val="100000"/>
               </a:lnSpc>
@@ -4310,7 +4513,7 @@
                 <a:spcPts val="0"/>
               </a:spcAft>
               <a:buNone/>
-              <a:defRPr b="0" i="0" sz="2700" u="none" cap="none" strike="noStrike">
+              <a:defRPr sz="2700" b="0" i="0" u="none" strike="noStrike" cap="none">
                 <a:solidFill>
                   <a:schemeClr val="dk1"/>
                 </a:solidFill>
@@ -4320,7 +4523,7 @@
                 <a:sym typeface="Times New Roman"/>
               </a:defRPr>
             </a:lvl8pPr>
-            <a:lvl9pPr indent="0" lvl="8" marL="1828800" marR="0" rtl="0" algn="l">
+            <a:lvl9pPr marL="1828800" marR="0" lvl="8" indent="0" algn="l" rtl="0">
               <a:lnSpc>
                 <a:spcPct val="100000"/>
               </a:lnSpc>
@@ -4331,7 +4534,7 @@
                 <a:spcPts val="0"/>
               </a:spcAft>
               <a:buNone/>
-              <a:defRPr b="0" i="0" sz="2700" u="none" cap="none" strike="noStrike">
+              <a:defRPr sz="2700" b="0" i="0" u="none" strike="noStrike" cap="none">
                 <a:solidFill>
                   <a:schemeClr val="dk1"/>
                 </a:solidFill>
@@ -4342,15 +4545,19 @@
               </a:defRPr>
             </a:lvl9pPr>
           </a:lstStyle>
-          <a:p/>
+          <a:p>
+            <a:endParaRPr/>
+          </a:p>
         </p:txBody>
       </p:sp>
       <p:sp>
         <p:nvSpPr>
           <p:cNvPr id="29" name="Shape 29"/>
-          <p:cNvSpPr txBox="1"/>
+          <p:cNvSpPr txBox="1">
+            <a:spLocks noGrp="1"/>
+          </p:cNvSpPr>
           <p:nvPr>
-            <p:ph idx="1" type="body"/>
+            <p:ph type="body" idx="1"/>
           </p:nvPr>
         </p:nvSpPr>
         <p:spPr>
@@ -4367,9 +4574,9 @@
           </a:ln>
         </p:spPr>
         <p:txBody>
-          <a:bodyPr anchorCtr="0" anchor="b" bIns="91425" lIns="91425" rIns="91425" tIns="91425"/>
+          <a:bodyPr lIns="91425" tIns="91425" rIns="91425" bIns="91425" anchor="b" anchorCtr="0"/>
           <a:lstStyle>
-            <a:lvl1pPr indent="0" lvl="0" marL="0" marR="0" rtl="0" algn="l">
+            <a:lvl1pPr marL="0" marR="0" lvl="0" indent="0" algn="l" rtl="0">
               <a:spcBef>
                 <a:spcPts val="480"/>
               </a:spcBef>
@@ -4381,7 +4588,7 @@
               </a:buClr>
               <a:buFont typeface="Arial"/>
               <a:buNone/>
-              <a:defRPr b="1" i="0" sz="2400" u="none" cap="none" strike="noStrike">
+              <a:defRPr sz="2400" b="1" i="0" u="none" strike="noStrike" cap="none">
                 <a:solidFill>
                   <a:schemeClr val="dk1"/>
                 </a:solidFill>
@@ -4391,7 +4598,7 @@
                 <a:sym typeface="Times New Roman"/>
               </a:defRPr>
             </a:lvl1pPr>
-            <a:lvl2pPr indent="0" lvl="1" marL="457200" marR="0" rtl="0" algn="l">
+            <a:lvl2pPr marL="457200" marR="0" lvl="1" indent="0" algn="l" rtl="0">
               <a:spcBef>
                 <a:spcPts val="400"/>
               </a:spcBef>
@@ -4403,7 +4610,7 @@
               </a:buClr>
               <a:buFont typeface="Arial"/>
               <a:buNone/>
-              <a:defRPr b="1" i="0" sz="2000" u="none" cap="none" strike="noStrike">
+              <a:defRPr sz="2000" b="1" i="0" u="none" strike="noStrike" cap="none">
                 <a:solidFill>
                   <a:schemeClr val="dk1"/>
                 </a:solidFill>
@@ -4413,7 +4620,7 @@
                 <a:sym typeface="Times New Roman"/>
               </a:defRPr>
             </a:lvl2pPr>
-            <a:lvl3pPr indent="0" lvl="2" marL="914400" marR="0" rtl="0" algn="l">
+            <a:lvl3pPr marL="914400" marR="0" lvl="2" indent="0" algn="l" rtl="0">
               <a:spcBef>
                 <a:spcPts val="360"/>
               </a:spcBef>
@@ -4425,7 +4632,7 @@
               </a:buClr>
               <a:buFont typeface="Arial"/>
               <a:buNone/>
-              <a:defRPr b="1" i="0" sz="1800" u="none" cap="none" strike="noStrike">
+              <a:defRPr sz="1800" b="1" i="0" u="none" strike="noStrike" cap="none">
                 <a:solidFill>
                   <a:schemeClr val="dk1"/>
                 </a:solidFill>
@@ -4435,7 +4642,7 @@
                 <a:sym typeface="Times New Roman"/>
               </a:defRPr>
             </a:lvl3pPr>
-            <a:lvl4pPr indent="0" lvl="3" marL="1371600" marR="0" rtl="0" algn="l">
+            <a:lvl4pPr marL="1371600" marR="0" lvl="3" indent="0" algn="l" rtl="0">
               <a:spcBef>
                 <a:spcPts val="320"/>
               </a:spcBef>
@@ -4447,7 +4654,7 @@
               </a:buClr>
               <a:buFont typeface="Arial"/>
               <a:buNone/>
-              <a:defRPr b="1" i="0" sz="1600" u="none" cap="none" strike="noStrike">
+              <a:defRPr sz="1600" b="1" i="0" u="none" strike="noStrike" cap="none">
                 <a:solidFill>
                   <a:schemeClr val="dk1"/>
                 </a:solidFill>
@@ -4457,7 +4664,7 @@
                 <a:sym typeface="Times New Roman"/>
               </a:defRPr>
             </a:lvl4pPr>
-            <a:lvl5pPr indent="0" lvl="4" marL="1828800" marR="0" rtl="0" algn="l">
+            <a:lvl5pPr marL="1828800" marR="0" lvl="4" indent="0" algn="l" rtl="0">
               <a:spcBef>
                 <a:spcPts val="320"/>
               </a:spcBef>
@@ -4469,7 +4676,7 @@
               </a:buClr>
               <a:buFont typeface="Arial"/>
               <a:buNone/>
-              <a:defRPr b="1" i="0" sz="1600" u="none" cap="none" strike="noStrike">
+              <a:defRPr sz="1600" b="1" i="0" u="none" strike="noStrike" cap="none">
                 <a:solidFill>
                   <a:schemeClr val="dk1"/>
                 </a:solidFill>
@@ -4479,7 +4686,7 @@
                 <a:sym typeface="Times New Roman"/>
               </a:defRPr>
             </a:lvl5pPr>
-            <a:lvl6pPr indent="0" lvl="5" marL="2286000" marR="0" rtl="0" algn="l">
+            <a:lvl6pPr marL="2286000" marR="0" lvl="5" indent="0" algn="l" rtl="0">
               <a:lnSpc>
                 <a:spcPct val="90000"/>
               </a:lnSpc>
@@ -4491,7 +4698,7 @@
               </a:buClr>
               <a:buFont typeface="Arial"/>
               <a:buNone/>
-              <a:defRPr b="1" i="0" sz="1600" u="none" cap="none" strike="noStrike">
+              <a:defRPr sz="1600" b="1" i="0" u="none" strike="noStrike" cap="none">
                 <a:solidFill>
                   <a:schemeClr val="dk1"/>
                 </a:solidFill>
@@ -4501,7 +4708,7 @@
                 <a:sym typeface="Times New Roman"/>
               </a:defRPr>
             </a:lvl6pPr>
-            <a:lvl7pPr indent="0" lvl="6" marL="2743200" marR="0" rtl="0" algn="l">
+            <a:lvl7pPr marL="2743200" marR="0" lvl="6" indent="0" algn="l" rtl="0">
               <a:lnSpc>
                 <a:spcPct val="90000"/>
               </a:lnSpc>
@@ -4513,7 +4720,7 @@
               </a:buClr>
               <a:buFont typeface="Arial"/>
               <a:buNone/>
-              <a:defRPr b="1" i="0" sz="1600" u="none" cap="none" strike="noStrike">
+              <a:defRPr sz="1600" b="1" i="0" u="none" strike="noStrike" cap="none">
                 <a:solidFill>
                   <a:schemeClr val="dk1"/>
                 </a:solidFill>
@@ -4523,7 +4730,7 @@
                 <a:sym typeface="Times New Roman"/>
               </a:defRPr>
             </a:lvl7pPr>
-            <a:lvl8pPr indent="0" lvl="7" marL="3200400" marR="0" rtl="0" algn="l">
+            <a:lvl8pPr marL="3200400" marR="0" lvl="7" indent="0" algn="l" rtl="0">
               <a:lnSpc>
                 <a:spcPct val="90000"/>
               </a:lnSpc>
@@ -4535,7 +4742,7 @@
               </a:buClr>
               <a:buFont typeface="Arial"/>
               <a:buNone/>
-              <a:defRPr b="1" i="0" sz="1600" u="none" cap="none" strike="noStrike">
+              <a:defRPr sz="1600" b="1" i="0" u="none" strike="noStrike" cap="none">
                 <a:solidFill>
                   <a:schemeClr val="dk1"/>
                 </a:solidFill>
@@ -4545,7 +4752,7 @@
                 <a:sym typeface="Times New Roman"/>
               </a:defRPr>
             </a:lvl8pPr>
-            <a:lvl9pPr indent="0" lvl="8" marL="3657600" marR="0" rtl="0" algn="l">
+            <a:lvl9pPr marL="3657600" marR="0" lvl="8" indent="0" algn="l" rtl="0">
               <a:lnSpc>
                 <a:spcPct val="90000"/>
               </a:lnSpc>
@@ -4557,7 +4764,7 @@
               </a:buClr>
               <a:buFont typeface="Arial"/>
               <a:buNone/>
-              <a:defRPr b="1" i="0" sz="1600" u="none" cap="none" strike="noStrike">
+              <a:defRPr sz="1600" b="1" i="0" u="none" strike="noStrike" cap="none">
                 <a:solidFill>
                   <a:schemeClr val="dk1"/>
                 </a:solidFill>
@@ -4568,15 +4775,19 @@
               </a:defRPr>
             </a:lvl9pPr>
           </a:lstStyle>
-          <a:p/>
+          <a:p>
+            <a:endParaRPr/>
+          </a:p>
         </p:txBody>
       </p:sp>
       <p:sp>
         <p:nvSpPr>
           <p:cNvPr id="30" name="Shape 30"/>
-          <p:cNvSpPr txBox="1"/>
+          <p:cNvSpPr txBox="1">
+            <a:spLocks noGrp="1"/>
+          </p:cNvSpPr>
           <p:nvPr>
-            <p:ph idx="2" type="body"/>
+            <p:ph type="body" idx="2"/>
           </p:nvPr>
         </p:nvSpPr>
         <p:spPr>
@@ -4593,9 +4804,9 @@
           </a:ln>
         </p:spPr>
         <p:txBody>
-          <a:bodyPr anchorCtr="0" anchor="t" bIns="91425" lIns="91425" rIns="91425" tIns="91425"/>
+          <a:bodyPr lIns="91425" tIns="91425" rIns="91425" bIns="91425" anchor="t" anchorCtr="0"/>
           <a:lstStyle>
-            <a:lvl1pPr indent="-342900" lvl="0" marL="342900" marR="0" rtl="0" algn="l">
+            <a:lvl1pPr marL="342900" marR="0" lvl="0" indent="-342900" algn="l" rtl="0">
               <a:spcBef>
                 <a:spcPts val="360"/>
               </a:spcBef>
@@ -4603,7 +4814,7 @@
                 <a:spcPts val="0"/>
               </a:spcAft>
               <a:buNone/>
-              <a:defRPr b="0" i="0" sz="1800" u="none" cap="none" strike="noStrike">
+              <a:defRPr sz="1800" b="0" i="0" u="none" strike="noStrike" cap="none">
                 <a:solidFill>
                   <a:schemeClr val="dk1"/>
                 </a:solidFill>
@@ -4613,7 +4824,7 @@
                 <a:sym typeface="Times New Roman"/>
               </a:defRPr>
             </a:lvl1pPr>
-            <a:lvl2pPr indent="-171450" lvl="1" marL="742950" marR="0" rtl="0" algn="l">
+            <a:lvl2pPr marL="742950" marR="0" lvl="1" indent="-171450" algn="l" rtl="0">
               <a:spcBef>
                 <a:spcPts val="360"/>
               </a:spcBef>
@@ -4626,7 +4837,7 @@
               <a:buSzPct val="100000"/>
               <a:buFont typeface="Arial"/>
               <a:buChar char="–"/>
-              <a:defRPr b="0" i="0" sz="1800" u="none" cap="none" strike="noStrike">
+              <a:defRPr sz="1800" b="0" i="0" u="none" strike="noStrike" cap="none">
                 <a:solidFill>
                   <a:schemeClr val="dk1"/>
                 </a:solidFill>
@@ -4636,7 +4847,7 @@
                 <a:sym typeface="Times New Roman"/>
               </a:defRPr>
             </a:lvl2pPr>
-            <a:lvl3pPr indent="-114300" lvl="2" marL="1143000" marR="0" rtl="0" algn="l">
+            <a:lvl3pPr marL="1143000" marR="0" lvl="2" indent="-114300" algn="l" rtl="0">
               <a:spcBef>
                 <a:spcPts val="360"/>
               </a:spcBef>
@@ -4649,7 +4860,7 @@
               <a:buSzPct val="100000"/>
               <a:buFont typeface="Arial"/>
               <a:buChar char="•"/>
-              <a:defRPr b="0" i="0" sz="1800" u="none" cap="none" strike="noStrike">
+              <a:defRPr sz="1800" b="0" i="0" u="none" strike="noStrike" cap="none">
                 <a:solidFill>
                   <a:schemeClr val="dk1"/>
                 </a:solidFill>
@@ -4659,7 +4870,7 @@
                 <a:sym typeface="Times New Roman"/>
               </a:defRPr>
             </a:lvl3pPr>
-            <a:lvl4pPr indent="-114300" lvl="3" marL="1600200" marR="0" rtl="0" algn="l">
+            <a:lvl4pPr marL="1600200" marR="0" lvl="3" indent="-114300" algn="l" rtl="0">
               <a:spcBef>
                 <a:spcPts val="360"/>
               </a:spcBef>
@@ -4672,7 +4883,7 @@
               <a:buSzPct val="100000"/>
               <a:buFont typeface="Arial"/>
               <a:buChar char="–"/>
-              <a:defRPr b="0" i="0" sz="1800" u="none" cap="none" strike="noStrike">
+              <a:defRPr sz="1800" b="0" i="0" u="none" strike="noStrike" cap="none">
                 <a:solidFill>
                   <a:schemeClr val="dk1"/>
                 </a:solidFill>
@@ -4682,7 +4893,7 @@
                 <a:sym typeface="Times New Roman"/>
               </a:defRPr>
             </a:lvl4pPr>
-            <a:lvl5pPr indent="-114300" lvl="4" marL="2057400" marR="0" rtl="0" algn="l">
+            <a:lvl5pPr marL="2057400" marR="0" lvl="4" indent="-114300" algn="l" rtl="0">
               <a:spcBef>
                 <a:spcPts val="360"/>
               </a:spcBef>
@@ -4695,7 +4906,7 @@
               <a:buSzPct val="100000"/>
               <a:buFont typeface="Arial"/>
               <a:buChar char="»"/>
-              <a:defRPr b="0" i="0" sz="1800" u="none" cap="none" strike="noStrike">
+              <a:defRPr sz="1800" b="0" i="0" u="none" strike="noStrike" cap="none">
                 <a:solidFill>
                   <a:schemeClr val="dk1"/>
                 </a:solidFill>
@@ -4705,7 +4916,7 @@
                 <a:sym typeface="Times New Roman"/>
               </a:defRPr>
             </a:lvl5pPr>
-            <a:lvl6pPr indent="-114300" lvl="5" marL="2514600" marR="0" rtl="0" algn="l">
+            <a:lvl6pPr marL="2514600" marR="0" lvl="5" indent="-114300" algn="l" rtl="0">
               <a:lnSpc>
                 <a:spcPct val="90000"/>
               </a:lnSpc>
@@ -4718,7 +4929,7 @@
               <a:buSzPct val="100000"/>
               <a:buFont typeface="Arial"/>
               <a:buChar char="•"/>
-              <a:defRPr b="0" i="0" sz="1800" u="none" cap="none" strike="noStrike">
+              <a:defRPr sz="1800" b="0" i="0" u="none" strike="noStrike" cap="none">
                 <a:solidFill>
                   <a:schemeClr val="dk1"/>
                 </a:solidFill>
@@ -4728,7 +4939,7 @@
                 <a:sym typeface="Times New Roman"/>
               </a:defRPr>
             </a:lvl6pPr>
-            <a:lvl7pPr indent="-114300" lvl="6" marL="2971800" marR="0" rtl="0" algn="l">
+            <a:lvl7pPr marL="2971800" marR="0" lvl="6" indent="-114300" algn="l" rtl="0">
               <a:lnSpc>
                 <a:spcPct val="90000"/>
               </a:lnSpc>
@@ -4741,7 +4952,7 @@
               <a:buSzPct val="100000"/>
               <a:buFont typeface="Arial"/>
               <a:buChar char="•"/>
-              <a:defRPr b="0" i="0" sz="1800" u="none" cap="none" strike="noStrike">
+              <a:defRPr sz="1800" b="0" i="0" u="none" strike="noStrike" cap="none">
                 <a:solidFill>
                   <a:schemeClr val="dk1"/>
                 </a:solidFill>
@@ -4751,7 +4962,7 @@
                 <a:sym typeface="Times New Roman"/>
               </a:defRPr>
             </a:lvl7pPr>
-            <a:lvl8pPr indent="-114300" lvl="7" marL="3429000" marR="0" rtl="0" algn="l">
+            <a:lvl8pPr marL="3429000" marR="0" lvl="7" indent="-114300" algn="l" rtl="0">
               <a:lnSpc>
                 <a:spcPct val="90000"/>
               </a:lnSpc>
@@ -4764,7 +4975,7 @@
               <a:buSzPct val="100000"/>
               <a:buFont typeface="Arial"/>
               <a:buChar char="•"/>
-              <a:defRPr b="0" i="0" sz="1800" u="none" cap="none" strike="noStrike">
+              <a:defRPr sz="1800" b="0" i="0" u="none" strike="noStrike" cap="none">
                 <a:solidFill>
                   <a:schemeClr val="dk1"/>
                 </a:solidFill>
@@ -4774,7 +4985,7 @@
                 <a:sym typeface="Times New Roman"/>
               </a:defRPr>
             </a:lvl8pPr>
-            <a:lvl9pPr indent="-114300" lvl="8" marL="3886200" marR="0" rtl="0" algn="l">
+            <a:lvl9pPr marL="3886200" marR="0" lvl="8" indent="-114300" algn="l" rtl="0">
               <a:lnSpc>
                 <a:spcPct val="90000"/>
               </a:lnSpc>
@@ -4787,7 +4998,7 @@
               <a:buSzPct val="100000"/>
               <a:buFont typeface="Arial"/>
               <a:buChar char="•"/>
-              <a:defRPr b="0" i="0" sz="1800" u="none" cap="none" strike="noStrike">
+              <a:defRPr sz="1800" b="0" i="0" u="none" strike="noStrike" cap="none">
                 <a:solidFill>
                   <a:schemeClr val="dk1"/>
                 </a:solidFill>
@@ -4798,15 +5009,19 @@
               </a:defRPr>
             </a:lvl9pPr>
           </a:lstStyle>
-          <a:p/>
+          <a:p>
+            <a:endParaRPr/>
+          </a:p>
         </p:txBody>
       </p:sp>
       <p:sp>
         <p:nvSpPr>
           <p:cNvPr id="31" name="Shape 31"/>
-          <p:cNvSpPr txBox="1"/>
+          <p:cNvSpPr txBox="1">
+            <a:spLocks noGrp="1"/>
+          </p:cNvSpPr>
           <p:nvPr>
-            <p:ph idx="3" type="body"/>
+            <p:ph type="body" idx="3"/>
           </p:nvPr>
         </p:nvSpPr>
         <p:spPr>
@@ -4823,9 +5038,9 @@
           </a:ln>
         </p:spPr>
         <p:txBody>
-          <a:bodyPr anchorCtr="0" anchor="b" bIns="91425" lIns="91425" rIns="91425" tIns="91425"/>
+          <a:bodyPr lIns="91425" tIns="91425" rIns="91425" bIns="91425" anchor="b" anchorCtr="0"/>
           <a:lstStyle>
-            <a:lvl1pPr indent="0" lvl="0" marL="0" marR="0" rtl="0" algn="l">
+            <a:lvl1pPr marL="0" marR="0" lvl="0" indent="0" algn="l" rtl="0">
               <a:spcBef>
                 <a:spcPts val="480"/>
               </a:spcBef>
@@ -4837,7 +5052,7 @@
               </a:buClr>
               <a:buFont typeface="Arial"/>
               <a:buNone/>
-              <a:defRPr b="1" i="0" sz="2400" u="none" cap="none" strike="noStrike">
+              <a:defRPr sz="2400" b="1" i="0" u="none" strike="noStrike" cap="none">
                 <a:solidFill>
                   <a:schemeClr val="dk1"/>
                 </a:solidFill>
@@ -4847,7 +5062,7 @@
                 <a:sym typeface="Times New Roman"/>
               </a:defRPr>
             </a:lvl1pPr>
-            <a:lvl2pPr indent="0" lvl="1" marL="457200" marR="0" rtl="0" algn="l">
+            <a:lvl2pPr marL="457200" marR="0" lvl="1" indent="0" algn="l" rtl="0">
               <a:spcBef>
                 <a:spcPts val="400"/>
               </a:spcBef>
@@ -4859,7 +5074,7 @@
               </a:buClr>
               <a:buFont typeface="Arial"/>
               <a:buNone/>
-              <a:defRPr b="1" i="0" sz="2000" u="none" cap="none" strike="noStrike">
+              <a:defRPr sz="2000" b="1" i="0" u="none" strike="noStrike" cap="none">
                 <a:solidFill>
                   <a:schemeClr val="dk1"/>
                 </a:solidFill>
@@ -4869,7 +5084,7 @@
                 <a:sym typeface="Times New Roman"/>
               </a:defRPr>
             </a:lvl2pPr>
-            <a:lvl3pPr indent="0" lvl="2" marL="914400" marR="0" rtl="0" algn="l">
+            <a:lvl3pPr marL="914400" marR="0" lvl="2" indent="0" algn="l" rtl="0">
               <a:spcBef>
                 <a:spcPts val="360"/>
               </a:spcBef>
@@ -4881,7 +5096,7 @@
               </a:buClr>
               <a:buFont typeface="Arial"/>
               <a:buNone/>
-              <a:defRPr b="1" i="0" sz="1800" u="none" cap="none" strike="noStrike">
+              <a:defRPr sz="1800" b="1" i="0" u="none" strike="noStrike" cap="none">
                 <a:solidFill>
                   <a:schemeClr val="dk1"/>
                 </a:solidFill>
@@ -4891,7 +5106,7 @@
                 <a:sym typeface="Times New Roman"/>
               </a:defRPr>
             </a:lvl3pPr>
-            <a:lvl4pPr indent="0" lvl="3" marL="1371600" marR="0" rtl="0" algn="l">
+            <a:lvl4pPr marL="1371600" marR="0" lvl="3" indent="0" algn="l" rtl="0">
               <a:spcBef>
                 <a:spcPts val="320"/>
               </a:spcBef>
@@ -4903,7 +5118,7 @@
               </a:buClr>
               <a:buFont typeface="Arial"/>
               <a:buNone/>
-              <a:defRPr b="1" i="0" sz="1600" u="none" cap="none" strike="noStrike">
+              <a:defRPr sz="1600" b="1" i="0" u="none" strike="noStrike" cap="none">
                 <a:solidFill>
                   <a:schemeClr val="dk1"/>
                 </a:solidFill>
@@ -4913,7 +5128,7 @@
                 <a:sym typeface="Times New Roman"/>
               </a:defRPr>
             </a:lvl4pPr>
-            <a:lvl5pPr indent="0" lvl="4" marL="1828800" marR="0" rtl="0" algn="l">
+            <a:lvl5pPr marL="1828800" marR="0" lvl="4" indent="0" algn="l" rtl="0">
               <a:spcBef>
                 <a:spcPts val="320"/>
               </a:spcBef>
@@ -4925,7 +5140,7 @@
               </a:buClr>
               <a:buFont typeface="Arial"/>
               <a:buNone/>
-              <a:defRPr b="1" i="0" sz="1600" u="none" cap="none" strike="noStrike">
+              <a:defRPr sz="1600" b="1" i="0" u="none" strike="noStrike" cap="none">
                 <a:solidFill>
                   <a:schemeClr val="dk1"/>
                 </a:solidFill>
@@ -4935,7 +5150,7 @@
                 <a:sym typeface="Times New Roman"/>
               </a:defRPr>
             </a:lvl5pPr>
-            <a:lvl6pPr indent="0" lvl="5" marL="2286000" marR="0" rtl="0" algn="l">
+            <a:lvl6pPr marL="2286000" marR="0" lvl="5" indent="0" algn="l" rtl="0">
               <a:lnSpc>
                 <a:spcPct val="90000"/>
               </a:lnSpc>
@@ -4947,7 +5162,7 @@
               </a:buClr>
               <a:buFont typeface="Arial"/>
               <a:buNone/>
-              <a:defRPr b="1" i="0" sz="1600" u="none" cap="none" strike="noStrike">
+              <a:defRPr sz="1600" b="1" i="0" u="none" strike="noStrike" cap="none">
                 <a:solidFill>
                   <a:schemeClr val="dk1"/>
                 </a:solidFill>
@@ -4957,7 +5172,7 @@
                 <a:sym typeface="Times New Roman"/>
               </a:defRPr>
             </a:lvl6pPr>
-            <a:lvl7pPr indent="0" lvl="6" marL="2743200" marR="0" rtl="0" algn="l">
+            <a:lvl7pPr marL="2743200" marR="0" lvl="6" indent="0" algn="l" rtl="0">
               <a:lnSpc>
                 <a:spcPct val="90000"/>
               </a:lnSpc>
@@ -4969,7 +5184,7 @@
               </a:buClr>
               <a:buFont typeface="Arial"/>
               <a:buNone/>
-              <a:defRPr b="1" i="0" sz="1600" u="none" cap="none" strike="noStrike">
+              <a:defRPr sz="1600" b="1" i="0" u="none" strike="noStrike" cap="none">
                 <a:solidFill>
                   <a:schemeClr val="dk1"/>
                 </a:solidFill>
@@ -4979,7 +5194,7 @@
                 <a:sym typeface="Times New Roman"/>
               </a:defRPr>
             </a:lvl7pPr>
-            <a:lvl8pPr indent="0" lvl="7" marL="3200400" marR="0" rtl="0" algn="l">
+            <a:lvl8pPr marL="3200400" marR="0" lvl="7" indent="0" algn="l" rtl="0">
               <a:lnSpc>
                 <a:spcPct val="90000"/>
               </a:lnSpc>
@@ -4991,7 +5206,7 @@
               </a:buClr>
               <a:buFont typeface="Arial"/>
               <a:buNone/>
-              <a:defRPr b="1" i="0" sz="1600" u="none" cap="none" strike="noStrike">
+              <a:defRPr sz="1600" b="1" i="0" u="none" strike="noStrike" cap="none">
                 <a:solidFill>
                   <a:schemeClr val="dk1"/>
                 </a:solidFill>
@@ -5001,7 +5216,7 @@
                 <a:sym typeface="Times New Roman"/>
               </a:defRPr>
             </a:lvl8pPr>
-            <a:lvl9pPr indent="0" lvl="8" marL="3657600" marR="0" rtl="0" algn="l">
+            <a:lvl9pPr marL="3657600" marR="0" lvl="8" indent="0" algn="l" rtl="0">
               <a:lnSpc>
                 <a:spcPct val="90000"/>
               </a:lnSpc>
@@ -5013,7 +5228,7 @@
               </a:buClr>
               <a:buFont typeface="Arial"/>
               <a:buNone/>
-              <a:defRPr b="1" i="0" sz="1600" u="none" cap="none" strike="noStrike">
+              <a:defRPr sz="1600" b="1" i="0" u="none" strike="noStrike" cap="none">
                 <a:solidFill>
                   <a:schemeClr val="dk1"/>
                 </a:solidFill>
@@ -5024,15 +5239,19 @@
               </a:defRPr>
             </a:lvl9pPr>
           </a:lstStyle>
-          <a:p/>
+          <a:p>
+            <a:endParaRPr/>
+          </a:p>
         </p:txBody>
       </p:sp>
       <p:sp>
         <p:nvSpPr>
           <p:cNvPr id="32" name="Shape 32"/>
-          <p:cNvSpPr txBox="1"/>
+          <p:cNvSpPr txBox="1">
+            <a:spLocks noGrp="1"/>
+          </p:cNvSpPr>
           <p:nvPr>
-            <p:ph idx="4" type="body"/>
+            <p:ph type="body" idx="4"/>
           </p:nvPr>
         </p:nvSpPr>
         <p:spPr>
@@ -5049,9 +5268,9 @@
           </a:ln>
         </p:spPr>
         <p:txBody>
-          <a:bodyPr anchorCtr="0" anchor="t" bIns="91425" lIns="91425" rIns="91425" tIns="91425"/>
+          <a:bodyPr lIns="91425" tIns="91425" rIns="91425" bIns="91425" anchor="t" anchorCtr="0"/>
           <a:lstStyle>
-            <a:lvl1pPr indent="-342900" lvl="0" marL="342900" marR="0" rtl="0" algn="l">
+            <a:lvl1pPr marL="342900" marR="0" lvl="0" indent="-342900" algn="l" rtl="0">
               <a:spcBef>
                 <a:spcPts val="360"/>
               </a:spcBef>
@@ -5059,7 +5278,7 @@
                 <a:spcPts val="0"/>
               </a:spcAft>
               <a:buNone/>
-              <a:defRPr b="0" i="0" sz="1800" u="none" cap="none" strike="noStrike">
+              <a:defRPr sz="1800" b="0" i="0" u="none" strike="noStrike" cap="none">
                 <a:solidFill>
                   <a:schemeClr val="dk1"/>
                 </a:solidFill>
@@ -5069,7 +5288,7 @@
                 <a:sym typeface="Times New Roman"/>
               </a:defRPr>
             </a:lvl1pPr>
-            <a:lvl2pPr indent="-171450" lvl="1" marL="742950" marR="0" rtl="0" algn="l">
+            <a:lvl2pPr marL="742950" marR="0" lvl="1" indent="-171450" algn="l" rtl="0">
               <a:spcBef>
                 <a:spcPts val="360"/>
               </a:spcBef>
@@ -5082,7 +5301,7 @@
               <a:buSzPct val="100000"/>
               <a:buFont typeface="Arial"/>
               <a:buChar char="–"/>
-              <a:defRPr b="0" i="0" sz="1800" u="none" cap="none" strike="noStrike">
+              <a:defRPr sz="1800" b="0" i="0" u="none" strike="noStrike" cap="none">
                 <a:solidFill>
                   <a:schemeClr val="dk1"/>
                 </a:solidFill>
@@ -5092,7 +5311,7 @@
                 <a:sym typeface="Times New Roman"/>
               </a:defRPr>
             </a:lvl2pPr>
-            <a:lvl3pPr indent="-114300" lvl="2" marL="1143000" marR="0" rtl="0" algn="l">
+            <a:lvl3pPr marL="1143000" marR="0" lvl="2" indent="-114300" algn="l" rtl="0">
               <a:spcBef>
                 <a:spcPts val="360"/>
               </a:spcBef>
@@ -5105,7 +5324,7 @@
               <a:buSzPct val="100000"/>
               <a:buFont typeface="Arial"/>
               <a:buChar char="•"/>
-              <a:defRPr b="0" i="0" sz="1800" u="none" cap="none" strike="noStrike">
+              <a:defRPr sz="1800" b="0" i="0" u="none" strike="noStrike" cap="none">
                 <a:solidFill>
                   <a:schemeClr val="dk1"/>
                 </a:solidFill>
@@ -5115,7 +5334,7 @@
                 <a:sym typeface="Times New Roman"/>
               </a:defRPr>
             </a:lvl3pPr>
-            <a:lvl4pPr indent="-114300" lvl="3" marL="1600200" marR="0" rtl="0" algn="l">
+            <a:lvl4pPr marL="1600200" marR="0" lvl="3" indent="-114300" algn="l" rtl="0">
               <a:spcBef>
                 <a:spcPts val="360"/>
               </a:spcBef>
@@ -5128,7 +5347,7 @@
               <a:buSzPct val="100000"/>
               <a:buFont typeface="Arial"/>
               <a:buChar char="–"/>
-              <a:defRPr b="0" i="0" sz="1800" u="none" cap="none" strike="noStrike">
+              <a:defRPr sz="1800" b="0" i="0" u="none" strike="noStrike" cap="none">
                 <a:solidFill>
                   <a:schemeClr val="dk1"/>
                 </a:solidFill>
@@ -5138,7 +5357,7 @@
                 <a:sym typeface="Times New Roman"/>
               </a:defRPr>
             </a:lvl4pPr>
-            <a:lvl5pPr indent="-114300" lvl="4" marL="2057400" marR="0" rtl="0" algn="l">
+            <a:lvl5pPr marL="2057400" marR="0" lvl="4" indent="-114300" algn="l" rtl="0">
               <a:spcBef>
                 <a:spcPts val="360"/>
               </a:spcBef>
@@ -5151,7 +5370,7 @@
               <a:buSzPct val="100000"/>
               <a:buFont typeface="Arial"/>
               <a:buChar char="»"/>
-              <a:defRPr b="0" i="0" sz="1800" u="none" cap="none" strike="noStrike">
+              <a:defRPr sz="1800" b="0" i="0" u="none" strike="noStrike" cap="none">
                 <a:solidFill>
                   <a:schemeClr val="dk1"/>
                 </a:solidFill>
@@ -5161,7 +5380,7 @@
                 <a:sym typeface="Times New Roman"/>
               </a:defRPr>
             </a:lvl5pPr>
-            <a:lvl6pPr indent="-114300" lvl="5" marL="2514600" marR="0" rtl="0" algn="l">
+            <a:lvl6pPr marL="2514600" marR="0" lvl="5" indent="-114300" algn="l" rtl="0">
               <a:lnSpc>
                 <a:spcPct val="90000"/>
               </a:lnSpc>
@@ -5174,7 +5393,7 @@
               <a:buSzPct val="100000"/>
               <a:buFont typeface="Arial"/>
               <a:buChar char="•"/>
-              <a:defRPr b="0" i="0" sz="1800" u="none" cap="none" strike="noStrike">
+              <a:defRPr sz="1800" b="0" i="0" u="none" strike="noStrike" cap="none">
                 <a:solidFill>
                   <a:schemeClr val="dk1"/>
                 </a:solidFill>
@@ -5184,7 +5403,7 @@
                 <a:sym typeface="Times New Roman"/>
               </a:defRPr>
             </a:lvl6pPr>
-            <a:lvl7pPr indent="-114300" lvl="6" marL="2971800" marR="0" rtl="0" algn="l">
+            <a:lvl7pPr marL="2971800" marR="0" lvl="6" indent="-114300" algn="l" rtl="0">
               <a:lnSpc>
                 <a:spcPct val="90000"/>
               </a:lnSpc>
@@ -5197,7 +5416,7 @@
               <a:buSzPct val="100000"/>
               <a:buFont typeface="Arial"/>
               <a:buChar char="•"/>
-              <a:defRPr b="0" i="0" sz="1800" u="none" cap="none" strike="noStrike">
+              <a:defRPr sz="1800" b="0" i="0" u="none" strike="noStrike" cap="none">
                 <a:solidFill>
                   <a:schemeClr val="dk1"/>
                 </a:solidFill>
@@ -5207,7 +5426,7 @@
                 <a:sym typeface="Times New Roman"/>
               </a:defRPr>
             </a:lvl7pPr>
-            <a:lvl8pPr indent="-114300" lvl="7" marL="3429000" marR="0" rtl="0" algn="l">
+            <a:lvl8pPr marL="3429000" marR="0" lvl="7" indent="-114300" algn="l" rtl="0">
               <a:lnSpc>
                 <a:spcPct val="90000"/>
               </a:lnSpc>
@@ -5220,7 +5439,7 @@
               <a:buSzPct val="100000"/>
               <a:buFont typeface="Arial"/>
               <a:buChar char="•"/>
-              <a:defRPr b="0" i="0" sz="1800" u="none" cap="none" strike="noStrike">
+              <a:defRPr sz="1800" b="0" i="0" u="none" strike="noStrike" cap="none">
                 <a:solidFill>
                   <a:schemeClr val="dk1"/>
                 </a:solidFill>
@@ -5230,7 +5449,7 @@
                 <a:sym typeface="Times New Roman"/>
               </a:defRPr>
             </a:lvl8pPr>
-            <a:lvl9pPr indent="-114300" lvl="8" marL="3886200" marR="0" rtl="0" algn="l">
+            <a:lvl9pPr marL="3886200" marR="0" lvl="8" indent="-114300" algn="l" rtl="0">
               <a:lnSpc>
                 <a:spcPct val="90000"/>
               </a:lnSpc>
@@ -5243,7 +5462,7 @@
               <a:buSzPct val="100000"/>
               <a:buFont typeface="Arial"/>
               <a:buChar char="•"/>
-              <a:defRPr b="0" i="0" sz="1800" u="none" cap="none" strike="noStrike">
+              <a:defRPr sz="1800" b="0" i="0" u="none" strike="noStrike" cap="none">
                 <a:solidFill>
                   <a:schemeClr val="dk1"/>
                 </a:solidFill>
@@ -5254,7 +5473,9 @@
               </a:defRPr>
             </a:lvl9pPr>
           </a:lstStyle>
-          <a:p/>
+          <a:p>
+            <a:endParaRPr/>
+          </a:p>
         </p:txBody>
       </p:sp>
     </p:spTree>
@@ -5266,11 +5487,11 @@
 </file>
 
 <file path=ppt/slideLayouts/slideLayout6.xml><?xml version="1.0" encoding="utf-8"?>
-<p:sldLayout xmlns:a="http://schemas.openxmlformats.org/drawingml/2006/main" xmlns:r="http://schemas.openxmlformats.org/officeDocument/2006/relationships" xmlns:mc="http://schemas.openxmlformats.org/markup-compatibility/2006" xmlns:mv="urn:schemas-microsoft-com:mac:vml" xmlns:p="http://schemas.openxmlformats.org/presentationml/2006/main" xmlns:c="http://schemas.openxmlformats.org/drawingml/2006/chart" xmlns:dgm="http://schemas.openxmlformats.org/drawingml/2006/diagram" xmlns:o="urn:schemas-microsoft-com:office:office" xmlns:v="urn:schemas-microsoft-com:vml" xmlns:pvml="urn:schemas-microsoft-com:office:powerpoint" xmlns:com="http://schemas.openxmlformats.org/drawingml/2006/compatibility" xmlns:p14="http://schemas.microsoft.com/office/powerpoint/2010/main" type="titleOnly">
+<p:sldLayout xmlns:a="http://schemas.openxmlformats.org/drawingml/2006/main" xmlns:r="http://schemas.openxmlformats.org/officeDocument/2006/relationships" xmlns:p="http://schemas.openxmlformats.org/presentationml/2006/main" type="titleOnly">
   <p:cSld name="Endast rubrik">
     <p:spTree>
       <p:nvGrpSpPr>
-        <p:cNvPr id="33" name="Shape 33"/>
+        <p:cNvPr id="1" name="Shape 33"/>
         <p:cNvGrpSpPr/>
         <p:nvPr/>
       </p:nvGrpSpPr>
@@ -5285,7 +5506,9 @@
       <p:sp>
         <p:nvSpPr>
           <p:cNvPr id="34" name="Shape 34"/>
-          <p:cNvSpPr txBox="1"/>
+          <p:cNvSpPr txBox="1">
+            <a:spLocks noGrp="1"/>
+          </p:cNvSpPr>
           <p:nvPr>
             <p:ph type="title"/>
           </p:nvPr>
@@ -5304,9 +5527,9 @@
           </a:ln>
         </p:spPr>
         <p:txBody>
-          <a:bodyPr anchorCtr="0" anchor="t" bIns="91425" lIns="91425" rIns="91425" tIns="91425"/>
+          <a:bodyPr lIns="91425" tIns="91425" rIns="91425" bIns="91425" anchor="t" anchorCtr="0"/>
           <a:lstStyle>
-            <a:lvl1pPr indent="0" lvl="0" marL="0" marR="0" rtl="0" algn="l">
+            <a:lvl1pPr marL="0" marR="0" lvl="0" indent="0" algn="l" rtl="0">
               <a:lnSpc>
                 <a:spcPct val="100000"/>
               </a:lnSpc>
@@ -5317,7 +5540,7 @@
                 <a:spcPts val="0"/>
               </a:spcAft>
               <a:buNone/>
-              <a:defRPr b="0" i="0" sz="2700" u="none" cap="none" strike="noStrike">
+              <a:defRPr sz="2700" b="0" i="0" u="none" strike="noStrike" cap="none">
                 <a:solidFill>
                   <a:schemeClr val="dk1"/>
                 </a:solidFill>
@@ -5327,7 +5550,7 @@
                 <a:sym typeface="Times New Roman"/>
               </a:defRPr>
             </a:lvl1pPr>
-            <a:lvl2pPr indent="0" lvl="1" marL="0" marR="0" rtl="0" algn="l">
+            <a:lvl2pPr marL="0" marR="0" lvl="1" indent="0" algn="l" rtl="0">
               <a:lnSpc>
                 <a:spcPct val="100000"/>
               </a:lnSpc>
@@ -5338,7 +5561,7 @@
                 <a:spcPts val="0"/>
               </a:spcAft>
               <a:buNone/>
-              <a:defRPr b="0" i="0" sz="2700" u="none" cap="none" strike="noStrike">
+              <a:defRPr sz="2700" b="0" i="0" u="none" strike="noStrike" cap="none">
                 <a:solidFill>
                   <a:schemeClr val="dk1"/>
                 </a:solidFill>
@@ -5348,7 +5571,7 @@
                 <a:sym typeface="Times New Roman"/>
               </a:defRPr>
             </a:lvl2pPr>
-            <a:lvl3pPr indent="0" lvl="2" marL="0" marR="0" rtl="0" algn="l">
+            <a:lvl3pPr marL="0" marR="0" lvl="2" indent="0" algn="l" rtl="0">
               <a:lnSpc>
                 <a:spcPct val="100000"/>
               </a:lnSpc>
@@ -5359,7 +5582,7 @@
                 <a:spcPts val="0"/>
               </a:spcAft>
               <a:buNone/>
-              <a:defRPr b="0" i="0" sz="2700" u="none" cap="none" strike="noStrike">
+              <a:defRPr sz="2700" b="0" i="0" u="none" strike="noStrike" cap="none">
                 <a:solidFill>
                   <a:schemeClr val="dk1"/>
                 </a:solidFill>
@@ -5369,7 +5592,7 @@
                 <a:sym typeface="Times New Roman"/>
               </a:defRPr>
             </a:lvl3pPr>
-            <a:lvl4pPr indent="0" lvl="3" marL="0" marR="0" rtl="0" algn="l">
+            <a:lvl4pPr marL="0" marR="0" lvl="3" indent="0" algn="l" rtl="0">
               <a:lnSpc>
                 <a:spcPct val="100000"/>
               </a:lnSpc>
@@ -5380,7 +5603,7 @@
                 <a:spcPts val="0"/>
               </a:spcAft>
               <a:buNone/>
-              <a:defRPr b="0" i="0" sz="2700" u="none" cap="none" strike="noStrike">
+              <a:defRPr sz="2700" b="0" i="0" u="none" strike="noStrike" cap="none">
                 <a:solidFill>
                   <a:schemeClr val="dk1"/>
                 </a:solidFill>
@@ -5390,7 +5613,7 @@
                 <a:sym typeface="Times New Roman"/>
               </a:defRPr>
             </a:lvl4pPr>
-            <a:lvl5pPr indent="0" lvl="4" marL="0" marR="0" rtl="0" algn="l">
+            <a:lvl5pPr marL="0" marR="0" lvl="4" indent="0" algn="l" rtl="0">
               <a:lnSpc>
                 <a:spcPct val="100000"/>
               </a:lnSpc>
@@ -5401,7 +5624,7 @@
                 <a:spcPts val="0"/>
               </a:spcAft>
               <a:buNone/>
-              <a:defRPr b="0" i="0" sz="2700" u="none" cap="none" strike="noStrike">
+              <a:defRPr sz="2700" b="0" i="0" u="none" strike="noStrike" cap="none">
                 <a:solidFill>
                   <a:schemeClr val="dk1"/>
                 </a:solidFill>
@@ -5411,7 +5634,7 @@
                 <a:sym typeface="Times New Roman"/>
               </a:defRPr>
             </a:lvl5pPr>
-            <a:lvl6pPr indent="0" lvl="5" marL="457200" marR="0" rtl="0" algn="l">
+            <a:lvl6pPr marL="457200" marR="0" lvl="5" indent="0" algn="l" rtl="0">
               <a:lnSpc>
                 <a:spcPct val="100000"/>
               </a:lnSpc>
@@ -5422,7 +5645,7 @@
                 <a:spcPts val="0"/>
               </a:spcAft>
               <a:buNone/>
-              <a:defRPr b="0" i="0" sz="2700" u="none" cap="none" strike="noStrike">
+              <a:defRPr sz="2700" b="0" i="0" u="none" strike="noStrike" cap="none">
                 <a:solidFill>
                   <a:schemeClr val="dk1"/>
                 </a:solidFill>
@@ -5432,7 +5655,7 @@
                 <a:sym typeface="Times New Roman"/>
               </a:defRPr>
             </a:lvl6pPr>
-            <a:lvl7pPr indent="0" lvl="6" marL="914400" marR="0" rtl="0" algn="l">
+            <a:lvl7pPr marL="914400" marR="0" lvl="6" indent="0" algn="l" rtl="0">
               <a:lnSpc>
                 <a:spcPct val="100000"/>
               </a:lnSpc>
@@ -5443,7 +5666,7 @@
                 <a:spcPts val="0"/>
               </a:spcAft>
               <a:buNone/>
-              <a:defRPr b="0" i="0" sz="2700" u="none" cap="none" strike="noStrike">
+              <a:defRPr sz="2700" b="0" i="0" u="none" strike="noStrike" cap="none">
                 <a:solidFill>
                   <a:schemeClr val="dk1"/>
                 </a:solidFill>
@@ -5453,7 +5676,7 @@
                 <a:sym typeface="Times New Roman"/>
               </a:defRPr>
             </a:lvl7pPr>
-            <a:lvl8pPr indent="0" lvl="7" marL="1371600" marR="0" rtl="0" algn="l">
+            <a:lvl8pPr marL="1371600" marR="0" lvl="7" indent="0" algn="l" rtl="0">
               <a:lnSpc>
                 <a:spcPct val="100000"/>
               </a:lnSpc>
@@ -5464,7 +5687,7 @@
                 <a:spcPts val="0"/>
               </a:spcAft>
               <a:buNone/>
-              <a:defRPr b="0" i="0" sz="2700" u="none" cap="none" strike="noStrike">
+              <a:defRPr sz="2700" b="0" i="0" u="none" strike="noStrike" cap="none">
                 <a:solidFill>
                   <a:schemeClr val="dk1"/>
                 </a:solidFill>
@@ -5474,7 +5697,7 @@
                 <a:sym typeface="Times New Roman"/>
               </a:defRPr>
             </a:lvl8pPr>
-            <a:lvl9pPr indent="0" lvl="8" marL="1828800" marR="0" rtl="0" algn="l">
+            <a:lvl9pPr marL="1828800" marR="0" lvl="8" indent="0" algn="l" rtl="0">
               <a:lnSpc>
                 <a:spcPct val="100000"/>
               </a:lnSpc>
@@ -5485,7 +5708,7 @@
                 <a:spcPts val="0"/>
               </a:spcAft>
               <a:buNone/>
-              <a:defRPr b="0" i="0" sz="2700" u="none" cap="none" strike="noStrike">
+              <a:defRPr sz="2700" b="0" i="0" u="none" strike="noStrike" cap="none">
                 <a:solidFill>
                   <a:schemeClr val="dk1"/>
                 </a:solidFill>
@@ -5496,7 +5719,9 @@
               </a:defRPr>
             </a:lvl9pPr>
           </a:lstStyle>
-          <a:p/>
+          <a:p>
+            <a:endParaRPr/>
+          </a:p>
         </p:txBody>
       </p:sp>
     </p:spTree>
@@ -5508,11 +5733,11 @@
 </file>
 
 <file path=ppt/slideLayouts/slideLayout7.xml><?xml version="1.0" encoding="utf-8"?>
-<p:sldLayout xmlns:a="http://schemas.openxmlformats.org/drawingml/2006/main" xmlns:r="http://schemas.openxmlformats.org/officeDocument/2006/relationships" xmlns:mc="http://schemas.openxmlformats.org/markup-compatibility/2006" xmlns:mv="urn:schemas-microsoft-com:mac:vml" xmlns:p="http://schemas.openxmlformats.org/presentationml/2006/main" xmlns:c="http://schemas.openxmlformats.org/drawingml/2006/chart" xmlns:dgm="http://schemas.openxmlformats.org/drawingml/2006/diagram" xmlns:o="urn:schemas-microsoft-com:office:office" xmlns:v="urn:schemas-microsoft-com:vml" xmlns:pvml="urn:schemas-microsoft-com:office:powerpoint" xmlns:com="http://schemas.openxmlformats.org/drawingml/2006/compatibility" xmlns:p14="http://schemas.microsoft.com/office/powerpoint/2010/main" type="blank">
+<p:sldLayout xmlns:a="http://schemas.openxmlformats.org/drawingml/2006/main" xmlns:r="http://schemas.openxmlformats.org/officeDocument/2006/relationships" xmlns:p="http://schemas.openxmlformats.org/presentationml/2006/main" type="blank">
   <p:cSld name="Tom">
     <p:spTree>
       <p:nvGrpSpPr>
-        <p:cNvPr id="35" name="Shape 35"/>
+        <p:cNvPr id="1" name="Shape 35"/>
         <p:cNvGrpSpPr/>
         <p:nvPr/>
       </p:nvGrpSpPr>
@@ -5533,11 +5758,11 @@
 </file>
 
 <file path=ppt/slideLayouts/slideLayout8.xml><?xml version="1.0" encoding="utf-8"?>
-<p:sldLayout xmlns:a="http://schemas.openxmlformats.org/drawingml/2006/main" xmlns:r="http://schemas.openxmlformats.org/officeDocument/2006/relationships" xmlns:mc="http://schemas.openxmlformats.org/markup-compatibility/2006" xmlns:mv="urn:schemas-microsoft-com:mac:vml" xmlns:p="http://schemas.openxmlformats.org/presentationml/2006/main" xmlns:c="http://schemas.openxmlformats.org/drawingml/2006/chart" xmlns:dgm="http://schemas.openxmlformats.org/drawingml/2006/diagram" xmlns:o="urn:schemas-microsoft-com:office:office" xmlns:v="urn:schemas-microsoft-com:vml" xmlns:pvml="urn:schemas-microsoft-com:office:powerpoint" xmlns:com="http://schemas.openxmlformats.org/drawingml/2006/compatibility" xmlns:p14="http://schemas.microsoft.com/office/powerpoint/2010/main" type="objTx">
+<p:sldLayout xmlns:a="http://schemas.openxmlformats.org/drawingml/2006/main" xmlns:r="http://schemas.openxmlformats.org/officeDocument/2006/relationships" xmlns:p="http://schemas.openxmlformats.org/presentationml/2006/main" type="objTx">
   <p:cSld name="Innehåll med bildtext">
     <p:spTree>
       <p:nvGrpSpPr>
-        <p:cNvPr id="36" name="Shape 36"/>
+        <p:cNvPr id="1" name="Shape 36"/>
         <p:cNvGrpSpPr/>
         <p:nvPr/>
       </p:nvGrpSpPr>
@@ -5552,7 +5777,9 @@
       <p:sp>
         <p:nvSpPr>
           <p:cNvPr id="37" name="Shape 37"/>
-          <p:cNvSpPr txBox="1"/>
+          <p:cNvSpPr txBox="1">
+            <a:spLocks noGrp="1"/>
+          </p:cNvSpPr>
           <p:nvPr>
             <p:ph type="title"/>
           </p:nvPr>
@@ -5571,9 +5798,9 @@
           </a:ln>
         </p:spPr>
         <p:txBody>
-          <a:bodyPr anchorCtr="0" anchor="b" bIns="91425" lIns="91425" rIns="91425" tIns="91425"/>
+          <a:bodyPr lIns="91425" tIns="91425" rIns="91425" bIns="91425" anchor="b" anchorCtr="0"/>
           <a:lstStyle>
-            <a:lvl1pPr indent="0" lvl="0" marL="0" marR="0" rtl="0" algn="l">
+            <a:lvl1pPr marL="0" marR="0" lvl="0" indent="0" algn="l" rtl="0">
               <a:lnSpc>
                 <a:spcPct val="84375"/>
               </a:lnSpc>
@@ -5584,7 +5811,7 @@
                 <a:spcPts val="0"/>
               </a:spcAft>
               <a:buNone/>
-              <a:defRPr b="0" i="0" sz="3200" u="none" cap="none" strike="noStrike">
+              <a:defRPr sz="3200" b="0" i="0" u="none" strike="noStrike" cap="none">
                 <a:solidFill>
                   <a:schemeClr val="dk1"/>
                 </a:solidFill>
@@ -5594,7 +5821,7 @@
                 <a:sym typeface="Times New Roman"/>
               </a:defRPr>
             </a:lvl1pPr>
-            <a:lvl2pPr indent="0" lvl="1" marL="0" marR="0" rtl="0" algn="l">
+            <a:lvl2pPr marL="0" marR="0" lvl="1" indent="0" algn="l" rtl="0">
               <a:lnSpc>
                 <a:spcPct val="100000"/>
               </a:lnSpc>
@@ -5605,7 +5832,7 @@
                 <a:spcPts val="0"/>
               </a:spcAft>
               <a:buNone/>
-              <a:defRPr b="0" i="0" sz="2700" u="none" cap="none" strike="noStrike">
+              <a:defRPr sz="2700" b="0" i="0" u="none" strike="noStrike" cap="none">
                 <a:solidFill>
                   <a:schemeClr val="dk1"/>
                 </a:solidFill>
@@ -5615,7 +5842,7 @@
                 <a:sym typeface="Times New Roman"/>
               </a:defRPr>
             </a:lvl2pPr>
-            <a:lvl3pPr indent="0" lvl="2" marL="0" marR="0" rtl="0" algn="l">
+            <a:lvl3pPr marL="0" marR="0" lvl="2" indent="0" algn="l" rtl="0">
               <a:lnSpc>
                 <a:spcPct val="100000"/>
               </a:lnSpc>
@@ -5626,7 +5853,7 @@
                 <a:spcPts val="0"/>
               </a:spcAft>
               <a:buNone/>
-              <a:defRPr b="0" i="0" sz="2700" u="none" cap="none" strike="noStrike">
+              <a:defRPr sz="2700" b="0" i="0" u="none" strike="noStrike" cap="none">
                 <a:solidFill>
                   <a:schemeClr val="dk1"/>
                 </a:solidFill>
@@ -5636,7 +5863,7 @@
                 <a:sym typeface="Times New Roman"/>
               </a:defRPr>
             </a:lvl3pPr>
-            <a:lvl4pPr indent="0" lvl="3" marL="0" marR="0" rtl="0" algn="l">
+            <a:lvl4pPr marL="0" marR="0" lvl="3" indent="0" algn="l" rtl="0">
               <a:lnSpc>
                 <a:spcPct val="100000"/>
               </a:lnSpc>
@@ -5647,7 +5874,7 @@
                 <a:spcPts val="0"/>
               </a:spcAft>
               <a:buNone/>
-              <a:defRPr b="0" i="0" sz="2700" u="none" cap="none" strike="noStrike">
+              <a:defRPr sz="2700" b="0" i="0" u="none" strike="noStrike" cap="none">
                 <a:solidFill>
                   <a:schemeClr val="dk1"/>
                 </a:solidFill>
@@ -5657,7 +5884,7 @@
                 <a:sym typeface="Times New Roman"/>
               </a:defRPr>
             </a:lvl4pPr>
-            <a:lvl5pPr indent="0" lvl="4" marL="0" marR="0" rtl="0" algn="l">
+            <a:lvl5pPr marL="0" marR="0" lvl="4" indent="0" algn="l" rtl="0">
               <a:lnSpc>
                 <a:spcPct val="100000"/>
               </a:lnSpc>
@@ -5668,7 +5895,7 @@
                 <a:spcPts val="0"/>
               </a:spcAft>
               <a:buNone/>
-              <a:defRPr b="0" i="0" sz="2700" u="none" cap="none" strike="noStrike">
+              <a:defRPr sz="2700" b="0" i="0" u="none" strike="noStrike" cap="none">
                 <a:solidFill>
                   <a:schemeClr val="dk1"/>
                 </a:solidFill>
@@ -5678,7 +5905,7 @@
                 <a:sym typeface="Times New Roman"/>
               </a:defRPr>
             </a:lvl5pPr>
-            <a:lvl6pPr indent="0" lvl="5" marL="457200" marR="0" rtl="0" algn="l">
+            <a:lvl6pPr marL="457200" marR="0" lvl="5" indent="0" algn="l" rtl="0">
               <a:lnSpc>
                 <a:spcPct val="100000"/>
               </a:lnSpc>
@@ -5689,7 +5916,7 @@
                 <a:spcPts val="0"/>
               </a:spcAft>
               <a:buNone/>
-              <a:defRPr b="0" i="0" sz="2700" u="none" cap="none" strike="noStrike">
+              <a:defRPr sz="2700" b="0" i="0" u="none" strike="noStrike" cap="none">
                 <a:solidFill>
                   <a:schemeClr val="dk1"/>
                 </a:solidFill>
@@ -5699,7 +5926,7 @@
                 <a:sym typeface="Times New Roman"/>
               </a:defRPr>
             </a:lvl6pPr>
-            <a:lvl7pPr indent="0" lvl="6" marL="914400" marR="0" rtl="0" algn="l">
+            <a:lvl7pPr marL="914400" marR="0" lvl="6" indent="0" algn="l" rtl="0">
               <a:lnSpc>
                 <a:spcPct val="100000"/>
               </a:lnSpc>
@@ -5710,7 +5937,7 @@
                 <a:spcPts val="0"/>
               </a:spcAft>
               <a:buNone/>
-              <a:defRPr b="0" i="0" sz="2700" u="none" cap="none" strike="noStrike">
+              <a:defRPr sz="2700" b="0" i="0" u="none" strike="noStrike" cap="none">
                 <a:solidFill>
                   <a:schemeClr val="dk1"/>
                 </a:solidFill>
@@ -5720,7 +5947,7 @@
                 <a:sym typeface="Times New Roman"/>
               </a:defRPr>
             </a:lvl7pPr>
-            <a:lvl8pPr indent="0" lvl="7" marL="1371600" marR="0" rtl="0" algn="l">
+            <a:lvl8pPr marL="1371600" marR="0" lvl="7" indent="0" algn="l" rtl="0">
               <a:lnSpc>
                 <a:spcPct val="100000"/>
               </a:lnSpc>
@@ -5731,7 +5958,7 @@
                 <a:spcPts val="0"/>
               </a:spcAft>
               <a:buNone/>
-              <a:defRPr b="0" i="0" sz="2700" u="none" cap="none" strike="noStrike">
+              <a:defRPr sz="2700" b="0" i="0" u="none" strike="noStrike" cap="none">
                 <a:solidFill>
                   <a:schemeClr val="dk1"/>
                 </a:solidFill>
@@ -5741,7 +5968,7 @@
                 <a:sym typeface="Times New Roman"/>
               </a:defRPr>
             </a:lvl8pPr>
-            <a:lvl9pPr indent="0" lvl="8" marL="1828800" marR="0" rtl="0" algn="l">
+            <a:lvl9pPr marL="1828800" marR="0" lvl="8" indent="0" algn="l" rtl="0">
               <a:lnSpc>
                 <a:spcPct val="100000"/>
               </a:lnSpc>
@@ -5752,7 +5979,7 @@
                 <a:spcPts val="0"/>
               </a:spcAft>
               <a:buNone/>
-              <a:defRPr b="0" i="0" sz="2700" u="none" cap="none" strike="noStrike">
+              <a:defRPr sz="2700" b="0" i="0" u="none" strike="noStrike" cap="none">
                 <a:solidFill>
                   <a:schemeClr val="dk1"/>
                 </a:solidFill>
@@ -5763,15 +5990,19 @@
               </a:defRPr>
             </a:lvl9pPr>
           </a:lstStyle>
-          <a:p/>
+          <a:p>
+            <a:endParaRPr/>
+          </a:p>
         </p:txBody>
       </p:sp>
       <p:sp>
         <p:nvSpPr>
           <p:cNvPr id="38" name="Shape 38"/>
-          <p:cNvSpPr txBox="1"/>
+          <p:cNvSpPr txBox="1">
+            <a:spLocks noGrp="1"/>
+          </p:cNvSpPr>
           <p:nvPr>
-            <p:ph idx="1" type="body"/>
+            <p:ph type="body" idx="1"/>
           </p:nvPr>
         </p:nvSpPr>
         <p:spPr>
@@ -5788,9 +6019,9 @@
           </a:ln>
         </p:spPr>
         <p:txBody>
-          <a:bodyPr anchorCtr="0" anchor="t" bIns="91425" lIns="91425" rIns="91425" tIns="91425"/>
+          <a:bodyPr lIns="91425" tIns="91425" rIns="91425" bIns="91425" anchor="t" anchorCtr="0"/>
           <a:lstStyle>
-            <a:lvl1pPr indent="-342900" lvl="0" marL="342900" marR="0" rtl="0" algn="l">
+            <a:lvl1pPr marL="342900" marR="0" lvl="0" indent="-342900" algn="l" rtl="0">
               <a:spcBef>
                 <a:spcPts val="640"/>
               </a:spcBef>
@@ -5798,7 +6029,7 @@
                 <a:spcPts val="0"/>
               </a:spcAft>
               <a:buNone/>
-              <a:defRPr b="0" i="0" sz="3200" u="none" cap="none" strike="noStrike">
+              <a:defRPr sz="3200" b="0" i="0" u="none" strike="noStrike" cap="none">
                 <a:solidFill>
                   <a:schemeClr val="dk1"/>
                 </a:solidFill>
@@ -5808,7 +6039,7 @@
                 <a:sym typeface="Times New Roman"/>
               </a:defRPr>
             </a:lvl1pPr>
-            <a:lvl2pPr indent="-107950" lvl="1" marL="742950" marR="0" rtl="0" algn="l">
+            <a:lvl2pPr marL="742950" marR="0" lvl="1" indent="-107950" algn="l" rtl="0">
               <a:spcBef>
                 <a:spcPts val="560"/>
               </a:spcBef>
@@ -5821,7 +6052,7 @@
               <a:buSzPct val="100000"/>
               <a:buFont typeface="Arial"/>
               <a:buChar char="–"/>
-              <a:defRPr b="0" i="0" sz="2800" u="none" cap="none" strike="noStrike">
+              <a:defRPr sz="2800" b="0" i="0" u="none" strike="noStrike" cap="none">
                 <a:solidFill>
                   <a:schemeClr val="dk1"/>
                 </a:solidFill>
@@ -5831,7 +6062,7 @@
                 <a:sym typeface="Times New Roman"/>
               </a:defRPr>
             </a:lvl2pPr>
-            <a:lvl3pPr indent="-76200" lvl="2" marL="1143000" marR="0" rtl="0" algn="l">
+            <a:lvl3pPr marL="1143000" marR="0" lvl="2" indent="-76200" algn="l" rtl="0">
               <a:spcBef>
                 <a:spcPts val="480"/>
               </a:spcBef>
@@ -5844,7 +6075,7 @@
               <a:buSzPct val="100000"/>
               <a:buFont typeface="Arial"/>
               <a:buChar char="•"/>
-              <a:defRPr b="0" i="0" sz="2400" u="none" cap="none" strike="noStrike">
+              <a:defRPr sz="2400" b="0" i="0" u="none" strike="noStrike" cap="none">
                 <a:solidFill>
                   <a:schemeClr val="dk1"/>
                 </a:solidFill>
@@ -5854,7 +6085,7 @@
                 <a:sym typeface="Times New Roman"/>
               </a:defRPr>
             </a:lvl3pPr>
-            <a:lvl4pPr indent="-101600" lvl="3" marL="1600200" marR="0" rtl="0" algn="l">
+            <a:lvl4pPr marL="1600200" marR="0" lvl="3" indent="-101600" algn="l" rtl="0">
               <a:spcBef>
                 <a:spcPts val="400"/>
               </a:spcBef>
@@ -5867,7 +6098,7 @@
               <a:buSzPct val="100000"/>
               <a:buFont typeface="Arial"/>
               <a:buChar char="–"/>
-              <a:defRPr b="0" i="0" sz="2000" u="none" cap="none" strike="noStrike">
+              <a:defRPr sz="2000" b="0" i="0" u="none" strike="noStrike" cap="none">
                 <a:solidFill>
                   <a:schemeClr val="dk1"/>
                 </a:solidFill>
@@ -5877,7 +6108,7 @@
                 <a:sym typeface="Times New Roman"/>
               </a:defRPr>
             </a:lvl4pPr>
-            <a:lvl5pPr indent="-101600" lvl="4" marL="2057400" marR="0" rtl="0" algn="l">
+            <a:lvl5pPr marL="2057400" marR="0" lvl="4" indent="-101600" algn="l" rtl="0">
               <a:spcBef>
                 <a:spcPts val="400"/>
               </a:spcBef>
@@ -5890,7 +6121,7 @@
               <a:buSzPct val="100000"/>
               <a:buFont typeface="Arial"/>
               <a:buChar char="»"/>
-              <a:defRPr b="0" i="0" sz="2000" u="none" cap="none" strike="noStrike">
+              <a:defRPr sz="2000" b="0" i="0" u="none" strike="noStrike" cap="none">
                 <a:solidFill>
                   <a:schemeClr val="dk1"/>
                 </a:solidFill>
@@ -5900,7 +6131,7 @@
                 <a:sym typeface="Times New Roman"/>
               </a:defRPr>
             </a:lvl5pPr>
-            <a:lvl6pPr indent="-101600" lvl="5" marL="2514600" marR="0" rtl="0" algn="l">
+            <a:lvl6pPr marL="2514600" marR="0" lvl="5" indent="-101600" algn="l" rtl="0">
               <a:lnSpc>
                 <a:spcPct val="90000"/>
               </a:lnSpc>
@@ -5913,7 +6144,7 @@
               <a:buSzPct val="100000"/>
               <a:buFont typeface="Arial"/>
               <a:buChar char="•"/>
-              <a:defRPr b="0" i="0" sz="2000" u="none" cap="none" strike="noStrike">
+              <a:defRPr sz="2000" b="0" i="0" u="none" strike="noStrike" cap="none">
                 <a:solidFill>
                   <a:schemeClr val="dk1"/>
                 </a:solidFill>
@@ -5923,7 +6154,7 @@
                 <a:sym typeface="Times New Roman"/>
               </a:defRPr>
             </a:lvl6pPr>
-            <a:lvl7pPr indent="-101600" lvl="6" marL="2971800" marR="0" rtl="0" algn="l">
+            <a:lvl7pPr marL="2971800" marR="0" lvl="6" indent="-101600" algn="l" rtl="0">
               <a:lnSpc>
                 <a:spcPct val="90000"/>
               </a:lnSpc>
@@ -5936,7 +6167,7 @@
               <a:buSzPct val="100000"/>
               <a:buFont typeface="Arial"/>
               <a:buChar char="•"/>
-              <a:defRPr b="0" i="0" sz="2000" u="none" cap="none" strike="noStrike">
+              <a:defRPr sz="2000" b="0" i="0" u="none" strike="noStrike" cap="none">
                 <a:solidFill>
                   <a:schemeClr val="dk1"/>
                 </a:solidFill>
@@ -5946,7 +6177,7 @@
                 <a:sym typeface="Times New Roman"/>
               </a:defRPr>
             </a:lvl7pPr>
-            <a:lvl8pPr indent="-101600" lvl="7" marL="3429000" marR="0" rtl="0" algn="l">
+            <a:lvl8pPr marL="3429000" marR="0" lvl="7" indent="-101600" algn="l" rtl="0">
               <a:lnSpc>
                 <a:spcPct val="90000"/>
               </a:lnSpc>
@@ -5959,7 +6190,7 @@
               <a:buSzPct val="100000"/>
               <a:buFont typeface="Arial"/>
               <a:buChar char="•"/>
-              <a:defRPr b="0" i="0" sz="2000" u="none" cap="none" strike="noStrike">
+              <a:defRPr sz="2000" b="0" i="0" u="none" strike="noStrike" cap="none">
                 <a:solidFill>
                   <a:schemeClr val="dk1"/>
                 </a:solidFill>
@@ -5969,7 +6200,7 @@
                 <a:sym typeface="Times New Roman"/>
               </a:defRPr>
             </a:lvl8pPr>
-            <a:lvl9pPr indent="-101600" lvl="8" marL="3886200" marR="0" rtl="0" algn="l">
+            <a:lvl9pPr marL="3886200" marR="0" lvl="8" indent="-101600" algn="l" rtl="0">
               <a:lnSpc>
                 <a:spcPct val="90000"/>
               </a:lnSpc>
@@ -5982,7 +6213,7 @@
               <a:buSzPct val="100000"/>
               <a:buFont typeface="Arial"/>
               <a:buChar char="•"/>
-              <a:defRPr b="0" i="0" sz="2000" u="none" cap="none" strike="noStrike">
+              <a:defRPr sz="2000" b="0" i="0" u="none" strike="noStrike" cap="none">
                 <a:solidFill>
                   <a:schemeClr val="dk1"/>
                 </a:solidFill>
@@ -5993,15 +6224,19 @@
               </a:defRPr>
             </a:lvl9pPr>
           </a:lstStyle>
-          <a:p/>
+          <a:p>
+            <a:endParaRPr/>
+          </a:p>
         </p:txBody>
       </p:sp>
       <p:sp>
         <p:nvSpPr>
           <p:cNvPr id="39" name="Shape 39"/>
-          <p:cNvSpPr txBox="1"/>
+          <p:cNvSpPr txBox="1">
+            <a:spLocks noGrp="1"/>
+          </p:cNvSpPr>
           <p:nvPr>
-            <p:ph idx="2" type="body"/>
+            <p:ph type="body" idx="2"/>
           </p:nvPr>
         </p:nvSpPr>
         <p:spPr>
@@ -6018,9 +6253,9 @@
           </a:ln>
         </p:spPr>
         <p:txBody>
-          <a:bodyPr anchorCtr="0" anchor="t" bIns="91425" lIns="91425" rIns="91425" tIns="91425"/>
+          <a:bodyPr lIns="91425" tIns="91425" rIns="91425" bIns="91425" anchor="t" anchorCtr="0"/>
           <a:lstStyle>
-            <a:lvl1pPr indent="0" lvl="0" marL="0" marR="0" rtl="0" algn="l">
+            <a:lvl1pPr marL="0" marR="0" lvl="0" indent="0" algn="l" rtl="0">
               <a:spcBef>
                 <a:spcPts val="320"/>
               </a:spcBef>
@@ -6032,7 +6267,7 @@
               </a:buClr>
               <a:buFont typeface="Arial"/>
               <a:buNone/>
-              <a:defRPr b="0" i="0" sz="1600" u="none" cap="none" strike="noStrike">
+              <a:defRPr sz="1600" b="0" i="0" u="none" strike="noStrike" cap="none">
                 <a:solidFill>
                   <a:schemeClr val="dk1"/>
                 </a:solidFill>
@@ -6042,7 +6277,7 @@
                 <a:sym typeface="Times New Roman"/>
               </a:defRPr>
             </a:lvl1pPr>
-            <a:lvl2pPr indent="0" lvl="1" marL="457200" marR="0" rtl="0" algn="l">
+            <a:lvl2pPr marL="457200" marR="0" lvl="1" indent="0" algn="l" rtl="0">
               <a:spcBef>
                 <a:spcPts val="280"/>
               </a:spcBef>
@@ -6054,7 +6289,7 @@
               </a:buClr>
               <a:buFont typeface="Arial"/>
               <a:buNone/>
-              <a:defRPr b="0" i="0" sz="1400" u="none" cap="none" strike="noStrike">
+              <a:defRPr sz="1400" b="0" i="0" u="none" strike="noStrike" cap="none">
                 <a:solidFill>
                   <a:schemeClr val="dk1"/>
                 </a:solidFill>
@@ -6064,7 +6299,7 @@
                 <a:sym typeface="Times New Roman"/>
               </a:defRPr>
             </a:lvl2pPr>
-            <a:lvl3pPr indent="0" lvl="2" marL="914400" marR="0" rtl="0" algn="l">
+            <a:lvl3pPr marL="914400" marR="0" lvl="2" indent="0" algn="l" rtl="0">
               <a:spcBef>
                 <a:spcPts val="240"/>
               </a:spcBef>
@@ -6076,7 +6311,7 @@
               </a:buClr>
               <a:buFont typeface="Arial"/>
               <a:buNone/>
-              <a:defRPr b="0" i="0" sz="1200" u="none" cap="none" strike="noStrike">
+              <a:defRPr sz="1200" b="0" i="0" u="none" strike="noStrike" cap="none">
                 <a:solidFill>
                   <a:schemeClr val="dk1"/>
                 </a:solidFill>
@@ -6086,7 +6321,7 @@
                 <a:sym typeface="Times New Roman"/>
               </a:defRPr>
             </a:lvl3pPr>
-            <a:lvl4pPr indent="0" lvl="3" marL="1371600" marR="0" rtl="0" algn="l">
+            <a:lvl4pPr marL="1371600" marR="0" lvl="3" indent="0" algn="l" rtl="0">
               <a:spcBef>
                 <a:spcPts val="200"/>
               </a:spcBef>
@@ -6098,7 +6333,7 @@
               </a:buClr>
               <a:buFont typeface="Arial"/>
               <a:buNone/>
-              <a:defRPr b="0" i="0" sz="1000" u="none" cap="none" strike="noStrike">
+              <a:defRPr sz="1000" b="0" i="0" u="none" strike="noStrike" cap="none">
                 <a:solidFill>
                   <a:schemeClr val="dk1"/>
                 </a:solidFill>
@@ -6108,7 +6343,7 @@
                 <a:sym typeface="Times New Roman"/>
               </a:defRPr>
             </a:lvl4pPr>
-            <a:lvl5pPr indent="0" lvl="4" marL="1828800" marR="0" rtl="0" algn="l">
+            <a:lvl5pPr marL="1828800" marR="0" lvl="4" indent="0" algn="l" rtl="0">
               <a:spcBef>
                 <a:spcPts val="200"/>
               </a:spcBef>
@@ -6120,7 +6355,7 @@
               </a:buClr>
               <a:buFont typeface="Arial"/>
               <a:buNone/>
-              <a:defRPr b="0" i="0" sz="1000" u="none" cap="none" strike="noStrike">
+              <a:defRPr sz="1000" b="0" i="0" u="none" strike="noStrike" cap="none">
                 <a:solidFill>
                   <a:schemeClr val="dk1"/>
                 </a:solidFill>
@@ -6130,7 +6365,7 @@
                 <a:sym typeface="Times New Roman"/>
               </a:defRPr>
             </a:lvl5pPr>
-            <a:lvl6pPr indent="0" lvl="5" marL="2286000" marR="0" rtl="0" algn="l">
+            <a:lvl6pPr marL="2286000" marR="0" lvl="5" indent="0" algn="l" rtl="0">
               <a:lnSpc>
                 <a:spcPct val="90000"/>
               </a:lnSpc>
@@ -6142,7 +6377,7 @@
               </a:buClr>
               <a:buFont typeface="Arial"/>
               <a:buNone/>
-              <a:defRPr b="0" i="0" sz="1000" u="none" cap="none" strike="noStrike">
+              <a:defRPr sz="1000" b="0" i="0" u="none" strike="noStrike" cap="none">
                 <a:solidFill>
                   <a:schemeClr val="dk1"/>
                 </a:solidFill>
@@ -6152,7 +6387,7 @@
                 <a:sym typeface="Times New Roman"/>
               </a:defRPr>
             </a:lvl6pPr>
-            <a:lvl7pPr indent="0" lvl="6" marL="2743200" marR="0" rtl="0" algn="l">
+            <a:lvl7pPr marL="2743200" marR="0" lvl="6" indent="0" algn="l" rtl="0">
               <a:lnSpc>
                 <a:spcPct val="90000"/>
               </a:lnSpc>
@@ -6164,7 +6399,7 @@
               </a:buClr>
               <a:buFont typeface="Arial"/>
               <a:buNone/>
-              <a:defRPr b="0" i="0" sz="1000" u="none" cap="none" strike="noStrike">
+              <a:defRPr sz="1000" b="0" i="0" u="none" strike="noStrike" cap="none">
                 <a:solidFill>
                   <a:schemeClr val="dk1"/>
                 </a:solidFill>
@@ -6174,7 +6409,7 @@
                 <a:sym typeface="Times New Roman"/>
               </a:defRPr>
             </a:lvl7pPr>
-            <a:lvl8pPr indent="0" lvl="7" marL="3200400" marR="0" rtl="0" algn="l">
+            <a:lvl8pPr marL="3200400" marR="0" lvl="7" indent="0" algn="l" rtl="0">
               <a:lnSpc>
                 <a:spcPct val="90000"/>
               </a:lnSpc>
@@ -6186,7 +6421,7 @@
               </a:buClr>
               <a:buFont typeface="Arial"/>
               <a:buNone/>
-              <a:defRPr b="0" i="0" sz="1000" u="none" cap="none" strike="noStrike">
+              <a:defRPr sz="1000" b="0" i="0" u="none" strike="noStrike" cap="none">
                 <a:solidFill>
                   <a:schemeClr val="dk1"/>
                 </a:solidFill>
@@ -6196,7 +6431,7 @@
                 <a:sym typeface="Times New Roman"/>
               </a:defRPr>
             </a:lvl8pPr>
-            <a:lvl9pPr indent="0" lvl="8" marL="3657600" marR="0" rtl="0" algn="l">
+            <a:lvl9pPr marL="3657600" marR="0" lvl="8" indent="0" algn="l" rtl="0">
               <a:lnSpc>
                 <a:spcPct val="90000"/>
               </a:lnSpc>
@@ -6208,7 +6443,7 @@
               </a:buClr>
               <a:buFont typeface="Arial"/>
               <a:buNone/>
-              <a:defRPr b="0" i="0" sz="1000" u="none" cap="none" strike="noStrike">
+              <a:defRPr sz="1000" b="0" i="0" u="none" strike="noStrike" cap="none">
                 <a:solidFill>
                   <a:schemeClr val="dk1"/>
                 </a:solidFill>
@@ -6219,7 +6454,9 @@
               </a:defRPr>
             </a:lvl9pPr>
           </a:lstStyle>
-          <a:p/>
+          <a:p>
+            <a:endParaRPr/>
+          </a:p>
         </p:txBody>
       </p:sp>
     </p:spTree>
@@ -6231,11 +6468,11 @@
 </file>
 
 <file path=ppt/slideLayouts/slideLayout9.xml><?xml version="1.0" encoding="utf-8"?>
-<p:sldLayout xmlns:a="http://schemas.openxmlformats.org/drawingml/2006/main" xmlns:r="http://schemas.openxmlformats.org/officeDocument/2006/relationships" xmlns:mc="http://schemas.openxmlformats.org/markup-compatibility/2006" xmlns:mv="urn:schemas-microsoft-com:mac:vml" xmlns:p="http://schemas.openxmlformats.org/presentationml/2006/main" xmlns:c="http://schemas.openxmlformats.org/drawingml/2006/chart" xmlns:dgm="http://schemas.openxmlformats.org/drawingml/2006/diagram" xmlns:o="urn:schemas-microsoft-com:office:office" xmlns:v="urn:schemas-microsoft-com:vml" xmlns:pvml="urn:schemas-microsoft-com:office:powerpoint" xmlns:com="http://schemas.openxmlformats.org/drawingml/2006/compatibility" xmlns:p14="http://schemas.microsoft.com/office/powerpoint/2010/main" type="picTx">
+<p:sldLayout xmlns:a="http://schemas.openxmlformats.org/drawingml/2006/main" xmlns:r="http://schemas.openxmlformats.org/officeDocument/2006/relationships" xmlns:p="http://schemas.openxmlformats.org/presentationml/2006/main" type="picTx">
   <p:cSld name="Bild med bildtext">
     <p:spTree>
       <p:nvGrpSpPr>
-        <p:cNvPr id="40" name="Shape 40"/>
+        <p:cNvPr id="1" name="Shape 40"/>
         <p:cNvGrpSpPr/>
         <p:nvPr/>
       </p:nvGrpSpPr>
@@ -6250,7 +6487,9 @@
       <p:sp>
         <p:nvSpPr>
           <p:cNvPr id="41" name="Shape 41"/>
-          <p:cNvSpPr txBox="1"/>
+          <p:cNvSpPr txBox="1">
+            <a:spLocks noGrp="1"/>
+          </p:cNvSpPr>
           <p:nvPr>
             <p:ph type="title"/>
           </p:nvPr>
@@ -6269,9 +6508,9 @@
           </a:ln>
         </p:spPr>
         <p:txBody>
-          <a:bodyPr anchorCtr="0" anchor="b" bIns="91425" lIns="91425" rIns="91425" tIns="91425"/>
+          <a:bodyPr lIns="91425" tIns="91425" rIns="91425" bIns="91425" anchor="b" anchorCtr="0"/>
           <a:lstStyle>
-            <a:lvl1pPr indent="0" lvl="0" marL="0" marR="0" rtl="0" algn="l">
+            <a:lvl1pPr marL="0" marR="0" lvl="0" indent="0" algn="l" rtl="0">
               <a:lnSpc>
                 <a:spcPct val="84375"/>
               </a:lnSpc>
@@ -6282,7 +6521,7 @@
                 <a:spcPts val="0"/>
               </a:spcAft>
               <a:buNone/>
-              <a:defRPr b="0" i="0" sz="3200" u="none" cap="none" strike="noStrike">
+              <a:defRPr sz="3200" b="0" i="0" u="none" strike="noStrike" cap="none">
                 <a:solidFill>
                   <a:schemeClr val="dk1"/>
                 </a:solidFill>
@@ -6292,7 +6531,7 @@
                 <a:sym typeface="Times New Roman"/>
               </a:defRPr>
             </a:lvl1pPr>
-            <a:lvl2pPr indent="0" lvl="1" marL="0" marR="0" rtl="0" algn="l">
+            <a:lvl2pPr marL="0" marR="0" lvl="1" indent="0" algn="l" rtl="0">
               <a:lnSpc>
                 <a:spcPct val="100000"/>
               </a:lnSpc>
@@ -6303,7 +6542,7 @@
                 <a:spcPts val="0"/>
               </a:spcAft>
               <a:buNone/>
-              <a:defRPr b="0" i="0" sz="2700" u="none" cap="none" strike="noStrike">
+              <a:defRPr sz="2700" b="0" i="0" u="none" strike="noStrike" cap="none">
                 <a:solidFill>
                   <a:schemeClr val="dk1"/>
                 </a:solidFill>
@@ -6313,7 +6552,7 @@
                 <a:sym typeface="Times New Roman"/>
               </a:defRPr>
             </a:lvl2pPr>
-            <a:lvl3pPr indent="0" lvl="2" marL="0" marR="0" rtl="0" algn="l">
+            <a:lvl3pPr marL="0" marR="0" lvl="2" indent="0" algn="l" rtl="0">
               <a:lnSpc>
                 <a:spcPct val="100000"/>
               </a:lnSpc>
@@ -6324,7 +6563,7 @@
                 <a:spcPts val="0"/>
               </a:spcAft>
               <a:buNone/>
-              <a:defRPr b="0" i="0" sz="2700" u="none" cap="none" strike="noStrike">
+              <a:defRPr sz="2700" b="0" i="0" u="none" strike="noStrike" cap="none">
                 <a:solidFill>
                   <a:schemeClr val="dk1"/>
                 </a:solidFill>
@@ -6334,7 +6573,7 @@
                 <a:sym typeface="Times New Roman"/>
               </a:defRPr>
             </a:lvl3pPr>
-            <a:lvl4pPr indent="0" lvl="3" marL="0" marR="0" rtl="0" algn="l">
+            <a:lvl4pPr marL="0" marR="0" lvl="3" indent="0" algn="l" rtl="0">
               <a:lnSpc>
                 <a:spcPct val="100000"/>
               </a:lnSpc>
@@ -6345,7 +6584,7 @@
                 <a:spcPts val="0"/>
               </a:spcAft>
               <a:buNone/>
-              <a:defRPr b="0" i="0" sz="2700" u="none" cap="none" strike="noStrike">
+              <a:defRPr sz="2700" b="0" i="0" u="none" strike="noStrike" cap="none">
                 <a:solidFill>
                   <a:schemeClr val="dk1"/>
                 </a:solidFill>
@@ -6355,7 +6594,7 @@
                 <a:sym typeface="Times New Roman"/>
               </a:defRPr>
             </a:lvl4pPr>
-            <a:lvl5pPr indent="0" lvl="4" marL="0" marR="0" rtl="0" algn="l">
+            <a:lvl5pPr marL="0" marR="0" lvl="4" indent="0" algn="l" rtl="0">
               <a:lnSpc>
                 <a:spcPct val="100000"/>
               </a:lnSpc>
@@ -6366,7 +6605,7 @@
                 <a:spcPts val="0"/>
               </a:spcAft>
               <a:buNone/>
-              <a:defRPr b="0" i="0" sz="2700" u="none" cap="none" strike="noStrike">
+              <a:defRPr sz="2700" b="0" i="0" u="none" strike="noStrike" cap="none">
                 <a:solidFill>
                   <a:schemeClr val="dk1"/>
                 </a:solidFill>
@@ -6376,7 +6615,7 @@
                 <a:sym typeface="Times New Roman"/>
               </a:defRPr>
             </a:lvl5pPr>
-            <a:lvl6pPr indent="0" lvl="5" marL="457200" marR="0" rtl="0" algn="l">
+            <a:lvl6pPr marL="457200" marR="0" lvl="5" indent="0" algn="l" rtl="0">
               <a:lnSpc>
                 <a:spcPct val="100000"/>
               </a:lnSpc>
@@ -6387,7 +6626,7 @@
                 <a:spcPts val="0"/>
               </a:spcAft>
               <a:buNone/>
-              <a:defRPr b="0" i="0" sz="2700" u="none" cap="none" strike="noStrike">
+              <a:defRPr sz="2700" b="0" i="0" u="none" strike="noStrike" cap="none">
                 <a:solidFill>
                   <a:schemeClr val="dk1"/>
                 </a:solidFill>
@@ -6397,7 +6636,7 @@
                 <a:sym typeface="Times New Roman"/>
               </a:defRPr>
             </a:lvl6pPr>
-            <a:lvl7pPr indent="0" lvl="6" marL="914400" marR="0" rtl="0" algn="l">
+            <a:lvl7pPr marL="914400" marR="0" lvl="6" indent="0" algn="l" rtl="0">
               <a:lnSpc>
                 <a:spcPct val="100000"/>
               </a:lnSpc>
@@ -6408,7 +6647,7 @@
                 <a:spcPts val="0"/>
               </a:spcAft>
               <a:buNone/>
-              <a:defRPr b="0" i="0" sz="2700" u="none" cap="none" strike="noStrike">
+              <a:defRPr sz="2700" b="0" i="0" u="none" strike="noStrike" cap="none">
                 <a:solidFill>
                   <a:schemeClr val="dk1"/>
                 </a:solidFill>
@@ -6418,7 +6657,7 @@
                 <a:sym typeface="Times New Roman"/>
               </a:defRPr>
             </a:lvl7pPr>
-            <a:lvl8pPr indent="0" lvl="7" marL="1371600" marR="0" rtl="0" algn="l">
+            <a:lvl8pPr marL="1371600" marR="0" lvl="7" indent="0" algn="l" rtl="0">
               <a:lnSpc>
                 <a:spcPct val="100000"/>
               </a:lnSpc>
@@ -6429,7 +6668,7 @@
                 <a:spcPts val="0"/>
               </a:spcAft>
               <a:buNone/>
-              <a:defRPr b="0" i="0" sz="2700" u="none" cap="none" strike="noStrike">
+              <a:defRPr sz="2700" b="0" i="0" u="none" strike="noStrike" cap="none">
                 <a:solidFill>
                   <a:schemeClr val="dk1"/>
                 </a:solidFill>
@@ -6439,7 +6678,7 @@
                 <a:sym typeface="Times New Roman"/>
               </a:defRPr>
             </a:lvl8pPr>
-            <a:lvl9pPr indent="0" lvl="8" marL="1828800" marR="0" rtl="0" algn="l">
+            <a:lvl9pPr marL="1828800" marR="0" lvl="8" indent="0" algn="l" rtl="0">
               <a:lnSpc>
                 <a:spcPct val="100000"/>
               </a:lnSpc>
@@ -6450,7 +6689,7 @@
                 <a:spcPts val="0"/>
               </a:spcAft>
               <a:buNone/>
-              <a:defRPr b="0" i="0" sz="2700" u="none" cap="none" strike="noStrike">
+              <a:defRPr sz="2700" b="0" i="0" u="none" strike="noStrike" cap="none">
                 <a:solidFill>
                   <a:schemeClr val="dk1"/>
                 </a:solidFill>
@@ -6461,15 +6700,19 @@
               </a:defRPr>
             </a:lvl9pPr>
           </a:lstStyle>
-          <a:p/>
+          <a:p>
+            <a:endParaRPr/>
+          </a:p>
         </p:txBody>
       </p:sp>
       <p:sp>
         <p:nvSpPr>
           <p:cNvPr id="42" name="Shape 42"/>
-          <p:cNvSpPr/>
+          <p:cNvSpPr>
+            <a:spLocks noGrp="1"/>
+          </p:cNvSpPr>
           <p:nvPr>
-            <p:ph idx="2" type="pic"/>
+            <p:ph type="pic" idx="2"/>
           </p:nvPr>
         </p:nvSpPr>
         <p:spPr>
@@ -6486,9 +6729,9 @@
           </a:ln>
         </p:spPr>
         <p:txBody>
-          <a:bodyPr anchorCtr="0" anchor="t" bIns="91425" lIns="91425" rIns="91425" tIns="91425"/>
+          <a:bodyPr lIns="91425" tIns="91425" rIns="91425" bIns="91425" anchor="t" anchorCtr="0"/>
           <a:lstStyle>
-            <a:lvl1pPr indent="0" lvl="0" marL="0" marR="0" rtl="0" algn="l">
+            <a:lvl1pPr marL="0" marR="0" lvl="0" indent="0" algn="l" rtl="0">
               <a:spcBef>
                 <a:spcPts val="640"/>
               </a:spcBef>
@@ -6500,7 +6743,7 @@
               </a:buClr>
               <a:buFont typeface="Arial"/>
               <a:buNone/>
-              <a:defRPr b="0" i="0" sz="3200" u="none" cap="none" strike="noStrike">
+              <a:defRPr sz="3200" b="0" i="0" u="none" strike="noStrike" cap="none">
                 <a:solidFill>
                   <a:schemeClr val="dk1"/>
                 </a:solidFill>
@@ -6510,7 +6753,7 @@
                 <a:sym typeface="Times New Roman"/>
               </a:defRPr>
             </a:lvl1pPr>
-            <a:lvl2pPr indent="0" lvl="1" marL="457200" marR="0" rtl="0" algn="l">
+            <a:lvl2pPr marL="457200" marR="0" lvl="1" indent="0" algn="l" rtl="0">
               <a:spcBef>
                 <a:spcPts val="560"/>
               </a:spcBef>
@@ -6522,7 +6765,7 @@
               </a:buClr>
               <a:buFont typeface="Arial"/>
               <a:buNone/>
-              <a:defRPr b="0" i="0" sz="2800" u="none" cap="none" strike="noStrike">
+              <a:defRPr sz="2800" b="0" i="0" u="none" strike="noStrike" cap="none">
                 <a:solidFill>
                   <a:schemeClr val="dk1"/>
                 </a:solidFill>
@@ -6532,7 +6775,7 @@
                 <a:sym typeface="Times New Roman"/>
               </a:defRPr>
             </a:lvl2pPr>
-            <a:lvl3pPr indent="0" lvl="2" marL="914400" marR="0" rtl="0" algn="l">
+            <a:lvl3pPr marL="914400" marR="0" lvl="2" indent="0" algn="l" rtl="0">
               <a:spcBef>
                 <a:spcPts val="480"/>
               </a:spcBef>
@@ -6544,7 +6787,7 @@
               </a:buClr>
               <a:buFont typeface="Arial"/>
               <a:buNone/>
-              <a:defRPr b="0" i="0" sz="2400" u="none" cap="none" strike="noStrike">
+              <a:defRPr sz="2400" b="0" i="0" u="none" strike="noStrike" cap="none">
                 <a:solidFill>
                   <a:schemeClr val="dk1"/>
                 </a:solidFill>
@@ -6554,7 +6797,7 @@
                 <a:sym typeface="Times New Roman"/>
               </a:defRPr>
             </a:lvl3pPr>
-            <a:lvl4pPr indent="0" lvl="3" marL="1371600" marR="0" rtl="0" algn="l">
+            <a:lvl4pPr marL="1371600" marR="0" lvl="3" indent="0" algn="l" rtl="0">
               <a:spcBef>
                 <a:spcPts val="400"/>
               </a:spcBef>
@@ -6566,7 +6809,7 @@
               </a:buClr>
               <a:buFont typeface="Arial"/>
               <a:buNone/>
-              <a:defRPr b="0" i="0" sz="2000" u="none" cap="none" strike="noStrike">
+              <a:defRPr sz="2000" b="0" i="0" u="none" strike="noStrike" cap="none">
                 <a:solidFill>
                   <a:schemeClr val="dk1"/>
                 </a:solidFill>
@@ -6576,7 +6819,7 @@
                 <a:sym typeface="Times New Roman"/>
               </a:defRPr>
             </a:lvl4pPr>
-            <a:lvl5pPr indent="0" lvl="4" marL="1828800" marR="0" rtl="0" algn="l">
+            <a:lvl5pPr marL="1828800" marR="0" lvl="4" indent="0" algn="l" rtl="0">
               <a:spcBef>
                 <a:spcPts val="400"/>
               </a:spcBef>
@@ -6588,7 +6831,7 @@
               </a:buClr>
               <a:buFont typeface="Arial"/>
               <a:buNone/>
-              <a:defRPr b="0" i="0" sz="2000" u="none" cap="none" strike="noStrike">
+              <a:defRPr sz="2000" b="0" i="0" u="none" strike="noStrike" cap="none">
                 <a:solidFill>
                   <a:schemeClr val="dk1"/>
                 </a:solidFill>
@@ -6598,7 +6841,7 @@
                 <a:sym typeface="Times New Roman"/>
               </a:defRPr>
             </a:lvl5pPr>
-            <a:lvl6pPr indent="0" lvl="5" marL="2286000" marR="0" rtl="0" algn="l">
+            <a:lvl6pPr marL="2286000" marR="0" lvl="5" indent="0" algn="l" rtl="0">
               <a:lnSpc>
                 <a:spcPct val="90000"/>
               </a:lnSpc>
@@ -6610,7 +6853,7 @@
               </a:buClr>
               <a:buFont typeface="Arial"/>
               <a:buNone/>
-              <a:defRPr b="0" i="0" sz="2000" u="none" cap="none" strike="noStrike">
+              <a:defRPr sz="2000" b="0" i="0" u="none" strike="noStrike" cap="none">
                 <a:solidFill>
                   <a:schemeClr val="dk1"/>
                 </a:solidFill>
@@ -6620,7 +6863,7 @@
                 <a:sym typeface="Times New Roman"/>
               </a:defRPr>
             </a:lvl6pPr>
-            <a:lvl7pPr indent="0" lvl="6" marL="2743200" marR="0" rtl="0" algn="l">
+            <a:lvl7pPr marL="2743200" marR="0" lvl="6" indent="0" algn="l" rtl="0">
               <a:lnSpc>
                 <a:spcPct val="90000"/>
               </a:lnSpc>
@@ -6632,7 +6875,7 @@
               </a:buClr>
               <a:buFont typeface="Arial"/>
               <a:buNone/>
-              <a:defRPr b="0" i="0" sz="2000" u="none" cap="none" strike="noStrike">
+              <a:defRPr sz="2000" b="0" i="0" u="none" strike="noStrike" cap="none">
                 <a:solidFill>
                   <a:schemeClr val="dk1"/>
                 </a:solidFill>
@@ -6642,7 +6885,7 @@
                 <a:sym typeface="Times New Roman"/>
               </a:defRPr>
             </a:lvl7pPr>
-            <a:lvl8pPr indent="0" lvl="7" marL="3200400" marR="0" rtl="0" algn="l">
+            <a:lvl8pPr marL="3200400" marR="0" lvl="7" indent="0" algn="l" rtl="0">
               <a:lnSpc>
                 <a:spcPct val="90000"/>
               </a:lnSpc>
@@ -6654,7 +6897,7 @@
               </a:buClr>
               <a:buFont typeface="Arial"/>
               <a:buNone/>
-              <a:defRPr b="0" i="0" sz="2000" u="none" cap="none" strike="noStrike">
+              <a:defRPr sz="2000" b="0" i="0" u="none" strike="noStrike" cap="none">
                 <a:solidFill>
                   <a:schemeClr val="dk1"/>
                 </a:solidFill>
@@ -6664,7 +6907,7 @@
                 <a:sym typeface="Times New Roman"/>
               </a:defRPr>
             </a:lvl8pPr>
-            <a:lvl9pPr indent="0" lvl="8" marL="3657600" marR="0" rtl="0" algn="l">
+            <a:lvl9pPr marL="3657600" marR="0" lvl="8" indent="0" algn="l" rtl="0">
               <a:lnSpc>
                 <a:spcPct val="90000"/>
               </a:lnSpc>
@@ -6676,7 +6919,7 @@
               </a:buClr>
               <a:buFont typeface="Arial"/>
               <a:buNone/>
-              <a:defRPr b="0" i="0" sz="2000" u="none" cap="none" strike="noStrike">
+              <a:defRPr sz="2000" b="0" i="0" u="none" strike="noStrike" cap="none">
                 <a:solidFill>
                   <a:schemeClr val="dk1"/>
                 </a:solidFill>
@@ -6687,15 +6930,19 @@
               </a:defRPr>
             </a:lvl9pPr>
           </a:lstStyle>
-          <a:p/>
+          <a:p>
+            <a:endParaRPr/>
+          </a:p>
         </p:txBody>
       </p:sp>
       <p:sp>
         <p:nvSpPr>
           <p:cNvPr id="43" name="Shape 43"/>
-          <p:cNvSpPr txBox="1"/>
+          <p:cNvSpPr txBox="1">
+            <a:spLocks noGrp="1"/>
+          </p:cNvSpPr>
           <p:nvPr>
-            <p:ph idx="1" type="body"/>
+            <p:ph type="body" idx="1"/>
           </p:nvPr>
         </p:nvSpPr>
         <p:spPr>
@@ -6712,9 +6959,9 @@
           </a:ln>
         </p:spPr>
         <p:txBody>
-          <a:bodyPr anchorCtr="0" anchor="t" bIns="91425" lIns="91425" rIns="91425" tIns="91425"/>
+          <a:bodyPr lIns="91425" tIns="91425" rIns="91425" bIns="91425" anchor="t" anchorCtr="0"/>
           <a:lstStyle>
-            <a:lvl1pPr indent="0" lvl="0" marL="0" marR="0" rtl="0" algn="l">
+            <a:lvl1pPr marL="0" marR="0" lvl="0" indent="0" algn="l" rtl="0">
               <a:spcBef>
                 <a:spcPts val="320"/>
               </a:spcBef>
@@ -6726,7 +6973,7 @@
               </a:buClr>
               <a:buFont typeface="Arial"/>
               <a:buNone/>
-              <a:defRPr b="0" i="0" sz="1600" u="none" cap="none" strike="noStrike">
+              <a:defRPr sz="1600" b="0" i="0" u="none" strike="noStrike" cap="none">
                 <a:solidFill>
                   <a:schemeClr val="dk1"/>
                 </a:solidFill>
@@ -6736,7 +6983,7 @@
                 <a:sym typeface="Times New Roman"/>
               </a:defRPr>
             </a:lvl1pPr>
-            <a:lvl2pPr indent="0" lvl="1" marL="457200" marR="0" rtl="0" algn="l">
+            <a:lvl2pPr marL="457200" marR="0" lvl="1" indent="0" algn="l" rtl="0">
               <a:spcBef>
                 <a:spcPts val="280"/>
               </a:spcBef>
@@ -6748,7 +6995,7 @@
               </a:buClr>
               <a:buFont typeface="Arial"/>
               <a:buNone/>
-              <a:defRPr b="0" i="0" sz="1400" u="none" cap="none" strike="noStrike">
+              <a:defRPr sz="1400" b="0" i="0" u="none" strike="noStrike" cap="none">
                 <a:solidFill>
                   <a:schemeClr val="dk1"/>
                 </a:solidFill>
@@ -6758,7 +7005,7 @@
                 <a:sym typeface="Times New Roman"/>
               </a:defRPr>
             </a:lvl2pPr>
-            <a:lvl3pPr indent="0" lvl="2" marL="914400" marR="0" rtl="0" algn="l">
+            <a:lvl3pPr marL="914400" marR="0" lvl="2" indent="0" algn="l" rtl="0">
               <a:spcBef>
                 <a:spcPts val="240"/>
               </a:spcBef>
@@ -6770,7 +7017,7 @@
               </a:buClr>
               <a:buFont typeface="Arial"/>
               <a:buNone/>
-              <a:defRPr b="0" i="0" sz="1200" u="none" cap="none" strike="noStrike">
+              <a:defRPr sz="1200" b="0" i="0" u="none" strike="noStrike" cap="none">
                 <a:solidFill>
                   <a:schemeClr val="dk1"/>
                 </a:solidFill>
@@ -6780,7 +7027,7 @@
                 <a:sym typeface="Times New Roman"/>
               </a:defRPr>
             </a:lvl3pPr>
-            <a:lvl4pPr indent="0" lvl="3" marL="1371600" marR="0" rtl="0" algn="l">
+            <a:lvl4pPr marL="1371600" marR="0" lvl="3" indent="0" algn="l" rtl="0">
               <a:spcBef>
                 <a:spcPts val="200"/>
               </a:spcBef>
@@ -6792,7 +7039,7 @@
               </a:buClr>
               <a:buFont typeface="Arial"/>
               <a:buNone/>
-              <a:defRPr b="0" i="0" sz="1000" u="none" cap="none" strike="noStrike">
+              <a:defRPr sz="1000" b="0" i="0" u="none" strike="noStrike" cap="none">
                 <a:solidFill>
                   <a:schemeClr val="dk1"/>
                 </a:solidFill>
@@ -6802,7 +7049,7 @@
                 <a:sym typeface="Times New Roman"/>
               </a:defRPr>
             </a:lvl4pPr>
-            <a:lvl5pPr indent="0" lvl="4" marL="1828800" marR="0" rtl="0" algn="l">
+            <a:lvl5pPr marL="1828800" marR="0" lvl="4" indent="0" algn="l" rtl="0">
               <a:spcBef>
                 <a:spcPts val="200"/>
               </a:spcBef>
@@ -6814,7 +7061,7 @@
               </a:buClr>
               <a:buFont typeface="Arial"/>
               <a:buNone/>
-              <a:defRPr b="0" i="0" sz="1000" u="none" cap="none" strike="noStrike">
+              <a:defRPr sz="1000" b="0" i="0" u="none" strike="noStrike" cap="none">
                 <a:solidFill>
                   <a:schemeClr val="dk1"/>
                 </a:solidFill>
@@ -6824,7 +7071,7 @@
                 <a:sym typeface="Times New Roman"/>
               </a:defRPr>
             </a:lvl5pPr>
-            <a:lvl6pPr indent="0" lvl="5" marL="2286000" marR="0" rtl="0" algn="l">
+            <a:lvl6pPr marL="2286000" marR="0" lvl="5" indent="0" algn="l" rtl="0">
               <a:lnSpc>
                 <a:spcPct val="90000"/>
               </a:lnSpc>
@@ -6836,7 +7083,7 @@
               </a:buClr>
               <a:buFont typeface="Arial"/>
               <a:buNone/>
-              <a:defRPr b="0" i="0" sz="1000" u="none" cap="none" strike="noStrike">
+              <a:defRPr sz="1000" b="0" i="0" u="none" strike="noStrike" cap="none">
                 <a:solidFill>
                   <a:schemeClr val="dk1"/>
                 </a:solidFill>
@@ -6846,7 +7093,7 @@
                 <a:sym typeface="Times New Roman"/>
               </a:defRPr>
             </a:lvl6pPr>
-            <a:lvl7pPr indent="0" lvl="6" marL="2743200" marR="0" rtl="0" algn="l">
+            <a:lvl7pPr marL="2743200" marR="0" lvl="6" indent="0" algn="l" rtl="0">
               <a:lnSpc>
                 <a:spcPct val="90000"/>
               </a:lnSpc>
@@ -6858,7 +7105,7 @@
               </a:buClr>
               <a:buFont typeface="Arial"/>
               <a:buNone/>
-              <a:defRPr b="0" i="0" sz="1000" u="none" cap="none" strike="noStrike">
+              <a:defRPr sz="1000" b="0" i="0" u="none" strike="noStrike" cap="none">
                 <a:solidFill>
                   <a:schemeClr val="dk1"/>
                 </a:solidFill>
@@ -6868,7 +7115,7 @@
                 <a:sym typeface="Times New Roman"/>
               </a:defRPr>
             </a:lvl7pPr>
-            <a:lvl8pPr indent="0" lvl="7" marL="3200400" marR="0" rtl="0" algn="l">
+            <a:lvl8pPr marL="3200400" marR="0" lvl="7" indent="0" algn="l" rtl="0">
               <a:lnSpc>
                 <a:spcPct val="90000"/>
               </a:lnSpc>
@@ -6880,7 +7127,7 @@
               </a:buClr>
               <a:buFont typeface="Arial"/>
               <a:buNone/>
-              <a:defRPr b="0" i="0" sz="1000" u="none" cap="none" strike="noStrike">
+              <a:defRPr sz="1000" b="0" i="0" u="none" strike="noStrike" cap="none">
                 <a:solidFill>
                   <a:schemeClr val="dk1"/>
                 </a:solidFill>
@@ -6890,7 +7137,7 @@
                 <a:sym typeface="Times New Roman"/>
               </a:defRPr>
             </a:lvl8pPr>
-            <a:lvl9pPr indent="0" lvl="8" marL="3657600" marR="0" rtl="0" algn="l">
+            <a:lvl9pPr marL="3657600" marR="0" lvl="8" indent="0" algn="l" rtl="0">
               <a:lnSpc>
                 <a:spcPct val="90000"/>
               </a:lnSpc>
@@ -6902,7 +7149,7 @@
               </a:buClr>
               <a:buFont typeface="Arial"/>
               <a:buNone/>
-              <a:defRPr b="0" i="0" sz="1000" u="none" cap="none" strike="noStrike">
+              <a:defRPr sz="1000" b="0" i="0" u="none" strike="noStrike" cap="none">
                 <a:solidFill>
                   <a:schemeClr val="dk1"/>
                 </a:solidFill>
@@ -6913,7 +7160,9 @@
               </a:defRPr>
             </a:lvl9pPr>
           </a:lstStyle>
-          <a:p/>
+          <a:p>
+            <a:endParaRPr/>
+          </a:p>
         </p:txBody>
       </p:sp>
     </p:spTree>
@@ -6925,18 +7174,19 @@
 </file>
 
 <file path=ppt/slideMasters/slideMaster1.xml><?xml version="1.0" encoding="utf-8"?>
-<p:sldMaster xmlns:a="http://schemas.openxmlformats.org/drawingml/2006/main" xmlns:r="http://schemas.openxmlformats.org/officeDocument/2006/relationships" xmlns:mc="http://schemas.openxmlformats.org/markup-compatibility/2006" xmlns:mv="urn:schemas-microsoft-com:mac:vml" xmlns:p="http://schemas.openxmlformats.org/presentationml/2006/main" xmlns:c="http://schemas.openxmlformats.org/drawingml/2006/chart" xmlns:dgm="http://schemas.openxmlformats.org/drawingml/2006/diagram" xmlns:o="urn:schemas-microsoft-com:office:office" xmlns:v="urn:schemas-microsoft-com:vml" xmlns:pvml="urn:schemas-microsoft-com:office:powerpoint" xmlns:com="http://schemas.openxmlformats.org/drawingml/2006/compatibility" xmlns:p14="http://schemas.microsoft.com/office/powerpoint/2010/main">
+<p:sldMaster xmlns:a="http://schemas.openxmlformats.org/drawingml/2006/main" xmlns:r="http://schemas.openxmlformats.org/officeDocument/2006/relationships" xmlns:p="http://schemas.openxmlformats.org/presentationml/2006/main">
   <p:cSld>
     <p:bg>
       <p:bgPr>
         <a:solidFill>
           <a:schemeClr val="lt1"/>
         </a:solidFill>
+        <a:effectLst/>
       </p:bgPr>
     </p:bg>
     <p:spTree>
       <p:nvGrpSpPr>
-        <p:cNvPr id="5" name="Shape 5"/>
+        <p:cNvPr id="1" name="Shape 5"/>
         <p:cNvGrpSpPr/>
         <p:nvPr/>
       </p:nvGrpSpPr>
@@ -6963,21 +7213,23 @@
             <a:avLst/>
           </a:prstGeom>
           <a:noFill/>
-          <a:ln cap="flat" cmpd="sng" w="9525">
+          <a:ln w="9525" cap="flat" cmpd="sng">
             <a:solidFill>
               <a:schemeClr val="dk1"/>
             </a:solidFill>
             <a:prstDash val="solid"/>
             <a:miter/>
-            <a:headEnd len="med" w="med" type="none"/>
-            <a:tailEnd len="med" w="med" type="none"/>
+            <a:headEnd type="none" w="med" len="med"/>
+            <a:tailEnd type="none" w="med" len="med"/>
           </a:ln>
         </p:spPr>
       </p:cxnSp>
       <p:sp>
         <p:nvSpPr>
           <p:cNvPr id="7" name="Shape 7"/>
-          <p:cNvSpPr txBox="1"/>
+          <p:cNvSpPr txBox="1">
+            <a:spLocks noGrp="1"/>
+          </p:cNvSpPr>
           <p:nvPr>
             <p:ph type="title"/>
           </p:nvPr>
@@ -6996,9 +7248,9 @@
           </a:ln>
         </p:spPr>
         <p:txBody>
-          <a:bodyPr anchorCtr="0" anchor="t" bIns="91425" lIns="91425" rIns="91425" tIns="91425"/>
+          <a:bodyPr lIns="91425" tIns="91425" rIns="91425" bIns="91425" anchor="t" anchorCtr="0"/>
           <a:lstStyle>
-            <a:lvl1pPr indent="0" lvl="0" marL="0" marR="0" rtl="0" algn="l">
+            <a:lvl1pPr marL="0" marR="0" lvl="0" indent="0" algn="l" rtl="0">
               <a:lnSpc>
                 <a:spcPct val="100000"/>
               </a:lnSpc>
@@ -7009,7 +7261,7 @@
                 <a:spcPts val="0"/>
               </a:spcAft>
               <a:buNone/>
-              <a:defRPr b="0" i="0" sz="2700" u="none" cap="none" strike="noStrike">
+              <a:defRPr sz="2700" b="0" i="0" u="none" strike="noStrike" cap="none">
                 <a:solidFill>
                   <a:schemeClr val="dk1"/>
                 </a:solidFill>
@@ -7019,7 +7271,7 @@
                 <a:sym typeface="Times New Roman"/>
               </a:defRPr>
             </a:lvl1pPr>
-            <a:lvl2pPr indent="0" lvl="1" marL="0" marR="0" rtl="0" algn="l">
+            <a:lvl2pPr marL="0" marR="0" lvl="1" indent="0" algn="l" rtl="0">
               <a:lnSpc>
                 <a:spcPct val="100000"/>
               </a:lnSpc>
@@ -7030,7 +7282,7 @@
                 <a:spcPts val="0"/>
               </a:spcAft>
               <a:buNone/>
-              <a:defRPr b="0" i="0" sz="2700" u="none" cap="none" strike="noStrike">
+              <a:defRPr sz="2700" b="0" i="0" u="none" strike="noStrike" cap="none">
                 <a:solidFill>
                   <a:schemeClr val="dk1"/>
                 </a:solidFill>
@@ -7040,7 +7292,7 @@
                 <a:sym typeface="Times New Roman"/>
               </a:defRPr>
             </a:lvl2pPr>
-            <a:lvl3pPr indent="0" lvl="2" marL="0" marR="0" rtl="0" algn="l">
+            <a:lvl3pPr marL="0" marR="0" lvl="2" indent="0" algn="l" rtl="0">
               <a:lnSpc>
                 <a:spcPct val="100000"/>
               </a:lnSpc>
@@ -7051,7 +7303,7 @@
                 <a:spcPts val="0"/>
               </a:spcAft>
               <a:buNone/>
-              <a:defRPr b="0" i="0" sz="2700" u="none" cap="none" strike="noStrike">
+              <a:defRPr sz="2700" b="0" i="0" u="none" strike="noStrike" cap="none">
                 <a:solidFill>
                   <a:schemeClr val="dk1"/>
                 </a:solidFill>
@@ -7061,7 +7313,7 @@
                 <a:sym typeface="Times New Roman"/>
               </a:defRPr>
             </a:lvl3pPr>
-            <a:lvl4pPr indent="0" lvl="3" marL="0" marR="0" rtl="0" algn="l">
+            <a:lvl4pPr marL="0" marR="0" lvl="3" indent="0" algn="l" rtl="0">
               <a:lnSpc>
                 <a:spcPct val="100000"/>
               </a:lnSpc>
@@ -7072,7 +7324,7 @@
                 <a:spcPts val="0"/>
               </a:spcAft>
               <a:buNone/>
-              <a:defRPr b="0" i="0" sz="2700" u="none" cap="none" strike="noStrike">
+              <a:defRPr sz="2700" b="0" i="0" u="none" strike="noStrike" cap="none">
                 <a:solidFill>
                   <a:schemeClr val="dk1"/>
                 </a:solidFill>
@@ -7082,7 +7334,7 @@
                 <a:sym typeface="Times New Roman"/>
               </a:defRPr>
             </a:lvl4pPr>
-            <a:lvl5pPr indent="0" lvl="4" marL="0" marR="0" rtl="0" algn="l">
+            <a:lvl5pPr marL="0" marR="0" lvl="4" indent="0" algn="l" rtl="0">
               <a:lnSpc>
                 <a:spcPct val="100000"/>
               </a:lnSpc>
@@ -7093,7 +7345,7 @@
                 <a:spcPts val="0"/>
               </a:spcAft>
               <a:buNone/>
-              <a:defRPr b="0" i="0" sz="2700" u="none" cap="none" strike="noStrike">
+              <a:defRPr sz="2700" b="0" i="0" u="none" strike="noStrike" cap="none">
                 <a:solidFill>
                   <a:schemeClr val="dk1"/>
                 </a:solidFill>
@@ -7103,7 +7355,7 @@
                 <a:sym typeface="Times New Roman"/>
               </a:defRPr>
             </a:lvl5pPr>
-            <a:lvl6pPr indent="0" lvl="5" marL="457200" marR="0" rtl="0" algn="l">
+            <a:lvl6pPr marL="457200" marR="0" lvl="5" indent="0" algn="l" rtl="0">
               <a:lnSpc>
                 <a:spcPct val="100000"/>
               </a:lnSpc>
@@ -7114,7 +7366,7 @@
                 <a:spcPts val="0"/>
               </a:spcAft>
               <a:buNone/>
-              <a:defRPr b="0" i="0" sz="2700" u="none" cap="none" strike="noStrike">
+              <a:defRPr sz="2700" b="0" i="0" u="none" strike="noStrike" cap="none">
                 <a:solidFill>
                   <a:schemeClr val="dk1"/>
                 </a:solidFill>
@@ -7124,7 +7376,7 @@
                 <a:sym typeface="Times New Roman"/>
               </a:defRPr>
             </a:lvl6pPr>
-            <a:lvl7pPr indent="0" lvl="6" marL="914400" marR="0" rtl="0" algn="l">
+            <a:lvl7pPr marL="914400" marR="0" lvl="6" indent="0" algn="l" rtl="0">
               <a:lnSpc>
                 <a:spcPct val="100000"/>
               </a:lnSpc>
@@ -7135,7 +7387,7 @@
                 <a:spcPts val="0"/>
               </a:spcAft>
               <a:buNone/>
-              <a:defRPr b="0" i="0" sz="2700" u="none" cap="none" strike="noStrike">
+              <a:defRPr sz="2700" b="0" i="0" u="none" strike="noStrike" cap="none">
                 <a:solidFill>
                   <a:schemeClr val="dk1"/>
                 </a:solidFill>
@@ -7145,7 +7397,7 @@
                 <a:sym typeface="Times New Roman"/>
               </a:defRPr>
             </a:lvl7pPr>
-            <a:lvl8pPr indent="0" lvl="7" marL="1371600" marR="0" rtl="0" algn="l">
+            <a:lvl8pPr marL="1371600" marR="0" lvl="7" indent="0" algn="l" rtl="0">
               <a:lnSpc>
                 <a:spcPct val="100000"/>
               </a:lnSpc>
@@ -7156,7 +7408,7 @@
                 <a:spcPts val="0"/>
               </a:spcAft>
               <a:buNone/>
-              <a:defRPr b="0" i="0" sz="2700" u="none" cap="none" strike="noStrike">
+              <a:defRPr sz="2700" b="0" i="0" u="none" strike="noStrike" cap="none">
                 <a:solidFill>
                   <a:schemeClr val="dk1"/>
                 </a:solidFill>
@@ -7166,7 +7418,7 @@
                 <a:sym typeface="Times New Roman"/>
               </a:defRPr>
             </a:lvl8pPr>
-            <a:lvl9pPr indent="0" lvl="8" marL="1828800" marR="0" rtl="0" algn="l">
+            <a:lvl9pPr marL="1828800" marR="0" lvl="8" indent="0" algn="l" rtl="0">
               <a:lnSpc>
                 <a:spcPct val="100000"/>
               </a:lnSpc>
@@ -7177,7 +7429,7 @@
                 <a:spcPts val="0"/>
               </a:spcAft>
               <a:buNone/>
-              <a:defRPr b="0" i="0" sz="2700" u="none" cap="none" strike="noStrike">
+              <a:defRPr sz="2700" b="0" i="0" u="none" strike="noStrike" cap="none">
                 <a:solidFill>
                   <a:schemeClr val="dk1"/>
                 </a:solidFill>
@@ -7188,15 +7440,19 @@
               </a:defRPr>
             </a:lvl9pPr>
           </a:lstStyle>
-          <a:p/>
+          <a:p>
+            <a:endParaRPr/>
+          </a:p>
         </p:txBody>
       </p:sp>
       <p:sp>
         <p:nvSpPr>
           <p:cNvPr id="8" name="Shape 8"/>
-          <p:cNvSpPr txBox="1"/>
+          <p:cNvSpPr txBox="1">
+            <a:spLocks noGrp="1"/>
+          </p:cNvSpPr>
           <p:nvPr>
-            <p:ph idx="1" type="body"/>
+            <p:ph type="body" idx="1"/>
           </p:nvPr>
         </p:nvSpPr>
         <p:spPr>
@@ -7213,9 +7469,9 @@
           </a:ln>
         </p:spPr>
         <p:txBody>
-          <a:bodyPr anchorCtr="0" anchor="t" bIns="91425" lIns="91425" rIns="91425" tIns="91425"/>
+          <a:bodyPr lIns="91425" tIns="91425" rIns="91425" bIns="91425" anchor="t" anchorCtr="0"/>
           <a:lstStyle>
-            <a:lvl1pPr indent="-342900" lvl="0" marL="342900" marR="0" rtl="0" algn="l">
+            <a:lvl1pPr marL="342900" marR="0" lvl="0" indent="-342900" algn="l" rtl="0">
               <a:spcBef>
                 <a:spcPts val="360"/>
               </a:spcBef>
@@ -7223,7 +7479,7 @@
                 <a:spcPts val="0"/>
               </a:spcAft>
               <a:buNone/>
-              <a:defRPr b="0" i="0" sz="1800" u="none" cap="none" strike="noStrike">
+              <a:defRPr sz="1800" b="0" i="0" u="none" strike="noStrike" cap="none">
                 <a:solidFill>
                   <a:schemeClr val="dk1"/>
                 </a:solidFill>
@@ -7233,7 +7489,7 @@
                 <a:sym typeface="Times New Roman"/>
               </a:defRPr>
             </a:lvl1pPr>
-            <a:lvl2pPr indent="-171450" lvl="1" marL="742950" marR="0" rtl="0" algn="l">
+            <a:lvl2pPr marL="742950" marR="0" lvl="1" indent="-171450" algn="l" rtl="0">
               <a:spcBef>
                 <a:spcPts val="360"/>
               </a:spcBef>
@@ -7246,7 +7502,7 @@
               <a:buSzPct val="100000"/>
               <a:buFont typeface="Arial"/>
               <a:buChar char="–"/>
-              <a:defRPr b="0" i="0" sz="1800" u="none" cap="none" strike="noStrike">
+              <a:defRPr sz="1800" b="0" i="0" u="none" strike="noStrike" cap="none">
                 <a:solidFill>
                   <a:schemeClr val="dk1"/>
                 </a:solidFill>
@@ -7256,7 +7512,7 @@
                 <a:sym typeface="Times New Roman"/>
               </a:defRPr>
             </a:lvl2pPr>
-            <a:lvl3pPr indent="-114300" lvl="2" marL="1143000" marR="0" rtl="0" algn="l">
+            <a:lvl3pPr marL="1143000" marR="0" lvl="2" indent="-114300" algn="l" rtl="0">
               <a:spcBef>
                 <a:spcPts val="360"/>
               </a:spcBef>
@@ -7269,7 +7525,7 @@
               <a:buSzPct val="100000"/>
               <a:buFont typeface="Arial"/>
               <a:buChar char="•"/>
-              <a:defRPr b="0" i="0" sz="1800" u="none" cap="none" strike="noStrike">
+              <a:defRPr sz="1800" b="0" i="0" u="none" strike="noStrike" cap="none">
                 <a:solidFill>
                   <a:schemeClr val="dk1"/>
                 </a:solidFill>
@@ -7279,7 +7535,7 @@
                 <a:sym typeface="Times New Roman"/>
               </a:defRPr>
             </a:lvl3pPr>
-            <a:lvl4pPr indent="-114300" lvl="3" marL="1600200" marR="0" rtl="0" algn="l">
+            <a:lvl4pPr marL="1600200" marR="0" lvl="3" indent="-114300" algn="l" rtl="0">
               <a:spcBef>
                 <a:spcPts val="360"/>
               </a:spcBef>
@@ -7292,7 +7548,7 @@
               <a:buSzPct val="100000"/>
               <a:buFont typeface="Arial"/>
               <a:buChar char="–"/>
-              <a:defRPr b="0" i="0" sz="1800" u="none" cap="none" strike="noStrike">
+              <a:defRPr sz="1800" b="0" i="0" u="none" strike="noStrike" cap="none">
                 <a:solidFill>
                   <a:schemeClr val="dk1"/>
                 </a:solidFill>
@@ -7302,7 +7558,7 @@
                 <a:sym typeface="Times New Roman"/>
               </a:defRPr>
             </a:lvl4pPr>
-            <a:lvl5pPr indent="-114300" lvl="4" marL="2057400" marR="0" rtl="0" algn="l">
+            <a:lvl5pPr marL="2057400" marR="0" lvl="4" indent="-114300" algn="l" rtl="0">
               <a:spcBef>
                 <a:spcPts val="360"/>
               </a:spcBef>
@@ -7315,7 +7571,7 @@
               <a:buSzPct val="100000"/>
               <a:buFont typeface="Arial"/>
               <a:buChar char="»"/>
-              <a:defRPr b="0" i="0" sz="1800" u="none" cap="none" strike="noStrike">
+              <a:defRPr sz="1800" b="0" i="0" u="none" strike="noStrike" cap="none">
                 <a:solidFill>
                   <a:schemeClr val="dk1"/>
                 </a:solidFill>
@@ -7325,7 +7581,7 @@
                 <a:sym typeface="Times New Roman"/>
               </a:defRPr>
             </a:lvl5pPr>
-            <a:lvl6pPr indent="-114300" lvl="5" marL="2514600" marR="0" rtl="0" algn="l">
+            <a:lvl6pPr marL="2514600" marR="0" lvl="5" indent="-114300" algn="l" rtl="0">
               <a:lnSpc>
                 <a:spcPct val="90000"/>
               </a:lnSpc>
@@ -7338,7 +7594,7 @@
               <a:buSzPct val="100000"/>
               <a:buFont typeface="Arial"/>
               <a:buChar char="•"/>
-              <a:defRPr b="0" i="0" sz="1800" u="none" cap="none" strike="noStrike">
+              <a:defRPr sz="1800" b="0" i="0" u="none" strike="noStrike" cap="none">
                 <a:solidFill>
                   <a:schemeClr val="dk1"/>
                 </a:solidFill>
@@ -7348,7 +7604,7 @@
                 <a:sym typeface="Times New Roman"/>
               </a:defRPr>
             </a:lvl6pPr>
-            <a:lvl7pPr indent="-114300" lvl="6" marL="2971800" marR="0" rtl="0" algn="l">
+            <a:lvl7pPr marL="2971800" marR="0" lvl="6" indent="-114300" algn="l" rtl="0">
               <a:lnSpc>
                 <a:spcPct val="90000"/>
               </a:lnSpc>
@@ -7361,7 +7617,7 @@
               <a:buSzPct val="100000"/>
               <a:buFont typeface="Arial"/>
               <a:buChar char="•"/>
-              <a:defRPr b="0" i="0" sz="1800" u="none" cap="none" strike="noStrike">
+              <a:defRPr sz="1800" b="0" i="0" u="none" strike="noStrike" cap="none">
                 <a:solidFill>
                   <a:schemeClr val="dk1"/>
                 </a:solidFill>
@@ -7371,7 +7627,7 @@
                 <a:sym typeface="Times New Roman"/>
               </a:defRPr>
             </a:lvl7pPr>
-            <a:lvl8pPr indent="-114300" lvl="7" marL="3429000" marR="0" rtl="0" algn="l">
+            <a:lvl8pPr marL="3429000" marR="0" lvl="7" indent="-114300" algn="l" rtl="0">
               <a:lnSpc>
                 <a:spcPct val="90000"/>
               </a:lnSpc>
@@ -7384,7 +7640,7 @@
               <a:buSzPct val="100000"/>
               <a:buFont typeface="Arial"/>
               <a:buChar char="•"/>
-              <a:defRPr b="0" i="0" sz="1800" u="none" cap="none" strike="noStrike">
+              <a:defRPr sz="1800" b="0" i="0" u="none" strike="noStrike" cap="none">
                 <a:solidFill>
                   <a:schemeClr val="dk1"/>
                 </a:solidFill>
@@ -7394,7 +7650,7 @@
                 <a:sym typeface="Times New Roman"/>
               </a:defRPr>
             </a:lvl8pPr>
-            <a:lvl9pPr indent="-114300" lvl="8" marL="3886200" marR="0" rtl="0" algn="l">
+            <a:lvl9pPr marL="3886200" marR="0" lvl="8" indent="-114300" algn="l" rtl="0">
               <a:lnSpc>
                 <a:spcPct val="90000"/>
               </a:lnSpc>
@@ -7407,7 +7663,7 @@
               <a:buSzPct val="100000"/>
               <a:buFont typeface="Arial"/>
               <a:buChar char="•"/>
-              <a:defRPr b="0" i="0" sz="1800" u="none" cap="none" strike="noStrike">
+              <a:defRPr sz="1800" b="0" i="0" u="none" strike="noStrike" cap="none">
                 <a:solidFill>
                   <a:schemeClr val="dk1"/>
                 </a:solidFill>
@@ -7418,20 +7674,22 @@
               </a:defRPr>
             </a:lvl9pPr>
           </a:lstStyle>
-          <a:p/>
+          <a:p>
+            <a:endParaRPr/>
+          </a:p>
         </p:txBody>
       </p:sp>
       <p:pic>
         <p:nvPicPr>
-          <p:cNvPr descr="090323_Lnu_Symbol" id="9" name="Shape 9"/>
+          <p:cNvPr id="9" name="Shape 9" descr="090323_Lnu_Symbol"/>
           <p:cNvPicPr preferRelativeResize="0"/>
           <p:nvPr/>
         </p:nvPicPr>
         <p:blipFill rotWithShape="1">
-          <a:blip r:embed="rId1">
+          <a:blip r:embed="rId13">
             <a:alphaModFix/>
           </a:blip>
-          <a:srcRect b="0" l="0" r="0" t="0"/>
+          <a:srcRect/>
           <a:stretch/>
         </p:blipFill>
         <p:spPr>
@@ -7450,15 +7708,15 @@
       </p:pic>
       <p:pic>
         <p:nvPicPr>
-          <p:cNvPr descr="090323_Lnu_Wordmark_Eng_transparent" id="10" name="Shape 10"/>
+          <p:cNvPr id="10" name="Shape 10" descr="090323_Lnu_Wordmark_Eng_transparent"/>
           <p:cNvPicPr preferRelativeResize="0"/>
           <p:nvPr/>
         </p:nvPicPr>
         <p:blipFill rotWithShape="1">
-          <a:blip r:embed="rId2">
+          <a:blip r:embed="rId14">
             <a:alphaModFix/>
           </a:blip>
-          <a:srcRect b="0" l="0" r="0" t="0"/>
+          <a:srcRect/>
           <a:stretch/>
         </p:blipFill>
         <p:spPr>
@@ -7477,24 +7735,24 @@
       </p:pic>
     </p:spTree>
   </p:cSld>
-  <p:clrMap accent1="accent1" accent2="accent2" accent3="accent3" accent4="accent4" accent5="accent5" accent6="accent6" bg1="lt1" bg2="dk2" tx1="dk1" tx2="lt2" folHlink="folHlink" hlink="hlink"/>
+  <p:clrMap bg1="lt1" tx1="dk1" bg2="dk2" tx2="lt2" accent1="accent1" accent2="accent2" accent3="accent3" accent4="accent4" accent5="accent5" accent6="accent6" hlink="hlink" folHlink="folHlink"/>
   <p:sldLayoutIdLst>
-    <p:sldLayoutId id="2147483648" r:id="rId3"/>
-    <p:sldLayoutId id="2147483649" r:id="rId4"/>
-    <p:sldLayoutId id="2147483650" r:id="rId5"/>
-    <p:sldLayoutId id="2147483651" r:id="rId6"/>
-    <p:sldLayoutId id="2147483652" r:id="rId7"/>
-    <p:sldLayoutId id="2147483653" r:id="rId8"/>
-    <p:sldLayoutId id="2147483654" r:id="rId9"/>
-    <p:sldLayoutId id="2147483655" r:id="rId10"/>
-    <p:sldLayoutId id="2147483656" r:id="rId11"/>
-    <p:sldLayoutId id="2147483657" r:id="rId12"/>
-    <p:sldLayoutId id="2147483658" r:id="rId13"/>
+    <p:sldLayoutId id="2147483648" r:id="rId1"/>
+    <p:sldLayoutId id="2147483649" r:id="rId2"/>
+    <p:sldLayoutId id="2147483650" r:id="rId3"/>
+    <p:sldLayoutId id="2147483651" r:id="rId4"/>
+    <p:sldLayoutId id="2147483652" r:id="rId5"/>
+    <p:sldLayoutId id="2147483653" r:id="rId6"/>
+    <p:sldLayoutId id="2147483654" r:id="rId7"/>
+    <p:sldLayoutId id="2147483655" r:id="rId8"/>
+    <p:sldLayoutId id="2147483656" r:id="rId9"/>
+    <p:sldLayoutId id="2147483657" r:id="rId10"/>
+    <p:sldLayoutId id="2147483658" r:id="rId11"/>
   </p:sldLayoutIdLst>
-  <p:hf dt="0" ftr="0" hdr="0" sldNum="0"/>
+  <p:hf sldNum="0" hdr="0" ftr="0" dt="0"/>
   <p:txStyles>
     <p:titleStyle>
-      <a:defPPr lvl="0" marR="0" rtl="0" algn="l">
+      <a:defPPr marR="0" lvl="0" algn="l" rtl="0">
         <a:lnSpc>
           <a:spcPct val="100000"/>
         </a:lnSpc>
@@ -7505,7 +7763,7 @@
           <a:spcPts val="0"/>
         </a:spcAft>
       </a:defPPr>
-      <a:lvl1pPr lvl="0" marR="0" rtl="0" algn="l">
+      <a:lvl1pPr marR="0" lvl="0" algn="l" rtl="0">
         <a:lnSpc>
           <a:spcPct val="100000"/>
         </a:lnSpc>
@@ -7516,7 +7774,7 @@
           <a:spcPts val="0"/>
         </a:spcAft>
         <a:buNone/>
-        <a:defRPr b="0" i="0" sz="1400" u="none" cap="none" strike="noStrike">
+        <a:defRPr sz="1400" b="0" i="0" u="none" strike="noStrike" cap="none">
           <a:solidFill>
             <a:srgbClr val="000000"/>
           </a:solidFill>
@@ -7528,7 +7786,7 @@
       </a:lvl1pPr>
     </p:titleStyle>
     <p:bodyStyle>
-      <a:defPPr lvl="0" marR="0" rtl="0" algn="l">
+      <a:defPPr marR="0" lvl="0" algn="l" rtl="0">
         <a:lnSpc>
           <a:spcPct val="100000"/>
         </a:lnSpc>
@@ -7539,7 +7797,7 @@
           <a:spcPts val="0"/>
         </a:spcAft>
       </a:defPPr>
-      <a:lvl1pPr lvl="0" marR="0" rtl="0" algn="l">
+      <a:lvl1pPr marR="0" lvl="0" algn="l" rtl="0">
         <a:lnSpc>
           <a:spcPct val="100000"/>
         </a:lnSpc>
@@ -7550,7 +7808,7 @@
           <a:spcPts val="0"/>
         </a:spcAft>
         <a:buNone/>
-        <a:defRPr b="0" i="0" sz="1400" u="none" cap="none" strike="noStrike">
+        <a:defRPr sz="1400" b="0" i="0" u="none" strike="noStrike" cap="none">
           <a:solidFill>
             <a:srgbClr val="000000"/>
           </a:solidFill>
@@ -7560,7 +7818,7 @@
           <a:sym typeface="Arial"/>
         </a:defRPr>
       </a:lvl1pPr>
-      <a:lvl2pPr lvl="1" marR="0" rtl="0" algn="l">
+      <a:lvl2pPr marR="0" lvl="1" algn="l" rtl="0">
         <a:lnSpc>
           <a:spcPct val="100000"/>
         </a:lnSpc>
@@ -7571,7 +7829,7 @@
           <a:spcPts val="0"/>
         </a:spcAft>
         <a:buNone/>
-        <a:defRPr b="0" i="0" sz="1400" u="none" cap="none" strike="noStrike">
+        <a:defRPr sz="1400" b="0" i="0" u="none" strike="noStrike" cap="none">
           <a:solidFill>
             <a:srgbClr val="000000"/>
           </a:solidFill>
@@ -7581,7 +7839,7 @@
           <a:sym typeface="Arial"/>
         </a:defRPr>
       </a:lvl2pPr>
-      <a:lvl3pPr lvl="2" marR="0" rtl="0" algn="l">
+      <a:lvl3pPr marR="0" lvl="2" algn="l" rtl="0">
         <a:lnSpc>
           <a:spcPct val="100000"/>
         </a:lnSpc>
@@ -7592,7 +7850,7 @@
           <a:spcPts val="0"/>
         </a:spcAft>
         <a:buNone/>
-        <a:defRPr b="0" i="0" sz="1400" u="none" cap="none" strike="noStrike">
+        <a:defRPr sz="1400" b="0" i="0" u="none" strike="noStrike" cap="none">
           <a:solidFill>
             <a:srgbClr val="000000"/>
           </a:solidFill>
@@ -7602,7 +7860,7 @@
           <a:sym typeface="Arial"/>
         </a:defRPr>
       </a:lvl3pPr>
-      <a:lvl4pPr lvl="3" marR="0" rtl="0" algn="l">
+      <a:lvl4pPr marR="0" lvl="3" algn="l" rtl="0">
         <a:lnSpc>
           <a:spcPct val="100000"/>
         </a:lnSpc>
@@ -7613,7 +7871,7 @@
           <a:spcPts val="0"/>
         </a:spcAft>
         <a:buNone/>
-        <a:defRPr b="0" i="0" sz="1400" u="none" cap="none" strike="noStrike">
+        <a:defRPr sz="1400" b="0" i="0" u="none" strike="noStrike" cap="none">
           <a:solidFill>
             <a:srgbClr val="000000"/>
           </a:solidFill>
@@ -7623,7 +7881,7 @@
           <a:sym typeface="Arial"/>
         </a:defRPr>
       </a:lvl4pPr>
-      <a:lvl5pPr lvl="4" marR="0" rtl="0" algn="l">
+      <a:lvl5pPr marR="0" lvl="4" algn="l" rtl="0">
         <a:lnSpc>
           <a:spcPct val="100000"/>
         </a:lnSpc>
@@ -7634,7 +7892,7 @@
           <a:spcPts val="0"/>
         </a:spcAft>
         <a:buNone/>
-        <a:defRPr b="0" i="0" sz="1400" u="none" cap="none" strike="noStrike">
+        <a:defRPr sz="1400" b="0" i="0" u="none" strike="noStrike" cap="none">
           <a:solidFill>
             <a:srgbClr val="000000"/>
           </a:solidFill>
@@ -7644,7 +7902,7 @@
           <a:sym typeface="Arial"/>
         </a:defRPr>
       </a:lvl5pPr>
-      <a:lvl6pPr lvl="5" marR="0" rtl="0" algn="l">
+      <a:lvl6pPr marR="0" lvl="5" algn="l" rtl="0">
         <a:lnSpc>
           <a:spcPct val="100000"/>
         </a:lnSpc>
@@ -7655,7 +7913,7 @@
           <a:spcPts val="0"/>
         </a:spcAft>
         <a:buNone/>
-        <a:defRPr b="0" i="0" sz="1400" u="none" cap="none" strike="noStrike">
+        <a:defRPr sz="1400" b="0" i="0" u="none" strike="noStrike" cap="none">
           <a:solidFill>
             <a:srgbClr val="000000"/>
           </a:solidFill>
@@ -7665,7 +7923,7 @@
           <a:sym typeface="Arial"/>
         </a:defRPr>
       </a:lvl6pPr>
-      <a:lvl7pPr lvl="6" marR="0" rtl="0" algn="l">
+      <a:lvl7pPr marR="0" lvl="6" algn="l" rtl="0">
         <a:lnSpc>
           <a:spcPct val="100000"/>
         </a:lnSpc>
@@ -7676,7 +7934,7 @@
           <a:spcPts val="0"/>
         </a:spcAft>
         <a:buNone/>
-        <a:defRPr b="0" i="0" sz="1400" u="none" cap="none" strike="noStrike">
+        <a:defRPr sz="1400" b="0" i="0" u="none" strike="noStrike" cap="none">
           <a:solidFill>
             <a:srgbClr val="000000"/>
           </a:solidFill>
@@ -7686,7 +7944,7 @@
           <a:sym typeface="Arial"/>
         </a:defRPr>
       </a:lvl7pPr>
-      <a:lvl8pPr lvl="7" marR="0" rtl="0" algn="l">
+      <a:lvl8pPr marR="0" lvl="7" algn="l" rtl="0">
         <a:lnSpc>
           <a:spcPct val="100000"/>
         </a:lnSpc>
@@ -7697,7 +7955,7 @@
           <a:spcPts val="0"/>
         </a:spcAft>
         <a:buNone/>
-        <a:defRPr b="0" i="0" sz="1400" u="none" cap="none" strike="noStrike">
+        <a:defRPr sz="1400" b="0" i="0" u="none" strike="noStrike" cap="none">
           <a:solidFill>
             <a:srgbClr val="000000"/>
           </a:solidFill>
@@ -7707,7 +7965,7 @@
           <a:sym typeface="Arial"/>
         </a:defRPr>
       </a:lvl8pPr>
-      <a:lvl9pPr lvl="8" marR="0" rtl="0" algn="l">
+      <a:lvl9pPr marR="0" lvl="8" algn="l" rtl="0">
         <a:lnSpc>
           <a:spcPct val="100000"/>
         </a:lnSpc>
@@ -7718,7 +7976,7 @@
           <a:spcPts val="0"/>
         </a:spcAft>
         <a:buNone/>
-        <a:defRPr b="0" i="0" sz="1400" u="none" cap="none" strike="noStrike">
+        <a:defRPr sz="1400" b="0" i="0" u="none" strike="noStrike" cap="none">
           <a:solidFill>
             <a:srgbClr val="000000"/>
           </a:solidFill>
@@ -7730,7 +7988,7 @@
       </a:lvl9pPr>
     </p:bodyStyle>
     <p:otherStyle>
-      <a:defPPr lvl="0" marR="0" rtl="0" algn="l">
+      <a:defPPr marR="0" lvl="0" algn="l" rtl="0">
         <a:lnSpc>
           <a:spcPct val="100000"/>
         </a:lnSpc>
@@ -7741,7 +7999,7 @@
           <a:spcPts val="0"/>
         </a:spcAft>
       </a:defPPr>
-      <a:lvl1pPr lvl="0" marR="0" rtl="0" algn="l">
+      <a:lvl1pPr marR="0" lvl="0" algn="l" rtl="0">
         <a:lnSpc>
           <a:spcPct val="100000"/>
         </a:lnSpc>
@@ -7752,7 +8010,7 @@
           <a:spcPts val="0"/>
         </a:spcAft>
         <a:buNone/>
-        <a:defRPr b="0" i="0" sz="1400" u="none" cap="none" strike="noStrike">
+        <a:defRPr sz="1400" b="0" i="0" u="none" strike="noStrike" cap="none">
           <a:solidFill>
             <a:srgbClr val="000000"/>
           </a:solidFill>
@@ -7762,7 +8020,7 @@
           <a:sym typeface="Arial"/>
         </a:defRPr>
       </a:lvl1pPr>
-      <a:lvl2pPr lvl="1" marR="0" rtl="0" algn="l">
+      <a:lvl2pPr marR="0" lvl="1" algn="l" rtl="0">
         <a:lnSpc>
           <a:spcPct val="100000"/>
         </a:lnSpc>
@@ -7773,7 +8031,7 @@
           <a:spcPts val="0"/>
         </a:spcAft>
         <a:buNone/>
-        <a:defRPr b="0" i="0" sz="1400" u="none" cap="none" strike="noStrike">
+        <a:defRPr sz="1400" b="0" i="0" u="none" strike="noStrike" cap="none">
           <a:solidFill>
             <a:srgbClr val="000000"/>
           </a:solidFill>
@@ -7783,7 +8041,7 @@
           <a:sym typeface="Arial"/>
         </a:defRPr>
       </a:lvl2pPr>
-      <a:lvl3pPr lvl="2" marR="0" rtl="0" algn="l">
+      <a:lvl3pPr marR="0" lvl="2" algn="l" rtl="0">
         <a:lnSpc>
           <a:spcPct val="100000"/>
         </a:lnSpc>
@@ -7794,7 +8052,7 @@
           <a:spcPts val="0"/>
         </a:spcAft>
         <a:buNone/>
-        <a:defRPr b="0" i="0" sz="1400" u="none" cap="none" strike="noStrike">
+        <a:defRPr sz="1400" b="0" i="0" u="none" strike="noStrike" cap="none">
           <a:solidFill>
             <a:srgbClr val="000000"/>
           </a:solidFill>
@@ -7804,7 +8062,7 @@
           <a:sym typeface="Arial"/>
         </a:defRPr>
       </a:lvl3pPr>
-      <a:lvl4pPr lvl="3" marR="0" rtl="0" algn="l">
+      <a:lvl4pPr marR="0" lvl="3" algn="l" rtl="0">
         <a:lnSpc>
           <a:spcPct val="100000"/>
         </a:lnSpc>
@@ -7815,7 +8073,7 @@
           <a:spcPts val="0"/>
         </a:spcAft>
         <a:buNone/>
-        <a:defRPr b="0" i="0" sz="1400" u="none" cap="none" strike="noStrike">
+        <a:defRPr sz="1400" b="0" i="0" u="none" strike="noStrike" cap="none">
           <a:solidFill>
             <a:srgbClr val="000000"/>
           </a:solidFill>
@@ -7825,7 +8083,7 @@
           <a:sym typeface="Arial"/>
         </a:defRPr>
       </a:lvl4pPr>
-      <a:lvl5pPr lvl="4" marR="0" rtl="0" algn="l">
+      <a:lvl5pPr marR="0" lvl="4" algn="l" rtl="0">
         <a:lnSpc>
           <a:spcPct val="100000"/>
         </a:lnSpc>
@@ -7836,7 +8094,7 @@
           <a:spcPts val="0"/>
         </a:spcAft>
         <a:buNone/>
-        <a:defRPr b="0" i="0" sz="1400" u="none" cap="none" strike="noStrike">
+        <a:defRPr sz="1400" b="0" i="0" u="none" strike="noStrike" cap="none">
           <a:solidFill>
             <a:srgbClr val="000000"/>
           </a:solidFill>
@@ -7846,7 +8104,7 @@
           <a:sym typeface="Arial"/>
         </a:defRPr>
       </a:lvl5pPr>
-      <a:lvl6pPr lvl="5" marR="0" rtl="0" algn="l">
+      <a:lvl6pPr marR="0" lvl="5" algn="l" rtl="0">
         <a:lnSpc>
           <a:spcPct val="100000"/>
         </a:lnSpc>
@@ -7857,7 +8115,7 @@
           <a:spcPts val="0"/>
         </a:spcAft>
         <a:buNone/>
-        <a:defRPr b="0" i="0" sz="1400" u="none" cap="none" strike="noStrike">
+        <a:defRPr sz="1400" b="0" i="0" u="none" strike="noStrike" cap="none">
           <a:solidFill>
             <a:srgbClr val="000000"/>
           </a:solidFill>
@@ -7867,7 +8125,7 @@
           <a:sym typeface="Arial"/>
         </a:defRPr>
       </a:lvl6pPr>
-      <a:lvl7pPr lvl="6" marR="0" rtl="0" algn="l">
+      <a:lvl7pPr marR="0" lvl="6" algn="l" rtl="0">
         <a:lnSpc>
           <a:spcPct val="100000"/>
         </a:lnSpc>
@@ -7878,7 +8136,7 @@
           <a:spcPts val="0"/>
         </a:spcAft>
         <a:buNone/>
-        <a:defRPr b="0" i="0" sz="1400" u="none" cap="none" strike="noStrike">
+        <a:defRPr sz="1400" b="0" i="0" u="none" strike="noStrike" cap="none">
           <a:solidFill>
             <a:srgbClr val="000000"/>
           </a:solidFill>
@@ -7888,7 +8146,7 @@
           <a:sym typeface="Arial"/>
         </a:defRPr>
       </a:lvl7pPr>
-      <a:lvl8pPr lvl="7" marR="0" rtl="0" algn="l">
+      <a:lvl8pPr marR="0" lvl="7" algn="l" rtl="0">
         <a:lnSpc>
           <a:spcPct val="100000"/>
         </a:lnSpc>
@@ -7899,7 +8157,7 @@
           <a:spcPts val="0"/>
         </a:spcAft>
         <a:buNone/>
-        <a:defRPr b="0" i="0" sz="1400" u="none" cap="none" strike="noStrike">
+        <a:defRPr sz="1400" b="0" i="0" u="none" strike="noStrike" cap="none">
           <a:solidFill>
             <a:srgbClr val="000000"/>
           </a:solidFill>
@@ -7909,7 +8167,7 @@
           <a:sym typeface="Arial"/>
         </a:defRPr>
       </a:lvl8pPr>
-      <a:lvl9pPr lvl="8" marR="0" rtl="0" algn="l">
+      <a:lvl9pPr marR="0" lvl="8" algn="l" rtl="0">
         <a:lnSpc>
           <a:spcPct val="100000"/>
         </a:lnSpc>
@@ -7920,7 +8178,7 @@
           <a:spcPts val="0"/>
         </a:spcAft>
         <a:buNone/>
-        <a:defRPr b="0" i="0" sz="1400" u="none" cap="none" strike="noStrike">
+        <a:defRPr sz="1400" b="0" i="0" u="none" strike="noStrike" cap="none">
           <a:solidFill>
             <a:srgbClr val="000000"/>
           </a:solidFill>
@@ -7936,11 +8194,11 @@
 </file>
 
 <file path=ppt/slides/slide1.xml><?xml version="1.0" encoding="utf-8"?>
-<p:sld xmlns:a="http://schemas.openxmlformats.org/drawingml/2006/main" xmlns:r="http://schemas.openxmlformats.org/officeDocument/2006/relationships" xmlns:mc="http://schemas.openxmlformats.org/markup-compatibility/2006" xmlns:mv="urn:schemas-microsoft-com:mac:vml" xmlns:p="http://schemas.openxmlformats.org/presentationml/2006/main" xmlns:c="http://schemas.openxmlformats.org/drawingml/2006/chart" xmlns:dgm="http://schemas.openxmlformats.org/drawingml/2006/diagram" xmlns:o="urn:schemas-microsoft-com:office:office" xmlns:v="urn:schemas-microsoft-com:vml" xmlns:pvml="urn:schemas-microsoft-com:office:powerpoint" xmlns:com="http://schemas.openxmlformats.org/drawingml/2006/compatibility" xmlns:p14="http://schemas.microsoft.com/office/powerpoint/2010/main">
+<p:sld xmlns:a="http://schemas.openxmlformats.org/drawingml/2006/main" xmlns:r="http://schemas.openxmlformats.org/officeDocument/2006/relationships" xmlns:p="http://schemas.openxmlformats.org/presentationml/2006/main">
   <p:cSld>
     <p:spTree>
       <p:nvGrpSpPr>
-        <p:cNvPr id="53" name="Shape 53"/>
+        <p:cNvPr id="1" name="Shape 53"/>
         <p:cNvGrpSpPr/>
         <p:nvPr/>
       </p:nvGrpSpPr>
@@ -7955,7 +8213,9 @@
       <p:sp>
         <p:nvSpPr>
           <p:cNvPr id="54" name="Shape 54"/>
-          <p:cNvSpPr txBox="1"/>
+          <p:cNvSpPr txBox="1">
+            <a:spLocks noGrp="1"/>
+          </p:cNvSpPr>
           <p:nvPr>
             <p:ph type="ctrTitle"/>
           </p:nvPr>
@@ -7974,12 +8234,12 @@
           </a:ln>
         </p:spPr>
         <p:txBody>
-          <a:bodyPr anchorCtr="0" anchor="t" bIns="45700" lIns="91425" rIns="91425" tIns="45700">
+          <a:bodyPr lIns="91425" tIns="45700" rIns="91425" bIns="45700" anchor="t" anchorCtr="0">
             <a:noAutofit/>
           </a:bodyPr>
           <a:lstStyle/>
           <a:p>
-            <a:pPr indent="0" lvl="0" marL="0" marR="0" rtl="0" algn="l">
+            <a:pPr marL="0" marR="0" lvl="0" indent="0" algn="ctr" rtl="0">
               <a:lnSpc>
                 <a:spcPct val="100000"/>
               </a:lnSpc>
@@ -7993,7 +8253,7 @@
               <a:buNone/>
             </a:pPr>
             <a:r>
-              <a:rPr b="0" i="0" lang="sv-SE" sz="7500" u="none" cap="none" strike="noStrike">
+              <a:rPr lang="sv-SE" sz="7500" b="0" i="0" u="none" strike="noStrike" cap="none" dirty="0">
                 <a:solidFill>
                   <a:schemeClr val="dk1"/>
                 </a:solidFill>
@@ -8010,9 +8270,11 @@
       <p:sp>
         <p:nvSpPr>
           <p:cNvPr id="55" name="Shape 55"/>
-          <p:cNvSpPr txBox="1"/>
+          <p:cNvSpPr txBox="1">
+            <a:spLocks noGrp="1"/>
+          </p:cNvSpPr>
           <p:nvPr>
-            <p:ph idx="1" type="subTitle"/>
+            <p:ph type="subTitle" idx="1"/>
           </p:nvPr>
         </p:nvSpPr>
         <p:spPr>
@@ -8029,12 +8291,12 @@
           </a:ln>
         </p:spPr>
         <p:txBody>
-          <a:bodyPr anchorCtr="0" anchor="t" bIns="45700" lIns="91425" rIns="91425" tIns="45700">
+          <a:bodyPr lIns="91425" tIns="45700" rIns="91425" bIns="45700" anchor="t" anchorCtr="0">
             <a:noAutofit/>
           </a:bodyPr>
           <a:lstStyle/>
           <a:p>
-            <a:pPr indent="0" lvl="0" marL="0" marR="0" rtl="0" algn="ctr">
+            <a:pPr marL="0" marR="0" lvl="0" indent="0" algn="ctr" rtl="0">
               <a:spcBef>
                 <a:spcPts val="0"/>
               </a:spcBef>
@@ -8045,7 +8307,7 @@
               <a:buNone/>
             </a:pPr>
             <a:r>
-              <a:rPr b="0" i="0" lang="sv-SE" sz="1800" u="none" cap="none" strike="noStrike">
+              <a:rPr lang="sv-SE" sz="1800" b="0" i="0" u="none" strike="noStrike" cap="none">
                 <a:solidFill>
                   <a:schemeClr val="dk1"/>
                 </a:solidFill>
@@ -8058,7 +8320,7 @@
             </a:r>
           </a:p>
           <a:p>
-            <a:pPr indent="0" lvl="0" marL="0" marR="0" rtl="0" algn="ctr">
+            <a:pPr marL="0" marR="0" lvl="0" indent="0" algn="ctr" rtl="0">
               <a:spcBef>
                 <a:spcPts val="360"/>
               </a:spcBef>
@@ -8069,7 +8331,7 @@
               <a:buNone/>
             </a:pPr>
             <a:r>
-              <a:rPr b="0" i="0" lang="sv-SE" sz="1800" u="none" cap="none" strike="noStrike">
+              <a:rPr lang="sv-SE" sz="1800" b="0" i="0" u="none" strike="noStrike" cap="none">
                 <a:solidFill>
                   <a:schemeClr val="dk1"/>
                 </a:solidFill>
@@ -8088,15 +8350,22 @@
   <p:clrMapOvr>
     <a:masterClrMapping/>
   </p:clrMapOvr>
+  <p:timing>
+    <p:tnLst>
+      <p:par>
+        <p:cTn id="1" dur="indefinite" restart="never" nodeType="tmRoot"/>
+      </p:par>
+    </p:tnLst>
+  </p:timing>
 </p:sld>
 </file>
 
 <file path=ppt/slides/slide2.xml><?xml version="1.0" encoding="utf-8"?>
-<p:sld xmlns:a="http://schemas.openxmlformats.org/drawingml/2006/main" xmlns:r="http://schemas.openxmlformats.org/officeDocument/2006/relationships" xmlns:mc="http://schemas.openxmlformats.org/markup-compatibility/2006" xmlns:mv="urn:schemas-microsoft-com:mac:vml" xmlns:p="http://schemas.openxmlformats.org/presentationml/2006/main" xmlns:c="http://schemas.openxmlformats.org/drawingml/2006/chart" xmlns:dgm="http://schemas.openxmlformats.org/drawingml/2006/diagram" xmlns:o="urn:schemas-microsoft-com:office:office" xmlns:v="urn:schemas-microsoft-com:vml" xmlns:pvml="urn:schemas-microsoft-com:office:powerpoint" xmlns:com="http://schemas.openxmlformats.org/drawingml/2006/compatibility" xmlns:p14="http://schemas.microsoft.com/office/powerpoint/2010/main">
+<p:sld xmlns:a="http://schemas.openxmlformats.org/drawingml/2006/main" xmlns:r="http://schemas.openxmlformats.org/officeDocument/2006/relationships" xmlns:p="http://schemas.openxmlformats.org/presentationml/2006/main">
   <p:cSld>
     <p:spTree>
       <p:nvGrpSpPr>
-        <p:cNvPr id="59" name="Shape 59"/>
+        <p:cNvPr id="1" name="Shape 65"/>
         <p:cNvGrpSpPr/>
         <p:nvPr/>
       </p:nvGrpSpPr>
@@ -8110,8 +8379,10 @@
       </p:grpSpPr>
       <p:sp>
         <p:nvSpPr>
-          <p:cNvPr id="60" name="Shape 60"/>
-          <p:cNvSpPr txBox="1"/>
+          <p:cNvPr id="66" name="Shape 66"/>
+          <p:cNvSpPr txBox="1">
+            <a:spLocks noGrp="1"/>
+          </p:cNvSpPr>
           <p:nvPr>
             <p:ph type="title"/>
           </p:nvPr>
@@ -8130,12 +8401,12 @@
           </a:ln>
         </p:spPr>
         <p:txBody>
-          <a:bodyPr anchorCtr="0" anchor="t" bIns="45700" lIns="91425" rIns="91425" tIns="45700">
+          <a:bodyPr lIns="91425" tIns="45700" rIns="91425" bIns="45700" anchor="t" anchorCtr="0">
             <a:noAutofit/>
           </a:bodyPr>
           <a:lstStyle/>
           <a:p>
-            <a:pPr indent="0" lvl="0" marL="0" marR="0" rtl="0" algn="l">
+            <a:pPr marL="0" marR="0" lvl="0" indent="0" algn="l" rtl="0">
               <a:lnSpc>
                 <a:spcPct val="100000"/>
               </a:lnSpc>
@@ -8149,7 +8420,7 @@
               <a:buNone/>
             </a:pPr>
             <a:r>
-              <a:rPr b="0" i="0" lang="sv-SE" sz="2700" u="none" cap="none" strike="noStrike">
+              <a:rPr lang="sv-SE" sz="2700" b="0" i="0" u="none" strike="noStrike" cap="none">
                 <a:solidFill>
                   <a:schemeClr val="dk1"/>
                 </a:solidFill>
@@ -8158,30 +8429,25 @@
                 <a:cs typeface="Arimo"/>
                 <a:sym typeface="Arimo"/>
               </a:rPr>
-              <a:t>Participating Objects</a:t>
+              <a:t>Jodel</a:t>
             </a:r>
           </a:p>
         </p:txBody>
       </p:sp>
-      <p:pic>
-        <p:nvPicPr>
-          <p:cNvPr id="61" name="Shape 61"/>
-          <p:cNvPicPr preferRelativeResize="0"/>
+      <p:sp>
+        <p:nvSpPr>
+          <p:cNvPr id="67" name="Shape 67"/>
+          <p:cNvSpPr txBox="1">
+            <a:spLocks noGrp="1"/>
+          </p:cNvSpPr>
           <p:nvPr>
-            <p:ph idx="1" type="body"/>
+            <p:ph type="body" idx="1"/>
           </p:nvPr>
-        </p:nvPicPr>
-        <p:blipFill rotWithShape="1">
-          <a:blip r:embed="rId3">
-            <a:alphaModFix/>
-          </a:blip>
-          <a:srcRect b="0" l="0" r="0" t="0"/>
-          <a:stretch/>
-        </p:blipFill>
+        </p:nvSpPr>
         <p:spPr>
           <a:xfrm>
-            <a:off x="1035976" y="1651000"/>
-            <a:ext cx="6999021" cy="4356099"/>
+            <a:off x="706437" y="1651000"/>
+            <a:ext cx="7658100" cy="4356099"/>
           </a:xfrm>
           <a:prstGeom prst="rect">
             <a:avLst/>
@@ -8191,21 +8457,100 @@
             <a:noFill/>
           </a:ln>
         </p:spPr>
-      </p:pic>
+        <p:txBody>
+          <a:bodyPr lIns="91425" tIns="45700" rIns="91425" bIns="45700" anchor="t" anchorCtr="0">
+            <a:noAutofit/>
+          </a:bodyPr>
+          <a:lstStyle/>
+          <a:p>
+            <a:pPr marL="342900" marR="0" lvl="0" indent="-342900" algn="l" rtl="0">
+              <a:spcBef>
+                <a:spcPts val="0"/>
+              </a:spcBef>
+              <a:spcAft>
+                <a:spcPts val="0"/>
+              </a:spcAft>
+              <a:buSzPct val="25000"/>
+              <a:buNone/>
+            </a:pPr>
+            <a:r>
+              <a:rPr lang="sv-SE" sz="1800" b="0" i="0" u="none" strike="noStrike" cap="none">
+                <a:solidFill>
+                  <a:schemeClr val="dk1"/>
+                </a:solidFill>
+                <a:latin typeface="Arimo"/>
+                <a:ea typeface="Arimo"/>
+                <a:cs typeface="Arimo"/>
+                <a:sym typeface="Arimo"/>
+              </a:rPr>
+              <a:t>An anonymous social application that targets students and campus life</a:t>
+            </a:r>
+          </a:p>
+          <a:p>
+            <a:pPr marL="342900" marR="0" lvl="0" indent="-342900" algn="l" rtl="0">
+              <a:spcBef>
+                <a:spcPts val="360"/>
+              </a:spcBef>
+              <a:spcAft>
+                <a:spcPts val="0"/>
+              </a:spcAft>
+              <a:buSzPct val="25000"/>
+              <a:buNone/>
+            </a:pPr>
+            <a:endParaRPr sz="1800" b="0" i="0" u="none" strike="noStrike" cap="none">
+              <a:solidFill>
+                <a:schemeClr val="dk1"/>
+              </a:solidFill>
+              <a:latin typeface="Times New Roman"/>
+              <a:ea typeface="Times New Roman"/>
+              <a:cs typeface="Times New Roman"/>
+              <a:sym typeface="Times New Roman"/>
+            </a:endParaRPr>
+          </a:p>
+          <a:p>
+            <a:pPr marL="342900" marR="0" lvl="0" indent="-342900" algn="l" rtl="0">
+              <a:spcBef>
+                <a:spcPts val="360"/>
+              </a:spcBef>
+              <a:spcAft>
+                <a:spcPts val="0"/>
+              </a:spcAft>
+              <a:buSzPct val="25000"/>
+              <a:buNone/>
+            </a:pPr>
+            <a:endParaRPr sz="1800" b="0" i="0" u="none" strike="noStrike" cap="none">
+              <a:solidFill>
+                <a:schemeClr val="dk1"/>
+              </a:solidFill>
+              <a:latin typeface="Times New Roman"/>
+              <a:ea typeface="Times New Roman"/>
+              <a:cs typeface="Times New Roman"/>
+              <a:sym typeface="Times New Roman"/>
+            </a:endParaRPr>
+          </a:p>
+        </p:txBody>
+      </p:sp>
     </p:spTree>
   </p:cSld>
   <p:clrMapOvr>
     <a:masterClrMapping/>
   </p:clrMapOvr>
+  <p:timing>
+    <p:tnLst>
+      <p:par>
+        <p:cTn id="1" dur="indefinite" restart="never" nodeType="tmRoot"/>
+      </p:par>
+    </p:tnLst>
+  </p:timing>
 </p:sld>
 </file>
 
 <file path=ppt/slides/slide3.xml><?xml version="1.0" encoding="utf-8"?>
-<p:sld xmlns:a="http://schemas.openxmlformats.org/drawingml/2006/main" xmlns:r="http://schemas.openxmlformats.org/officeDocument/2006/relationships" xmlns:mc="http://schemas.openxmlformats.org/markup-compatibility/2006" xmlns:mv="urn:schemas-microsoft-com:mac:vml" xmlns:p="http://schemas.openxmlformats.org/presentationml/2006/main" xmlns:c="http://schemas.openxmlformats.org/drawingml/2006/chart" xmlns:dgm="http://schemas.openxmlformats.org/drawingml/2006/diagram" xmlns:o="urn:schemas-microsoft-com:office:office" xmlns:v="urn:schemas-microsoft-com:vml" xmlns:pvml="urn:schemas-microsoft-com:office:powerpoint" xmlns:com="http://schemas.openxmlformats.org/drawingml/2006/compatibility" xmlns:p14="http://schemas.microsoft.com/office/powerpoint/2010/main">
+<p:sld xmlns:a="http://schemas.openxmlformats.org/drawingml/2006/main" xmlns:r="http://schemas.openxmlformats.org/officeDocument/2006/relationships" xmlns:p="http://schemas.openxmlformats.org/presentationml/2006/main">
   <p:cSld>
     <p:spTree>
       <p:nvGrpSpPr>
-        <p:cNvPr id="65" name="Shape 65"/>
+        <p:cNvPr id="1" name="Shape 71"/>
         <p:cNvGrpSpPr/>
         <p:nvPr/>
       </p:nvGrpSpPr>
@@ -8219,8 +8564,10 @@
       </p:grpSpPr>
       <p:sp>
         <p:nvSpPr>
-          <p:cNvPr id="66" name="Shape 66"/>
-          <p:cNvSpPr txBox="1"/>
+          <p:cNvPr id="72" name="Shape 72"/>
+          <p:cNvSpPr txBox="1">
+            <a:spLocks noGrp="1"/>
+          </p:cNvSpPr>
           <p:nvPr>
             <p:ph type="title"/>
           </p:nvPr>
@@ -8239,12 +8586,12 @@
           </a:ln>
         </p:spPr>
         <p:txBody>
-          <a:bodyPr anchorCtr="0" anchor="t" bIns="45700" lIns="91425" rIns="91425" tIns="45700">
+          <a:bodyPr lIns="91425" tIns="45700" rIns="91425" bIns="45700" anchor="t" anchorCtr="0">
             <a:noAutofit/>
           </a:bodyPr>
           <a:lstStyle/>
           <a:p>
-            <a:pPr indent="0" lvl="0" marL="0" marR="0" rtl="0" algn="l">
+            <a:pPr marL="0" marR="0" lvl="0" indent="0" algn="l" rtl="0">
               <a:lnSpc>
                 <a:spcPct val="100000"/>
               </a:lnSpc>
@@ -8258,7 +8605,7 @@
               <a:buNone/>
             </a:pPr>
             <a:r>
-              <a:rPr b="0" i="0" lang="sv-SE" sz="2700" u="none" cap="none" strike="noStrike">
+              <a:rPr lang="sv-SE" sz="2700" b="0" i="0" u="none" strike="noStrike" cap="none">
                 <a:solidFill>
                   <a:schemeClr val="dk1"/>
                 </a:solidFill>
@@ -8267,17 +8614,19 @@
                 <a:cs typeface="Arimo"/>
                 <a:sym typeface="Arimo"/>
               </a:rPr>
-              <a:t>Jodel</a:t>
+              <a:t>Jodel Alert</a:t>
             </a:r>
           </a:p>
         </p:txBody>
       </p:sp>
       <p:sp>
         <p:nvSpPr>
-          <p:cNvPr id="67" name="Shape 67"/>
-          <p:cNvSpPr txBox="1"/>
+          <p:cNvPr id="73" name="Shape 73"/>
+          <p:cNvSpPr txBox="1">
+            <a:spLocks noGrp="1"/>
+          </p:cNvSpPr>
           <p:nvPr>
-            <p:ph idx="1" type="body"/>
+            <p:ph type="body" idx="1"/>
           </p:nvPr>
         </p:nvSpPr>
         <p:spPr>
@@ -8294,12 +8643,12 @@
           </a:ln>
         </p:spPr>
         <p:txBody>
-          <a:bodyPr anchorCtr="0" anchor="t" bIns="45700" lIns="91425" rIns="91425" tIns="45700">
+          <a:bodyPr lIns="91425" tIns="45700" rIns="91425" bIns="45700" anchor="t" anchorCtr="0">
             <a:noAutofit/>
           </a:bodyPr>
           <a:lstStyle/>
           <a:p>
-            <a:pPr indent="-342900" lvl="0" marL="342900" marR="0" rtl="0" algn="l">
+            <a:pPr marL="342900" marR="0" lvl="0" indent="-342900" algn="l" rtl="0">
               <a:spcBef>
                 <a:spcPts val="0"/>
               </a:spcBef>
@@ -8310,7 +8659,7 @@
               <a:buNone/>
             </a:pPr>
             <a:r>
-              <a:rPr b="0" i="0" lang="sv-SE" sz="1800" u="none" cap="none" strike="noStrike">
+              <a:rPr lang="sv-SE" sz="1800" b="0" i="0" u="none" strike="noStrike" cap="none">
                 <a:solidFill>
                   <a:schemeClr val="dk1"/>
                 </a:solidFill>
@@ -8319,11 +8668,11 @@
                 <a:cs typeface="Arimo"/>
                 <a:sym typeface="Arimo"/>
               </a:rPr>
-              <a:t>An anonymous social application that targets students and campus life</a:t>
+              <a:t>Linnéstudenterna wants to tap into the feed and get an alert when someone posts about accomodation, exams, cheating and students getting mistreated from the university etc (keywords)</a:t>
             </a:r>
           </a:p>
           <a:p>
-            <a:pPr indent="-342900" lvl="0" marL="342900" marR="0" rtl="0" algn="l">
+            <a:pPr marL="342900" marR="0" lvl="0" indent="-342900" algn="l" rtl="0">
               <a:spcBef>
                 <a:spcPts val="360"/>
               </a:spcBef>
@@ -8333,21 +8682,18 @@
               <a:buSzPct val="25000"/>
               <a:buNone/>
             </a:pPr>
-            <a:r>
-              <a:t/>
-            </a:r>
-            <a:endParaRPr b="0" i="0" sz="1800" u="none" cap="none" strike="noStrike">
+            <a:endParaRPr sz="1800" b="0" i="0" u="none" strike="noStrike" cap="none">
               <a:solidFill>
                 <a:schemeClr val="dk1"/>
               </a:solidFill>
-              <a:latin typeface="Times New Roman"/>
-              <a:ea typeface="Times New Roman"/>
-              <a:cs typeface="Times New Roman"/>
-              <a:sym typeface="Times New Roman"/>
+              <a:latin typeface="Arimo"/>
+              <a:ea typeface="Arimo"/>
+              <a:cs typeface="Arimo"/>
+              <a:sym typeface="Arimo"/>
             </a:endParaRPr>
           </a:p>
           <a:p>
-            <a:pPr indent="-342900" lvl="0" marL="342900" marR="0" rtl="0" algn="l">
+            <a:pPr marL="342900" marR="0" lvl="0" indent="-342900" algn="l" rtl="0">
               <a:spcBef>
                 <a:spcPts val="360"/>
               </a:spcBef>
@@ -8358,17 +8704,107 @@
               <a:buNone/>
             </a:pPr>
             <a:r>
-              <a:t/>
+              <a:rPr lang="sv-SE" sz="1800" b="0" i="0" u="none" strike="noStrike" cap="none">
+                <a:solidFill>
+                  <a:schemeClr val="dk1"/>
+                </a:solidFill>
+                <a:latin typeface="Arimo"/>
+                <a:ea typeface="Arimo"/>
+                <a:cs typeface="Arimo"/>
+                <a:sym typeface="Arimo"/>
+              </a:rPr>
+              <a:t>Jodel Alert will send Linnéstudenterna an email when such post is found</a:t>
             </a:r>
-            <a:endParaRPr b="0" i="0" sz="1800" u="none" cap="none" strike="noStrike">
+          </a:p>
+          <a:p>
+            <a:pPr marL="342900" marR="0" lvl="0" indent="-342900" algn="l" rtl="0">
+              <a:spcBef>
+                <a:spcPts val="360"/>
+              </a:spcBef>
+              <a:spcAft>
+                <a:spcPts val="0"/>
+              </a:spcAft>
+              <a:buSzPct val="25000"/>
+              <a:buNone/>
+            </a:pPr>
+            <a:endParaRPr sz="1800" b="0" i="0" u="none" strike="noStrike" cap="none">
               <a:solidFill>
                 <a:schemeClr val="dk1"/>
               </a:solidFill>
-              <a:latin typeface="Times New Roman"/>
-              <a:ea typeface="Times New Roman"/>
-              <a:cs typeface="Times New Roman"/>
-              <a:sym typeface="Times New Roman"/>
+              <a:latin typeface="Arimo"/>
+              <a:ea typeface="Arimo"/>
+              <a:cs typeface="Arimo"/>
+              <a:sym typeface="Arimo"/>
             </a:endParaRPr>
+          </a:p>
+          <a:p>
+            <a:pPr marL="342900" marR="0" lvl="0" indent="-342900" algn="l" rtl="0">
+              <a:spcBef>
+                <a:spcPts val="360"/>
+              </a:spcBef>
+              <a:spcAft>
+                <a:spcPts val="0"/>
+              </a:spcAft>
+              <a:buSzPct val="25000"/>
+              <a:buNone/>
+            </a:pPr>
+            <a:r>
+              <a:rPr lang="sv-SE" sz="1800" b="0" i="0" u="none" strike="noStrike" cap="none">
+                <a:solidFill>
+                  <a:schemeClr val="dk1"/>
+                </a:solidFill>
+                <a:latin typeface="Arimo"/>
+                <a:ea typeface="Arimo"/>
+                <a:cs typeface="Arimo"/>
+                <a:sym typeface="Arimo"/>
+              </a:rPr>
+              <a:t>Today Linnéstudenterna searches the feed manually when given time</a:t>
+            </a:r>
+          </a:p>
+          <a:p>
+            <a:pPr marL="342900" marR="0" lvl="0" indent="-342900" algn="l" rtl="0">
+              <a:spcBef>
+                <a:spcPts val="360"/>
+              </a:spcBef>
+              <a:spcAft>
+                <a:spcPts val="0"/>
+              </a:spcAft>
+              <a:buSzPct val="25000"/>
+              <a:buNone/>
+            </a:pPr>
+            <a:endParaRPr sz="1800" b="0" i="0" u="none" strike="noStrike" cap="none">
+              <a:solidFill>
+                <a:schemeClr val="dk1"/>
+              </a:solidFill>
+              <a:latin typeface="Arimo"/>
+              <a:ea typeface="Arimo"/>
+              <a:cs typeface="Arimo"/>
+              <a:sym typeface="Arimo"/>
+            </a:endParaRPr>
+          </a:p>
+          <a:p>
+            <a:pPr marL="342900" marR="0" lvl="0" indent="-342900" algn="l" rtl="0">
+              <a:spcBef>
+                <a:spcPts val="360"/>
+              </a:spcBef>
+              <a:spcAft>
+                <a:spcPts val="0"/>
+              </a:spcAft>
+              <a:buSzPct val="25000"/>
+              <a:buNone/>
+            </a:pPr>
+            <a:r>
+              <a:rPr lang="sv-SE" sz="1800" b="0" i="0" u="none" strike="noStrike" cap="none">
+                <a:solidFill>
+                  <a:schemeClr val="dk1"/>
+                </a:solidFill>
+                <a:latin typeface="Arimo"/>
+                <a:ea typeface="Arimo"/>
+                <a:cs typeface="Arimo"/>
+                <a:sym typeface="Arimo"/>
+              </a:rPr>
+              <a:t>Other companies can also benefit from this, in order to see what is trending for that company or what is said in general public by common man about that company</a:t>
+            </a:r>
           </a:p>
         </p:txBody>
       </p:sp>
@@ -8377,15 +8813,22 @@
   <p:clrMapOvr>
     <a:masterClrMapping/>
   </p:clrMapOvr>
+  <p:timing>
+    <p:tnLst>
+      <p:par>
+        <p:cTn id="1" dur="indefinite" restart="never" nodeType="tmRoot"/>
+      </p:par>
+    </p:tnLst>
+  </p:timing>
 </p:sld>
 </file>
 
 <file path=ppt/slides/slide4.xml><?xml version="1.0" encoding="utf-8"?>
-<p:sld xmlns:a="http://schemas.openxmlformats.org/drawingml/2006/main" xmlns:r="http://schemas.openxmlformats.org/officeDocument/2006/relationships" xmlns:mc="http://schemas.openxmlformats.org/markup-compatibility/2006" xmlns:mv="urn:schemas-microsoft-com:mac:vml" xmlns:p="http://schemas.openxmlformats.org/presentationml/2006/main" xmlns:c="http://schemas.openxmlformats.org/drawingml/2006/chart" xmlns:dgm="http://schemas.openxmlformats.org/drawingml/2006/diagram" xmlns:o="urn:schemas-microsoft-com:office:office" xmlns:v="urn:schemas-microsoft-com:vml" xmlns:pvml="urn:schemas-microsoft-com:office:powerpoint" xmlns:com="http://schemas.openxmlformats.org/drawingml/2006/compatibility" xmlns:p14="http://schemas.microsoft.com/office/powerpoint/2010/main">
+<p:sld xmlns:a="http://schemas.openxmlformats.org/drawingml/2006/main" xmlns:r="http://schemas.openxmlformats.org/officeDocument/2006/relationships" xmlns:p="http://schemas.openxmlformats.org/presentationml/2006/main">
   <p:cSld>
     <p:spTree>
       <p:nvGrpSpPr>
-        <p:cNvPr id="71" name="Shape 71"/>
+        <p:cNvPr id="1" name="Shape 59"/>
         <p:cNvGrpSpPr/>
         <p:nvPr/>
       </p:nvGrpSpPr>
@@ -8399,8 +8842,10 @@
       </p:grpSpPr>
       <p:sp>
         <p:nvSpPr>
-          <p:cNvPr id="72" name="Shape 72"/>
-          <p:cNvSpPr txBox="1"/>
+          <p:cNvPr id="60" name="Shape 60"/>
+          <p:cNvSpPr txBox="1">
+            <a:spLocks noGrp="1"/>
+          </p:cNvSpPr>
           <p:nvPr>
             <p:ph type="title"/>
           </p:nvPr>
@@ -8419,12 +8864,12 @@
           </a:ln>
         </p:spPr>
         <p:txBody>
-          <a:bodyPr anchorCtr="0" anchor="t" bIns="45700" lIns="91425" rIns="91425" tIns="45700">
+          <a:bodyPr lIns="91425" tIns="45700" rIns="91425" bIns="45700" anchor="t" anchorCtr="0">
             <a:noAutofit/>
           </a:bodyPr>
           <a:lstStyle/>
           <a:p>
-            <a:pPr indent="0" lvl="0" marL="0" marR="0" rtl="0" algn="l">
+            <a:pPr marL="0" marR="0" lvl="0" indent="0" algn="l" rtl="0">
               <a:lnSpc>
                 <a:spcPct val="100000"/>
               </a:lnSpc>
@@ -8438,7 +8883,7 @@
               <a:buNone/>
             </a:pPr>
             <a:r>
-              <a:rPr b="0" i="0" lang="sv-SE" sz="2700" u="none" cap="none" strike="noStrike">
+              <a:rPr lang="sv-SE" sz="2700" b="0" i="0" u="none" strike="noStrike" cap="none" dirty="0" smtClean="0">
                 <a:solidFill>
                   <a:schemeClr val="dk1"/>
                 </a:solidFill>
@@ -8447,76 +8892,9 @@
                 <a:cs typeface="Arimo"/>
                 <a:sym typeface="Arimo"/>
               </a:rPr>
-              <a:t>Jodel Alert</a:t>
+              <a:t>Flow of scenarios</a:t>
             </a:r>
-          </a:p>
-        </p:txBody>
-      </p:sp>
-      <p:sp>
-        <p:nvSpPr>
-          <p:cNvPr id="73" name="Shape 73"/>
-          <p:cNvSpPr txBox="1"/>
-          <p:nvPr>
-            <p:ph idx="1" type="body"/>
-          </p:nvPr>
-        </p:nvSpPr>
-        <p:spPr>
-          <a:xfrm>
-            <a:off x="706437" y="1651000"/>
-            <a:ext cx="7658100" cy="4356099"/>
-          </a:xfrm>
-          <a:prstGeom prst="rect">
-            <a:avLst/>
-          </a:prstGeom>
-          <a:noFill/>
-          <a:ln>
-            <a:noFill/>
-          </a:ln>
-        </p:spPr>
-        <p:txBody>
-          <a:bodyPr anchorCtr="0" anchor="t" bIns="45700" lIns="91425" rIns="91425" tIns="45700">
-            <a:noAutofit/>
-          </a:bodyPr>
-          <a:lstStyle/>
-          <a:p>
-            <a:pPr indent="-342900" lvl="0" marL="342900" marR="0" rtl="0" algn="l">
-              <a:spcBef>
-                <a:spcPts val="0"/>
-              </a:spcBef>
-              <a:spcAft>
-                <a:spcPts val="0"/>
-              </a:spcAft>
-              <a:buSzPct val="25000"/>
-              <a:buNone/>
-            </a:pPr>
-            <a:r>
-              <a:rPr b="0" i="0" lang="sv-SE" sz="1800" u="none" cap="none" strike="noStrike">
-                <a:solidFill>
-                  <a:schemeClr val="dk1"/>
-                </a:solidFill>
-                <a:latin typeface="Arimo"/>
-                <a:ea typeface="Arimo"/>
-                <a:cs typeface="Arimo"/>
-                <a:sym typeface="Arimo"/>
-              </a:rPr>
-              <a:t>Linnéstudenterna wants to tap into the feed and get an alert when someone posts about accomodation, exams, cheating and students getting mistreated from the university etc (keywords)</a:t>
-            </a:r>
-          </a:p>
-          <a:p>
-            <a:pPr indent="-342900" lvl="0" marL="342900" marR="0" rtl="0" algn="l">
-              <a:spcBef>
-                <a:spcPts val="360"/>
-              </a:spcBef>
-              <a:spcAft>
-                <a:spcPts val="0"/>
-              </a:spcAft>
-              <a:buSzPct val="25000"/>
-              <a:buNone/>
-            </a:pPr>
-            <a:r>
-              <a:t/>
-            </a:r>
-            <a:endParaRPr b="0" i="0" sz="1800" u="none" cap="none" strike="noStrike">
+            <a:endParaRPr lang="sv-SE" sz="2700" b="0" i="0" u="none" strike="noStrike" cap="none" dirty="0">
               <a:solidFill>
                 <a:schemeClr val="dk1"/>
               </a:solidFill>
@@ -8526,142 +8904,78 @@
               <a:sym typeface="Arimo"/>
             </a:endParaRPr>
           </a:p>
+        </p:txBody>
+      </p:sp>
+      <p:sp>
+        <p:nvSpPr>
+          <p:cNvPr id="2" name="Text Placeholder 1"/>
+          <p:cNvSpPr>
+            <a:spLocks noGrp="1"/>
+          </p:cNvSpPr>
+          <p:nvPr>
+            <p:ph type="body" idx="1"/>
+          </p:nvPr>
+        </p:nvSpPr>
+        <p:spPr/>
+        <p:txBody>
+          <a:bodyPr/>
+          <a:lstStyle/>
           <a:p>
-            <a:pPr indent="-342900" lvl="0" marL="342900" marR="0" rtl="0" algn="l">
-              <a:spcBef>
-                <a:spcPts val="360"/>
-              </a:spcBef>
-              <a:spcAft>
-                <a:spcPts val="0"/>
-              </a:spcAft>
-              <a:buSzPct val="25000"/>
-              <a:buNone/>
-            </a:pPr>
-            <a:r>
-              <a:rPr b="0" i="0" lang="sv-SE" sz="1800" u="none" cap="none" strike="noStrike">
-                <a:solidFill>
-                  <a:schemeClr val="dk1"/>
-                </a:solidFill>
-                <a:latin typeface="Arimo"/>
-                <a:ea typeface="Arimo"/>
-                <a:cs typeface="Arimo"/>
-                <a:sym typeface="Arimo"/>
-              </a:rPr>
-              <a:t>Jodel Alert will send Linnéstudenterna an email when such post is found</a:t>
-            </a:r>
-          </a:p>
-          <a:p>
-            <a:pPr indent="-342900" lvl="0" marL="342900" marR="0" rtl="0" algn="l">
-              <a:spcBef>
-                <a:spcPts val="360"/>
-              </a:spcBef>
-              <a:spcAft>
-                <a:spcPts val="0"/>
-              </a:spcAft>
-              <a:buSzPct val="25000"/>
-              <a:buNone/>
-            </a:pPr>
-            <a:r>
-              <a:t/>
-            </a:r>
-            <a:endParaRPr b="0" i="0" sz="1800" u="none" cap="none" strike="noStrike">
-              <a:solidFill>
-                <a:schemeClr val="dk1"/>
-              </a:solidFill>
-              <a:latin typeface="Arimo"/>
-              <a:ea typeface="Arimo"/>
-              <a:cs typeface="Arimo"/>
-              <a:sym typeface="Arimo"/>
-            </a:endParaRPr>
-          </a:p>
-          <a:p>
-            <a:pPr indent="-342900" lvl="0" marL="342900" marR="0" rtl="0" algn="l">
-              <a:spcBef>
-                <a:spcPts val="360"/>
-              </a:spcBef>
-              <a:spcAft>
-                <a:spcPts val="0"/>
-              </a:spcAft>
-              <a:buSzPct val="25000"/>
-              <a:buNone/>
-            </a:pPr>
-            <a:r>
-              <a:rPr b="0" i="0" lang="sv-SE" sz="1800" u="none" cap="none" strike="noStrike">
-                <a:solidFill>
-                  <a:schemeClr val="dk1"/>
-                </a:solidFill>
-                <a:latin typeface="Arimo"/>
-                <a:ea typeface="Arimo"/>
-                <a:cs typeface="Arimo"/>
-                <a:sym typeface="Arimo"/>
-              </a:rPr>
-              <a:t>Today Linnéstudenterna searches the feed manually when given time</a:t>
-            </a:r>
-          </a:p>
-          <a:p>
-            <a:pPr indent="-342900" lvl="0" marL="342900" marR="0" rtl="0" algn="l">
-              <a:spcBef>
-                <a:spcPts val="360"/>
-              </a:spcBef>
-              <a:spcAft>
-                <a:spcPts val="0"/>
-              </a:spcAft>
-              <a:buSzPct val="25000"/>
-              <a:buNone/>
-            </a:pPr>
-            <a:r>
-              <a:t/>
-            </a:r>
-            <a:endParaRPr b="0" i="0" sz="1800" u="none" cap="none" strike="noStrike">
-              <a:solidFill>
-                <a:schemeClr val="dk1"/>
-              </a:solidFill>
-              <a:latin typeface="Arimo"/>
-              <a:ea typeface="Arimo"/>
-              <a:cs typeface="Arimo"/>
-              <a:sym typeface="Arimo"/>
-            </a:endParaRPr>
-          </a:p>
-          <a:p>
-            <a:pPr indent="-342900" lvl="0" marL="342900" marR="0" rtl="0" algn="l">
-              <a:spcBef>
-                <a:spcPts val="360"/>
-              </a:spcBef>
-              <a:spcAft>
-                <a:spcPts val="0"/>
-              </a:spcAft>
-              <a:buSzPct val="25000"/>
-              <a:buNone/>
-            </a:pPr>
-            <a:r>
-              <a:rPr b="0" i="0" lang="sv-SE" sz="1800" u="none" cap="none" strike="noStrike">
-                <a:solidFill>
-                  <a:schemeClr val="dk1"/>
-                </a:solidFill>
-                <a:latin typeface="Arimo"/>
-                <a:ea typeface="Arimo"/>
-                <a:cs typeface="Arimo"/>
-                <a:sym typeface="Arimo"/>
-              </a:rPr>
-              <a:t>Other companies can also benefit from this, in order to see what is trending for that company or what is said in general public by common man about that company</a:t>
-            </a:r>
+            <a:endParaRPr lang="en-US" dirty="0"/>
           </a:p>
         </p:txBody>
       </p:sp>
+      <p:pic>
+        <p:nvPicPr>
+          <p:cNvPr id="3" name="Picture 2"/>
+          <p:cNvPicPr>
+            <a:picLocks noChangeAspect="1"/>
+          </p:cNvPicPr>
+          <p:nvPr/>
+        </p:nvPicPr>
+        <p:blipFill>
+          <a:blip r:embed="rId3">
+            <a:extLst>
+              <a:ext uri="{28A0092B-C50C-407E-A947-70E740481C1C}">
+                <a14:useLocalDpi xmlns:a14="http://schemas.microsoft.com/office/drawing/2010/main" val="0"/>
+              </a:ext>
+            </a:extLst>
+          </a:blip>
+          <a:stretch>
+            <a:fillRect/>
+          </a:stretch>
+        </p:blipFill>
+        <p:spPr>
+          <a:xfrm>
+            <a:off x="323528" y="1196752"/>
+            <a:ext cx="7934807" cy="4792452"/>
+          </a:xfrm>
+          <a:prstGeom prst="rect">
+            <a:avLst/>
+          </a:prstGeom>
+        </p:spPr>
+      </p:pic>
     </p:spTree>
   </p:cSld>
   <p:clrMapOvr>
     <a:masterClrMapping/>
   </p:clrMapOvr>
+  <p:timing>
+    <p:tnLst>
+      <p:par>
+        <p:cTn id="1" dur="indefinite" restart="never" nodeType="tmRoot"/>
+      </p:par>
+    </p:tnLst>
+  </p:timing>
 </p:sld>
 </file>
 
 <file path=ppt/slides/slide5.xml><?xml version="1.0" encoding="utf-8"?>
-<p:sld xmlns:a="http://schemas.openxmlformats.org/drawingml/2006/main" xmlns:r="http://schemas.openxmlformats.org/officeDocument/2006/relationships" xmlns:mc="http://schemas.openxmlformats.org/markup-compatibility/2006" xmlns:mv="urn:schemas-microsoft-com:mac:vml" xmlns:p="http://schemas.openxmlformats.org/presentationml/2006/main" xmlns:c="http://schemas.openxmlformats.org/drawingml/2006/chart" xmlns:dgm="http://schemas.openxmlformats.org/drawingml/2006/diagram" xmlns:o="urn:schemas-microsoft-com:office:office" xmlns:v="urn:schemas-microsoft-com:vml" xmlns:pvml="urn:schemas-microsoft-com:office:powerpoint" xmlns:com="http://schemas.openxmlformats.org/drawingml/2006/compatibility" xmlns:p14="http://schemas.microsoft.com/office/powerpoint/2010/main">
+<p:sld xmlns:a="http://schemas.openxmlformats.org/drawingml/2006/main" xmlns:r="http://schemas.openxmlformats.org/officeDocument/2006/relationships" xmlns:p="http://schemas.openxmlformats.org/presentationml/2006/main">
   <p:cSld>
     <p:spTree>
       <p:nvGrpSpPr>
-        <p:cNvPr id="77" name="Shape 77"/>
+        <p:cNvPr id="1" name="Shape 77"/>
         <p:cNvGrpSpPr/>
         <p:nvPr/>
       </p:nvGrpSpPr>
@@ -8676,7 +8990,9 @@
       <p:sp>
         <p:nvSpPr>
           <p:cNvPr id="78" name="Shape 78"/>
-          <p:cNvSpPr txBox="1"/>
+          <p:cNvSpPr txBox="1">
+            <a:spLocks noGrp="1"/>
+          </p:cNvSpPr>
           <p:nvPr>
             <p:ph type="title"/>
           </p:nvPr>
@@ -8691,7 +9007,7 @@
           </a:prstGeom>
         </p:spPr>
         <p:txBody>
-          <a:bodyPr anchorCtr="0" anchor="t" bIns="91425" lIns="91425" rIns="91425" tIns="91425">
+          <a:bodyPr lIns="91425" tIns="91425" rIns="91425" bIns="91425" anchor="t" anchorCtr="0">
             <a:noAutofit/>
           </a:bodyPr>
           <a:lstStyle/>
@@ -8712,9 +9028,11 @@
       <p:sp>
         <p:nvSpPr>
           <p:cNvPr id="79" name="Shape 79"/>
-          <p:cNvSpPr txBox="1"/>
+          <p:cNvSpPr txBox="1">
+            <a:spLocks noGrp="1"/>
+          </p:cNvSpPr>
           <p:nvPr>
-            <p:ph idx="1" type="body"/>
+            <p:ph type="body" idx="1"/>
           </p:nvPr>
         </p:nvSpPr>
         <p:spPr>
@@ -8727,7 +9045,7 @@
           </a:prstGeom>
         </p:spPr>
         <p:txBody>
-          <a:bodyPr anchorCtr="0" anchor="t" bIns="91425" lIns="91425" rIns="91425" tIns="91425">
+          <a:bodyPr lIns="91425" tIns="91425" rIns="91425" bIns="91425" anchor="t" anchorCtr="0">
             <a:noAutofit/>
           </a:bodyPr>
           <a:lstStyle/>
@@ -8879,12 +9197,12 @@
           </a:ln>
         </p:spPr>
         <p:txBody>
-          <a:bodyPr anchorCtr="0" anchor="t" bIns="91425" lIns="91425" rIns="91425" tIns="91425">
+          <a:bodyPr lIns="91425" tIns="91425" rIns="91425" bIns="91425" anchor="t" anchorCtr="0">
             <a:noAutofit/>
           </a:bodyPr>
           <a:lstStyle/>
           <a:p>
-            <a:pPr lvl="0" marL="342900" rtl="0">
+            <a:pPr marL="342900" lvl="0" rtl="0">
               <a:spcBef>
                 <a:spcPts val="360"/>
               </a:spcBef>
@@ -8909,7 +9227,7 @@
             </a:r>
           </a:p>
           <a:p>
-            <a:pPr lvl="0" marL="342900" rtl="0">
+            <a:pPr marL="342900" lvl="0" rtl="0">
               <a:spcBef>
                 <a:spcPts val="360"/>
               </a:spcBef>
@@ -8934,7 +9252,7 @@
             </a:r>
           </a:p>
           <a:p>
-            <a:pPr lvl="0" marL="342900" rtl="0">
+            <a:pPr marL="342900" lvl="0" rtl="0">
               <a:spcBef>
                 <a:spcPts val="360"/>
               </a:spcBef>
@@ -8959,7 +9277,7 @@
             </a:r>
           </a:p>
           <a:p>
-            <a:pPr lvl="0" marL="342900" rtl="0">
+            <a:pPr marL="342900" lvl="0" rtl="0">
               <a:spcBef>
                 <a:spcPts val="360"/>
               </a:spcBef>
@@ -8984,7 +9302,7 @@
             </a:r>
           </a:p>
           <a:p>
-            <a:pPr lvl="0" marL="342900" rtl="0">
+            <a:pPr marL="342900" lvl="0" rtl="0">
               <a:spcBef>
                 <a:spcPts val="360"/>
               </a:spcBef>
@@ -9009,7 +9327,7 @@
             </a:r>
           </a:p>
           <a:p>
-            <a:pPr lvl="0" marL="342900" rtl="0">
+            <a:pPr marL="342900" lvl="0" rtl="0">
               <a:spcBef>
                 <a:spcPts val="360"/>
               </a:spcBef>
@@ -9034,7 +9352,7 @@
             </a:r>
           </a:p>
           <a:p>
-            <a:pPr lvl="0" marL="342900" rtl="0">
+            <a:pPr marL="342900" lvl="0" rtl="0">
               <a:spcBef>
                 <a:spcPts val="360"/>
               </a:spcBef>
@@ -9065,15 +9383,22 @@
   <p:clrMapOvr>
     <a:masterClrMapping/>
   </p:clrMapOvr>
+  <p:timing>
+    <p:tnLst>
+      <p:par>
+        <p:cTn id="1" dur="indefinite" restart="never" nodeType="tmRoot"/>
+      </p:par>
+    </p:tnLst>
+  </p:timing>
 </p:sld>
 </file>
 
 <file path=ppt/slides/slide6.xml><?xml version="1.0" encoding="utf-8"?>
-<p:sld xmlns:a="http://schemas.openxmlformats.org/drawingml/2006/main" xmlns:r="http://schemas.openxmlformats.org/officeDocument/2006/relationships" xmlns:mc="http://schemas.openxmlformats.org/markup-compatibility/2006" xmlns:mv="urn:schemas-microsoft-com:mac:vml" xmlns:p="http://schemas.openxmlformats.org/presentationml/2006/main" xmlns:c="http://schemas.openxmlformats.org/drawingml/2006/chart" xmlns:dgm="http://schemas.openxmlformats.org/drawingml/2006/diagram" xmlns:o="urn:schemas-microsoft-com:office:office" xmlns:v="urn:schemas-microsoft-com:vml" xmlns:pvml="urn:schemas-microsoft-com:office:powerpoint" xmlns:com="http://schemas.openxmlformats.org/drawingml/2006/compatibility" xmlns:p14="http://schemas.microsoft.com/office/powerpoint/2010/main">
+<p:sld xmlns:a="http://schemas.openxmlformats.org/drawingml/2006/main" xmlns:r="http://schemas.openxmlformats.org/officeDocument/2006/relationships" xmlns:p="http://schemas.openxmlformats.org/presentationml/2006/main">
   <p:cSld>
     <p:spTree>
       <p:nvGrpSpPr>
-        <p:cNvPr id="84" name="Shape 84"/>
+        <p:cNvPr id="1" name="Shape 84"/>
         <p:cNvGrpSpPr/>
         <p:nvPr/>
       </p:nvGrpSpPr>
@@ -9088,7 +9413,9 @@
       <p:sp>
         <p:nvSpPr>
           <p:cNvPr id="85" name="Shape 85"/>
-          <p:cNvSpPr txBox="1"/>
+          <p:cNvSpPr txBox="1">
+            <a:spLocks noGrp="1"/>
+          </p:cNvSpPr>
           <p:nvPr>
             <p:ph type="title"/>
           </p:nvPr>
@@ -9103,7 +9430,7 @@
           </a:prstGeom>
         </p:spPr>
         <p:txBody>
-          <a:bodyPr anchorCtr="0" anchor="t" bIns="91425" lIns="91425" rIns="91425" tIns="91425">
+          <a:bodyPr lIns="91425" tIns="91425" rIns="91425" bIns="91425" anchor="t" anchorCtr="0">
             <a:noAutofit/>
           </a:bodyPr>
           <a:lstStyle/>
@@ -9114,9 +9441,6 @@
               </a:spcBef>
               <a:buNone/>
             </a:pPr>
-            <a:r>
-              <a:t/>
-            </a:r>
             <a:endParaRPr/>
           </a:p>
         </p:txBody>
@@ -9124,9 +9448,11 @@
       <p:sp>
         <p:nvSpPr>
           <p:cNvPr id="86" name="Shape 86"/>
-          <p:cNvSpPr txBox="1"/>
+          <p:cNvSpPr txBox="1">
+            <a:spLocks noGrp="1"/>
+          </p:cNvSpPr>
           <p:nvPr>
-            <p:ph idx="1" type="body"/>
+            <p:ph type="body" idx="1"/>
           </p:nvPr>
         </p:nvSpPr>
         <p:spPr>
@@ -9139,7 +9465,7 @@
           </a:prstGeom>
         </p:spPr>
         <p:txBody>
-          <a:bodyPr anchorCtr="0" anchor="t" bIns="91425" lIns="91425" rIns="91425" tIns="91425">
+          <a:bodyPr lIns="91425" tIns="91425" rIns="91425" bIns="91425" anchor="t" anchorCtr="0">
             <a:noAutofit/>
           </a:bodyPr>
           <a:lstStyle/>
@@ -9150,9 +9476,6 @@
               </a:spcBef>
               <a:buNone/>
             </a:pPr>
-            <a:r>
-              <a:t/>
-            </a:r>
             <a:endParaRPr/>
           </a:p>
         </p:txBody>
@@ -9190,11 +9513,127 @@
   <p:clrMapOvr>
     <a:masterClrMapping/>
   </p:clrMapOvr>
+  <p:timing>
+    <p:tnLst>
+      <p:par>
+        <p:cTn id="1" dur="indefinite" restart="never" nodeType="tmRoot"/>
+      </p:par>
+    </p:tnLst>
+  </p:timing>
+</p:sld>
+</file>
+
+<file path=ppt/slides/slide7.xml><?xml version="1.0" encoding="utf-8"?>
+<p:sld xmlns:a="http://schemas.openxmlformats.org/drawingml/2006/main" xmlns:r="http://schemas.openxmlformats.org/officeDocument/2006/relationships" xmlns:p="http://schemas.openxmlformats.org/presentationml/2006/main">
+  <p:cSld>
+    <p:spTree>
+      <p:nvGrpSpPr>
+        <p:cNvPr id="1" name=""/>
+        <p:cNvGrpSpPr/>
+        <p:nvPr/>
+      </p:nvGrpSpPr>
+      <p:grpSpPr>
+        <a:xfrm>
+          <a:off x="0" y="0"/>
+          <a:ext cx="0" cy="0"/>
+          <a:chOff x="0" y="0"/>
+          <a:chExt cx="0" cy="0"/>
+        </a:xfrm>
+      </p:grpSpPr>
+      <p:sp>
+        <p:nvSpPr>
+          <p:cNvPr id="2" name="Title 1"/>
+          <p:cNvSpPr>
+            <a:spLocks noGrp="1"/>
+          </p:cNvSpPr>
+          <p:nvPr>
+            <p:ph type="title"/>
+          </p:nvPr>
+        </p:nvSpPr>
+        <p:spPr/>
+        <p:txBody>
+          <a:bodyPr/>
+          <a:lstStyle/>
+          <a:p>
+            <a:r>
+              <a:rPr lang="sv-SE" dirty="0" smtClean="0"/>
+              <a:t>Participating Objects</a:t>
+            </a:r>
+            <a:endParaRPr lang="en-US" dirty="0"/>
+          </a:p>
+        </p:txBody>
+      </p:sp>
+      <p:sp>
+        <p:nvSpPr>
+          <p:cNvPr id="3" name="Text Placeholder 2"/>
+          <p:cNvSpPr>
+            <a:spLocks noGrp="1"/>
+          </p:cNvSpPr>
+          <p:nvPr>
+            <p:ph type="body" idx="1"/>
+          </p:nvPr>
+        </p:nvSpPr>
+        <p:spPr/>
+        <p:txBody>
+          <a:bodyPr/>
+          <a:lstStyle/>
+          <a:p>
+            <a:endParaRPr lang="en-US" dirty="0"/>
+          </a:p>
+        </p:txBody>
+      </p:sp>
+      <p:pic>
+        <p:nvPicPr>
+          <p:cNvPr id="4" name="Picture 3"/>
+          <p:cNvPicPr>
+            <a:picLocks noChangeAspect="1"/>
+          </p:cNvPicPr>
+          <p:nvPr/>
+        </p:nvPicPr>
+        <p:blipFill>
+          <a:blip r:embed="rId2">
+            <a:extLst>
+              <a:ext uri="{28A0092B-C50C-407E-A947-70E740481C1C}">
+                <a14:useLocalDpi xmlns:a14="http://schemas.microsoft.com/office/drawing/2010/main" val="0"/>
+              </a:ext>
+            </a:extLst>
+          </a:blip>
+          <a:stretch>
+            <a:fillRect/>
+          </a:stretch>
+        </p:blipFill>
+        <p:spPr>
+          <a:xfrm>
+            <a:off x="611560" y="1412061"/>
+            <a:ext cx="7380312" cy="4549348"/>
+          </a:xfrm>
+          <a:prstGeom prst="rect">
+            <a:avLst/>
+          </a:prstGeom>
+        </p:spPr>
+      </p:pic>
+    </p:spTree>
+    <p:extLst>
+      <p:ext uri="{BB962C8B-B14F-4D97-AF65-F5344CB8AC3E}">
+        <p14:creationId xmlns:p14="http://schemas.microsoft.com/office/powerpoint/2010/main" val="1053327964"/>
+      </p:ext>
+    </p:extLst>
+  </p:cSld>
+  <p:clrMapOvr>
+    <a:masterClrMapping/>
+  </p:clrMapOvr>
+  <p:timing>
+    <p:tnLst>
+      <p:par>
+        <p:cTn id="1" dur="indefinite" restart="never" nodeType="tmRoot"/>
+      </p:par>
+    </p:tnLst>
+  </p:timing>
 </p:sld>
 </file>
 
 <file path=ppt/theme/theme1.xml><?xml version="1.0" encoding="utf-8"?>
-<a:theme xmlns:a="http://schemas.openxmlformats.org/drawingml/2006/main" xmlns:r="http://schemas.openxmlformats.org/officeDocument/2006/relationships" name="1_Office Theme">
+<a:theme xmlns:a="http://schemas.openxmlformats.org/drawingml/2006/main" name="1_Office Theme">
   <a:themeElements>
     <a:clrScheme name="1_Office Theme 1">
       <a:dk1>
@@ -9469,11 +9908,13 @@
       </a:bgFillStyleLst>
     </a:fmtScheme>
   </a:themeElements>
+  <a:objectDefaults/>
+  <a:extraClrSchemeLst/>
 </a:theme>
 </file>
 
 <file path=ppt/theme/theme2.xml><?xml version="1.0" encoding="utf-8"?>
-<a:theme xmlns:a="http://schemas.openxmlformats.org/drawingml/2006/main" xmlns:r="http://schemas.openxmlformats.org/officeDocument/2006/relationships" name="Custom Theme">
+<a:theme xmlns:a="http://schemas.openxmlformats.org/drawingml/2006/main" name="Custom Theme">
   <a:themeElements>
     <a:clrScheme name="Default">
       <a:dk1>
@@ -9748,5 +10189,7 @@
       </a:bgFillStyleLst>
     </a:fmtScheme>
   </a:themeElements>
+  <a:objectDefaults/>
+  <a:extraClrSchemeLst/>
 </a:theme>
 </file>
--- a/JodelAlert.pptx
+++ b/JodelAlert.pptx
@@ -5,24 +5,29 @@
     <p:sldMasterId id="2147483659" r:id="rId1"/>
   </p:sldMasterIdLst>
   <p:notesMasterIdLst>
-    <p:notesMasterId r:id="rId9"/>
+    <p:notesMasterId r:id="rId14"/>
   </p:notesMasterIdLst>
   <p:sldIdLst>
     <p:sldId id="256" r:id="rId2"/>
     <p:sldId id="258" r:id="rId3"/>
     <p:sldId id="259" r:id="rId4"/>
-    <p:sldId id="257" r:id="rId5"/>
-    <p:sldId id="260" r:id="rId6"/>
-    <p:sldId id="261" r:id="rId7"/>
-    <p:sldId id="262" r:id="rId8"/>
+    <p:sldId id="263" r:id="rId5"/>
+    <p:sldId id="264" r:id="rId6"/>
+    <p:sldId id="265" r:id="rId7"/>
+    <p:sldId id="266" r:id="rId8"/>
+    <p:sldId id="257" r:id="rId9"/>
+    <p:sldId id="267" r:id="rId10"/>
+    <p:sldId id="260" r:id="rId11"/>
+    <p:sldId id="261" r:id="rId12"/>
+    <p:sldId id="262" r:id="rId13"/>
   </p:sldIdLst>
   <p:sldSz cx="9144000" cy="6858000" type="screen4x3"/>
   <p:notesSz cx="6858000" cy="9144000"/>
   <p:embeddedFontLst>
     <p:embeddedFont>
       <p:font typeface="Arimo" panose="020B0604020202020204" charset="0"/>
-      <p:regular r:id="rId10"/>
-      <p:bold r:id="rId11"/>
+      <p:regular r:id="rId15"/>
+      <p:bold r:id="rId16"/>
     </p:embeddedFont>
   </p:embeddedFontLst>
   <p:defaultTextStyle>
@@ -665,8 +670,8 @@
         </p:nvSpPr>
         <p:spPr>
           <a:xfrm>
-            <a:off x="1143225" y="685800"/>
-            <a:ext cx="4572225" cy="3429000"/>
+            <a:off x="1143000" y="685800"/>
+            <a:ext cx="4572000" cy="3429000"/>
           </a:xfrm>
           <a:custGeom>
             <a:avLst/>
@@ -8360,617 +8365,7 @@
 </p:sld>
 </file>
 
-<file path=ppt/slides/slide2.xml><?xml version="1.0" encoding="utf-8"?>
-<p:sld xmlns:a="http://schemas.openxmlformats.org/drawingml/2006/main" xmlns:r="http://schemas.openxmlformats.org/officeDocument/2006/relationships" xmlns:p="http://schemas.openxmlformats.org/presentationml/2006/main">
-  <p:cSld>
-    <p:spTree>
-      <p:nvGrpSpPr>
-        <p:cNvPr id="1" name="Shape 65"/>
-        <p:cNvGrpSpPr/>
-        <p:nvPr/>
-      </p:nvGrpSpPr>
-      <p:grpSpPr>
-        <a:xfrm>
-          <a:off x="0" y="0"/>
-          <a:ext cx="0" cy="0"/>
-          <a:chOff x="0" y="0"/>
-          <a:chExt cx="0" cy="0"/>
-        </a:xfrm>
-      </p:grpSpPr>
-      <p:sp>
-        <p:nvSpPr>
-          <p:cNvPr id="66" name="Shape 66"/>
-          <p:cNvSpPr txBox="1">
-            <a:spLocks noGrp="1"/>
-          </p:cNvSpPr>
-          <p:nvPr>
-            <p:ph type="title"/>
-          </p:nvPr>
-        </p:nvSpPr>
-        <p:spPr>
-          <a:xfrm>
-            <a:off x="704850" y="806450"/>
-            <a:ext cx="7645400" cy="755649"/>
-          </a:xfrm>
-          <a:prstGeom prst="rect">
-            <a:avLst/>
-          </a:prstGeom>
-          <a:noFill/>
-          <a:ln>
-            <a:noFill/>
-          </a:ln>
-        </p:spPr>
-        <p:txBody>
-          <a:bodyPr lIns="91425" tIns="45700" rIns="91425" bIns="45700" anchor="t" anchorCtr="0">
-            <a:noAutofit/>
-          </a:bodyPr>
-          <a:lstStyle/>
-          <a:p>
-            <a:pPr marL="0" marR="0" lvl="0" indent="0" algn="l" rtl="0">
-              <a:lnSpc>
-                <a:spcPct val="100000"/>
-              </a:lnSpc>
-              <a:spcBef>
-                <a:spcPts val="0"/>
-              </a:spcBef>
-              <a:spcAft>
-                <a:spcPts val="0"/>
-              </a:spcAft>
-              <a:buSzPct val="25000"/>
-              <a:buNone/>
-            </a:pPr>
-            <a:r>
-              <a:rPr lang="sv-SE" sz="2700" b="0" i="0" u="none" strike="noStrike" cap="none">
-                <a:solidFill>
-                  <a:schemeClr val="dk1"/>
-                </a:solidFill>
-                <a:latin typeface="Arimo"/>
-                <a:ea typeface="Arimo"/>
-                <a:cs typeface="Arimo"/>
-                <a:sym typeface="Arimo"/>
-              </a:rPr>
-              <a:t>Jodel</a:t>
-            </a:r>
-          </a:p>
-        </p:txBody>
-      </p:sp>
-      <p:sp>
-        <p:nvSpPr>
-          <p:cNvPr id="67" name="Shape 67"/>
-          <p:cNvSpPr txBox="1">
-            <a:spLocks noGrp="1"/>
-          </p:cNvSpPr>
-          <p:nvPr>
-            <p:ph type="body" idx="1"/>
-          </p:nvPr>
-        </p:nvSpPr>
-        <p:spPr>
-          <a:xfrm>
-            <a:off x="706437" y="1651000"/>
-            <a:ext cx="7658100" cy="4356099"/>
-          </a:xfrm>
-          <a:prstGeom prst="rect">
-            <a:avLst/>
-          </a:prstGeom>
-          <a:noFill/>
-          <a:ln>
-            <a:noFill/>
-          </a:ln>
-        </p:spPr>
-        <p:txBody>
-          <a:bodyPr lIns="91425" tIns="45700" rIns="91425" bIns="45700" anchor="t" anchorCtr="0">
-            <a:noAutofit/>
-          </a:bodyPr>
-          <a:lstStyle/>
-          <a:p>
-            <a:pPr marL="342900" marR="0" lvl="0" indent="-342900" algn="l" rtl="0">
-              <a:spcBef>
-                <a:spcPts val="0"/>
-              </a:spcBef>
-              <a:spcAft>
-                <a:spcPts val="0"/>
-              </a:spcAft>
-              <a:buSzPct val="25000"/>
-              <a:buNone/>
-            </a:pPr>
-            <a:r>
-              <a:rPr lang="sv-SE" sz="1800" b="0" i="0" u="none" strike="noStrike" cap="none">
-                <a:solidFill>
-                  <a:schemeClr val="dk1"/>
-                </a:solidFill>
-                <a:latin typeface="Arimo"/>
-                <a:ea typeface="Arimo"/>
-                <a:cs typeface="Arimo"/>
-                <a:sym typeface="Arimo"/>
-              </a:rPr>
-              <a:t>An anonymous social application that targets students and campus life</a:t>
-            </a:r>
-          </a:p>
-          <a:p>
-            <a:pPr marL="342900" marR="0" lvl="0" indent="-342900" algn="l" rtl="0">
-              <a:spcBef>
-                <a:spcPts val="360"/>
-              </a:spcBef>
-              <a:spcAft>
-                <a:spcPts val="0"/>
-              </a:spcAft>
-              <a:buSzPct val="25000"/>
-              <a:buNone/>
-            </a:pPr>
-            <a:endParaRPr sz="1800" b="0" i="0" u="none" strike="noStrike" cap="none">
-              <a:solidFill>
-                <a:schemeClr val="dk1"/>
-              </a:solidFill>
-              <a:latin typeface="Times New Roman"/>
-              <a:ea typeface="Times New Roman"/>
-              <a:cs typeface="Times New Roman"/>
-              <a:sym typeface="Times New Roman"/>
-            </a:endParaRPr>
-          </a:p>
-          <a:p>
-            <a:pPr marL="342900" marR="0" lvl="0" indent="-342900" algn="l" rtl="0">
-              <a:spcBef>
-                <a:spcPts val="360"/>
-              </a:spcBef>
-              <a:spcAft>
-                <a:spcPts val="0"/>
-              </a:spcAft>
-              <a:buSzPct val="25000"/>
-              <a:buNone/>
-            </a:pPr>
-            <a:endParaRPr sz="1800" b="0" i="0" u="none" strike="noStrike" cap="none">
-              <a:solidFill>
-                <a:schemeClr val="dk1"/>
-              </a:solidFill>
-              <a:latin typeface="Times New Roman"/>
-              <a:ea typeface="Times New Roman"/>
-              <a:cs typeface="Times New Roman"/>
-              <a:sym typeface="Times New Roman"/>
-            </a:endParaRPr>
-          </a:p>
-        </p:txBody>
-      </p:sp>
-    </p:spTree>
-  </p:cSld>
-  <p:clrMapOvr>
-    <a:masterClrMapping/>
-  </p:clrMapOvr>
-  <p:timing>
-    <p:tnLst>
-      <p:par>
-        <p:cTn id="1" dur="indefinite" restart="never" nodeType="tmRoot"/>
-      </p:par>
-    </p:tnLst>
-  </p:timing>
-</p:sld>
-</file>
-
-<file path=ppt/slides/slide3.xml><?xml version="1.0" encoding="utf-8"?>
-<p:sld xmlns:a="http://schemas.openxmlformats.org/drawingml/2006/main" xmlns:r="http://schemas.openxmlformats.org/officeDocument/2006/relationships" xmlns:p="http://schemas.openxmlformats.org/presentationml/2006/main">
-  <p:cSld>
-    <p:spTree>
-      <p:nvGrpSpPr>
-        <p:cNvPr id="1" name="Shape 71"/>
-        <p:cNvGrpSpPr/>
-        <p:nvPr/>
-      </p:nvGrpSpPr>
-      <p:grpSpPr>
-        <a:xfrm>
-          <a:off x="0" y="0"/>
-          <a:ext cx="0" cy="0"/>
-          <a:chOff x="0" y="0"/>
-          <a:chExt cx="0" cy="0"/>
-        </a:xfrm>
-      </p:grpSpPr>
-      <p:sp>
-        <p:nvSpPr>
-          <p:cNvPr id="72" name="Shape 72"/>
-          <p:cNvSpPr txBox="1">
-            <a:spLocks noGrp="1"/>
-          </p:cNvSpPr>
-          <p:nvPr>
-            <p:ph type="title"/>
-          </p:nvPr>
-        </p:nvSpPr>
-        <p:spPr>
-          <a:xfrm>
-            <a:off x="704850" y="806450"/>
-            <a:ext cx="7645400" cy="755649"/>
-          </a:xfrm>
-          <a:prstGeom prst="rect">
-            <a:avLst/>
-          </a:prstGeom>
-          <a:noFill/>
-          <a:ln>
-            <a:noFill/>
-          </a:ln>
-        </p:spPr>
-        <p:txBody>
-          <a:bodyPr lIns="91425" tIns="45700" rIns="91425" bIns="45700" anchor="t" anchorCtr="0">
-            <a:noAutofit/>
-          </a:bodyPr>
-          <a:lstStyle/>
-          <a:p>
-            <a:pPr marL="0" marR="0" lvl="0" indent="0" algn="l" rtl="0">
-              <a:lnSpc>
-                <a:spcPct val="100000"/>
-              </a:lnSpc>
-              <a:spcBef>
-                <a:spcPts val="0"/>
-              </a:spcBef>
-              <a:spcAft>
-                <a:spcPts val="0"/>
-              </a:spcAft>
-              <a:buSzPct val="25000"/>
-              <a:buNone/>
-            </a:pPr>
-            <a:r>
-              <a:rPr lang="sv-SE" sz="2700" b="0" i="0" u="none" strike="noStrike" cap="none">
-                <a:solidFill>
-                  <a:schemeClr val="dk1"/>
-                </a:solidFill>
-                <a:latin typeface="Arimo"/>
-                <a:ea typeface="Arimo"/>
-                <a:cs typeface="Arimo"/>
-                <a:sym typeface="Arimo"/>
-              </a:rPr>
-              <a:t>Jodel Alert</a:t>
-            </a:r>
-          </a:p>
-        </p:txBody>
-      </p:sp>
-      <p:sp>
-        <p:nvSpPr>
-          <p:cNvPr id="73" name="Shape 73"/>
-          <p:cNvSpPr txBox="1">
-            <a:spLocks noGrp="1"/>
-          </p:cNvSpPr>
-          <p:nvPr>
-            <p:ph type="body" idx="1"/>
-          </p:nvPr>
-        </p:nvSpPr>
-        <p:spPr>
-          <a:xfrm>
-            <a:off x="706437" y="1651000"/>
-            <a:ext cx="7658100" cy="4356099"/>
-          </a:xfrm>
-          <a:prstGeom prst="rect">
-            <a:avLst/>
-          </a:prstGeom>
-          <a:noFill/>
-          <a:ln>
-            <a:noFill/>
-          </a:ln>
-        </p:spPr>
-        <p:txBody>
-          <a:bodyPr lIns="91425" tIns="45700" rIns="91425" bIns="45700" anchor="t" anchorCtr="0">
-            <a:noAutofit/>
-          </a:bodyPr>
-          <a:lstStyle/>
-          <a:p>
-            <a:pPr marL="342900" marR="0" lvl="0" indent="-342900" algn="l" rtl="0">
-              <a:spcBef>
-                <a:spcPts val="0"/>
-              </a:spcBef>
-              <a:spcAft>
-                <a:spcPts val="0"/>
-              </a:spcAft>
-              <a:buSzPct val="25000"/>
-              <a:buNone/>
-            </a:pPr>
-            <a:r>
-              <a:rPr lang="sv-SE" sz="1800" b="0" i="0" u="none" strike="noStrike" cap="none">
-                <a:solidFill>
-                  <a:schemeClr val="dk1"/>
-                </a:solidFill>
-                <a:latin typeface="Arimo"/>
-                <a:ea typeface="Arimo"/>
-                <a:cs typeface="Arimo"/>
-                <a:sym typeface="Arimo"/>
-              </a:rPr>
-              <a:t>Linnéstudenterna wants to tap into the feed and get an alert when someone posts about accomodation, exams, cheating and students getting mistreated from the university etc (keywords)</a:t>
-            </a:r>
-          </a:p>
-          <a:p>
-            <a:pPr marL="342900" marR="0" lvl="0" indent="-342900" algn="l" rtl="0">
-              <a:spcBef>
-                <a:spcPts val="360"/>
-              </a:spcBef>
-              <a:spcAft>
-                <a:spcPts val="0"/>
-              </a:spcAft>
-              <a:buSzPct val="25000"/>
-              <a:buNone/>
-            </a:pPr>
-            <a:endParaRPr sz="1800" b="0" i="0" u="none" strike="noStrike" cap="none">
-              <a:solidFill>
-                <a:schemeClr val="dk1"/>
-              </a:solidFill>
-              <a:latin typeface="Arimo"/>
-              <a:ea typeface="Arimo"/>
-              <a:cs typeface="Arimo"/>
-              <a:sym typeface="Arimo"/>
-            </a:endParaRPr>
-          </a:p>
-          <a:p>
-            <a:pPr marL="342900" marR="0" lvl="0" indent="-342900" algn="l" rtl="0">
-              <a:spcBef>
-                <a:spcPts val="360"/>
-              </a:spcBef>
-              <a:spcAft>
-                <a:spcPts val="0"/>
-              </a:spcAft>
-              <a:buSzPct val="25000"/>
-              <a:buNone/>
-            </a:pPr>
-            <a:r>
-              <a:rPr lang="sv-SE" sz="1800" b="0" i="0" u="none" strike="noStrike" cap="none">
-                <a:solidFill>
-                  <a:schemeClr val="dk1"/>
-                </a:solidFill>
-                <a:latin typeface="Arimo"/>
-                <a:ea typeface="Arimo"/>
-                <a:cs typeface="Arimo"/>
-                <a:sym typeface="Arimo"/>
-              </a:rPr>
-              <a:t>Jodel Alert will send Linnéstudenterna an email when such post is found</a:t>
-            </a:r>
-          </a:p>
-          <a:p>
-            <a:pPr marL="342900" marR="0" lvl="0" indent="-342900" algn="l" rtl="0">
-              <a:spcBef>
-                <a:spcPts val="360"/>
-              </a:spcBef>
-              <a:spcAft>
-                <a:spcPts val="0"/>
-              </a:spcAft>
-              <a:buSzPct val="25000"/>
-              <a:buNone/>
-            </a:pPr>
-            <a:endParaRPr sz="1800" b="0" i="0" u="none" strike="noStrike" cap="none">
-              <a:solidFill>
-                <a:schemeClr val="dk1"/>
-              </a:solidFill>
-              <a:latin typeface="Arimo"/>
-              <a:ea typeface="Arimo"/>
-              <a:cs typeface="Arimo"/>
-              <a:sym typeface="Arimo"/>
-            </a:endParaRPr>
-          </a:p>
-          <a:p>
-            <a:pPr marL="342900" marR="0" lvl="0" indent="-342900" algn="l" rtl="0">
-              <a:spcBef>
-                <a:spcPts val="360"/>
-              </a:spcBef>
-              <a:spcAft>
-                <a:spcPts val="0"/>
-              </a:spcAft>
-              <a:buSzPct val="25000"/>
-              <a:buNone/>
-            </a:pPr>
-            <a:r>
-              <a:rPr lang="sv-SE" sz="1800" b="0" i="0" u="none" strike="noStrike" cap="none">
-                <a:solidFill>
-                  <a:schemeClr val="dk1"/>
-                </a:solidFill>
-                <a:latin typeface="Arimo"/>
-                <a:ea typeface="Arimo"/>
-                <a:cs typeface="Arimo"/>
-                <a:sym typeface="Arimo"/>
-              </a:rPr>
-              <a:t>Today Linnéstudenterna searches the feed manually when given time</a:t>
-            </a:r>
-          </a:p>
-          <a:p>
-            <a:pPr marL="342900" marR="0" lvl="0" indent="-342900" algn="l" rtl="0">
-              <a:spcBef>
-                <a:spcPts val="360"/>
-              </a:spcBef>
-              <a:spcAft>
-                <a:spcPts val="0"/>
-              </a:spcAft>
-              <a:buSzPct val="25000"/>
-              <a:buNone/>
-            </a:pPr>
-            <a:endParaRPr sz="1800" b="0" i="0" u="none" strike="noStrike" cap="none">
-              <a:solidFill>
-                <a:schemeClr val="dk1"/>
-              </a:solidFill>
-              <a:latin typeface="Arimo"/>
-              <a:ea typeface="Arimo"/>
-              <a:cs typeface="Arimo"/>
-              <a:sym typeface="Arimo"/>
-            </a:endParaRPr>
-          </a:p>
-          <a:p>
-            <a:pPr marL="342900" marR="0" lvl="0" indent="-342900" algn="l" rtl="0">
-              <a:spcBef>
-                <a:spcPts val="360"/>
-              </a:spcBef>
-              <a:spcAft>
-                <a:spcPts val="0"/>
-              </a:spcAft>
-              <a:buSzPct val="25000"/>
-              <a:buNone/>
-            </a:pPr>
-            <a:r>
-              <a:rPr lang="sv-SE" sz="1800" b="0" i="0" u="none" strike="noStrike" cap="none">
-                <a:solidFill>
-                  <a:schemeClr val="dk1"/>
-                </a:solidFill>
-                <a:latin typeface="Arimo"/>
-                <a:ea typeface="Arimo"/>
-                <a:cs typeface="Arimo"/>
-                <a:sym typeface="Arimo"/>
-              </a:rPr>
-              <a:t>Other companies can also benefit from this, in order to see what is trending for that company or what is said in general public by common man about that company</a:t>
-            </a:r>
-          </a:p>
-        </p:txBody>
-      </p:sp>
-    </p:spTree>
-  </p:cSld>
-  <p:clrMapOvr>
-    <a:masterClrMapping/>
-  </p:clrMapOvr>
-  <p:timing>
-    <p:tnLst>
-      <p:par>
-        <p:cTn id="1" dur="indefinite" restart="never" nodeType="tmRoot"/>
-      </p:par>
-    </p:tnLst>
-  </p:timing>
-</p:sld>
-</file>
-
-<file path=ppt/slides/slide4.xml><?xml version="1.0" encoding="utf-8"?>
-<p:sld xmlns:a="http://schemas.openxmlformats.org/drawingml/2006/main" xmlns:r="http://schemas.openxmlformats.org/officeDocument/2006/relationships" xmlns:p="http://schemas.openxmlformats.org/presentationml/2006/main">
-  <p:cSld>
-    <p:spTree>
-      <p:nvGrpSpPr>
-        <p:cNvPr id="1" name="Shape 59"/>
-        <p:cNvGrpSpPr/>
-        <p:nvPr/>
-      </p:nvGrpSpPr>
-      <p:grpSpPr>
-        <a:xfrm>
-          <a:off x="0" y="0"/>
-          <a:ext cx="0" cy="0"/>
-          <a:chOff x="0" y="0"/>
-          <a:chExt cx="0" cy="0"/>
-        </a:xfrm>
-      </p:grpSpPr>
-      <p:sp>
-        <p:nvSpPr>
-          <p:cNvPr id="60" name="Shape 60"/>
-          <p:cNvSpPr txBox="1">
-            <a:spLocks noGrp="1"/>
-          </p:cNvSpPr>
-          <p:nvPr>
-            <p:ph type="title"/>
-          </p:nvPr>
-        </p:nvSpPr>
-        <p:spPr>
-          <a:xfrm>
-            <a:off x="704850" y="806450"/>
-            <a:ext cx="7645400" cy="755649"/>
-          </a:xfrm>
-          <a:prstGeom prst="rect">
-            <a:avLst/>
-          </a:prstGeom>
-          <a:noFill/>
-          <a:ln>
-            <a:noFill/>
-          </a:ln>
-        </p:spPr>
-        <p:txBody>
-          <a:bodyPr lIns="91425" tIns="45700" rIns="91425" bIns="45700" anchor="t" anchorCtr="0">
-            <a:noAutofit/>
-          </a:bodyPr>
-          <a:lstStyle/>
-          <a:p>
-            <a:pPr marL="0" marR="0" lvl="0" indent="0" algn="l" rtl="0">
-              <a:lnSpc>
-                <a:spcPct val="100000"/>
-              </a:lnSpc>
-              <a:spcBef>
-                <a:spcPts val="0"/>
-              </a:spcBef>
-              <a:spcAft>
-                <a:spcPts val="0"/>
-              </a:spcAft>
-              <a:buSzPct val="25000"/>
-              <a:buNone/>
-            </a:pPr>
-            <a:r>
-              <a:rPr lang="sv-SE" sz="2700" b="0" i="0" u="none" strike="noStrike" cap="none" dirty="0" smtClean="0">
-                <a:solidFill>
-                  <a:schemeClr val="dk1"/>
-                </a:solidFill>
-                <a:latin typeface="Arimo"/>
-                <a:ea typeface="Arimo"/>
-                <a:cs typeface="Arimo"/>
-                <a:sym typeface="Arimo"/>
-              </a:rPr>
-              <a:t>Flow of scenarios</a:t>
-            </a:r>
-            <a:endParaRPr lang="sv-SE" sz="2700" b="0" i="0" u="none" strike="noStrike" cap="none" dirty="0">
-              <a:solidFill>
-                <a:schemeClr val="dk1"/>
-              </a:solidFill>
-              <a:latin typeface="Arimo"/>
-              <a:ea typeface="Arimo"/>
-              <a:cs typeface="Arimo"/>
-              <a:sym typeface="Arimo"/>
-            </a:endParaRPr>
-          </a:p>
-        </p:txBody>
-      </p:sp>
-      <p:sp>
-        <p:nvSpPr>
-          <p:cNvPr id="2" name="Text Placeholder 1"/>
-          <p:cNvSpPr>
-            <a:spLocks noGrp="1"/>
-          </p:cNvSpPr>
-          <p:nvPr>
-            <p:ph type="body" idx="1"/>
-          </p:nvPr>
-        </p:nvSpPr>
-        <p:spPr/>
-        <p:txBody>
-          <a:bodyPr/>
-          <a:lstStyle/>
-          <a:p>
-            <a:endParaRPr lang="en-US" dirty="0"/>
-          </a:p>
-        </p:txBody>
-      </p:sp>
-      <p:pic>
-        <p:nvPicPr>
-          <p:cNvPr id="3" name="Picture 2"/>
-          <p:cNvPicPr>
-            <a:picLocks noChangeAspect="1"/>
-          </p:cNvPicPr>
-          <p:nvPr/>
-        </p:nvPicPr>
-        <p:blipFill>
-          <a:blip r:embed="rId3">
-            <a:extLst>
-              <a:ext uri="{28A0092B-C50C-407E-A947-70E740481C1C}">
-                <a14:useLocalDpi xmlns:a14="http://schemas.microsoft.com/office/drawing/2010/main" val="0"/>
-              </a:ext>
-            </a:extLst>
-          </a:blip>
-          <a:stretch>
-            <a:fillRect/>
-          </a:stretch>
-        </p:blipFill>
-        <p:spPr>
-          <a:xfrm>
-            <a:off x="323528" y="1196752"/>
-            <a:ext cx="7934807" cy="4792452"/>
-          </a:xfrm>
-          <a:prstGeom prst="rect">
-            <a:avLst/>
-          </a:prstGeom>
-        </p:spPr>
-      </p:pic>
-    </p:spTree>
-  </p:cSld>
-  <p:clrMapOvr>
-    <a:masterClrMapping/>
-  </p:clrMapOvr>
-  <p:timing>
-    <p:tnLst>
-      <p:par>
-        <p:cTn id="1" dur="indefinite" restart="never" nodeType="tmRoot"/>
-      </p:par>
-    </p:tnLst>
-  </p:timing>
-</p:sld>
-</file>
-
-<file path=ppt/slides/slide5.xml><?xml version="1.0" encoding="utf-8"?>
+<file path=ppt/slides/slide10.xml><?xml version="1.0" encoding="utf-8"?>
 <p:sld xmlns:a="http://schemas.openxmlformats.org/drawingml/2006/main" xmlns:r="http://schemas.openxmlformats.org/officeDocument/2006/relationships" xmlns:p="http://schemas.openxmlformats.org/presentationml/2006/main">
   <p:cSld>
     <p:spTree>
@@ -9062,7 +8457,7 @@
               <a:buNone/>
             </a:pPr>
             <a:r>
-              <a:rPr lang="sv-SE"/>
+              <a:rPr lang="sv-SE" dirty="0"/>
               <a:t>"PostId"</a:t>
             </a:r>
           </a:p>
@@ -9079,7 +8474,7 @@
               <a:buNone/>
             </a:pPr>
             <a:r>
-              <a:rPr lang="sv-SE"/>
+              <a:rPr lang="sv-SE" dirty="0"/>
               <a:t>"Message"</a:t>
             </a:r>
           </a:p>
@@ -9096,7 +8491,7 @@
               <a:buNone/>
             </a:pPr>
             <a:r>
-              <a:rPr lang="sv-SE"/>
+              <a:rPr lang="sv-SE" dirty="0"/>
               <a:t>"CreatedAt"</a:t>
             </a:r>
           </a:p>
@@ -9113,7 +8508,7 @@
               <a:buNone/>
             </a:pPr>
             <a:r>
-              <a:rPr lang="sv-SE"/>
+              <a:rPr lang="sv-SE" dirty="0"/>
               <a:t>"UpdatedAt"</a:t>
             </a:r>
           </a:p>
@@ -9130,7 +8525,7 @@
               <a:buNone/>
             </a:pPr>
             <a:r>
-              <a:rPr lang="sv-SE"/>
+              <a:rPr lang="sv-SE" dirty="0"/>
               <a:t>"PinCount"</a:t>
             </a:r>
           </a:p>
@@ -9147,7 +8542,7 @@
               <a:buNone/>
             </a:pPr>
             <a:r>
-              <a:rPr lang="sv-SE"/>
+              <a:rPr lang="sv-SE" dirty="0"/>
               <a:t>"HexColor"</a:t>
             </a:r>
           </a:p>
@@ -9159,7 +8554,7 @@
               <a:buNone/>
             </a:pPr>
             <a:r>
-              <a:rPr lang="sv-SE"/>
+              <a:rPr lang="sv-SE" dirty="0"/>
               <a:t>"IsNotificationEnabled"</a:t>
             </a:r>
           </a:p>
@@ -9171,7 +8566,7 @@
               <a:buNone/>
             </a:pPr>
             <a:r>
-              <a:rPr lang="sv-SE"/>
+              <a:rPr lang="sv-SE" dirty="0"/>
               <a:t>"PostOwn"</a:t>
             </a:r>
           </a:p>
@@ -9393,7 +8788,7 @@
 </p:sld>
 </file>
 
-<file path=ppt/slides/slide6.xml><?xml version="1.0" encoding="utf-8"?>
+<file path=ppt/slides/slide11.xml><?xml version="1.0" encoding="utf-8"?>
 <p:sld xmlns:a="http://schemas.openxmlformats.org/drawingml/2006/main" xmlns:r="http://schemas.openxmlformats.org/officeDocument/2006/relationships" xmlns:p="http://schemas.openxmlformats.org/presentationml/2006/main">
   <p:cSld>
     <p:spTree>
@@ -9523,7 +8918,7 @@
 </p:sld>
 </file>
 
-<file path=ppt/slides/slide7.xml><?xml version="1.0" encoding="utf-8"?>
+<file path=ppt/slides/slide12.xml><?xml version="1.0" encoding="utf-8"?>
 <p:sld xmlns:a="http://schemas.openxmlformats.org/drawingml/2006/main" xmlns:r="http://schemas.openxmlformats.org/officeDocument/2006/relationships" xmlns:p="http://schemas.openxmlformats.org/presentationml/2006/main">
   <p:cSld>
     <p:spTree>
@@ -9616,6 +9011,1338 @@
     <p:extLst>
       <p:ext uri="{BB962C8B-B14F-4D97-AF65-F5344CB8AC3E}">
         <p14:creationId xmlns:p14="http://schemas.microsoft.com/office/powerpoint/2010/main" val="1053327964"/>
+      </p:ext>
+    </p:extLst>
+  </p:cSld>
+  <p:clrMapOvr>
+    <a:masterClrMapping/>
+  </p:clrMapOvr>
+  <p:timing>
+    <p:tnLst>
+      <p:par>
+        <p:cTn id="1" dur="indefinite" restart="never" nodeType="tmRoot"/>
+      </p:par>
+    </p:tnLst>
+  </p:timing>
+</p:sld>
+</file>
+
+<file path=ppt/slides/slide2.xml><?xml version="1.0" encoding="utf-8"?>
+<p:sld xmlns:a="http://schemas.openxmlformats.org/drawingml/2006/main" xmlns:r="http://schemas.openxmlformats.org/officeDocument/2006/relationships" xmlns:p="http://schemas.openxmlformats.org/presentationml/2006/main">
+  <p:cSld>
+    <p:spTree>
+      <p:nvGrpSpPr>
+        <p:cNvPr id="1" name="Shape 65"/>
+        <p:cNvGrpSpPr/>
+        <p:nvPr/>
+      </p:nvGrpSpPr>
+      <p:grpSpPr>
+        <a:xfrm>
+          <a:off x="0" y="0"/>
+          <a:ext cx="0" cy="0"/>
+          <a:chOff x="0" y="0"/>
+          <a:chExt cx="0" cy="0"/>
+        </a:xfrm>
+      </p:grpSpPr>
+      <p:sp>
+        <p:nvSpPr>
+          <p:cNvPr id="66" name="Shape 66"/>
+          <p:cNvSpPr txBox="1">
+            <a:spLocks noGrp="1"/>
+          </p:cNvSpPr>
+          <p:nvPr>
+            <p:ph type="title"/>
+          </p:nvPr>
+        </p:nvSpPr>
+        <p:spPr>
+          <a:xfrm>
+            <a:off x="704850" y="806450"/>
+            <a:ext cx="7645400" cy="755649"/>
+          </a:xfrm>
+          <a:prstGeom prst="rect">
+            <a:avLst/>
+          </a:prstGeom>
+          <a:noFill/>
+          <a:ln>
+            <a:noFill/>
+          </a:ln>
+        </p:spPr>
+        <p:txBody>
+          <a:bodyPr lIns="91425" tIns="45700" rIns="91425" bIns="45700" anchor="t" anchorCtr="0">
+            <a:noAutofit/>
+          </a:bodyPr>
+          <a:lstStyle/>
+          <a:p>
+            <a:pPr marL="0" marR="0" lvl="0" indent="0" algn="l" rtl="0">
+              <a:lnSpc>
+                <a:spcPct val="100000"/>
+              </a:lnSpc>
+              <a:spcBef>
+                <a:spcPts val="0"/>
+              </a:spcBef>
+              <a:spcAft>
+                <a:spcPts val="0"/>
+              </a:spcAft>
+              <a:buSzPct val="25000"/>
+              <a:buNone/>
+            </a:pPr>
+            <a:r>
+              <a:rPr lang="sv-SE" sz="2700" b="0" i="0" u="none" strike="noStrike" cap="none">
+                <a:solidFill>
+                  <a:schemeClr val="dk1"/>
+                </a:solidFill>
+                <a:latin typeface="Arimo"/>
+                <a:ea typeface="Arimo"/>
+                <a:cs typeface="Arimo"/>
+                <a:sym typeface="Arimo"/>
+              </a:rPr>
+              <a:t>Jodel</a:t>
+            </a:r>
+          </a:p>
+        </p:txBody>
+      </p:sp>
+      <p:sp>
+        <p:nvSpPr>
+          <p:cNvPr id="67" name="Shape 67"/>
+          <p:cNvSpPr txBox="1">
+            <a:spLocks noGrp="1"/>
+          </p:cNvSpPr>
+          <p:nvPr>
+            <p:ph type="body" idx="1"/>
+          </p:nvPr>
+        </p:nvSpPr>
+        <p:spPr>
+          <a:xfrm>
+            <a:off x="706437" y="1268760"/>
+            <a:ext cx="7658100" cy="4738339"/>
+          </a:xfrm>
+          <a:prstGeom prst="rect">
+            <a:avLst/>
+          </a:prstGeom>
+          <a:noFill/>
+          <a:ln>
+            <a:noFill/>
+          </a:ln>
+        </p:spPr>
+        <p:txBody>
+          <a:bodyPr lIns="91425" tIns="45700" rIns="91425" bIns="45700" anchor="t" anchorCtr="0">
+            <a:noAutofit/>
+          </a:bodyPr>
+          <a:lstStyle/>
+          <a:p>
+            <a:pPr marL="342900" marR="0" lvl="0" indent="-342900" algn="l" rtl="0">
+              <a:spcBef>
+                <a:spcPts val="0"/>
+              </a:spcBef>
+              <a:spcAft>
+                <a:spcPts val="0"/>
+              </a:spcAft>
+              <a:buSzPct val="25000"/>
+              <a:buNone/>
+            </a:pPr>
+            <a:r>
+              <a:rPr lang="sv-SE" sz="1800" b="0" i="0" u="none" strike="noStrike" cap="none" dirty="0">
+                <a:solidFill>
+                  <a:schemeClr val="dk1"/>
+                </a:solidFill>
+                <a:latin typeface="Arimo"/>
+                <a:ea typeface="Arimo"/>
+                <a:cs typeface="Arimo"/>
+                <a:sym typeface="Arimo"/>
+              </a:rPr>
+              <a:t>An anonymous social application that targets students and campus life</a:t>
+            </a:r>
+          </a:p>
+          <a:p>
+            <a:pPr marL="342900" marR="0" lvl="0" indent="-342900" algn="l" rtl="0">
+              <a:spcBef>
+                <a:spcPts val="360"/>
+              </a:spcBef>
+              <a:spcAft>
+                <a:spcPts val="0"/>
+              </a:spcAft>
+              <a:buSzPct val="25000"/>
+              <a:buNone/>
+            </a:pPr>
+            <a:endParaRPr sz="1800" b="0" i="0" u="none" strike="noStrike" cap="none" dirty="0">
+              <a:solidFill>
+                <a:schemeClr val="dk1"/>
+              </a:solidFill>
+              <a:latin typeface="Times New Roman"/>
+              <a:ea typeface="Times New Roman"/>
+              <a:cs typeface="Times New Roman"/>
+              <a:sym typeface="Times New Roman"/>
+            </a:endParaRPr>
+          </a:p>
+          <a:p>
+            <a:pPr marL="342900" marR="0" lvl="0" indent="-342900" algn="l" rtl="0">
+              <a:spcBef>
+                <a:spcPts val="360"/>
+              </a:spcBef>
+              <a:spcAft>
+                <a:spcPts val="0"/>
+              </a:spcAft>
+              <a:buSzPct val="25000"/>
+              <a:buNone/>
+            </a:pPr>
+            <a:endParaRPr sz="1800" b="0" i="0" u="none" strike="noStrike" cap="none" dirty="0">
+              <a:solidFill>
+                <a:schemeClr val="dk1"/>
+              </a:solidFill>
+              <a:latin typeface="Times New Roman"/>
+              <a:ea typeface="Times New Roman"/>
+              <a:cs typeface="Times New Roman"/>
+              <a:sym typeface="Times New Roman"/>
+            </a:endParaRPr>
+          </a:p>
+        </p:txBody>
+      </p:sp>
+      <p:pic>
+        <p:nvPicPr>
+          <p:cNvPr id="2" name="Picture 1"/>
+          <p:cNvPicPr>
+            <a:picLocks noChangeAspect="1"/>
+          </p:cNvPicPr>
+          <p:nvPr/>
+        </p:nvPicPr>
+        <p:blipFill>
+          <a:blip r:embed="rId3">
+            <a:extLst>
+              <a:ext uri="{28A0092B-C50C-407E-A947-70E740481C1C}">
+                <a14:useLocalDpi xmlns:a14="http://schemas.microsoft.com/office/drawing/2010/main" val="0"/>
+              </a:ext>
+            </a:extLst>
+          </a:blip>
+          <a:stretch>
+            <a:fillRect/>
+          </a:stretch>
+        </p:blipFill>
+        <p:spPr>
+          <a:xfrm>
+            <a:off x="2762605" y="1628800"/>
+            <a:ext cx="2778027" cy="4365104"/>
+          </a:xfrm>
+          <a:prstGeom prst="rect">
+            <a:avLst/>
+          </a:prstGeom>
+        </p:spPr>
+      </p:pic>
+    </p:spTree>
+  </p:cSld>
+  <p:clrMapOvr>
+    <a:masterClrMapping/>
+  </p:clrMapOvr>
+  <p:timing>
+    <p:tnLst>
+      <p:par>
+        <p:cTn id="1" dur="indefinite" restart="never" nodeType="tmRoot"/>
+      </p:par>
+    </p:tnLst>
+  </p:timing>
+</p:sld>
+</file>
+
+<file path=ppt/slides/slide3.xml><?xml version="1.0" encoding="utf-8"?>
+<p:sld xmlns:a="http://schemas.openxmlformats.org/drawingml/2006/main" xmlns:r="http://schemas.openxmlformats.org/officeDocument/2006/relationships" xmlns:p="http://schemas.openxmlformats.org/presentationml/2006/main">
+  <p:cSld>
+    <p:spTree>
+      <p:nvGrpSpPr>
+        <p:cNvPr id="1" name="Shape 71"/>
+        <p:cNvGrpSpPr/>
+        <p:nvPr/>
+      </p:nvGrpSpPr>
+      <p:grpSpPr>
+        <a:xfrm>
+          <a:off x="0" y="0"/>
+          <a:ext cx="0" cy="0"/>
+          <a:chOff x="0" y="0"/>
+          <a:chExt cx="0" cy="0"/>
+        </a:xfrm>
+      </p:grpSpPr>
+      <p:sp>
+        <p:nvSpPr>
+          <p:cNvPr id="72" name="Shape 72"/>
+          <p:cNvSpPr txBox="1">
+            <a:spLocks noGrp="1"/>
+          </p:cNvSpPr>
+          <p:nvPr>
+            <p:ph type="title"/>
+          </p:nvPr>
+        </p:nvSpPr>
+        <p:spPr>
+          <a:xfrm>
+            <a:off x="704850" y="806450"/>
+            <a:ext cx="7645400" cy="755649"/>
+          </a:xfrm>
+          <a:prstGeom prst="rect">
+            <a:avLst/>
+          </a:prstGeom>
+          <a:noFill/>
+          <a:ln>
+            <a:noFill/>
+          </a:ln>
+        </p:spPr>
+        <p:txBody>
+          <a:bodyPr lIns="91425" tIns="45700" rIns="91425" bIns="45700" anchor="t" anchorCtr="0">
+            <a:noAutofit/>
+          </a:bodyPr>
+          <a:lstStyle/>
+          <a:p>
+            <a:pPr marL="0" marR="0" lvl="0" indent="0" algn="l" rtl="0">
+              <a:lnSpc>
+                <a:spcPct val="100000"/>
+              </a:lnSpc>
+              <a:spcBef>
+                <a:spcPts val="0"/>
+              </a:spcBef>
+              <a:spcAft>
+                <a:spcPts val="0"/>
+              </a:spcAft>
+              <a:buSzPct val="25000"/>
+              <a:buNone/>
+            </a:pPr>
+            <a:r>
+              <a:rPr lang="sv-SE" sz="2700" b="0" i="0" u="none" strike="noStrike" cap="none">
+                <a:solidFill>
+                  <a:schemeClr val="dk1"/>
+                </a:solidFill>
+                <a:latin typeface="Arimo"/>
+                <a:ea typeface="Arimo"/>
+                <a:cs typeface="Arimo"/>
+                <a:sym typeface="Arimo"/>
+              </a:rPr>
+              <a:t>Jodel Alert</a:t>
+            </a:r>
+          </a:p>
+        </p:txBody>
+      </p:sp>
+      <p:sp>
+        <p:nvSpPr>
+          <p:cNvPr id="73" name="Shape 73"/>
+          <p:cNvSpPr txBox="1">
+            <a:spLocks noGrp="1"/>
+          </p:cNvSpPr>
+          <p:nvPr>
+            <p:ph type="body" idx="1"/>
+          </p:nvPr>
+        </p:nvSpPr>
+        <p:spPr>
+          <a:xfrm>
+            <a:off x="706437" y="1651000"/>
+            <a:ext cx="7658100" cy="4356099"/>
+          </a:xfrm>
+          <a:prstGeom prst="rect">
+            <a:avLst/>
+          </a:prstGeom>
+          <a:noFill/>
+          <a:ln>
+            <a:noFill/>
+          </a:ln>
+        </p:spPr>
+        <p:txBody>
+          <a:bodyPr lIns="91425" tIns="45700" rIns="91425" bIns="45700" anchor="t" anchorCtr="0">
+            <a:noAutofit/>
+          </a:bodyPr>
+          <a:lstStyle/>
+          <a:p>
+            <a:pPr marL="342900" marR="0" lvl="0" indent="-342900" algn="l" rtl="0">
+              <a:spcBef>
+                <a:spcPts val="0"/>
+              </a:spcBef>
+              <a:spcAft>
+                <a:spcPts val="0"/>
+              </a:spcAft>
+              <a:buSzPct val="25000"/>
+              <a:buNone/>
+            </a:pPr>
+            <a:r>
+              <a:rPr lang="sv-SE" sz="1800" b="0" i="0" u="none" strike="noStrike" cap="none">
+                <a:solidFill>
+                  <a:schemeClr val="dk1"/>
+                </a:solidFill>
+                <a:latin typeface="Arimo"/>
+                <a:ea typeface="Arimo"/>
+                <a:cs typeface="Arimo"/>
+                <a:sym typeface="Arimo"/>
+              </a:rPr>
+              <a:t>Linnéstudenterna wants to tap into the feed and get an alert when someone posts about accomodation, exams, cheating and students getting mistreated from the university etc (keywords)</a:t>
+            </a:r>
+          </a:p>
+          <a:p>
+            <a:pPr marL="342900" marR="0" lvl="0" indent="-342900" algn="l" rtl="0">
+              <a:spcBef>
+                <a:spcPts val="360"/>
+              </a:spcBef>
+              <a:spcAft>
+                <a:spcPts val="0"/>
+              </a:spcAft>
+              <a:buSzPct val="25000"/>
+              <a:buNone/>
+            </a:pPr>
+            <a:endParaRPr sz="1800" b="0" i="0" u="none" strike="noStrike" cap="none">
+              <a:solidFill>
+                <a:schemeClr val="dk1"/>
+              </a:solidFill>
+              <a:latin typeface="Arimo"/>
+              <a:ea typeface="Arimo"/>
+              <a:cs typeface="Arimo"/>
+              <a:sym typeface="Arimo"/>
+            </a:endParaRPr>
+          </a:p>
+          <a:p>
+            <a:pPr marL="342900" marR="0" lvl="0" indent="-342900" algn="l" rtl="0">
+              <a:spcBef>
+                <a:spcPts val="360"/>
+              </a:spcBef>
+              <a:spcAft>
+                <a:spcPts val="0"/>
+              </a:spcAft>
+              <a:buSzPct val="25000"/>
+              <a:buNone/>
+            </a:pPr>
+            <a:r>
+              <a:rPr lang="sv-SE" sz="1800" b="0" i="0" u="none" strike="noStrike" cap="none">
+                <a:solidFill>
+                  <a:schemeClr val="dk1"/>
+                </a:solidFill>
+                <a:latin typeface="Arimo"/>
+                <a:ea typeface="Arimo"/>
+                <a:cs typeface="Arimo"/>
+                <a:sym typeface="Arimo"/>
+              </a:rPr>
+              <a:t>Jodel Alert will send Linnéstudenterna an email when such post is found</a:t>
+            </a:r>
+          </a:p>
+          <a:p>
+            <a:pPr marL="342900" marR="0" lvl="0" indent="-342900" algn="l" rtl="0">
+              <a:spcBef>
+                <a:spcPts val="360"/>
+              </a:spcBef>
+              <a:spcAft>
+                <a:spcPts val="0"/>
+              </a:spcAft>
+              <a:buSzPct val="25000"/>
+              <a:buNone/>
+            </a:pPr>
+            <a:endParaRPr sz="1800" b="0" i="0" u="none" strike="noStrike" cap="none">
+              <a:solidFill>
+                <a:schemeClr val="dk1"/>
+              </a:solidFill>
+              <a:latin typeface="Arimo"/>
+              <a:ea typeface="Arimo"/>
+              <a:cs typeface="Arimo"/>
+              <a:sym typeface="Arimo"/>
+            </a:endParaRPr>
+          </a:p>
+          <a:p>
+            <a:pPr marL="342900" marR="0" lvl="0" indent="-342900" algn="l" rtl="0">
+              <a:spcBef>
+                <a:spcPts val="360"/>
+              </a:spcBef>
+              <a:spcAft>
+                <a:spcPts val="0"/>
+              </a:spcAft>
+              <a:buSzPct val="25000"/>
+              <a:buNone/>
+            </a:pPr>
+            <a:r>
+              <a:rPr lang="sv-SE" sz="1800" b="0" i="0" u="none" strike="noStrike" cap="none">
+                <a:solidFill>
+                  <a:schemeClr val="dk1"/>
+                </a:solidFill>
+                <a:latin typeface="Arimo"/>
+                <a:ea typeface="Arimo"/>
+                <a:cs typeface="Arimo"/>
+                <a:sym typeface="Arimo"/>
+              </a:rPr>
+              <a:t>Today Linnéstudenterna searches the feed manually when given time</a:t>
+            </a:r>
+          </a:p>
+          <a:p>
+            <a:pPr marL="342900" marR="0" lvl="0" indent="-342900" algn="l" rtl="0">
+              <a:spcBef>
+                <a:spcPts val="360"/>
+              </a:spcBef>
+              <a:spcAft>
+                <a:spcPts val="0"/>
+              </a:spcAft>
+              <a:buSzPct val="25000"/>
+              <a:buNone/>
+            </a:pPr>
+            <a:endParaRPr sz="1800" b="0" i="0" u="none" strike="noStrike" cap="none">
+              <a:solidFill>
+                <a:schemeClr val="dk1"/>
+              </a:solidFill>
+              <a:latin typeface="Arimo"/>
+              <a:ea typeface="Arimo"/>
+              <a:cs typeface="Arimo"/>
+              <a:sym typeface="Arimo"/>
+            </a:endParaRPr>
+          </a:p>
+          <a:p>
+            <a:pPr marL="342900" marR="0" lvl="0" indent="-342900" algn="l" rtl="0">
+              <a:spcBef>
+                <a:spcPts val="360"/>
+              </a:spcBef>
+              <a:spcAft>
+                <a:spcPts val="0"/>
+              </a:spcAft>
+              <a:buSzPct val="25000"/>
+              <a:buNone/>
+            </a:pPr>
+            <a:r>
+              <a:rPr lang="sv-SE" sz="1800" b="0" i="0" u="none" strike="noStrike" cap="none">
+                <a:solidFill>
+                  <a:schemeClr val="dk1"/>
+                </a:solidFill>
+                <a:latin typeface="Arimo"/>
+                <a:ea typeface="Arimo"/>
+                <a:cs typeface="Arimo"/>
+                <a:sym typeface="Arimo"/>
+              </a:rPr>
+              <a:t>Other companies can also benefit from this, in order to see what is trending for that company or what is said in general public by common man about that company</a:t>
+            </a:r>
+          </a:p>
+        </p:txBody>
+      </p:sp>
+    </p:spTree>
+  </p:cSld>
+  <p:clrMapOvr>
+    <a:masterClrMapping/>
+  </p:clrMapOvr>
+  <p:timing>
+    <p:tnLst>
+      <p:par>
+        <p:cTn id="1" dur="indefinite" restart="never" nodeType="tmRoot"/>
+      </p:par>
+    </p:tnLst>
+  </p:timing>
+</p:sld>
+</file>
+
+<file path=ppt/slides/slide4.xml><?xml version="1.0" encoding="utf-8"?>
+<p:sld xmlns:a="http://schemas.openxmlformats.org/drawingml/2006/main" xmlns:r="http://schemas.openxmlformats.org/officeDocument/2006/relationships" xmlns:p="http://schemas.openxmlformats.org/presentationml/2006/main">
+  <p:cSld>
+    <p:spTree>
+      <p:nvGrpSpPr>
+        <p:cNvPr id="1" name=""/>
+        <p:cNvGrpSpPr/>
+        <p:nvPr/>
+      </p:nvGrpSpPr>
+      <p:grpSpPr>
+        <a:xfrm>
+          <a:off x="0" y="0"/>
+          <a:ext cx="0" cy="0"/>
+          <a:chOff x="0" y="0"/>
+          <a:chExt cx="0" cy="0"/>
+        </a:xfrm>
+      </p:grpSpPr>
+      <p:sp>
+        <p:nvSpPr>
+          <p:cNvPr id="2" name="Title 1"/>
+          <p:cNvSpPr>
+            <a:spLocks noGrp="1"/>
+          </p:cNvSpPr>
+          <p:nvPr>
+            <p:ph type="title"/>
+          </p:nvPr>
+        </p:nvSpPr>
+        <p:spPr/>
+        <p:txBody>
+          <a:bodyPr/>
+          <a:lstStyle/>
+          <a:p>
+            <a:endParaRPr lang="en-US"/>
+          </a:p>
+        </p:txBody>
+      </p:sp>
+      <p:sp>
+        <p:nvSpPr>
+          <p:cNvPr id="3" name="Text Placeholder 2"/>
+          <p:cNvSpPr>
+            <a:spLocks noGrp="1"/>
+          </p:cNvSpPr>
+          <p:nvPr>
+            <p:ph type="body" idx="1"/>
+          </p:nvPr>
+        </p:nvSpPr>
+        <p:spPr>
+          <a:xfrm>
+            <a:off x="706437" y="1556792"/>
+            <a:ext cx="7658100" cy="4450307"/>
+          </a:xfrm>
+        </p:spPr>
+        <p:txBody>
+          <a:bodyPr/>
+          <a:lstStyle/>
+          <a:p>
+            <a:r>
+              <a:rPr lang="en-US" dirty="0" smtClean="0"/>
+              <a:t>Scenario </a:t>
+            </a:r>
+            <a:r>
+              <a:rPr lang="en-US" dirty="0"/>
+              <a:t>1</a:t>
+            </a:r>
+          </a:p>
+          <a:p>
+            <a:r>
+              <a:rPr lang="en-US" dirty="0"/>
+              <a:t>A </a:t>
+            </a:r>
+            <a:r>
+              <a:rPr lang="en-US" dirty="0" err="1"/>
+              <a:t>Jodel</a:t>
+            </a:r>
+            <a:r>
+              <a:rPr lang="en-US" dirty="0"/>
+              <a:t> user will make a post on the </a:t>
+            </a:r>
+            <a:r>
+              <a:rPr lang="en-US" dirty="0" err="1"/>
+              <a:t>Jodel</a:t>
+            </a:r>
+            <a:r>
+              <a:rPr lang="en-US" dirty="0"/>
+              <a:t> app. Once this post is submitted the </a:t>
+            </a:r>
+            <a:r>
+              <a:rPr lang="en-US" dirty="0" err="1"/>
+              <a:t>Jodel</a:t>
+            </a:r>
+            <a:r>
+              <a:rPr lang="en-US" dirty="0"/>
+              <a:t> </a:t>
+            </a:r>
+            <a:r>
+              <a:rPr lang="en-US" dirty="0" smtClean="0"/>
+              <a:t>Alert app </a:t>
+            </a:r>
+            <a:r>
+              <a:rPr lang="en-US" dirty="0"/>
+              <a:t>will </a:t>
+            </a:r>
+            <a:r>
+              <a:rPr lang="en-US" dirty="0" smtClean="0"/>
+              <a:t>receive </a:t>
+            </a:r>
+            <a:r>
+              <a:rPr lang="en-US" dirty="0"/>
+              <a:t>an access token to be able to scan the post for any specified </a:t>
+            </a:r>
+            <a:r>
+              <a:rPr lang="en-US" dirty="0" smtClean="0"/>
+              <a:t>keywords from </a:t>
+            </a:r>
+            <a:r>
+              <a:rPr lang="en-US" dirty="0"/>
+              <a:t>a matching database. If a keyword is found, the </a:t>
+            </a:r>
+            <a:r>
+              <a:rPr lang="en-US" dirty="0" err="1"/>
+              <a:t>Jodel</a:t>
+            </a:r>
+            <a:r>
+              <a:rPr lang="en-US" dirty="0"/>
+              <a:t> Alert app will send </a:t>
+            </a:r>
+            <a:r>
+              <a:rPr lang="en-US" dirty="0" smtClean="0"/>
+              <a:t>an email to </a:t>
+            </a:r>
+            <a:r>
+              <a:rPr lang="en-US" dirty="0"/>
+              <a:t>the administrator which contains the keyword used and the content of the post in </a:t>
+            </a:r>
+            <a:r>
+              <a:rPr lang="en-US" dirty="0" smtClean="0"/>
+              <a:t>which it </a:t>
+            </a:r>
+            <a:r>
+              <a:rPr lang="en-US" dirty="0"/>
+              <a:t>was used. If any errors occur they will be logged and an email will be sent </a:t>
+            </a:r>
+            <a:r>
+              <a:rPr lang="en-US" dirty="0" smtClean="0"/>
+              <a:t>to the </a:t>
+            </a:r>
+            <a:r>
+              <a:rPr lang="en-US" dirty="0"/>
+              <a:t>list </a:t>
+            </a:r>
+            <a:r>
+              <a:rPr lang="en-US" dirty="0" smtClean="0"/>
+              <a:t>of emails </a:t>
+            </a:r>
+            <a:r>
+              <a:rPr lang="en-US" dirty="0"/>
+              <a:t>in the database</a:t>
+            </a:r>
+            <a:r>
+              <a:rPr lang="en-US" dirty="0" smtClean="0"/>
+              <a:t>.</a:t>
+            </a:r>
+            <a:endParaRPr lang="en-US" dirty="0"/>
+          </a:p>
+        </p:txBody>
+      </p:sp>
+    </p:spTree>
+    <p:extLst>
+      <p:ext uri="{BB962C8B-B14F-4D97-AF65-F5344CB8AC3E}">
+        <p14:creationId xmlns:p14="http://schemas.microsoft.com/office/powerpoint/2010/main" val="2015586486"/>
+      </p:ext>
+    </p:extLst>
+  </p:cSld>
+  <p:clrMapOvr>
+    <a:masterClrMapping/>
+  </p:clrMapOvr>
+  <p:timing>
+    <p:tnLst>
+      <p:par>
+        <p:cTn id="1" dur="indefinite" restart="never" nodeType="tmRoot"/>
+      </p:par>
+    </p:tnLst>
+  </p:timing>
+</p:sld>
+</file>
+
+<file path=ppt/slides/slide5.xml><?xml version="1.0" encoding="utf-8"?>
+<p:sld xmlns:a="http://schemas.openxmlformats.org/drawingml/2006/main" xmlns:r="http://schemas.openxmlformats.org/officeDocument/2006/relationships" xmlns:p="http://schemas.openxmlformats.org/presentationml/2006/main">
+  <p:cSld>
+    <p:spTree>
+      <p:nvGrpSpPr>
+        <p:cNvPr id="1" name=""/>
+        <p:cNvGrpSpPr/>
+        <p:nvPr/>
+      </p:nvGrpSpPr>
+      <p:grpSpPr>
+        <a:xfrm>
+          <a:off x="0" y="0"/>
+          <a:ext cx="0" cy="0"/>
+          <a:chOff x="0" y="0"/>
+          <a:chExt cx="0" cy="0"/>
+        </a:xfrm>
+      </p:grpSpPr>
+      <p:sp>
+        <p:nvSpPr>
+          <p:cNvPr id="2" name="Title 1"/>
+          <p:cNvSpPr>
+            <a:spLocks noGrp="1"/>
+          </p:cNvSpPr>
+          <p:nvPr>
+            <p:ph type="title"/>
+          </p:nvPr>
+        </p:nvSpPr>
+        <p:spPr/>
+        <p:txBody>
+          <a:bodyPr/>
+          <a:lstStyle/>
+          <a:p>
+            <a:endParaRPr lang="en-US"/>
+          </a:p>
+        </p:txBody>
+      </p:sp>
+      <p:sp>
+        <p:nvSpPr>
+          <p:cNvPr id="3" name="Text Placeholder 2"/>
+          <p:cNvSpPr>
+            <a:spLocks noGrp="1"/>
+          </p:cNvSpPr>
+          <p:nvPr>
+            <p:ph type="body" idx="1"/>
+          </p:nvPr>
+        </p:nvSpPr>
+        <p:spPr/>
+        <p:txBody>
+          <a:bodyPr/>
+          <a:lstStyle/>
+          <a:p>
+            <a:r>
+              <a:rPr lang="en-US" dirty="0"/>
+              <a:t>Scenario 2</a:t>
+            </a:r>
+          </a:p>
+          <a:p>
+            <a:r>
+              <a:rPr lang="en-US" dirty="0"/>
+              <a:t>If the administrator of the </a:t>
+            </a:r>
+            <a:r>
+              <a:rPr lang="en-US" dirty="0" err="1"/>
+              <a:t>Jodel</a:t>
+            </a:r>
+            <a:r>
+              <a:rPr lang="en-US" dirty="0"/>
+              <a:t> Alert app would like to add/remove </a:t>
+            </a:r>
+            <a:r>
+              <a:rPr lang="en-US" dirty="0" smtClean="0"/>
+              <a:t>keywords, they can access </a:t>
+            </a:r>
+            <a:r>
+              <a:rPr lang="en-US" dirty="0"/>
+              <a:t>the database manually and perform the changes there. The same goes for </a:t>
+            </a:r>
+            <a:r>
+              <a:rPr lang="en-US" dirty="0" smtClean="0"/>
+              <a:t>adding or </a:t>
+            </a:r>
+            <a:r>
+              <a:rPr lang="en-US" dirty="0"/>
+              <a:t>removing the list of email addresses that will </a:t>
+            </a:r>
+            <a:r>
+              <a:rPr lang="en-US" dirty="0" smtClean="0"/>
+              <a:t>receive notification </a:t>
+            </a:r>
+            <a:r>
+              <a:rPr lang="en-US" dirty="0"/>
+              <a:t>when a </a:t>
+            </a:r>
+            <a:r>
+              <a:rPr lang="en-US" dirty="0" smtClean="0"/>
+              <a:t>matching keyword </a:t>
+            </a:r>
+            <a:r>
+              <a:rPr lang="en-US" dirty="0"/>
+              <a:t>is found.</a:t>
+            </a:r>
+            <a:endParaRPr lang="en-US" dirty="0"/>
+          </a:p>
+        </p:txBody>
+      </p:sp>
+    </p:spTree>
+    <p:extLst>
+      <p:ext uri="{BB962C8B-B14F-4D97-AF65-F5344CB8AC3E}">
+        <p14:creationId xmlns:p14="http://schemas.microsoft.com/office/powerpoint/2010/main" val="804877690"/>
+      </p:ext>
+    </p:extLst>
+  </p:cSld>
+  <p:clrMapOvr>
+    <a:masterClrMapping/>
+  </p:clrMapOvr>
+  <p:timing>
+    <p:tnLst>
+      <p:par>
+        <p:cTn id="1" dur="indefinite" restart="never" nodeType="tmRoot"/>
+      </p:par>
+    </p:tnLst>
+  </p:timing>
+</p:sld>
+</file>
+
+<file path=ppt/slides/slide6.xml><?xml version="1.0" encoding="utf-8"?>
+<p:sld xmlns:a="http://schemas.openxmlformats.org/drawingml/2006/main" xmlns:r="http://schemas.openxmlformats.org/officeDocument/2006/relationships" xmlns:p="http://schemas.openxmlformats.org/presentationml/2006/main">
+  <p:cSld>
+    <p:spTree>
+      <p:nvGrpSpPr>
+        <p:cNvPr id="1" name=""/>
+        <p:cNvGrpSpPr/>
+        <p:nvPr/>
+      </p:nvGrpSpPr>
+      <p:grpSpPr>
+        <a:xfrm>
+          <a:off x="0" y="0"/>
+          <a:ext cx="0" cy="0"/>
+          <a:chOff x="0" y="0"/>
+          <a:chExt cx="0" cy="0"/>
+        </a:xfrm>
+      </p:grpSpPr>
+      <p:sp>
+        <p:nvSpPr>
+          <p:cNvPr id="2" name="Title 1"/>
+          <p:cNvSpPr>
+            <a:spLocks noGrp="1"/>
+          </p:cNvSpPr>
+          <p:nvPr>
+            <p:ph type="title"/>
+          </p:nvPr>
+        </p:nvSpPr>
+        <p:spPr/>
+        <p:txBody>
+          <a:bodyPr/>
+          <a:lstStyle/>
+          <a:p>
+            <a:r>
+              <a:rPr lang="en-US" dirty="0"/>
+              <a:t>Functional requirements</a:t>
+            </a:r>
+            <a:br>
+              <a:rPr lang="en-US" dirty="0"/>
+            </a:br>
+            <a:endParaRPr lang="en-US" dirty="0"/>
+          </a:p>
+        </p:txBody>
+      </p:sp>
+      <p:sp>
+        <p:nvSpPr>
+          <p:cNvPr id="3" name="Text Placeholder 2"/>
+          <p:cNvSpPr>
+            <a:spLocks noGrp="1"/>
+          </p:cNvSpPr>
+          <p:nvPr>
+            <p:ph type="body" idx="1"/>
+          </p:nvPr>
+        </p:nvSpPr>
+        <p:spPr/>
+        <p:txBody>
+          <a:bodyPr/>
+          <a:lstStyle/>
+          <a:p>
+            <a:r>
+              <a:rPr lang="en-US" dirty="0" smtClean="0"/>
+              <a:t>1</a:t>
+            </a:r>
+            <a:r>
+              <a:rPr lang="en-US" dirty="0"/>
+              <a:t>. When a keyword is used in a </a:t>
+            </a:r>
+            <a:r>
+              <a:rPr lang="en-US" dirty="0" err="1"/>
+              <a:t>Jodel</a:t>
+            </a:r>
+            <a:r>
+              <a:rPr lang="en-US" dirty="0"/>
+              <a:t> post, </a:t>
+            </a:r>
+            <a:r>
+              <a:rPr lang="en-US" dirty="0" err="1"/>
+              <a:t>Linnestudenterna</a:t>
+            </a:r>
+            <a:r>
+              <a:rPr lang="en-US" dirty="0"/>
+              <a:t> will receive a mail</a:t>
+            </a:r>
+          </a:p>
+          <a:p>
+            <a:r>
+              <a:rPr lang="en-US" dirty="0"/>
+              <a:t>2. The application will request </a:t>
+            </a:r>
+            <a:r>
+              <a:rPr lang="en-US" dirty="0" err="1"/>
+              <a:t>Jodel</a:t>
+            </a:r>
+            <a:r>
+              <a:rPr lang="en-US" dirty="0"/>
+              <a:t> posts.</a:t>
+            </a:r>
+          </a:p>
+          <a:p>
+            <a:r>
+              <a:rPr lang="en-US" dirty="0"/>
+              <a:t>3. Keywords should be able to be removed</a:t>
+            </a:r>
+          </a:p>
+          <a:p>
+            <a:r>
+              <a:rPr lang="en-US" dirty="0"/>
+              <a:t>4. Keywords should be able to be added</a:t>
+            </a:r>
+          </a:p>
+          <a:p>
+            <a:r>
+              <a:rPr lang="en-US" dirty="0"/>
+              <a:t>5. Keywords should be able to be changed</a:t>
+            </a:r>
+          </a:p>
+          <a:p>
+            <a:r>
+              <a:rPr lang="en-US" dirty="0"/>
+              <a:t>6. Added keywords saved between sessions (</a:t>
+            </a:r>
+            <a:r>
+              <a:rPr lang="en-US" dirty="0" err="1"/>
+              <a:t>i.e</a:t>
+            </a:r>
+            <a:r>
+              <a:rPr lang="en-US" dirty="0"/>
+              <a:t> saved on local host if you restart </a:t>
+            </a:r>
+            <a:r>
+              <a:rPr lang="en-US" dirty="0" smtClean="0"/>
+              <a:t>the app</a:t>
+            </a:r>
+            <a:r>
+              <a:rPr lang="en-US" dirty="0"/>
+              <a:t>)</a:t>
+            </a:r>
+          </a:p>
+          <a:p>
+            <a:r>
+              <a:rPr lang="en-US" dirty="0"/>
+              <a:t>7. Recipient email should be able to be removed</a:t>
+            </a:r>
+          </a:p>
+          <a:p>
+            <a:r>
+              <a:rPr lang="en-US" dirty="0"/>
+              <a:t>8. Recipient email should be able to be added</a:t>
+            </a:r>
+          </a:p>
+          <a:p>
+            <a:r>
+              <a:rPr lang="en-US" dirty="0"/>
+              <a:t>9. Recipient email should be able to be changed</a:t>
+            </a:r>
+            <a:endParaRPr lang="en-US" dirty="0"/>
+          </a:p>
+        </p:txBody>
+      </p:sp>
+    </p:spTree>
+    <p:extLst>
+      <p:ext uri="{BB962C8B-B14F-4D97-AF65-F5344CB8AC3E}">
+        <p14:creationId xmlns:p14="http://schemas.microsoft.com/office/powerpoint/2010/main" val="1272224278"/>
+      </p:ext>
+    </p:extLst>
+  </p:cSld>
+  <p:clrMapOvr>
+    <a:masterClrMapping/>
+  </p:clrMapOvr>
+  <p:timing>
+    <p:tnLst>
+      <p:par>
+        <p:cTn id="1" dur="indefinite" restart="never" nodeType="tmRoot"/>
+      </p:par>
+    </p:tnLst>
+  </p:timing>
+</p:sld>
+</file>
+
+<file path=ppt/slides/slide7.xml><?xml version="1.0" encoding="utf-8"?>
+<p:sld xmlns:a="http://schemas.openxmlformats.org/drawingml/2006/main" xmlns:r="http://schemas.openxmlformats.org/officeDocument/2006/relationships" xmlns:p="http://schemas.openxmlformats.org/presentationml/2006/main">
+  <p:cSld>
+    <p:spTree>
+      <p:nvGrpSpPr>
+        <p:cNvPr id="1" name=""/>
+        <p:cNvGrpSpPr/>
+        <p:nvPr/>
+      </p:nvGrpSpPr>
+      <p:grpSpPr>
+        <a:xfrm>
+          <a:off x="0" y="0"/>
+          <a:ext cx="0" cy="0"/>
+          <a:chOff x="0" y="0"/>
+          <a:chExt cx="0" cy="0"/>
+        </a:xfrm>
+      </p:grpSpPr>
+      <p:sp>
+        <p:nvSpPr>
+          <p:cNvPr id="2" name="Title 1"/>
+          <p:cNvSpPr>
+            <a:spLocks noGrp="1"/>
+          </p:cNvSpPr>
+          <p:nvPr>
+            <p:ph type="title"/>
+          </p:nvPr>
+        </p:nvSpPr>
+        <p:spPr/>
+        <p:txBody>
+          <a:bodyPr/>
+          <a:lstStyle/>
+          <a:p>
+            <a:r>
+              <a:rPr lang="sv-SE" dirty="0" smtClean="0"/>
+              <a:t>Non functional requirements</a:t>
+            </a:r>
+            <a:endParaRPr lang="en-US" dirty="0"/>
+          </a:p>
+        </p:txBody>
+      </p:sp>
+      <p:sp>
+        <p:nvSpPr>
+          <p:cNvPr id="3" name="Text Placeholder 2"/>
+          <p:cNvSpPr>
+            <a:spLocks noGrp="1"/>
+          </p:cNvSpPr>
+          <p:nvPr>
+            <p:ph type="body" idx="1"/>
+          </p:nvPr>
+        </p:nvSpPr>
+        <p:spPr/>
+        <p:txBody>
+          <a:bodyPr/>
+          <a:lstStyle/>
+          <a:p>
+            <a:r>
+              <a:rPr lang="en-US" dirty="0"/>
+              <a:t>1. App will continuously scan </a:t>
+            </a:r>
+            <a:r>
+              <a:rPr lang="en-US" dirty="0" err="1"/>
+              <a:t>Jodel</a:t>
+            </a:r>
+            <a:r>
+              <a:rPr lang="en-US" dirty="0"/>
+              <a:t> traffic every 15 minutes.</a:t>
+            </a:r>
+          </a:p>
+          <a:p>
+            <a:r>
+              <a:rPr lang="en-US" dirty="0"/>
+              <a:t>2. When a keyword has been found, email should be sent within 2 seconds</a:t>
+            </a:r>
+            <a:endParaRPr lang="en-US" dirty="0"/>
+          </a:p>
+        </p:txBody>
+      </p:sp>
+    </p:spTree>
+    <p:extLst>
+      <p:ext uri="{BB962C8B-B14F-4D97-AF65-F5344CB8AC3E}">
+        <p14:creationId xmlns:p14="http://schemas.microsoft.com/office/powerpoint/2010/main" val="3818496702"/>
+      </p:ext>
+    </p:extLst>
+  </p:cSld>
+  <p:clrMapOvr>
+    <a:masterClrMapping/>
+  </p:clrMapOvr>
+  <p:timing>
+    <p:tnLst>
+      <p:par>
+        <p:cTn id="1" dur="indefinite" restart="never" nodeType="tmRoot"/>
+      </p:par>
+    </p:tnLst>
+  </p:timing>
+</p:sld>
+</file>
+
+<file path=ppt/slides/slide8.xml><?xml version="1.0" encoding="utf-8"?>
+<p:sld xmlns:a="http://schemas.openxmlformats.org/drawingml/2006/main" xmlns:r="http://schemas.openxmlformats.org/officeDocument/2006/relationships" xmlns:p="http://schemas.openxmlformats.org/presentationml/2006/main">
+  <p:cSld>
+    <p:spTree>
+      <p:nvGrpSpPr>
+        <p:cNvPr id="1" name="Shape 59"/>
+        <p:cNvGrpSpPr/>
+        <p:nvPr/>
+      </p:nvGrpSpPr>
+      <p:grpSpPr>
+        <a:xfrm>
+          <a:off x="0" y="0"/>
+          <a:ext cx="0" cy="0"/>
+          <a:chOff x="0" y="0"/>
+          <a:chExt cx="0" cy="0"/>
+        </a:xfrm>
+      </p:grpSpPr>
+      <p:sp>
+        <p:nvSpPr>
+          <p:cNvPr id="60" name="Shape 60"/>
+          <p:cNvSpPr txBox="1">
+            <a:spLocks noGrp="1"/>
+          </p:cNvSpPr>
+          <p:nvPr>
+            <p:ph type="title"/>
+          </p:nvPr>
+        </p:nvSpPr>
+        <p:spPr>
+          <a:xfrm>
+            <a:off x="704850" y="806450"/>
+            <a:ext cx="7645400" cy="755649"/>
+          </a:xfrm>
+          <a:prstGeom prst="rect">
+            <a:avLst/>
+          </a:prstGeom>
+          <a:noFill/>
+          <a:ln>
+            <a:noFill/>
+          </a:ln>
+        </p:spPr>
+        <p:txBody>
+          <a:bodyPr lIns="91425" tIns="45700" rIns="91425" bIns="45700" anchor="t" anchorCtr="0">
+            <a:noAutofit/>
+          </a:bodyPr>
+          <a:lstStyle/>
+          <a:p>
+            <a:pPr marL="0" marR="0" lvl="0" indent="0" algn="l" rtl="0">
+              <a:lnSpc>
+                <a:spcPct val="100000"/>
+              </a:lnSpc>
+              <a:spcBef>
+                <a:spcPts val="0"/>
+              </a:spcBef>
+              <a:spcAft>
+                <a:spcPts val="0"/>
+              </a:spcAft>
+              <a:buSzPct val="25000"/>
+              <a:buNone/>
+            </a:pPr>
+            <a:r>
+              <a:rPr lang="sv-SE" dirty="0" smtClean="0">
+                <a:latin typeface="Arimo"/>
+                <a:ea typeface="Arimo"/>
+                <a:cs typeface="Arimo"/>
+                <a:sym typeface="Arimo"/>
+              </a:rPr>
+              <a:t>Requirement 1 finding keywords – Use Cases</a:t>
+            </a:r>
+            <a:endParaRPr lang="sv-SE" sz="2700" b="0" i="0" u="none" strike="noStrike" cap="none" dirty="0">
+              <a:solidFill>
+                <a:schemeClr val="dk1"/>
+              </a:solidFill>
+              <a:latin typeface="Arimo"/>
+              <a:ea typeface="Arimo"/>
+              <a:cs typeface="Arimo"/>
+              <a:sym typeface="Arimo"/>
+            </a:endParaRPr>
+          </a:p>
+        </p:txBody>
+      </p:sp>
+      <p:sp>
+        <p:nvSpPr>
+          <p:cNvPr id="2" name="Text Placeholder 1"/>
+          <p:cNvSpPr>
+            <a:spLocks noGrp="1"/>
+          </p:cNvSpPr>
+          <p:nvPr>
+            <p:ph type="body" idx="1"/>
+          </p:nvPr>
+        </p:nvSpPr>
+        <p:spPr/>
+        <p:txBody>
+          <a:bodyPr/>
+          <a:lstStyle/>
+          <a:p>
+            <a:endParaRPr lang="en-US" dirty="0"/>
+          </a:p>
+        </p:txBody>
+      </p:sp>
+      <p:pic>
+        <p:nvPicPr>
+          <p:cNvPr id="4" name="Picture 3"/>
+          <p:cNvPicPr>
+            <a:picLocks noChangeAspect="1"/>
+          </p:cNvPicPr>
+          <p:nvPr/>
+        </p:nvPicPr>
+        <p:blipFill>
+          <a:blip r:embed="rId3">
+            <a:extLst>
+              <a:ext uri="{28A0092B-C50C-407E-A947-70E740481C1C}">
+                <a14:useLocalDpi xmlns:a14="http://schemas.microsoft.com/office/drawing/2010/main" val="0"/>
+              </a:ext>
+            </a:extLst>
+          </a:blip>
+          <a:stretch>
+            <a:fillRect/>
+          </a:stretch>
+        </p:blipFill>
+        <p:spPr>
+          <a:xfrm>
+            <a:off x="827584" y="1196752"/>
+            <a:ext cx="6444208" cy="4672749"/>
+          </a:xfrm>
+          <a:prstGeom prst="rect">
+            <a:avLst/>
+          </a:prstGeom>
+        </p:spPr>
+      </p:pic>
+    </p:spTree>
+  </p:cSld>
+  <p:clrMapOvr>
+    <a:masterClrMapping/>
+  </p:clrMapOvr>
+  <p:timing>
+    <p:tnLst>
+      <p:par>
+        <p:cTn id="1" dur="indefinite" restart="never" nodeType="tmRoot"/>
+      </p:par>
+    </p:tnLst>
+  </p:timing>
+</p:sld>
+</file>
+
+<file path=ppt/slides/slide9.xml><?xml version="1.0" encoding="utf-8"?>
+<p:sld xmlns:a="http://schemas.openxmlformats.org/drawingml/2006/main" xmlns:r="http://schemas.openxmlformats.org/officeDocument/2006/relationships" xmlns:p="http://schemas.openxmlformats.org/presentationml/2006/main">
+  <p:cSld>
+    <p:spTree>
+      <p:nvGrpSpPr>
+        <p:cNvPr id="1" name=""/>
+        <p:cNvGrpSpPr/>
+        <p:nvPr/>
+      </p:nvGrpSpPr>
+      <p:grpSpPr>
+        <a:xfrm>
+          <a:off x="0" y="0"/>
+          <a:ext cx="0" cy="0"/>
+          <a:chOff x="0" y="0"/>
+          <a:chExt cx="0" cy="0"/>
+        </a:xfrm>
+      </p:grpSpPr>
+      <p:sp>
+        <p:nvSpPr>
+          <p:cNvPr id="2" name="Title 1"/>
+          <p:cNvSpPr>
+            <a:spLocks noGrp="1"/>
+          </p:cNvSpPr>
+          <p:nvPr>
+            <p:ph type="title"/>
+          </p:nvPr>
+        </p:nvSpPr>
+        <p:spPr/>
+        <p:txBody>
+          <a:bodyPr/>
+          <a:lstStyle/>
+          <a:p>
+            <a:r>
+              <a:rPr lang="sv-SE" dirty="0" smtClean="0"/>
+              <a:t>Use Case Diagram</a:t>
+            </a:r>
+            <a:endParaRPr lang="en-US" dirty="0"/>
+          </a:p>
+        </p:txBody>
+      </p:sp>
+      <p:sp>
+        <p:nvSpPr>
+          <p:cNvPr id="3" name="Text Placeholder 2"/>
+          <p:cNvSpPr>
+            <a:spLocks noGrp="1"/>
+          </p:cNvSpPr>
+          <p:nvPr>
+            <p:ph type="body" idx="1"/>
+          </p:nvPr>
+        </p:nvSpPr>
+        <p:spPr/>
+        <p:txBody>
+          <a:bodyPr/>
+          <a:lstStyle/>
+          <a:p>
+            <a:endParaRPr lang="en-US"/>
+          </a:p>
+        </p:txBody>
+      </p:sp>
+      <p:pic>
+        <p:nvPicPr>
+          <p:cNvPr id="4" name="Picture 3"/>
+          <p:cNvPicPr>
+            <a:picLocks noChangeAspect="1"/>
+          </p:cNvPicPr>
+          <p:nvPr/>
+        </p:nvPicPr>
+        <p:blipFill>
+          <a:blip r:embed="rId2">
+            <a:extLst>
+              <a:ext uri="{28A0092B-C50C-407E-A947-70E740481C1C}">
+                <a14:useLocalDpi xmlns:a14="http://schemas.microsoft.com/office/drawing/2010/main" val="0"/>
+              </a:ext>
+            </a:extLst>
+          </a:blip>
+          <a:stretch>
+            <a:fillRect/>
+          </a:stretch>
+        </p:blipFill>
+        <p:spPr>
+          <a:xfrm>
+            <a:off x="539552" y="2037251"/>
+            <a:ext cx="8028384" cy="3211354"/>
+          </a:xfrm>
+          <a:prstGeom prst="rect">
+            <a:avLst/>
+          </a:prstGeom>
+        </p:spPr>
+      </p:pic>
+    </p:spTree>
+    <p:extLst>
+      <p:ext uri="{BB962C8B-B14F-4D97-AF65-F5344CB8AC3E}">
+        <p14:creationId xmlns:p14="http://schemas.microsoft.com/office/powerpoint/2010/main" val="3425398795"/>
       </p:ext>
     </p:extLst>
   </p:cSld>
